--- a/Courses/Computer-Modeling-and-IT/Computer-Modeling-and-IT-6-Class/26-Transitioning-from-Block-to-Scripting-Languages/26-Transitioning-from-Block-to-Scripting-Languages.pptx
+++ b/Courses/Computer-Modeling-and-IT/Computer-Modeling-and-IT-6-Class/26-Transitioning-from-Block-to-Scripting-Languages/26-Transitioning-from-Block-to-Scripting-Languages.pptx
@@ -5,17 +5,24 @@
     <p:sldMasterId id="2147483675" r:id="rId1"/>
   </p:sldMasterIdLst>
   <p:notesMasterIdLst>
-    <p:notesMasterId r:id="rId7"/>
+    <p:notesMasterId r:id="rId14"/>
   </p:notesMasterIdLst>
   <p:handoutMasterIdLst>
-    <p:handoutMasterId r:id="rId8"/>
+    <p:handoutMasterId r:id="rId15"/>
   </p:handoutMasterIdLst>
   <p:sldIdLst>
     <p:sldId id="503" r:id="rId2"/>
     <p:sldId id="276" r:id="rId3"/>
-    <p:sldId id="586" r:id="rId4"/>
-    <p:sldId id="504" r:id="rId5"/>
-    <p:sldId id="505" r:id="rId6"/>
+    <p:sldId id="587" r:id="rId4"/>
+    <p:sldId id="588" r:id="rId5"/>
+    <p:sldId id="589" r:id="rId6"/>
+    <p:sldId id="590" r:id="rId7"/>
+    <p:sldId id="591" r:id="rId8"/>
+    <p:sldId id="592" r:id="rId9"/>
+    <p:sldId id="593" r:id="rId10"/>
+    <p:sldId id="586" r:id="rId11"/>
+    <p:sldId id="504" r:id="rId12"/>
+    <p:sldId id="505" r:id="rId13"/>
   </p:sldIdLst>
   <p:sldSz cx="12192000" cy="6858000"/>
   <p:notesSz cx="6858000" cy="9144000"/>
@@ -123,6 +130,17 @@
             <p14:sldId id="276"/>
           </p14:sldIdLst>
         </p14:section>
+        <p14:section name="Език за програмиране" id="{DB5D4DE6-FF1C-4EA9-915A-C119FA75E385}">
+          <p14:sldIdLst>
+            <p14:sldId id="587"/>
+            <p14:sldId id="588"/>
+            <p14:sldId id="589"/>
+            <p14:sldId id="590"/>
+            <p14:sldId id="591"/>
+            <p14:sldId id="592"/>
+            <p14:sldId id="593"/>
+          </p14:sldIdLst>
+        </p14:section>
         <p14:section name="Заключение" id="{E19D07F1-86E2-47E9-B2AB-7ADC4F89DC12}">
           <p14:sldIdLst>
             <p14:sldId id="586"/>
@@ -247,7 +265,7 @@
           <a:p>
             <a:fld id="{4E087215-0C8F-4762-A664-737A353EC9A4}" type="datetimeFigureOut">
               <a:rPr lang="bg-BG" smtClean="0"/>
-              <a:t>6.10.2024 г.</a:t>
+              <a:t>7.10.2024 г.</a:t>
             </a:fld>
             <a:endParaRPr lang="bg-BG"/>
           </a:p>
@@ -443,7 +461,7 @@
           <a:p>
             <a:fld id="{72D84649-876A-46C9-8472-14CB09C070D8}" type="datetimeFigureOut">
               <a:rPr lang="en-US" smtClean="0"/>
-              <a:t>10/6/2024</a:t>
+              <a:t>10/7/2024</a:t>
             </a:fld>
             <a:endParaRPr lang="en-US"/>
           </a:p>
@@ -1228,7 +1246,7 @@
             <a:fld id="{3EBA5BD7-F043-4D1B-AA17-CD412FC534DE}" type="slidenum">
               <a:rPr lang="en-US" smtClean="0"/>
               <a:pPr/>
-              <a:t>3</a:t>
+              <a:t>10</a:t>
             </a:fld>
             <a:endParaRPr lang="en-US" dirty="0"/>
           </a:p>
@@ -1419,7 +1437,7 @@
             <a:fld id="{3EBA5BD7-F043-4D1B-AA17-CD412FC534DE}" type="slidenum">
               <a:rPr lang="en-US" smtClean="0"/>
               <a:pPr/>
-              <a:t>4</a:t>
+              <a:t>11</a:t>
             </a:fld>
             <a:endParaRPr lang="en-US" dirty="0"/>
           </a:p>
@@ -1649,7 +1667,7 @@
             <a:fld id="{3EBA5BD7-F043-4D1B-AA17-CD412FC534DE}" type="slidenum">
               <a:rPr lang="en-US" smtClean="0"/>
               <a:pPr/>
-              <a:t>5</a:t>
+              <a:t>12</a:t>
             </a:fld>
             <a:endParaRPr lang="en-US" dirty="0"/>
           </a:p>
@@ -7017,295 +7035,7 @@
 </p:sld>
 </file>
 
-<file path=ppt/slides/slide2.xml><?xml version="1.0" encoding="utf-8"?>
-<p:sld xmlns:a="http://schemas.openxmlformats.org/drawingml/2006/main" xmlns:r="http://schemas.openxmlformats.org/officeDocument/2006/relationships" xmlns:p="http://schemas.openxmlformats.org/presentationml/2006/main">
-  <p:cSld>
-    <p:spTree>
-      <p:nvGrpSpPr>
-        <p:cNvPr id="1" name=""/>
-        <p:cNvGrpSpPr/>
-        <p:nvPr/>
-      </p:nvGrpSpPr>
-      <p:grpSpPr>
-        <a:xfrm>
-          <a:off x="0" y="0"/>
-          <a:ext cx="0" cy="0"/>
-          <a:chOff x="0" y="0"/>
-          <a:chExt cx="0" cy="0"/>
-        </a:xfrm>
-      </p:grpSpPr>
-      <p:sp>
-        <p:nvSpPr>
-          <p:cNvPr id="5" name="Slide Number">
-            <a:extLst>
-              <a:ext uri="{FF2B5EF4-FFF2-40B4-BE49-F238E27FC236}">
-                <a16:creationId xmlns:a16="http://schemas.microsoft.com/office/drawing/2014/main" id="{6A760D59-0056-4F39-B077-DBDBE3D2927E}"/>
-              </a:ext>
-            </a:extLst>
-          </p:cNvPr>
-          <p:cNvSpPr txBox="1">
-            <a:spLocks/>
-          </p:cNvSpPr>
-          <p:nvPr/>
-        </p:nvSpPr>
-        <p:spPr>
-          <a:xfrm>
-            <a:off x="11753030" y="6507000"/>
-            <a:ext cx="367414" cy="297000"/>
-          </a:xfrm>
-          <a:prstGeom prst="rect">
-            <a:avLst/>
-          </a:prstGeom>
-        </p:spPr>
-        <p:txBody>
-          <a:bodyPr vert="horz" lIns="91440" tIns="45720" rIns="91440" bIns="45720" rtlCol="0" anchor="b"/>
-          <a:lstStyle>
-            <a:defPPr>
-              <a:defRPr lang="en-US"/>
-            </a:defPPr>
-            <a:lvl1pPr marL="0" algn="r" defTabSz="914400" rtl="0" eaLnBrk="1" latinLnBrk="0" hangingPunct="1">
-              <a:defRPr sz="1000" kern="1200">
-                <a:solidFill>
-                  <a:schemeClr val="tx1"/>
-                </a:solidFill>
-                <a:latin typeface="+mn-lt"/>
-                <a:ea typeface="+mn-ea"/>
-                <a:cs typeface="+mn-cs"/>
-              </a:defRPr>
-            </a:lvl1pPr>
-            <a:lvl2pPr marL="457200" algn="l" defTabSz="914400" rtl="0" eaLnBrk="1" latinLnBrk="0" hangingPunct="1">
-              <a:defRPr sz="1800" kern="1200">
-                <a:solidFill>
-                  <a:schemeClr val="tx1"/>
-                </a:solidFill>
-                <a:latin typeface="+mn-lt"/>
-                <a:ea typeface="+mn-ea"/>
-                <a:cs typeface="+mn-cs"/>
-              </a:defRPr>
-            </a:lvl2pPr>
-            <a:lvl3pPr marL="914400" algn="l" defTabSz="914400" rtl="0" eaLnBrk="1" latinLnBrk="0" hangingPunct="1">
-              <a:defRPr sz="1800" kern="1200">
-                <a:solidFill>
-                  <a:schemeClr val="tx1"/>
-                </a:solidFill>
-                <a:latin typeface="+mn-lt"/>
-                <a:ea typeface="+mn-ea"/>
-                <a:cs typeface="+mn-cs"/>
-              </a:defRPr>
-            </a:lvl3pPr>
-            <a:lvl4pPr marL="1371600" algn="l" defTabSz="914400" rtl="0" eaLnBrk="1" latinLnBrk="0" hangingPunct="1">
-              <a:defRPr sz="1800" kern="1200">
-                <a:solidFill>
-                  <a:schemeClr val="tx1"/>
-                </a:solidFill>
-                <a:latin typeface="+mn-lt"/>
-                <a:ea typeface="+mn-ea"/>
-                <a:cs typeface="+mn-cs"/>
-              </a:defRPr>
-            </a:lvl4pPr>
-            <a:lvl5pPr marL="1828800" algn="l" defTabSz="914400" rtl="0" eaLnBrk="1" latinLnBrk="0" hangingPunct="1">
-              <a:defRPr sz="1800" kern="1200">
-                <a:solidFill>
-                  <a:schemeClr val="tx1"/>
-                </a:solidFill>
-                <a:latin typeface="+mn-lt"/>
-                <a:ea typeface="+mn-ea"/>
-                <a:cs typeface="+mn-cs"/>
-              </a:defRPr>
-            </a:lvl5pPr>
-            <a:lvl6pPr marL="2286000" algn="l" defTabSz="914400" rtl="0" eaLnBrk="1" latinLnBrk="0" hangingPunct="1">
-              <a:defRPr sz="1800" kern="1200">
-                <a:solidFill>
-                  <a:schemeClr val="tx1"/>
-                </a:solidFill>
-                <a:latin typeface="+mn-lt"/>
-                <a:ea typeface="+mn-ea"/>
-                <a:cs typeface="+mn-cs"/>
-              </a:defRPr>
-            </a:lvl6pPr>
-            <a:lvl7pPr marL="2743200" algn="l" defTabSz="914400" rtl="0" eaLnBrk="1" latinLnBrk="0" hangingPunct="1">
-              <a:defRPr sz="1800" kern="1200">
-                <a:solidFill>
-                  <a:schemeClr val="tx1"/>
-                </a:solidFill>
-                <a:latin typeface="+mn-lt"/>
-                <a:ea typeface="+mn-ea"/>
-                <a:cs typeface="+mn-cs"/>
-              </a:defRPr>
-            </a:lvl7pPr>
-            <a:lvl8pPr marL="3200400" algn="l" defTabSz="914400" rtl="0" eaLnBrk="1" latinLnBrk="0" hangingPunct="1">
-              <a:defRPr sz="1800" kern="1200">
-                <a:solidFill>
-                  <a:schemeClr val="tx1"/>
-                </a:solidFill>
-                <a:latin typeface="+mn-lt"/>
-                <a:ea typeface="+mn-ea"/>
-                <a:cs typeface="+mn-cs"/>
-              </a:defRPr>
-            </a:lvl8pPr>
-            <a:lvl9pPr marL="3657600" algn="l" defTabSz="914400" rtl="0" eaLnBrk="1" latinLnBrk="0" hangingPunct="1">
-              <a:defRPr sz="1800" kern="1200">
-                <a:solidFill>
-                  <a:schemeClr val="tx1"/>
-                </a:solidFill>
-                <a:latin typeface="+mn-lt"/>
-                <a:ea typeface="+mn-ea"/>
-                <a:cs typeface="+mn-cs"/>
-              </a:defRPr>
-            </a:lvl9pPr>
-          </a:lstStyle>
-          <a:p>
-            <a:fld id="{2BF067CD-8E6B-4360-9AA8-C5DF2A48A6D1}" type="slidenum">
-              <a:rPr lang="en-US" smtClean="0"/>
-              <a:pPr/>
-              <a:t>2</a:t>
-            </a:fld>
-            <a:endParaRPr lang="en-US" dirty="0"/>
-          </a:p>
-        </p:txBody>
-      </p:sp>
-      <p:sp>
-        <p:nvSpPr>
-          <p:cNvPr id="444419" name="Slide Body"/>
-          <p:cNvSpPr>
-            <a:spLocks noGrp="1" noChangeArrowheads="1"/>
-          </p:cNvSpPr>
-          <p:nvPr>
-            <p:ph type="body" sz="quarter" idx="13"/>
-          </p:nvPr>
-        </p:nvSpPr>
-        <p:spPr>
-          <a:xfrm>
-            <a:off x="196766" y="1371604"/>
-            <a:ext cx="8284234" cy="5207396"/>
-          </a:xfrm>
-        </p:spPr>
-        <p:txBody>
-          <a:bodyPr/>
-          <a:lstStyle/>
-          <a:p>
-            <a:r>
-              <a:rPr lang="bg-BG" dirty="0" smtClean="0"/>
-              <a:t>͏</a:t>
-            </a:r>
-            <a:r>
-              <a:rPr lang="en-US" b="1" dirty="0" smtClean="0">
-                <a:solidFill>
-                  <a:schemeClr val="bg1"/>
-                </a:solidFill>
-              </a:rPr>
-              <a:t>TODO</a:t>
-            </a:r>
-            <a:endParaRPr lang="bg-BG" b="1" dirty="0" smtClean="0"/>
-          </a:p>
-        </p:txBody>
-      </p:sp>
-      <p:sp>
-        <p:nvSpPr>
-          <p:cNvPr id="444418" name="Slide Title"/>
-          <p:cNvSpPr>
-            <a:spLocks noGrp="1" noChangeArrowheads="1"/>
-          </p:cNvSpPr>
-          <p:nvPr>
-            <p:ph type="title"/>
-          </p:nvPr>
-        </p:nvSpPr>
-        <p:spPr>
-          <a:xfrm>
-            <a:off x="190406" y="100750"/>
-            <a:ext cx="10270594" cy="882654"/>
-          </a:xfrm>
-        </p:spPr>
-        <p:txBody>
-          <a:bodyPr/>
-          <a:lstStyle/>
-          <a:p>
-            <a:r>
-              <a:rPr lang="bg-BG"/>
-              <a:t>Съдържание</a:t>
-            </a:r>
-            <a:endParaRPr lang="bg-BG" dirty="0"/>
-          </a:p>
-        </p:txBody>
-      </p:sp>
-      <p:pic>
-        <p:nvPicPr>
-          <p:cNvPr id="4" name="Picture 3">
-            <a:extLst>
-              <a:ext uri="{FF2B5EF4-FFF2-40B4-BE49-F238E27FC236}">
-                <a16:creationId xmlns:a16="http://schemas.microsoft.com/office/drawing/2014/main" id="{8835CDFB-0E94-0132-177D-CD4B4F85BF89}"/>
-              </a:ext>
-            </a:extLst>
-          </p:cNvPr>
-          <p:cNvPicPr>
-            <a:picLocks noChangeAspect="1"/>
-          </p:cNvPicPr>
-          <p:nvPr/>
-        </p:nvPicPr>
-        <p:blipFill>
-          <a:blip r:embed="rId3">
-            <a:duotone>
-              <a:prstClr val="black"/>
-              <a:schemeClr val="accent1">
-                <a:tint val="45000"/>
-                <a:satMod val="400000"/>
-              </a:schemeClr>
-            </a:duotone>
-            <a:extLst>
-              <a:ext uri="{BEBA8EAE-BF5A-486C-A8C5-ECC9F3942E4B}">
-                <a14:imgProps xmlns:a14="http://schemas.microsoft.com/office/drawing/2010/main">
-                  <a14:imgLayer r:embed="rId4">
-                    <a14:imgEffect>
-                      <a14:brightnessContrast bright="30000"/>
-                    </a14:imgEffect>
-                  </a14:imgLayer>
-                </a14:imgProps>
-              </a:ext>
-            </a:extLst>
-          </a:blip>
-          <a:stretch>
-            <a:fillRect/>
-          </a:stretch>
-        </p:blipFill>
-        <p:spPr>
-          <a:xfrm>
-            <a:off x="10011000" y="1584000"/>
-            <a:ext cx="1581246" cy="2115000"/>
-          </a:xfrm>
-          <a:prstGeom prst="rect">
-            <a:avLst/>
-          </a:prstGeom>
-        </p:spPr>
-      </p:pic>
-    </p:spTree>
-    <p:extLst>
-      <p:ext uri="{BB962C8B-B14F-4D97-AF65-F5344CB8AC3E}">
-        <p14:creationId xmlns:p14="http://schemas.microsoft.com/office/powerpoint/2010/main" val="1646986932"/>
-      </p:ext>
-    </p:extLst>
-  </p:cSld>
-  <p:clrMapOvr>
-    <a:masterClrMapping/>
-  </p:clrMapOvr>
-  <mc:AlternateContent xmlns:mc="http://schemas.openxmlformats.org/markup-compatibility/2006" xmlns:p14="http://schemas.microsoft.com/office/powerpoint/2010/main">
-    <mc:Choice Requires="p14">
-      <p:transition spd="slow" p14:dur="2000" advClick="0" advTm="5000"/>
-    </mc:Choice>
-    <mc:Fallback xmlns="">
-      <p:transition spd="slow" advClick="0" advTm="5000"/>
-    </mc:Fallback>
-  </mc:AlternateContent>
-  <p:timing>
-    <p:tnLst>
-      <p:par>
-        <p:cTn id="1" dur="indefinite" restart="never" nodeType="tmRoot"/>
-      </p:par>
-    </p:tnLst>
-  </p:timing>
-</p:sld>
-</file>
-
-<file path=ppt/slides/slide3.xml><?xml version="1.0" encoding="utf-8"?>
+<file path=ppt/slides/slide10.xml><?xml version="1.0" encoding="utf-8"?>
 <p:sld xmlns:a="http://schemas.openxmlformats.org/drawingml/2006/main" xmlns:r="http://schemas.openxmlformats.org/officeDocument/2006/relationships" xmlns:p="http://schemas.openxmlformats.org/presentationml/2006/main">
   <p:cSld>
     <p:spTree>
@@ -7567,7 +7297,7 @@
             <a:fld id="{C014DD1E-5D91-48A3-AD6D-45FBA980D106}" type="slidenum">
               <a:rPr lang="en-US" smtClean="0"/>
               <a:pPr/>
-              <a:t>3</a:t>
+              <a:t>10</a:t>
             </a:fld>
             <a:endParaRPr lang="en-US" dirty="0"/>
           </a:p>
@@ -8016,7 +7746,7 @@
 </p:sld>
 </file>
 
-<file path=ppt/slides/slide4.xml><?xml version="1.0" encoding="utf-8"?>
+<file path=ppt/slides/slide11.xml><?xml version="1.0" encoding="utf-8"?>
 <p:sld xmlns:a="http://schemas.openxmlformats.org/drawingml/2006/main" xmlns:r="http://schemas.openxmlformats.org/officeDocument/2006/relationships" xmlns:p="http://schemas.openxmlformats.org/presentationml/2006/main">
   <p:cSld>
     <p:spTree>
@@ -8130,7 +7860,7 @@
                 <a:hlinkClick r:id="rId3">
                   <a:extLst>
                     <a:ext uri="{A12FA001-AC4F-418D-AE19-62706E023703}">
-                      <ahyp:hlinkClr xmlns="" xmlns:ahyp="http://schemas.microsoft.com/office/drawing/2018/hyperlinkcolor" val="tx"/>
+                      <ahyp:hlinkClr xmlns:ahyp="http://schemas.microsoft.com/office/drawing/2018/hyperlinkcolor" xmlns="" val="tx"/>
                     </a:ext>
                   </a:extLst>
                 </a:hlinkClick>
@@ -8213,7 +7943,7 @@
 </p:sld>
 </file>
 
-<file path=ppt/slides/slide5.xml><?xml version="1.0" encoding="utf-8"?>
+<file path=ppt/slides/slide12.xml><?xml version="1.0" encoding="utf-8"?>
 <p:sld xmlns:a="http://schemas.openxmlformats.org/drawingml/2006/main" xmlns:r="http://schemas.openxmlformats.org/officeDocument/2006/relationships" xmlns:p="http://schemas.openxmlformats.org/presentationml/2006/main" show="0">
   <p:cSld>
     <p:spTree>
@@ -8266,7 +7996,7 @@
             <a:fld id="{2BF067CD-8E6B-4360-9AA8-C5DF2A48A6D1}" type="slidenum">
               <a:rPr lang="en-US" smtClean="0"/>
               <a:pPr/>
-              <a:t>5</a:t>
+              <a:t>12</a:t>
             </a:fld>
             <a:endParaRPr lang="en-US" dirty="0"/>
           </a:p>
@@ -8579,6 +8309,3166 @@
     <p:extLst>
       <p:ext uri="{BB962C8B-B14F-4D97-AF65-F5344CB8AC3E}">
         <p14:creationId xmlns:p14="http://schemas.microsoft.com/office/powerpoint/2010/main" val="3879276042"/>
+      </p:ext>
+    </p:extLst>
+  </p:cSld>
+  <p:clrMapOvr>
+    <a:masterClrMapping/>
+  </p:clrMapOvr>
+  <mc:AlternateContent xmlns:mc="http://schemas.openxmlformats.org/markup-compatibility/2006" xmlns:p14="http://schemas.microsoft.com/office/powerpoint/2010/main">
+    <mc:Choice Requires="p14">
+      <p:transition spd="slow" p14:dur="2000" advClick="0" advTm="5000"/>
+    </mc:Choice>
+    <mc:Fallback xmlns="">
+      <p:transition spd="slow" advClick="0" advTm="5000"/>
+    </mc:Fallback>
+  </mc:AlternateContent>
+  <p:timing>
+    <p:tnLst>
+      <p:par>
+        <p:cTn id="1" dur="indefinite" restart="never" nodeType="tmRoot"/>
+      </p:par>
+    </p:tnLst>
+  </p:timing>
+</p:sld>
+</file>
+
+<file path=ppt/slides/slide2.xml><?xml version="1.0" encoding="utf-8"?>
+<p:sld xmlns:a="http://schemas.openxmlformats.org/drawingml/2006/main" xmlns:r="http://schemas.openxmlformats.org/officeDocument/2006/relationships" xmlns:p="http://schemas.openxmlformats.org/presentationml/2006/main">
+  <p:cSld>
+    <p:spTree>
+      <p:nvGrpSpPr>
+        <p:cNvPr id="1" name=""/>
+        <p:cNvGrpSpPr/>
+        <p:nvPr/>
+      </p:nvGrpSpPr>
+      <p:grpSpPr>
+        <a:xfrm>
+          <a:off x="0" y="0"/>
+          <a:ext cx="0" cy="0"/>
+          <a:chOff x="0" y="0"/>
+          <a:chExt cx="0" cy="0"/>
+        </a:xfrm>
+      </p:grpSpPr>
+      <p:sp>
+        <p:nvSpPr>
+          <p:cNvPr id="5" name="Slide Number">
+            <a:extLst>
+              <a:ext uri="{FF2B5EF4-FFF2-40B4-BE49-F238E27FC236}">
+                <a16:creationId xmlns:a16="http://schemas.microsoft.com/office/drawing/2014/main" id="{6A760D59-0056-4F39-B077-DBDBE3D2927E}"/>
+              </a:ext>
+            </a:extLst>
+          </p:cNvPr>
+          <p:cNvSpPr txBox="1">
+            <a:spLocks/>
+          </p:cNvSpPr>
+          <p:nvPr/>
+        </p:nvSpPr>
+        <p:spPr>
+          <a:xfrm>
+            <a:off x="11753030" y="6507000"/>
+            <a:ext cx="367414" cy="297000"/>
+          </a:xfrm>
+          <a:prstGeom prst="rect">
+            <a:avLst/>
+          </a:prstGeom>
+        </p:spPr>
+        <p:txBody>
+          <a:bodyPr vert="horz" lIns="91440" tIns="45720" rIns="91440" bIns="45720" rtlCol="0" anchor="b"/>
+          <a:lstStyle>
+            <a:defPPr>
+              <a:defRPr lang="en-US"/>
+            </a:defPPr>
+            <a:lvl1pPr marL="0" algn="r" defTabSz="914400" rtl="0" eaLnBrk="1" latinLnBrk="0" hangingPunct="1">
+              <a:defRPr sz="1000" kern="1200">
+                <a:solidFill>
+                  <a:schemeClr val="tx1"/>
+                </a:solidFill>
+                <a:latin typeface="+mn-lt"/>
+                <a:ea typeface="+mn-ea"/>
+                <a:cs typeface="+mn-cs"/>
+              </a:defRPr>
+            </a:lvl1pPr>
+            <a:lvl2pPr marL="457200" algn="l" defTabSz="914400" rtl="0" eaLnBrk="1" latinLnBrk="0" hangingPunct="1">
+              <a:defRPr sz="1800" kern="1200">
+                <a:solidFill>
+                  <a:schemeClr val="tx1"/>
+                </a:solidFill>
+                <a:latin typeface="+mn-lt"/>
+                <a:ea typeface="+mn-ea"/>
+                <a:cs typeface="+mn-cs"/>
+              </a:defRPr>
+            </a:lvl2pPr>
+            <a:lvl3pPr marL="914400" algn="l" defTabSz="914400" rtl="0" eaLnBrk="1" latinLnBrk="0" hangingPunct="1">
+              <a:defRPr sz="1800" kern="1200">
+                <a:solidFill>
+                  <a:schemeClr val="tx1"/>
+                </a:solidFill>
+                <a:latin typeface="+mn-lt"/>
+                <a:ea typeface="+mn-ea"/>
+                <a:cs typeface="+mn-cs"/>
+              </a:defRPr>
+            </a:lvl3pPr>
+            <a:lvl4pPr marL="1371600" algn="l" defTabSz="914400" rtl="0" eaLnBrk="1" latinLnBrk="0" hangingPunct="1">
+              <a:defRPr sz="1800" kern="1200">
+                <a:solidFill>
+                  <a:schemeClr val="tx1"/>
+                </a:solidFill>
+                <a:latin typeface="+mn-lt"/>
+                <a:ea typeface="+mn-ea"/>
+                <a:cs typeface="+mn-cs"/>
+              </a:defRPr>
+            </a:lvl4pPr>
+            <a:lvl5pPr marL="1828800" algn="l" defTabSz="914400" rtl="0" eaLnBrk="1" latinLnBrk="0" hangingPunct="1">
+              <a:defRPr sz="1800" kern="1200">
+                <a:solidFill>
+                  <a:schemeClr val="tx1"/>
+                </a:solidFill>
+                <a:latin typeface="+mn-lt"/>
+                <a:ea typeface="+mn-ea"/>
+                <a:cs typeface="+mn-cs"/>
+              </a:defRPr>
+            </a:lvl5pPr>
+            <a:lvl6pPr marL="2286000" algn="l" defTabSz="914400" rtl="0" eaLnBrk="1" latinLnBrk="0" hangingPunct="1">
+              <a:defRPr sz="1800" kern="1200">
+                <a:solidFill>
+                  <a:schemeClr val="tx1"/>
+                </a:solidFill>
+                <a:latin typeface="+mn-lt"/>
+                <a:ea typeface="+mn-ea"/>
+                <a:cs typeface="+mn-cs"/>
+              </a:defRPr>
+            </a:lvl6pPr>
+            <a:lvl7pPr marL="2743200" algn="l" defTabSz="914400" rtl="0" eaLnBrk="1" latinLnBrk="0" hangingPunct="1">
+              <a:defRPr sz="1800" kern="1200">
+                <a:solidFill>
+                  <a:schemeClr val="tx1"/>
+                </a:solidFill>
+                <a:latin typeface="+mn-lt"/>
+                <a:ea typeface="+mn-ea"/>
+                <a:cs typeface="+mn-cs"/>
+              </a:defRPr>
+            </a:lvl7pPr>
+            <a:lvl8pPr marL="3200400" algn="l" defTabSz="914400" rtl="0" eaLnBrk="1" latinLnBrk="0" hangingPunct="1">
+              <a:defRPr sz="1800" kern="1200">
+                <a:solidFill>
+                  <a:schemeClr val="tx1"/>
+                </a:solidFill>
+                <a:latin typeface="+mn-lt"/>
+                <a:ea typeface="+mn-ea"/>
+                <a:cs typeface="+mn-cs"/>
+              </a:defRPr>
+            </a:lvl8pPr>
+            <a:lvl9pPr marL="3657600" algn="l" defTabSz="914400" rtl="0" eaLnBrk="1" latinLnBrk="0" hangingPunct="1">
+              <a:defRPr sz="1800" kern="1200">
+                <a:solidFill>
+                  <a:schemeClr val="tx1"/>
+                </a:solidFill>
+                <a:latin typeface="+mn-lt"/>
+                <a:ea typeface="+mn-ea"/>
+                <a:cs typeface="+mn-cs"/>
+              </a:defRPr>
+            </a:lvl9pPr>
+          </a:lstStyle>
+          <a:p>
+            <a:fld id="{2BF067CD-8E6B-4360-9AA8-C5DF2A48A6D1}" type="slidenum">
+              <a:rPr lang="en-US" smtClean="0"/>
+              <a:pPr/>
+              <a:t>2</a:t>
+            </a:fld>
+            <a:endParaRPr lang="en-US" dirty="0"/>
+          </a:p>
+        </p:txBody>
+      </p:sp>
+      <p:sp>
+        <p:nvSpPr>
+          <p:cNvPr id="444419" name="Slide Body"/>
+          <p:cNvSpPr>
+            <a:spLocks noGrp="1" noChangeArrowheads="1"/>
+          </p:cNvSpPr>
+          <p:nvPr>
+            <p:ph type="body" sz="quarter" idx="13"/>
+          </p:nvPr>
+        </p:nvSpPr>
+        <p:spPr>
+          <a:xfrm>
+            <a:off x="196766" y="1371604"/>
+            <a:ext cx="8284234" cy="5207396"/>
+          </a:xfrm>
+        </p:spPr>
+        <p:txBody>
+          <a:bodyPr/>
+          <a:lstStyle/>
+          <a:p>
+            <a:r>
+              <a:rPr lang="bg-BG" dirty="0" smtClean="0"/>
+              <a:t>͏Език за програмиране</a:t>
+            </a:r>
+          </a:p>
+          <a:p>
+            <a:r>
+              <a:rPr lang="bg-BG" dirty="0" smtClean="0"/>
+              <a:t>Интегрирана среда за програмиране</a:t>
+            </a:r>
+            <a:endParaRPr lang="bg-BG" dirty="0" smtClean="0"/>
+          </a:p>
+        </p:txBody>
+      </p:sp>
+      <p:sp>
+        <p:nvSpPr>
+          <p:cNvPr id="444418" name="Slide Title"/>
+          <p:cNvSpPr>
+            <a:spLocks noGrp="1" noChangeArrowheads="1"/>
+          </p:cNvSpPr>
+          <p:nvPr>
+            <p:ph type="title"/>
+          </p:nvPr>
+        </p:nvSpPr>
+        <p:spPr>
+          <a:xfrm>
+            <a:off x="190406" y="100750"/>
+            <a:ext cx="10270594" cy="882654"/>
+          </a:xfrm>
+        </p:spPr>
+        <p:txBody>
+          <a:bodyPr/>
+          <a:lstStyle/>
+          <a:p>
+            <a:r>
+              <a:rPr lang="bg-BG"/>
+              <a:t>Съдържание</a:t>
+            </a:r>
+            <a:endParaRPr lang="bg-BG" dirty="0"/>
+          </a:p>
+        </p:txBody>
+      </p:sp>
+      <p:pic>
+        <p:nvPicPr>
+          <p:cNvPr id="4" name="Picture 3">
+            <a:extLst>
+              <a:ext uri="{FF2B5EF4-FFF2-40B4-BE49-F238E27FC236}">
+                <a16:creationId xmlns:a16="http://schemas.microsoft.com/office/drawing/2014/main" id="{8835CDFB-0E94-0132-177D-CD4B4F85BF89}"/>
+              </a:ext>
+            </a:extLst>
+          </p:cNvPr>
+          <p:cNvPicPr>
+            <a:picLocks noChangeAspect="1"/>
+          </p:cNvPicPr>
+          <p:nvPr/>
+        </p:nvPicPr>
+        <p:blipFill>
+          <a:blip r:embed="rId3">
+            <a:duotone>
+              <a:prstClr val="black"/>
+              <a:schemeClr val="accent1">
+                <a:tint val="45000"/>
+                <a:satMod val="400000"/>
+              </a:schemeClr>
+            </a:duotone>
+            <a:extLst>
+              <a:ext uri="{BEBA8EAE-BF5A-486C-A8C5-ECC9F3942E4B}">
+                <a14:imgProps xmlns:a14="http://schemas.microsoft.com/office/drawing/2010/main">
+                  <a14:imgLayer r:embed="rId4">
+                    <a14:imgEffect>
+                      <a14:brightnessContrast bright="30000"/>
+                    </a14:imgEffect>
+                  </a14:imgLayer>
+                </a14:imgProps>
+              </a:ext>
+            </a:extLst>
+          </a:blip>
+          <a:stretch>
+            <a:fillRect/>
+          </a:stretch>
+        </p:blipFill>
+        <p:spPr>
+          <a:xfrm>
+            <a:off x="10011000" y="1584000"/>
+            <a:ext cx="1581246" cy="2115000"/>
+          </a:xfrm>
+          <a:prstGeom prst="rect">
+            <a:avLst/>
+          </a:prstGeom>
+        </p:spPr>
+      </p:pic>
+    </p:spTree>
+    <p:extLst>
+      <p:ext uri="{BB962C8B-B14F-4D97-AF65-F5344CB8AC3E}">
+        <p14:creationId xmlns:p14="http://schemas.microsoft.com/office/powerpoint/2010/main" val="1646986932"/>
+      </p:ext>
+    </p:extLst>
+  </p:cSld>
+  <p:clrMapOvr>
+    <a:masterClrMapping/>
+  </p:clrMapOvr>
+  <mc:AlternateContent xmlns:mc="http://schemas.openxmlformats.org/markup-compatibility/2006" xmlns:p14="http://schemas.microsoft.com/office/powerpoint/2010/main">
+    <mc:Choice Requires="p14">
+      <p:transition spd="slow" p14:dur="2000" advClick="0" advTm="5000"/>
+    </mc:Choice>
+    <mc:Fallback xmlns="">
+      <p:transition spd="slow" advClick="0" advTm="5000"/>
+    </mc:Fallback>
+  </mc:AlternateContent>
+  <p:timing>
+    <p:tnLst>
+      <p:par>
+        <p:cTn id="1" dur="indefinite" restart="never" nodeType="tmRoot">
+          <p:childTnLst>
+            <p:seq concurrent="1" nextAc="seek">
+              <p:cTn id="2" dur="indefinite" nodeType="mainSeq">
+                <p:childTnLst>
+                  <p:par>
+                    <p:cTn id="3" fill="hold">
+                      <p:stCondLst>
+                        <p:cond delay="indefinite"/>
+                      </p:stCondLst>
+                      <p:childTnLst>
+                        <p:par>
+                          <p:cTn id="4" fill="hold">
+                            <p:stCondLst>
+                              <p:cond delay="0"/>
+                            </p:stCondLst>
+                            <p:childTnLst>
+                              <p:par>
+                                <p:cTn id="5" presetID="1" presetClass="entr" presetSubtype="0" fill="hold" nodeType="clickEffect">
+                                  <p:stCondLst>
+                                    <p:cond delay="0"/>
+                                  </p:stCondLst>
+                                  <p:childTnLst>
+                                    <p:set>
+                                      <p:cBhvr>
+                                        <p:cTn id="6" dur="1" fill="hold">
+                                          <p:stCondLst>
+                                            <p:cond delay="0"/>
+                                          </p:stCondLst>
+                                        </p:cTn>
+                                        <p:tgtEl>
+                                          <p:spTgt spid="444419">
+                                            <p:txEl>
+                                              <p:pRg st="1" end="1"/>
+                                            </p:txEl>
+                                          </p:spTgt>
+                                        </p:tgtEl>
+                                        <p:attrNameLst>
+                                          <p:attrName>style.visibility</p:attrName>
+                                        </p:attrNameLst>
+                                      </p:cBhvr>
+                                      <p:to>
+                                        <p:strVal val="visible"/>
+                                      </p:to>
+                                    </p:set>
+                                  </p:childTnLst>
+                                </p:cTn>
+                              </p:par>
+                            </p:childTnLst>
+                          </p:cTn>
+                        </p:par>
+                      </p:childTnLst>
+                    </p:cTn>
+                  </p:par>
+                </p:childTnLst>
+              </p:cTn>
+              <p:prevCondLst>
+                <p:cond evt="onPrev" delay="0">
+                  <p:tgtEl>
+                    <p:sldTgt/>
+                  </p:tgtEl>
+                </p:cond>
+              </p:prevCondLst>
+              <p:nextCondLst>
+                <p:cond evt="onNext" delay="0">
+                  <p:tgtEl>
+                    <p:sldTgt/>
+                  </p:tgtEl>
+                </p:cond>
+              </p:nextCondLst>
+            </p:seq>
+          </p:childTnLst>
+        </p:cTn>
+      </p:par>
+    </p:tnLst>
+  </p:timing>
+</p:sld>
+</file>
+
+<file path=ppt/slides/slide3.xml><?xml version="1.0" encoding="utf-8"?>
+<p:sld xmlns:a="http://schemas.openxmlformats.org/drawingml/2006/main" xmlns:r="http://schemas.openxmlformats.org/officeDocument/2006/relationships" xmlns:p="http://schemas.openxmlformats.org/presentationml/2006/main">
+  <p:cSld>
+    <p:spTree>
+      <p:nvGrpSpPr>
+        <p:cNvPr id="1" name=""/>
+        <p:cNvGrpSpPr/>
+        <p:nvPr/>
+      </p:nvGrpSpPr>
+      <p:grpSpPr>
+        <a:xfrm>
+          <a:off x="0" y="0"/>
+          <a:ext cx="0" cy="0"/>
+          <a:chOff x="0" y="0"/>
+          <a:chExt cx="0" cy="0"/>
+        </a:xfrm>
+      </p:grpSpPr>
+      <p:sp>
+        <p:nvSpPr>
+          <p:cNvPr id="7" name="Subtitle 6"/>
+          <p:cNvSpPr>
+            <a:spLocks noGrp="1"/>
+          </p:cNvSpPr>
+          <p:nvPr>
+            <p:ph type="subTitle" sz="quarter" idx="11"/>
+          </p:nvPr>
+        </p:nvSpPr>
+        <p:spPr/>
+        <p:txBody>
+          <a:bodyPr/>
+          <a:lstStyle/>
+          <a:p>
+            <a:r>
+              <a:rPr lang="bg-BG" dirty="0"/>
+              <a:t>Основни концепции и предназначение</a:t>
+            </a:r>
+            <a:endParaRPr lang="en-US" dirty="0"/>
+          </a:p>
+        </p:txBody>
+      </p:sp>
+      <p:sp>
+        <p:nvSpPr>
+          <p:cNvPr id="5" name="Title 4"/>
+          <p:cNvSpPr>
+            <a:spLocks noGrp="1"/>
+          </p:cNvSpPr>
+          <p:nvPr>
+            <p:ph type="title" sz="quarter" idx="10"/>
+          </p:nvPr>
+        </p:nvSpPr>
+        <p:spPr/>
+        <p:txBody>
+          <a:bodyPr/>
+          <a:lstStyle/>
+          <a:p>
+            <a:r>
+              <a:rPr lang="bg-BG" dirty="0"/>
+              <a:t>Език за програмиране</a:t>
+            </a:r>
+            <a:endParaRPr lang="en-US" dirty="0"/>
+          </a:p>
+        </p:txBody>
+      </p:sp>
+      <p:pic>
+        <p:nvPicPr>
+          <p:cNvPr id="1026" name="Picture 2" descr="Top 5 Programming Languages to Learn in 2024 For Beginners"/>
+          <p:cNvPicPr>
+            <a:picLocks noChangeAspect="1" noChangeArrowheads="1"/>
+          </p:cNvPicPr>
+          <p:nvPr/>
+        </p:nvPicPr>
+        <p:blipFill>
+          <a:blip r:embed="rId2">
+            <a:extLst>
+              <a:ext uri="{28A0092B-C50C-407E-A947-70E740481C1C}">
+                <a14:useLocalDpi xmlns:a14="http://schemas.microsoft.com/office/drawing/2010/main" val="0"/>
+              </a:ext>
+            </a:extLst>
+          </a:blip>
+          <a:srcRect/>
+          <a:stretch>
+            <a:fillRect/>
+          </a:stretch>
+        </p:blipFill>
+        <p:spPr bwMode="auto">
+          <a:xfrm>
+            <a:off x="2067784" y="819000"/>
+            <a:ext cx="8056431" cy="3645000"/>
+          </a:xfrm>
+          <a:prstGeom prst="rect">
+            <a:avLst/>
+          </a:prstGeom>
+          <a:noFill/>
+          <a:ln>
+            <a:solidFill>
+              <a:schemeClr val="bg2">
+                <a:lumMod val="75000"/>
+              </a:schemeClr>
+            </a:solidFill>
+          </a:ln>
+          <a:extLst>
+            <a:ext uri="{909E8E84-426E-40DD-AFC4-6F175D3DCCD1}">
+              <a14:hiddenFill xmlns:a14="http://schemas.microsoft.com/office/drawing/2010/main">
+                <a:solidFill>
+                  <a:srgbClr val="FFFFFF"/>
+                </a:solidFill>
+              </a14:hiddenFill>
+            </a:ext>
+          </a:extLst>
+        </p:spPr>
+      </p:pic>
+    </p:spTree>
+    <p:extLst>
+      <p:ext uri="{BB962C8B-B14F-4D97-AF65-F5344CB8AC3E}">
+        <p14:creationId xmlns:p14="http://schemas.microsoft.com/office/powerpoint/2010/main" val="1830645221"/>
+      </p:ext>
+    </p:extLst>
+  </p:cSld>
+  <p:clrMapOvr>
+    <a:masterClrMapping/>
+  </p:clrMapOvr>
+  <mc:AlternateContent xmlns:mc="http://schemas.openxmlformats.org/markup-compatibility/2006" xmlns:p14="http://schemas.microsoft.com/office/powerpoint/2010/main">
+    <mc:Choice Requires="p14">
+      <p:transition spd="slow" p14:dur="2000" advClick="0" advTm="5000"/>
+    </mc:Choice>
+    <mc:Fallback xmlns="">
+      <p:transition spd="slow" advClick="0" advTm="5000"/>
+    </mc:Fallback>
+  </mc:AlternateContent>
+  <p:timing>
+    <p:tnLst>
+      <p:par>
+        <p:cTn id="1" dur="indefinite" restart="never" nodeType="tmRoot"/>
+      </p:par>
+    </p:tnLst>
+  </p:timing>
+</p:sld>
+</file>
+
+<file path=ppt/slides/slide4.xml><?xml version="1.0" encoding="utf-8"?>
+<p:sld xmlns:a="http://schemas.openxmlformats.org/drawingml/2006/main" xmlns:r="http://schemas.openxmlformats.org/officeDocument/2006/relationships" xmlns:p="http://schemas.openxmlformats.org/presentationml/2006/main">
+  <p:cSld>
+    <p:spTree>
+      <p:nvGrpSpPr>
+        <p:cNvPr id="1" name=""/>
+        <p:cNvGrpSpPr/>
+        <p:nvPr/>
+      </p:nvGrpSpPr>
+      <p:grpSpPr>
+        <a:xfrm>
+          <a:off x="0" y="0"/>
+          <a:ext cx="0" cy="0"/>
+          <a:chOff x="0" y="0"/>
+          <a:chExt cx="0" cy="0"/>
+        </a:xfrm>
+      </p:grpSpPr>
+      <p:sp>
+        <p:nvSpPr>
+          <p:cNvPr id="5" name="Text Placeholder 4"/>
+          <p:cNvSpPr>
+            <a:spLocks noGrp="1"/>
+          </p:cNvSpPr>
+          <p:nvPr>
+            <p:ph type="body" sz="quarter" idx="10"/>
+          </p:nvPr>
+        </p:nvSpPr>
+        <p:spPr/>
+        <p:txBody>
+          <a:bodyPr/>
+          <a:lstStyle/>
+          <a:p>
+            <a:r>
+              <a:rPr lang="bg-BG" dirty="0" smtClean="0"/>
+              <a:t>͏͏</a:t>
+            </a:r>
+            <a:r>
+              <a:rPr lang="bg-BG" b="1" dirty="0" smtClean="0">
+                <a:solidFill>
+                  <a:schemeClr val="bg1"/>
+                </a:solidFill>
+              </a:rPr>
+              <a:t>Език за програмиране </a:t>
+            </a:r>
+            <a:r>
+              <a:rPr lang="bg-BG" dirty="0" smtClean="0"/>
+              <a:t>– </a:t>
+            </a:r>
+            <a:r>
+              <a:rPr lang="ru-RU" b="1" dirty="0"/>
+              <a:t>система</a:t>
+            </a:r>
+            <a:r>
+              <a:rPr lang="ru-RU" dirty="0"/>
+              <a:t> от </a:t>
+            </a:r>
+            <a:r>
+              <a:rPr lang="ru-RU" b="1" dirty="0"/>
+              <a:t>символи</a:t>
+            </a:r>
+            <a:r>
+              <a:rPr lang="ru-RU" dirty="0"/>
+              <a:t>, </a:t>
+            </a:r>
+            <a:r>
+              <a:rPr lang="ru-RU" b="1" dirty="0"/>
+              <a:t>команди</a:t>
+            </a:r>
+            <a:r>
+              <a:rPr lang="ru-RU" dirty="0"/>
+              <a:t> и </a:t>
+            </a:r>
+            <a:r>
+              <a:rPr lang="ru-RU" b="1" dirty="0"/>
+              <a:t>правила</a:t>
+            </a:r>
+            <a:r>
+              <a:rPr lang="ru-RU" dirty="0"/>
+              <a:t>, чрез които програмистът </a:t>
+            </a:r>
+            <a:r>
+              <a:rPr lang="ru-RU" b="1" dirty="0"/>
+              <a:t>инструктира</a:t>
+            </a:r>
+            <a:r>
+              <a:rPr lang="ru-RU" dirty="0"/>
+              <a:t> </a:t>
+            </a:r>
+            <a:r>
+              <a:rPr lang="ru-RU" b="1" dirty="0"/>
+              <a:t>компютъра</a:t>
+            </a:r>
+            <a:r>
+              <a:rPr lang="ru-RU" dirty="0"/>
+              <a:t> да </a:t>
+            </a:r>
+            <a:r>
+              <a:rPr lang="ru-RU" b="1" dirty="0"/>
+              <a:t>изпълнява </a:t>
+            </a:r>
+            <a:r>
+              <a:rPr lang="ru-RU" b="1" dirty="0" smtClean="0"/>
+              <a:t>задачи</a:t>
+            </a:r>
+          </a:p>
+          <a:p>
+            <a:pPr lvl="1"/>
+            <a:r>
+              <a:rPr lang="ru-RU" dirty="0"/>
+              <a:t>С език за програмиране </a:t>
+            </a:r>
+            <a:r>
+              <a:rPr lang="ru-RU" b="1" dirty="0"/>
+              <a:t>преобразуваме алгоритми </a:t>
+            </a:r>
+            <a:r>
+              <a:rPr lang="ru-RU" dirty="0"/>
+              <a:t>в </a:t>
+            </a:r>
+            <a:r>
+              <a:rPr lang="ru-RU" b="1" dirty="0"/>
+              <a:t>програми</a:t>
+            </a:r>
+            <a:r>
+              <a:rPr lang="ru-RU" dirty="0"/>
+              <a:t>, </a:t>
+            </a:r>
+            <a:r>
+              <a:rPr lang="ru-RU" b="1" dirty="0">
+                <a:solidFill>
+                  <a:schemeClr val="bg1"/>
+                </a:solidFill>
+              </a:rPr>
+              <a:t>изпълними от компютъра</a:t>
+            </a:r>
+            <a:endParaRPr lang="en-US" b="1" dirty="0">
+              <a:solidFill>
+                <a:schemeClr val="bg1"/>
+              </a:solidFill>
+            </a:endParaRPr>
+          </a:p>
+        </p:txBody>
+      </p:sp>
+      <p:sp>
+        <p:nvSpPr>
+          <p:cNvPr id="4" name="Title 3"/>
+          <p:cNvSpPr>
+            <a:spLocks noGrp="1"/>
+          </p:cNvSpPr>
+          <p:nvPr>
+            <p:ph type="title"/>
+          </p:nvPr>
+        </p:nvSpPr>
+        <p:spPr/>
+        <p:txBody>
+          <a:bodyPr/>
+          <a:lstStyle/>
+          <a:p>
+            <a:r>
+              <a:rPr lang="bg-BG" dirty="0" smtClean="0"/>
+              <a:t>Какво е език за програмиране?</a:t>
+            </a:r>
+            <a:endParaRPr lang="en-US" dirty="0"/>
+          </a:p>
+        </p:txBody>
+      </p:sp>
+      <p:pic>
+        <p:nvPicPr>
+          <p:cNvPr id="6" name="Picture 5"/>
+          <p:cNvPicPr>
+            <a:picLocks noChangeAspect="1"/>
+          </p:cNvPicPr>
+          <p:nvPr/>
+        </p:nvPicPr>
+        <p:blipFill rotWithShape="1">
+          <a:blip r:embed="rId2">
+            <a:extLst>
+              <a:ext uri="{28A0092B-C50C-407E-A947-70E740481C1C}">
+                <a14:useLocalDpi xmlns:a14="http://schemas.microsoft.com/office/drawing/2010/main" val="0"/>
+              </a:ext>
+            </a:extLst>
+          </a:blip>
+          <a:srcRect l="5910" t="10809" r="6007" b="10668"/>
+          <a:stretch/>
+        </p:blipFill>
+        <p:spPr>
+          <a:xfrm>
+            <a:off x="4635617" y="4374000"/>
+            <a:ext cx="4590000" cy="2163103"/>
+          </a:xfrm>
+          <a:prstGeom prst="rect">
+            <a:avLst/>
+          </a:prstGeom>
+          <a:ln>
+            <a:solidFill>
+              <a:schemeClr val="bg2">
+                <a:lumMod val="75000"/>
+              </a:schemeClr>
+            </a:solidFill>
+          </a:ln>
+        </p:spPr>
+      </p:pic>
+    </p:spTree>
+    <p:extLst>
+      <p:ext uri="{BB962C8B-B14F-4D97-AF65-F5344CB8AC3E}">
+        <p14:creationId xmlns:p14="http://schemas.microsoft.com/office/powerpoint/2010/main" val="378518263"/>
+      </p:ext>
+    </p:extLst>
+  </p:cSld>
+  <p:clrMapOvr>
+    <a:masterClrMapping/>
+  </p:clrMapOvr>
+  <mc:AlternateContent xmlns:mc="http://schemas.openxmlformats.org/markup-compatibility/2006" xmlns:p14="http://schemas.microsoft.com/office/powerpoint/2010/main">
+    <mc:Choice Requires="p14">
+      <p:transition spd="slow" p14:dur="2000" advClick="0" advTm="5000"/>
+    </mc:Choice>
+    <mc:Fallback xmlns="">
+      <p:transition spd="slow" advClick="0" advTm="5000"/>
+    </mc:Fallback>
+  </mc:AlternateContent>
+  <p:timing>
+    <p:tnLst>
+      <p:par>
+        <p:cTn id="1" dur="indefinite" restart="never" nodeType="tmRoot">
+          <p:childTnLst>
+            <p:seq concurrent="1" nextAc="seek">
+              <p:cTn id="2" dur="indefinite" nodeType="mainSeq">
+                <p:childTnLst>
+                  <p:par>
+                    <p:cTn id="3" fill="hold">
+                      <p:stCondLst>
+                        <p:cond delay="indefinite"/>
+                      </p:stCondLst>
+                      <p:childTnLst>
+                        <p:par>
+                          <p:cTn id="4" fill="hold">
+                            <p:stCondLst>
+                              <p:cond delay="0"/>
+                            </p:stCondLst>
+                            <p:childTnLst>
+                              <p:par>
+                                <p:cTn id="5" presetID="1" presetClass="entr" presetSubtype="0" fill="hold" nodeType="clickEffect">
+                                  <p:stCondLst>
+                                    <p:cond delay="0"/>
+                                  </p:stCondLst>
+                                  <p:childTnLst>
+                                    <p:set>
+                                      <p:cBhvr>
+                                        <p:cTn id="6" dur="1" fill="hold">
+                                          <p:stCondLst>
+                                            <p:cond delay="0"/>
+                                          </p:stCondLst>
+                                        </p:cTn>
+                                        <p:tgtEl>
+                                          <p:spTgt spid="5">
+                                            <p:txEl>
+                                              <p:pRg st="1" end="1"/>
+                                            </p:txEl>
+                                          </p:spTgt>
+                                        </p:tgtEl>
+                                        <p:attrNameLst>
+                                          <p:attrName>style.visibility</p:attrName>
+                                        </p:attrNameLst>
+                                      </p:cBhvr>
+                                      <p:to>
+                                        <p:strVal val="visible"/>
+                                      </p:to>
+                                    </p:set>
+                                  </p:childTnLst>
+                                </p:cTn>
+                              </p:par>
+                            </p:childTnLst>
+                          </p:cTn>
+                        </p:par>
+                      </p:childTnLst>
+                    </p:cTn>
+                  </p:par>
+                  <p:par>
+                    <p:cTn id="7" fill="hold">
+                      <p:stCondLst>
+                        <p:cond delay="indefinite"/>
+                      </p:stCondLst>
+                      <p:childTnLst>
+                        <p:par>
+                          <p:cTn id="8" fill="hold">
+                            <p:stCondLst>
+                              <p:cond delay="0"/>
+                            </p:stCondLst>
+                            <p:childTnLst>
+                              <p:par>
+                                <p:cTn id="9" presetID="1" presetClass="entr" presetSubtype="0" fill="hold" nodeType="clickEffect">
+                                  <p:stCondLst>
+                                    <p:cond delay="0"/>
+                                  </p:stCondLst>
+                                  <p:childTnLst>
+                                    <p:set>
+                                      <p:cBhvr>
+                                        <p:cTn id="10" dur="1" fill="hold">
+                                          <p:stCondLst>
+                                            <p:cond delay="0"/>
+                                          </p:stCondLst>
+                                        </p:cTn>
+                                        <p:tgtEl>
+                                          <p:spTgt spid="6"/>
+                                        </p:tgtEl>
+                                        <p:attrNameLst>
+                                          <p:attrName>style.visibility</p:attrName>
+                                        </p:attrNameLst>
+                                      </p:cBhvr>
+                                      <p:to>
+                                        <p:strVal val="visible"/>
+                                      </p:to>
+                                    </p:set>
+                                  </p:childTnLst>
+                                </p:cTn>
+                              </p:par>
+                            </p:childTnLst>
+                          </p:cTn>
+                        </p:par>
+                      </p:childTnLst>
+                    </p:cTn>
+                  </p:par>
+                </p:childTnLst>
+              </p:cTn>
+              <p:prevCondLst>
+                <p:cond evt="onPrev" delay="0">
+                  <p:tgtEl>
+                    <p:sldTgt/>
+                  </p:tgtEl>
+                </p:cond>
+              </p:prevCondLst>
+              <p:nextCondLst>
+                <p:cond evt="onNext" delay="0">
+                  <p:tgtEl>
+                    <p:sldTgt/>
+                  </p:tgtEl>
+                </p:cond>
+              </p:nextCondLst>
+            </p:seq>
+          </p:childTnLst>
+        </p:cTn>
+      </p:par>
+    </p:tnLst>
+  </p:timing>
+</p:sld>
+</file>
+
+<file path=ppt/slides/slide5.xml><?xml version="1.0" encoding="utf-8"?>
+<p:sld xmlns:a="http://schemas.openxmlformats.org/drawingml/2006/main" xmlns:r="http://schemas.openxmlformats.org/officeDocument/2006/relationships" xmlns:p="http://schemas.openxmlformats.org/presentationml/2006/main">
+  <p:cSld>
+    <p:spTree>
+      <p:nvGrpSpPr>
+        <p:cNvPr id="1" name=""/>
+        <p:cNvGrpSpPr/>
+        <p:nvPr/>
+      </p:nvGrpSpPr>
+      <p:grpSpPr>
+        <a:xfrm>
+          <a:off x="0" y="0"/>
+          <a:ext cx="0" cy="0"/>
+          <a:chOff x="0" y="0"/>
+          <a:chExt cx="0" cy="0"/>
+        </a:xfrm>
+      </p:grpSpPr>
+      <p:sp>
+        <p:nvSpPr>
+          <p:cNvPr id="2" name="Slide Number Placeholder 1"/>
+          <p:cNvSpPr>
+            <a:spLocks noGrp="1"/>
+          </p:cNvSpPr>
+          <p:nvPr>
+            <p:ph type="sldNum" sz="quarter" idx="5"/>
+          </p:nvPr>
+        </p:nvSpPr>
+        <p:spPr/>
+        <p:txBody>
+          <a:bodyPr/>
+          <a:lstStyle/>
+          <a:p>
+            <a:fld id="{2BF067CD-8E6B-4360-9AA8-C5DF2A48A6D1}" type="slidenum">
+              <a:rPr lang="en-US" noProof="0" smtClean="0"/>
+              <a:pPr/>
+              <a:t>5</a:t>
+            </a:fld>
+            <a:endParaRPr lang="en-US" noProof="0" dirty="0"/>
+          </a:p>
+        </p:txBody>
+      </p:sp>
+      <p:sp>
+        <p:nvSpPr>
+          <p:cNvPr id="6" name="Text Placeholder 5"/>
+          <p:cNvSpPr>
+            <a:spLocks noGrp="1"/>
+          </p:cNvSpPr>
+          <p:nvPr>
+            <p:ph type="body" sz="quarter" idx="10"/>
+          </p:nvPr>
+        </p:nvSpPr>
+        <p:spPr/>
+        <p:txBody>
+          <a:bodyPr/>
+          <a:lstStyle/>
+          <a:p>
+            <a:r>
+              <a:rPr lang="ru-RU" b="1" dirty="0" smtClean="0"/>
+              <a:t>Езиците</a:t>
+            </a:r>
+            <a:r>
+              <a:rPr lang="ru-RU" dirty="0" smtClean="0"/>
+              <a:t> </a:t>
+            </a:r>
+            <a:r>
+              <a:rPr lang="ru-RU" dirty="0"/>
+              <a:t>за </a:t>
+            </a:r>
+            <a:r>
+              <a:rPr lang="ru-RU" b="1" dirty="0"/>
+              <a:t>програмиране</a:t>
+            </a:r>
+            <a:r>
+              <a:rPr lang="ru-RU" dirty="0"/>
+              <a:t> се </a:t>
+            </a:r>
+            <a:r>
+              <a:rPr lang="ru-RU" b="1" dirty="0"/>
+              <a:t>делят</a:t>
+            </a:r>
+            <a:r>
+              <a:rPr lang="ru-RU" dirty="0"/>
+              <a:t> на няколко </a:t>
+            </a:r>
+            <a:r>
+              <a:rPr lang="ru-RU" b="1" dirty="0"/>
+              <a:t>основни групи</a:t>
+            </a:r>
+            <a:r>
+              <a:rPr lang="bg-BG" dirty="0" smtClean="0"/>
+              <a:t>:</a:t>
+            </a:r>
+          </a:p>
+          <a:p>
+            <a:pPr lvl="1"/>
+            <a:r>
+              <a:rPr lang="bg-BG" b="1" dirty="0" smtClean="0"/>
+              <a:t>͏</a:t>
+            </a:r>
+            <a:r>
+              <a:rPr lang="bg-BG" b="1" dirty="0" smtClean="0">
+                <a:solidFill>
+                  <a:schemeClr val="bg1"/>
+                </a:solidFill>
+              </a:rPr>
+              <a:t>Машинни</a:t>
+            </a:r>
+            <a:r>
+              <a:rPr lang="bg-BG" b="1" dirty="0" smtClean="0"/>
+              <a:t> </a:t>
+            </a:r>
+            <a:r>
+              <a:rPr lang="bg-BG" dirty="0" smtClean="0"/>
+              <a:t>езици</a:t>
+            </a:r>
+          </a:p>
+          <a:p>
+            <a:pPr lvl="1"/>
+            <a:r>
+              <a:rPr lang="bg-BG" dirty="0" smtClean="0"/>
+              <a:t>Езици от </a:t>
+            </a:r>
+            <a:r>
+              <a:rPr lang="bg-BG" b="1" dirty="0" smtClean="0">
+                <a:solidFill>
+                  <a:schemeClr val="bg1"/>
+                </a:solidFill>
+              </a:rPr>
+              <a:t>ниско ниво</a:t>
+            </a:r>
+          </a:p>
+          <a:p>
+            <a:pPr lvl="1"/>
+            <a:r>
+              <a:rPr lang="bg-BG" dirty="0" smtClean="0"/>
+              <a:t>Езици от </a:t>
+            </a:r>
+            <a:r>
+              <a:rPr lang="bg-BG" b="1" dirty="0" smtClean="0">
+                <a:solidFill>
+                  <a:schemeClr val="bg1"/>
+                </a:solidFill>
+              </a:rPr>
+              <a:t>високо ниво</a:t>
+            </a:r>
+          </a:p>
+          <a:p>
+            <a:endParaRPr lang="en-US" dirty="0"/>
+          </a:p>
+        </p:txBody>
+      </p:sp>
+      <p:sp>
+        <p:nvSpPr>
+          <p:cNvPr id="5" name="Title 4"/>
+          <p:cNvSpPr>
+            <a:spLocks noGrp="1"/>
+          </p:cNvSpPr>
+          <p:nvPr>
+            <p:ph type="title"/>
+          </p:nvPr>
+        </p:nvSpPr>
+        <p:spPr/>
+        <p:txBody>
+          <a:bodyPr/>
+          <a:lstStyle/>
+          <a:p>
+            <a:r>
+              <a:rPr lang="bg-BG" dirty="0" smtClean="0"/>
+              <a:t>Основни видове езици</a:t>
+            </a:r>
+            <a:endParaRPr lang="en-US" dirty="0"/>
+          </a:p>
+        </p:txBody>
+      </p:sp>
+      <p:pic>
+        <p:nvPicPr>
+          <p:cNvPr id="3075" name="Picture 3" descr="What is machine code? Definition and examples - Market Business News"/>
+          <p:cNvPicPr>
+            <a:picLocks noChangeAspect="1" noChangeArrowheads="1"/>
+          </p:cNvPicPr>
+          <p:nvPr/>
+        </p:nvPicPr>
+        <p:blipFill>
+          <a:blip r:embed="rId2">
+            <a:extLst>
+              <a:ext uri="{28A0092B-C50C-407E-A947-70E740481C1C}">
+                <a14:useLocalDpi xmlns:a14="http://schemas.microsoft.com/office/drawing/2010/main" val="0"/>
+              </a:ext>
+            </a:extLst>
+          </a:blip>
+          <a:srcRect/>
+          <a:stretch>
+            <a:fillRect/>
+          </a:stretch>
+        </p:blipFill>
+        <p:spPr bwMode="auto">
+          <a:xfrm>
+            <a:off x="5078984" y="2062139"/>
+            <a:ext cx="2892198" cy="2120115"/>
+          </a:xfrm>
+          <a:prstGeom prst="rect">
+            <a:avLst/>
+          </a:prstGeom>
+          <a:noFill/>
+          <a:extLst>
+            <a:ext uri="{909E8E84-426E-40DD-AFC4-6F175D3DCCD1}">
+              <a14:hiddenFill xmlns:a14="http://schemas.microsoft.com/office/drawing/2010/main">
+                <a:solidFill>
+                  <a:srgbClr val="FFFFFF"/>
+                </a:solidFill>
+              </a14:hiddenFill>
+            </a:ext>
+          </a:extLst>
+        </p:spPr>
+      </p:pic>
+      <p:pic>
+        <p:nvPicPr>
+          <p:cNvPr id="10" name="Picture 9"/>
+          <p:cNvPicPr>
+            <a:picLocks noChangeAspect="1"/>
+          </p:cNvPicPr>
+          <p:nvPr/>
+        </p:nvPicPr>
+        <p:blipFill>
+          <a:blip r:embed="rId3">
+            <a:extLst>
+              <a:ext uri="{28A0092B-C50C-407E-A947-70E740481C1C}">
+                <a14:useLocalDpi xmlns:a14="http://schemas.microsoft.com/office/drawing/2010/main" val="0"/>
+              </a:ext>
+            </a:extLst>
+          </a:blip>
+          <a:stretch>
+            <a:fillRect/>
+          </a:stretch>
+        </p:blipFill>
+        <p:spPr>
+          <a:xfrm>
+            <a:off x="1731000" y="4413295"/>
+            <a:ext cx="5040000" cy="2242205"/>
+          </a:xfrm>
+          <a:prstGeom prst="rect">
+            <a:avLst/>
+          </a:prstGeom>
+          <a:ln>
+            <a:solidFill>
+              <a:schemeClr val="bg2">
+                <a:lumMod val="75000"/>
+              </a:schemeClr>
+            </a:solidFill>
+          </a:ln>
+        </p:spPr>
+      </p:pic>
+      <p:pic>
+        <p:nvPicPr>
+          <p:cNvPr id="12" name="Picture 11"/>
+          <p:cNvPicPr>
+            <a:picLocks noChangeAspect="1"/>
+          </p:cNvPicPr>
+          <p:nvPr/>
+        </p:nvPicPr>
+        <p:blipFill rotWithShape="1">
+          <a:blip r:embed="rId4" cstate="hqprint">
+            <a:extLst>
+              <a:ext uri="{28A0092B-C50C-407E-A947-70E740481C1C}">
+                <a14:useLocalDpi xmlns:a14="http://schemas.microsoft.com/office/drawing/2010/main" val="0"/>
+              </a:ext>
+            </a:extLst>
+          </a:blip>
+          <a:srcRect b="55541"/>
+          <a:stretch/>
+        </p:blipFill>
+        <p:spPr>
+          <a:xfrm>
+            <a:off x="8162042" y="2056028"/>
+            <a:ext cx="3677030" cy="4593697"/>
+          </a:xfrm>
+          <a:prstGeom prst="rect">
+            <a:avLst/>
+          </a:prstGeom>
+          <a:ln>
+            <a:solidFill>
+              <a:schemeClr val="bg2">
+                <a:lumMod val="75000"/>
+              </a:schemeClr>
+            </a:solidFill>
+          </a:ln>
+        </p:spPr>
+      </p:pic>
+    </p:spTree>
+    <p:extLst>
+      <p:ext uri="{BB962C8B-B14F-4D97-AF65-F5344CB8AC3E}">
+        <p14:creationId xmlns:p14="http://schemas.microsoft.com/office/powerpoint/2010/main" val="2911034869"/>
+      </p:ext>
+    </p:extLst>
+  </p:cSld>
+  <p:clrMapOvr>
+    <a:masterClrMapping/>
+  </p:clrMapOvr>
+  <mc:AlternateContent xmlns:mc="http://schemas.openxmlformats.org/markup-compatibility/2006" xmlns:p14="http://schemas.microsoft.com/office/powerpoint/2010/main">
+    <mc:Choice Requires="p14">
+      <p:transition spd="slow" p14:dur="2000" advClick="0" advTm="5000"/>
+    </mc:Choice>
+    <mc:Fallback xmlns="">
+      <p:transition spd="slow" advClick="0" advTm="5000"/>
+    </mc:Fallback>
+  </mc:AlternateContent>
+  <p:timing>
+    <p:tnLst>
+      <p:par>
+        <p:cTn id="1" dur="indefinite" restart="never" nodeType="tmRoot">
+          <p:childTnLst>
+            <p:seq concurrent="1" nextAc="seek">
+              <p:cTn id="2" dur="indefinite" nodeType="mainSeq">
+                <p:childTnLst>
+                  <p:par>
+                    <p:cTn id="3" fill="hold">
+                      <p:stCondLst>
+                        <p:cond delay="indefinite"/>
+                      </p:stCondLst>
+                      <p:childTnLst>
+                        <p:par>
+                          <p:cTn id="4" fill="hold">
+                            <p:stCondLst>
+                              <p:cond delay="0"/>
+                            </p:stCondLst>
+                            <p:childTnLst>
+                              <p:par>
+                                <p:cTn id="5" presetID="1" presetClass="entr" presetSubtype="0" fill="hold" nodeType="clickEffect">
+                                  <p:stCondLst>
+                                    <p:cond delay="0"/>
+                                  </p:stCondLst>
+                                  <p:childTnLst>
+                                    <p:set>
+                                      <p:cBhvr>
+                                        <p:cTn id="6" dur="1" fill="hold">
+                                          <p:stCondLst>
+                                            <p:cond delay="0"/>
+                                          </p:stCondLst>
+                                        </p:cTn>
+                                        <p:tgtEl>
+                                          <p:spTgt spid="6">
+                                            <p:txEl>
+                                              <p:pRg st="1" end="1"/>
+                                            </p:txEl>
+                                          </p:spTgt>
+                                        </p:tgtEl>
+                                        <p:attrNameLst>
+                                          <p:attrName>style.visibility</p:attrName>
+                                        </p:attrNameLst>
+                                      </p:cBhvr>
+                                      <p:to>
+                                        <p:strVal val="visible"/>
+                                      </p:to>
+                                    </p:set>
+                                  </p:childTnLst>
+                                </p:cTn>
+                              </p:par>
+                              <p:par>
+                                <p:cTn id="7" presetID="1" presetClass="entr" presetSubtype="0" fill="hold" nodeType="withEffect">
+                                  <p:stCondLst>
+                                    <p:cond delay="0"/>
+                                  </p:stCondLst>
+                                  <p:childTnLst>
+                                    <p:set>
+                                      <p:cBhvr>
+                                        <p:cTn id="8" dur="1" fill="hold">
+                                          <p:stCondLst>
+                                            <p:cond delay="0"/>
+                                          </p:stCondLst>
+                                        </p:cTn>
+                                        <p:tgtEl>
+                                          <p:spTgt spid="3075"/>
+                                        </p:tgtEl>
+                                        <p:attrNameLst>
+                                          <p:attrName>style.visibility</p:attrName>
+                                        </p:attrNameLst>
+                                      </p:cBhvr>
+                                      <p:to>
+                                        <p:strVal val="visible"/>
+                                      </p:to>
+                                    </p:set>
+                                  </p:childTnLst>
+                                </p:cTn>
+                              </p:par>
+                            </p:childTnLst>
+                          </p:cTn>
+                        </p:par>
+                      </p:childTnLst>
+                    </p:cTn>
+                  </p:par>
+                  <p:par>
+                    <p:cTn id="9" fill="hold">
+                      <p:stCondLst>
+                        <p:cond delay="indefinite"/>
+                      </p:stCondLst>
+                      <p:childTnLst>
+                        <p:par>
+                          <p:cTn id="10" fill="hold">
+                            <p:stCondLst>
+                              <p:cond delay="0"/>
+                            </p:stCondLst>
+                            <p:childTnLst>
+                              <p:par>
+                                <p:cTn id="11" presetID="1" presetClass="entr" presetSubtype="0" fill="hold" nodeType="clickEffect">
+                                  <p:stCondLst>
+                                    <p:cond delay="0"/>
+                                  </p:stCondLst>
+                                  <p:childTnLst>
+                                    <p:set>
+                                      <p:cBhvr>
+                                        <p:cTn id="12" dur="1" fill="hold">
+                                          <p:stCondLst>
+                                            <p:cond delay="0"/>
+                                          </p:stCondLst>
+                                        </p:cTn>
+                                        <p:tgtEl>
+                                          <p:spTgt spid="6">
+                                            <p:txEl>
+                                              <p:pRg st="2" end="2"/>
+                                            </p:txEl>
+                                          </p:spTgt>
+                                        </p:tgtEl>
+                                        <p:attrNameLst>
+                                          <p:attrName>style.visibility</p:attrName>
+                                        </p:attrNameLst>
+                                      </p:cBhvr>
+                                      <p:to>
+                                        <p:strVal val="visible"/>
+                                      </p:to>
+                                    </p:set>
+                                  </p:childTnLst>
+                                </p:cTn>
+                              </p:par>
+                              <p:par>
+                                <p:cTn id="13" presetID="1" presetClass="entr" presetSubtype="0" fill="hold" nodeType="withEffect">
+                                  <p:stCondLst>
+                                    <p:cond delay="0"/>
+                                  </p:stCondLst>
+                                  <p:childTnLst>
+                                    <p:set>
+                                      <p:cBhvr>
+                                        <p:cTn id="14" dur="1" fill="hold">
+                                          <p:stCondLst>
+                                            <p:cond delay="0"/>
+                                          </p:stCondLst>
+                                        </p:cTn>
+                                        <p:tgtEl>
+                                          <p:spTgt spid="12"/>
+                                        </p:tgtEl>
+                                        <p:attrNameLst>
+                                          <p:attrName>style.visibility</p:attrName>
+                                        </p:attrNameLst>
+                                      </p:cBhvr>
+                                      <p:to>
+                                        <p:strVal val="visible"/>
+                                      </p:to>
+                                    </p:set>
+                                  </p:childTnLst>
+                                </p:cTn>
+                              </p:par>
+                            </p:childTnLst>
+                          </p:cTn>
+                        </p:par>
+                      </p:childTnLst>
+                    </p:cTn>
+                  </p:par>
+                  <p:par>
+                    <p:cTn id="15" fill="hold">
+                      <p:stCondLst>
+                        <p:cond delay="indefinite"/>
+                      </p:stCondLst>
+                      <p:childTnLst>
+                        <p:par>
+                          <p:cTn id="16" fill="hold">
+                            <p:stCondLst>
+                              <p:cond delay="0"/>
+                            </p:stCondLst>
+                            <p:childTnLst>
+                              <p:par>
+                                <p:cTn id="17" presetID="1" presetClass="entr" presetSubtype="0" fill="hold" nodeType="clickEffect">
+                                  <p:stCondLst>
+                                    <p:cond delay="0"/>
+                                  </p:stCondLst>
+                                  <p:childTnLst>
+                                    <p:set>
+                                      <p:cBhvr>
+                                        <p:cTn id="18" dur="1" fill="hold">
+                                          <p:stCondLst>
+                                            <p:cond delay="0"/>
+                                          </p:stCondLst>
+                                        </p:cTn>
+                                        <p:tgtEl>
+                                          <p:spTgt spid="6">
+                                            <p:txEl>
+                                              <p:pRg st="3" end="3"/>
+                                            </p:txEl>
+                                          </p:spTgt>
+                                        </p:tgtEl>
+                                        <p:attrNameLst>
+                                          <p:attrName>style.visibility</p:attrName>
+                                        </p:attrNameLst>
+                                      </p:cBhvr>
+                                      <p:to>
+                                        <p:strVal val="visible"/>
+                                      </p:to>
+                                    </p:set>
+                                  </p:childTnLst>
+                                </p:cTn>
+                              </p:par>
+                              <p:par>
+                                <p:cTn id="19" presetID="1" presetClass="entr" presetSubtype="0" fill="hold" nodeType="withEffect">
+                                  <p:stCondLst>
+                                    <p:cond delay="0"/>
+                                  </p:stCondLst>
+                                  <p:childTnLst>
+                                    <p:set>
+                                      <p:cBhvr>
+                                        <p:cTn id="20" dur="1" fill="hold">
+                                          <p:stCondLst>
+                                            <p:cond delay="0"/>
+                                          </p:stCondLst>
+                                        </p:cTn>
+                                        <p:tgtEl>
+                                          <p:spTgt spid="10"/>
+                                        </p:tgtEl>
+                                        <p:attrNameLst>
+                                          <p:attrName>style.visibility</p:attrName>
+                                        </p:attrNameLst>
+                                      </p:cBhvr>
+                                      <p:to>
+                                        <p:strVal val="visible"/>
+                                      </p:to>
+                                    </p:set>
+                                  </p:childTnLst>
+                                </p:cTn>
+                              </p:par>
+                            </p:childTnLst>
+                          </p:cTn>
+                        </p:par>
+                      </p:childTnLst>
+                    </p:cTn>
+                  </p:par>
+                </p:childTnLst>
+              </p:cTn>
+              <p:prevCondLst>
+                <p:cond evt="onPrev" delay="0">
+                  <p:tgtEl>
+                    <p:sldTgt/>
+                  </p:tgtEl>
+                </p:cond>
+              </p:prevCondLst>
+              <p:nextCondLst>
+                <p:cond evt="onNext" delay="0">
+                  <p:tgtEl>
+                    <p:sldTgt/>
+                  </p:tgtEl>
+                </p:cond>
+              </p:nextCondLst>
+            </p:seq>
+          </p:childTnLst>
+        </p:cTn>
+      </p:par>
+    </p:tnLst>
+  </p:timing>
+</p:sld>
+</file>
+
+<file path=ppt/slides/slide6.xml><?xml version="1.0" encoding="utf-8"?>
+<p:sld xmlns:a="http://schemas.openxmlformats.org/drawingml/2006/main" xmlns:r="http://schemas.openxmlformats.org/officeDocument/2006/relationships" xmlns:p="http://schemas.openxmlformats.org/presentationml/2006/main">
+  <p:cSld>
+    <p:spTree>
+      <p:nvGrpSpPr>
+        <p:cNvPr id="1" name=""/>
+        <p:cNvGrpSpPr/>
+        <p:nvPr/>
+      </p:nvGrpSpPr>
+      <p:grpSpPr>
+        <a:xfrm>
+          <a:off x="0" y="0"/>
+          <a:ext cx="0" cy="0"/>
+          <a:chOff x="0" y="0"/>
+          <a:chExt cx="0" cy="0"/>
+        </a:xfrm>
+      </p:grpSpPr>
+      <p:sp>
+        <p:nvSpPr>
+          <p:cNvPr id="2" name="Slide Number Placeholder 1"/>
+          <p:cNvSpPr>
+            <a:spLocks noGrp="1"/>
+          </p:cNvSpPr>
+          <p:nvPr>
+            <p:ph type="sldNum" sz="quarter" idx="5"/>
+          </p:nvPr>
+        </p:nvSpPr>
+        <p:spPr/>
+        <p:txBody>
+          <a:bodyPr/>
+          <a:lstStyle/>
+          <a:p>
+            <a:fld id="{2BF067CD-8E6B-4360-9AA8-C5DF2A48A6D1}" type="slidenum">
+              <a:rPr lang="en-US" noProof="0" smtClean="0"/>
+              <a:pPr/>
+              <a:t>6</a:t>
+            </a:fld>
+            <a:endParaRPr lang="en-US" noProof="0" dirty="0"/>
+          </a:p>
+        </p:txBody>
+      </p:sp>
+      <p:sp>
+        <p:nvSpPr>
+          <p:cNvPr id="3" name="Text Placeholder 2"/>
+          <p:cNvSpPr>
+            <a:spLocks noGrp="1"/>
+          </p:cNvSpPr>
+          <p:nvPr>
+            <p:ph type="body" sz="quarter" idx="10"/>
+          </p:nvPr>
+        </p:nvSpPr>
+        <p:spPr/>
+        <p:txBody>
+          <a:bodyPr>
+            <a:normAutofit/>
+          </a:bodyPr>
+          <a:lstStyle/>
+          <a:p>
+            <a:r>
+              <a:rPr lang="ru-RU" dirty="0" smtClean="0"/>
+              <a:t>Компютърът "</a:t>
+            </a:r>
+            <a:r>
+              <a:rPr lang="ru-RU" b="1" dirty="0" smtClean="0"/>
+              <a:t>разбира</a:t>
+            </a:r>
+            <a:r>
+              <a:rPr lang="ru-RU" dirty="0" smtClean="0"/>
+              <a:t>" само </a:t>
+            </a:r>
+            <a:r>
+              <a:rPr lang="ru-RU" b="1" dirty="0" smtClean="0">
+                <a:solidFill>
+                  <a:schemeClr val="bg1"/>
+                </a:solidFill>
+              </a:rPr>
+              <a:t>машинните езици</a:t>
+            </a:r>
+            <a:r>
+              <a:rPr lang="ru-RU" dirty="0" smtClean="0"/>
+              <a:t> </a:t>
+            </a:r>
+          </a:p>
+          <a:p>
+            <a:r>
+              <a:rPr lang="bg-BG" dirty="0" smtClean="0"/>
+              <a:t>Тези езици представляват</a:t>
+            </a:r>
+            <a:r>
+              <a:rPr lang="ru-RU" dirty="0" smtClean="0"/>
+              <a:t> </a:t>
+            </a:r>
+            <a:r>
+              <a:rPr lang="ru-RU" b="1" dirty="0" smtClean="0"/>
+              <a:t>поредица</a:t>
+            </a:r>
+            <a:r>
+              <a:rPr lang="ru-RU" dirty="0" smtClean="0"/>
+              <a:t> от </a:t>
+            </a:r>
+            <a:r>
+              <a:rPr lang="ru-RU" b="1" dirty="0" smtClean="0"/>
+              <a:t>числа</a:t>
+            </a:r>
+          </a:p>
+          <a:p>
+            <a:pPr lvl="1"/>
+            <a:r>
+              <a:rPr lang="ru-RU" dirty="0" smtClean="0"/>
+              <a:t>Това </a:t>
+            </a:r>
+            <a:r>
+              <a:rPr lang="ru-RU" dirty="0"/>
+              <a:t>ги прави </a:t>
+            </a:r>
+            <a:r>
+              <a:rPr lang="ru-RU" b="1" dirty="0"/>
+              <a:t>неудобни</a:t>
+            </a:r>
+            <a:r>
+              <a:rPr lang="ru-RU" dirty="0"/>
+              <a:t> за </a:t>
+            </a:r>
+            <a:r>
+              <a:rPr lang="ru-RU" b="1" dirty="0"/>
+              <a:t>използване</a:t>
+            </a:r>
+            <a:endParaRPr lang="ru-RU" b="1" dirty="0" smtClean="0"/>
+          </a:p>
+        </p:txBody>
+      </p:sp>
+      <p:sp>
+        <p:nvSpPr>
+          <p:cNvPr id="4" name="Title 3"/>
+          <p:cNvSpPr>
+            <a:spLocks noGrp="1"/>
+          </p:cNvSpPr>
+          <p:nvPr>
+            <p:ph type="title"/>
+          </p:nvPr>
+        </p:nvSpPr>
+        <p:spPr/>
+        <p:txBody>
+          <a:bodyPr/>
+          <a:lstStyle/>
+          <a:p>
+            <a:r>
+              <a:rPr lang="ru-RU" dirty="0" smtClean="0"/>
+              <a:t>Машинни езици</a:t>
+            </a:r>
+            <a:endParaRPr lang="en-US" dirty="0"/>
+          </a:p>
+        </p:txBody>
+      </p:sp>
+      <p:pic>
+        <p:nvPicPr>
+          <p:cNvPr id="8" name="Picture 7"/>
+          <p:cNvPicPr>
+            <a:picLocks noChangeAspect="1"/>
+          </p:cNvPicPr>
+          <p:nvPr/>
+        </p:nvPicPr>
+        <p:blipFill>
+          <a:blip r:embed="rId2">
+            <a:extLst>
+              <a:ext uri="{28A0092B-C50C-407E-A947-70E740481C1C}">
+                <a14:useLocalDpi xmlns:a14="http://schemas.microsoft.com/office/drawing/2010/main" val="0"/>
+              </a:ext>
+            </a:extLst>
+          </a:blip>
+          <a:stretch>
+            <a:fillRect/>
+          </a:stretch>
+        </p:blipFill>
+        <p:spPr>
+          <a:xfrm>
+            <a:off x="745854" y="3564000"/>
+            <a:ext cx="4857750" cy="2686050"/>
+          </a:xfrm>
+          <a:prstGeom prst="rect">
+            <a:avLst/>
+          </a:prstGeom>
+        </p:spPr>
+      </p:pic>
+      <p:sp>
+        <p:nvSpPr>
+          <p:cNvPr id="9" name="TextBox 8"/>
+          <p:cNvSpPr txBox="1"/>
+          <p:nvPr/>
+        </p:nvSpPr>
+        <p:spPr>
+          <a:xfrm>
+            <a:off x="8480999" y="4540655"/>
+            <a:ext cx="2700000" cy="732737"/>
+          </a:xfrm>
+          <a:prstGeom prst="rect">
+            <a:avLst/>
+          </a:prstGeom>
+          <a:solidFill>
+            <a:schemeClr val="accent6">
+              <a:lumMod val="75000"/>
+              <a:alpha val="15000"/>
+            </a:schemeClr>
+          </a:solidFill>
+          <a:ln w="12700">
+            <a:solidFill>
+              <a:schemeClr val="tx1">
+                <a:lumMod val="75000"/>
+              </a:schemeClr>
+            </a:solidFill>
+          </a:ln>
+        </p:spPr>
+        <p:txBody>
+          <a:bodyPr vert="horz" wrap="square" lIns="144000" tIns="108000" rIns="144000" bIns="108000" rtlCol="0">
+            <a:spAutoFit/>
+          </a:bodyPr>
+          <a:lstStyle/>
+          <a:p>
+            <a:pPr algn="ctr" eaLnBrk="0" hangingPunct="0">
+              <a:lnSpc>
+                <a:spcPct val="110000"/>
+              </a:lnSpc>
+              <a:buClr>
+                <a:schemeClr val="accent5">
+                  <a:lumMod val="40000"/>
+                  <a:lumOff val="60000"/>
+                </a:schemeClr>
+              </a:buClr>
+              <a:buSzPct val="70000"/>
+            </a:pPr>
+            <a:r>
+              <a:rPr lang="en-US" sz="3200" b="1" dirty="0"/>
+              <a:t>Hello World!</a:t>
+            </a:r>
+            <a:endParaRPr lang="en-US" sz="3200" b="1" dirty="0"/>
+          </a:p>
+        </p:txBody>
+      </p:sp>
+      <p:cxnSp>
+        <p:nvCxnSpPr>
+          <p:cNvPr id="11" name="Straight Arrow Connector 10"/>
+          <p:cNvCxnSpPr/>
+          <p:nvPr/>
+        </p:nvCxnSpPr>
+        <p:spPr>
+          <a:xfrm>
+            <a:off x="5721456" y="4914000"/>
+            <a:ext cx="651317" cy="0"/>
+          </a:xfrm>
+          <a:prstGeom prst="straightConnector1">
+            <a:avLst/>
+          </a:prstGeom>
+          <a:ln w="76200">
+            <a:tailEnd type="triangle"/>
+          </a:ln>
+        </p:spPr>
+        <p:style>
+          <a:lnRef idx="1">
+            <a:schemeClr val="dk1"/>
+          </a:lnRef>
+          <a:fillRef idx="0">
+            <a:schemeClr val="dk1"/>
+          </a:fillRef>
+          <a:effectRef idx="0">
+            <a:schemeClr val="dk1"/>
+          </a:effectRef>
+          <a:fontRef idx="minor">
+            <a:schemeClr val="tx1"/>
+          </a:fontRef>
+        </p:style>
+      </p:cxnSp>
+      <p:pic>
+        <p:nvPicPr>
+          <p:cNvPr id="4100" name="Picture 4" descr="Free Convert SVG, PNG Icon, Symbol. Download Image."/>
+          <p:cNvPicPr>
+            <a:picLocks noChangeAspect="1" noChangeArrowheads="1"/>
+          </p:cNvPicPr>
+          <p:nvPr/>
+        </p:nvPicPr>
+        <p:blipFill>
+          <a:blip r:embed="rId3" cstate="hqprint">
+            <a:extLst>
+              <a:ext uri="{28A0092B-C50C-407E-A947-70E740481C1C}">
+                <a14:useLocalDpi xmlns:a14="http://schemas.microsoft.com/office/drawing/2010/main" val="0"/>
+              </a:ext>
+            </a:extLst>
+          </a:blip>
+          <a:srcRect/>
+          <a:stretch>
+            <a:fillRect/>
+          </a:stretch>
+        </p:blipFill>
+        <p:spPr bwMode="auto">
+          <a:xfrm>
+            <a:off x="6490625" y="4355348"/>
+            <a:ext cx="1103353" cy="1103353"/>
+          </a:xfrm>
+          <a:prstGeom prst="rect">
+            <a:avLst/>
+          </a:prstGeom>
+          <a:noFill/>
+          <a:extLst>
+            <a:ext uri="{909E8E84-426E-40DD-AFC4-6F175D3DCCD1}">
+              <a14:hiddenFill xmlns:a14="http://schemas.microsoft.com/office/drawing/2010/main">
+                <a:solidFill>
+                  <a:srgbClr val="FFFFFF"/>
+                </a:solidFill>
+              </a14:hiddenFill>
+            </a:ext>
+          </a:extLst>
+        </p:spPr>
+      </p:pic>
+      <p:cxnSp>
+        <p:nvCxnSpPr>
+          <p:cNvPr id="22" name="Straight Arrow Connector 21"/>
+          <p:cNvCxnSpPr/>
+          <p:nvPr/>
+        </p:nvCxnSpPr>
+        <p:spPr>
+          <a:xfrm>
+            <a:off x="7711830" y="4914000"/>
+            <a:ext cx="651317" cy="0"/>
+          </a:xfrm>
+          <a:prstGeom prst="straightConnector1">
+            <a:avLst/>
+          </a:prstGeom>
+          <a:ln w="76200">
+            <a:tailEnd type="triangle"/>
+          </a:ln>
+        </p:spPr>
+        <p:style>
+          <a:lnRef idx="1">
+            <a:schemeClr val="dk1"/>
+          </a:lnRef>
+          <a:fillRef idx="0">
+            <a:schemeClr val="dk1"/>
+          </a:fillRef>
+          <a:effectRef idx="0">
+            <a:schemeClr val="dk1"/>
+          </a:effectRef>
+          <a:fontRef idx="minor">
+            <a:schemeClr val="tx1"/>
+          </a:fontRef>
+        </p:style>
+      </p:cxnSp>
+    </p:spTree>
+    <p:extLst>
+      <p:ext uri="{BB962C8B-B14F-4D97-AF65-F5344CB8AC3E}">
+        <p14:creationId xmlns:p14="http://schemas.microsoft.com/office/powerpoint/2010/main" val="772006409"/>
+      </p:ext>
+    </p:extLst>
+  </p:cSld>
+  <p:clrMapOvr>
+    <a:masterClrMapping/>
+  </p:clrMapOvr>
+  <mc:AlternateContent xmlns:mc="http://schemas.openxmlformats.org/markup-compatibility/2006" xmlns:p14="http://schemas.microsoft.com/office/powerpoint/2010/main">
+    <mc:Choice Requires="p14">
+      <p:transition spd="slow" p14:dur="2000" advClick="0" advTm="5000"/>
+    </mc:Choice>
+    <mc:Fallback xmlns="">
+      <p:transition spd="slow" advClick="0" advTm="5000"/>
+    </mc:Fallback>
+  </mc:AlternateContent>
+  <p:timing>
+    <p:tnLst>
+      <p:par>
+        <p:cTn id="1" dur="indefinite" restart="never" nodeType="tmRoot">
+          <p:childTnLst>
+            <p:seq concurrent="1" nextAc="seek">
+              <p:cTn id="2" dur="indefinite" nodeType="mainSeq">
+                <p:childTnLst>
+                  <p:par>
+                    <p:cTn id="3" fill="hold">
+                      <p:stCondLst>
+                        <p:cond delay="indefinite"/>
+                      </p:stCondLst>
+                      <p:childTnLst>
+                        <p:par>
+                          <p:cTn id="4" fill="hold">
+                            <p:stCondLst>
+                              <p:cond delay="0"/>
+                            </p:stCondLst>
+                            <p:childTnLst>
+                              <p:par>
+                                <p:cTn id="5" presetID="1" presetClass="entr" presetSubtype="0" fill="hold" nodeType="clickEffect">
+                                  <p:stCondLst>
+                                    <p:cond delay="0"/>
+                                  </p:stCondLst>
+                                  <p:childTnLst>
+                                    <p:set>
+                                      <p:cBhvr>
+                                        <p:cTn id="6" dur="1" fill="hold">
+                                          <p:stCondLst>
+                                            <p:cond delay="0"/>
+                                          </p:stCondLst>
+                                        </p:cTn>
+                                        <p:tgtEl>
+                                          <p:spTgt spid="3">
+                                            <p:txEl>
+                                              <p:pRg st="1" end="1"/>
+                                            </p:txEl>
+                                          </p:spTgt>
+                                        </p:tgtEl>
+                                        <p:attrNameLst>
+                                          <p:attrName>style.visibility</p:attrName>
+                                        </p:attrNameLst>
+                                      </p:cBhvr>
+                                      <p:to>
+                                        <p:strVal val="visible"/>
+                                      </p:to>
+                                    </p:set>
+                                  </p:childTnLst>
+                                </p:cTn>
+                              </p:par>
+                            </p:childTnLst>
+                          </p:cTn>
+                        </p:par>
+                      </p:childTnLst>
+                    </p:cTn>
+                  </p:par>
+                  <p:par>
+                    <p:cTn id="7" fill="hold">
+                      <p:stCondLst>
+                        <p:cond delay="indefinite"/>
+                      </p:stCondLst>
+                      <p:childTnLst>
+                        <p:par>
+                          <p:cTn id="8" fill="hold">
+                            <p:stCondLst>
+                              <p:cond delay="0"/>
+                            </p:stCondLst>
+                            <p:childTnLst>
+                              <p:par>
+                                <p:cTn id="9" presetID="1" presetClass="entr" presetSubtype="0" fill="hold" nodeType="clickEffect">
+                                  <p:stCondLst>
+                                    <p:cond delay="0"/>
+                                  </p:stCondLst>
+                                  <p:childTnLst>
+                                    <p:set>
+                                      <p:cBhvr>
+                                        <p:cTn id="10" dur="1" fill="hold">
+                                          <p:stCondLst>
+                                            <p:cond delay="0"/>
+                                          </p:stCondLst>
+                                        </p:cTn>
+                                        <p:tgtEl>
+                                          <p:spTgt spid="3">
+                                            <p:txEl>
+                                              <p:pRg st="2" end="2"/>
+                                            </p:txEl>
+                                          </p:spTgt>
+                                        </p:tgtEl>
+                                        <p:attrNameLst>
+                                          <p:attrName>style.visibility</p:attrName>
+                                        </p:attrNameLst>
+                                      </p:cBhvr>
+                                      <p:to>
+                                        <p:strVal val="visible"/>
+                                      </p:to>
+                                    </p:set>
+                                  </p:childTnLst>
+                                </p:cTn>
+                              </p:par>
+                            </p:childTnLst>
+                          </p:cTn>
+                        </p:par>
+                      </p:childTnLst>
+                    </p:cTn>
+                  </p:par>
+                  <p:par>
+                    <p:cTn id="11" fill="hold">
+                      <p:stCondLst>
+                        <p:cond delay="indefinite"/>
+                      </p:stCondLst>
+                      <p:childTnLst>
+                        <p:par>
+                          <p:cTn id="12" fill="hold">
+                            <p:stCondLst>
+                              <p:cond delay="0"/>
+                            </p:stCondLst>
+                            <p:childTnLst>
+                              <p:par>
+                                <p:cTn id="13" presetID="1" presetClass="entr" presetSubtype="0" fill="hold" nodeType="clickEffect">
+                                  <p:stCondLst>
+                                    <p:cond delay="0"/>
+                                  </p:stCondLst>
+                                  <p:childTnLst>
+                                    <p:set>
+                                      <p:cBhvr>
+                                        <p:cTn id="14" dur="1" fill="hold">
+                                          <p:stCondLst>
+                                            <p:cond delay="0"/>
+                                          </p:stCondLst>
+                                        </p:cTn>
+                                        <p:tgtEl>
+                                          <p:spTgt spid="8"/>
+                                        </p:tgtEl>
+                                        <p:attrNameLst>
+                                          <p:attrName>style.visibility</p:attrName>
+                                        </p:attrNameLst>
+                                      </p:cBhvr>
+                                      <p:to>
+                                        <p:strVal val="visible"/>
+                                      </p:to>
+                                    </p:set>
+                                  </p:childTnLst>
+                                </p:cTn>
+                              </p:par>
+                            </p:childTnLst>
+                          </p:cTn>
+                        </p:par>
+                      </p:childTnLst>
+                    </p:cTn>
+                  </p:par>
+                  <p:par>
+                    <p:cTn id="15" fill="hold">
+                      <p:stCondLst>
+                        <p:cond delay="indefinite"/>
+                      </p:stCondLst>
+                      <p:childTnLst>
+                        <p:par>
+                          <p:cTn id="16" fill="hold">
+                            <p:stCondLst>
+                              <p:cond delay="0"/>
+                            </p:stCondLst>
+                            <p:childTnLst>
+                              <p:par>
+                                <p:cTn id="17" presetID="1" presetClass="entr" presetSubtype="0" fill="hold" nodeType="clickEffect">
+                                  <p:stCondLst>
+                                    <p:cond delay="0"/>
+                                  </p:stCondLst>
+                                  <p:childTnLst>
+                                    <p:set>
+                                      <p:cBhvr>
+                                        <p:cTn id="18" dur="1" fill="hold">
+                                          <p:stCondLst>
+                                            <p:cond delay="0"/>
+                                          </p:stCondLst>
+                                        </p:cTn>
+                                        <p:tgtEl>
+                                          <p:spTgt spid="11"/>
+                                        </p:tgtEl>
+                                        <p:attrNameLst>
+                                          <p:attrName>style.visibility</p:attrName>
+                                        </p:attrNameLst>
+                                      </p:cBhvr>
+                                      <p:to>
+                                        <p:strVal val="visible"/>
+                                      </p:to>
+                                    </p:set>
+                                  </p:childTnLst>
+                                </p:cTn>
+                              </p:par>
+                            </p:childTnLst>
+                          </p:cTn>
+                        </p:par>
+                      </p:childTnLst>
+                    </p:cTn>
+                  </p:par>
+                  <p:par>
+                    <p:cTn id="19" fill="hold">
+                      <p:stCondLst>
+                        <p:cond delay="indefinite"/>
+                      </p:stCondLst>
+                      <p:childTnLst>
+                        <p:par>
+                          <p:cTn id="20" fill="hold">
+                            <p:stCondLst>
+                              <p:cond delay="0"/>
+                            </p:stCondLst>
+                            <p:childTnLst>
+                              <p:par>
+                                <p:cTn id="21" presetID="1" presetClass="entr" presetSubtype="0" fill="hold" nodeType="clickEffect">
+                                  <p:stCondLst>
+                                    <p:cond delay="0"/>
+                                  </p:stCondLst>
+                                  <p:childTnLst>
+                                    <p:set>
+                                      <p:cBhvr>
+                                        <p:cTn id="22" dur="1" fill="hold">
+                                          <p:stCondLst>
+                                            <p:cond delay="0"/>
+                                          </p:stCondLst>
+                                        </p:cTn>
+                                        <p:tgtEl>
+                                          <p:spTgt spid="4100"/>
+                                        </p:tgtEl>
+                                        <p:attrNameLst>
+                                          <p:attrName>style.visibility</p:attrName>
+                                        </p:attrNameLst>
+                                      </p:cBhvr>
+                                      <p:to>
+                                        <p:strVal val="visible"/>
+                                      </p:to>
+                                    </p:set>
+                                  </p:childTnLst>
+                                </p:cTn>
+                              </p:par>
+                            </p:childTnLst>
+                          </p:cTn>
+                        </p:par>
+                      </p:childTnLst>
+                    </p:cTn>
+                  </p:par>
+                  <p:par>
+                    <p:cTn id="23" fill="hold">
+                      <p:stCondLst>
+                        <p:cond delay="indefinite"/>
+                      </p:stCondLst>
+                      <p:childTnLst>
+                        <p:par>
+                          <p:cTn id="24" fill="hold">
+                            <p:stCondLst>
+                              <p:cond delay="0"/>
+                            </p:stCondLst>
+                            <p:childTnLst>
+                              <p:par>
+                                <p:cTn id="25" presetID="1" presetClass="entr" presetSubtype="0" fill="hold" nodeType="clickEffect">
+                                  <p:stCondLst>
+                                    <p:cond delay="0"/>
+                                  </p:stCondLst>
+                                  <p:childTnLst>
+                                    <p:set>
+                                      <p:cBhvr>
+                                        <p:cTn id="26" dur="1" fill="hold">
+                                          <p:stCondLst>
+                                            <p:cond delay="0"/>
+                                          </p:stCondLst>
+                                        </p:cTn>
+                                        <p:tgtEl>
+                                          <p:spTgt spid="22"/>
+                                        </p:tgtEl>
+                                        <p:attrNameLst>
+                                          <p:attrName>style.visibility</p:attrName>
+                                        </p:attrNameLst>
+                                      </p:cBhvr>
+                                      <p:to>
+                                        <p:strVal val="visible"/>
+                                      </p:to>
+                                    </p:set>
+                                  </p:childTnLst>
+                                </p:cTn>
+                              </p:par>
+                            </p:childTnLst>
+                          </p:cTn>
+                        </p:par>
+                      </p:childTnLst>
+                    </p:cTn>
+                  </p:par>
+                  <p:par>
+                    <p:cTn id="27" fill="hold">
+                      <p:stCondLst>
+                        <p:cond delay="indefinite"/>
+                      </p:stCondLst>
+                      <p:childTnLst>
+                        <p:par>
+                          <p:cTn id="28" fill="hold">
+                            <p:stCondLst>
+                              <p:cond delay="0"/>
+                            </p:stCondLst>
+                            <p:childTnLst>
+                              <p:par>
+                                <p:cTn id="29" presetID="1" presetClass="entr" presetSubtype="0" fill="hold" grpId="0" nodeType="clickEffect">
+                                  <p:stCondLst>
+                                    <p:cond delay="0"/>
+                                  </p:stCondLst>
+                                  <p:childTnLst>
+                                    <p:set>
+                                      <p:cBhvr>
+                                        <p:cTn id="30" dur="1" fill="hold">
+                                          <p:stCondLst>
+                                            <p:cond delay="0"/>
+                                          </p:stCondLst>
+                                        </p:cTn>
+                                        <p:tgtEl>
+                                          <p:spTgt spid="9"/>
+                                        </p:tgtEl>
+                                        <p:attrNameLst>
+                                          <p:attrName>style.visibility</p:attrName>
+                                        </p:attrNameLst>
+                                      </p:cBhvr>
+                                      <p:to>
+                                        <p:strVal val="visible"/>
+                                      </p:to>
+                                    </p:set>
+                                  </p:childTnLst>
+                                </p:cTn>
+                              </p:par>
+                            </p:childTnLst>
+                          </p:cTn>
+                        </p:par>
+                      </p:childTnLst>
+                    </p:cTn>
+                  </p:par>
+                </p:childTnLst>
+              </p:cTn>
+              <p:prevCondLst>
+                <p:cond evt="onPrev" delay="0">
+                  <p:tgtEl>
+                    <p:sldTgt/>
+                  </p:tgtEl>
+                </p:cond>
+              </p:prevCondLst>
+              <p:nextCondLst>
+                <p:cond evt="onNext" delay="0">
+                  <p:tgtEl>
+                    <p:sldTgt/>
+                  </p:tgtEl>
+                </p:cond>
+              </p:nextCondLst>
+            </p:seq>
+          </p:childTnLst>
+        </p:cTn>
+      </p:par>
+    </p:tnLst>
+    <p:bldLst>
+      <p:bldP spid="9" grpId="0" animBg="1"/>
+    </p:bldLst>
+  </p:timing>
+</p:sld>
+</file>
+
+<file path=ppt/slides/slide7.xml><?xml version="1.0" encoding="utf-8"?>
+<p:sld xmlns:a="http://schemas.openxmlformats.org/drawingml/2006/main" xmlns:r="http://schemas.openxmlformats.org/officeDocument/2006/relationships" xmlns:p="http://schemas.openxmlformats.org/presentationml/2006/main">
+  <p:cSld>
+    <p:spTree>
+      <p:nvGrpSpPr>
+        <p:cNvPr id="1" name=""/>
+        <p:cNvGrpSpPr/>
+        <p:nvPr/>
+      </p:nvGrpSpPr>
+      <p:grpSpPr>
+        <a:xfrm>
+          <a:off x="0" y="0"/>
+          <a:ext cx="0" cy="0"/>
+          <a:chOff x="0" y="0"/>
+          <a:chExt cx="0" cy="0"/>
+        </a:xfrm>
+      </p:grpSpPr>
+      <p:sp>
+        <p:nvSpPr>
+          <p:cNvPr id="2" name="Slide Number Placeholder 1"/>
+          <p:cNvSpPr>
+            <a:spLocks noGrp="1"/>
+          </p:cNvSpPr>
+          <p:nvPr>
+            <p:ph type="sldNum" sz="quarter" idx="5"/>
+          </p:nvPr>
+        </p:nvSpPr>
+        <p:spPr/>
+        <p:txBody>
+          <a:bodyPr/>
+          <a:lstStyle/>
+          <a:p>
+            <a:fld id="{2BF067CD-8E6B-4360-9AA8-C5DF2A48A6D1}" type="slidenum">
+              <a:rPr lang="en-US" noProof="0" smtClean="0"/>
+              <a:pPr/>
+              <a:t>7</a:t>
+            </a:fld>
+            <a:endParaRPr lang="en-US" noProof="0" dirty="0"/>
+          </a:p>
+        </p:txBody>
+      </p:sp>
+      <p:sp>
+        <p:nvSpPr>
+          <p:cNvPr id="3" name="Text Placeholder 2"/>
+          <p:cNvSpPr>
+            <a:spLocks noGrp="1"/>
+          </p:cNvSpPr>
+          <p:nvPr>
+            <p:ph type="body" sz="quarter" idx="10"/>
+          </p:nvPr>
+        </p:nvSpPr>
+        <p:spPr>
+          <a:xfrm>
+            <a:off x="66000" y="1196125"/>
+            <a:ext cx="7335000" cy="5528766"/>
+          </a:xfrm>
+        </p:spPr>
+        <p:txBody>
+          <a:bodyPr/>
+          <a:lstStyle/>
+          <a:p>
+            <a:r>
+              <a:rPr lang="ru-RU" b="1" dirty="0" smtClean="0"/>
+              <a:t>͏</a:t>
+            </a:r>
+            <a:r>
+              <a:rPr lang="ru-RU" b="1" dirty="0" smtClean="0">
+                <a:solidFill>
+                  <a:schemeClr val="bg1"/>
+                </a:solidFill>
+              </a:rPr>
+              <a:t>Асемблерните </a:t>
+            </a:r>
+            <a:r>
+              <a:rPr lang="ru-RU" b="1" dirty="0">
+                <a:solidFill>
+                  <a:schemeClr val="bg1"/>
+                </a:solidFill>
+              </a:rPr>
+              <a:t>езици </a:t>
+            </a:r>
+            <a:r>
+              <a:rPr lang="ru-RU" dirty="0"/>
+              <a:t>са </a:t>
+            </a:r>
+            <a:r>
+              <a:rPr lang="ru-RU" b="1" dirty="0"/>
+              <a:t>най-близки</a:t>
+            </a:r>
+            <a:r>
+              <a:rPr lang="ru-RU" dirty="0"/>
+              <a:t> до </a:t>
+            </a:r>
+            <a:r>
+              <a:rPr lang="ru-RU" b="1" dirty="0"/>
+              <a:t>машинния език</a:t>
+            </a:r>
+            <a:r>
+              <a:rPr lang="ru-RU" dirty="0"/>
+              <a:t>, като </a:t>
+            </a:r>
+            <a:r>
+              <a:rPr lang="ru-RU" b="1" dirty="0"/>
+              <a:t>всяка</a:t>
+            </a:r>
+            <a:r>
+              <a:rPr lang="ru-RU" dirty="0"/>
+              <a:t> </a:t>
+            </a:r>
+            <a:r>
+              <a:rPr lang="ru-RU" b="1" dirty="0"/>
+              <a:t>команда</a:t>
+            </a:r>
+            <a:r>
+              <a:rPr lang="ru-RU" dirty="0"/>
+              <a:t> съответства на </a:t>
+            </a:r>
+            <a:r>
+              <a:rPr lang="ru-RU" b="1" dirty="0"/>
+              <a:t>машинен</a:t>
+            </a:r>
+            <a:r>
+              <a:rPr lang="ru-RU" dirty="0"/>
+              <a:t> </a:t>
+            </a:r>
+            <a:r>
+              <a:rPr lang="ru-RU" b="1" dirty="0"/>
+              <a:t>код</a:t>
+            </a:r>
+          </a:p>
+          <a:p>
+            <a:pPr lvl="1"/>
+            <a:r>
+              <a:rPr lang="ru-RU" dirty="0"/>
+              <a:t>Асемблерните езици също </a:t>
+            </a:r>
+            <a:r>
+              <a:rPr lang="ru-RU" b="1" dirty="0"/>
+              <a:t>не са удобни</a:t>
+            </a:r>
+            <a:r>
+              <a:rPr lang="ru-RU" dirty="0"/>
+              <a:t> за </a:t>
+            </a:r>
+            <a:r>
+              <a:rPr lang="ru-RU" b="1" dirty="0"/>
+              <a:t>писане</a:t>
+            </a:r>
+            <a:r>
+              <a:rPr lang="ru-RU" dirty="0"/>
+              <a:t> </a:t>
+            </a:r>
+            <a:r>
+              <a:rPr lang="ru-RU" dirty="0" smtClean="0"/>
+              <a:t>на програми</a:t>
+            </a:r>
+            <a:endParaRPr lang="ru-RU" dirty="0"/>
+          </a:p>
+        </p:txBody>
+      </p:sp>
+      <p:sp>
+        <p:nvSpPr>
+          <p:cNvPr id="4" name="Title 3"/>
+          <p:cNvSpPr>
+            <a:spLocks noGrp="1"/>
+          </p:cNvSpPr>
+          <p:nvPr>
+            <p:ph type="title"/>
+          </p:nvPr>
+        </p:nvSpPr>
+        <p:spPr/>
+        <p:txBody>
+          <a:bodyPr>
+            <a:normAutofit/>
+          </a:bodyPr>
+          <a:lstStyle/>
+          <a:p>
+            <a:r>
+              <a:rPr lang="bg-BG" dirty="0"/>
+              <a:t>Езици от ниско </a:t>
+            </a:r>
+            <a:r>
+              <a:rPr lang="bg-BG" dirty="0" smtClean="0"/>
+              <a:t>ниво</a:t>
+            </a:r>
+            <a:endParaRPr lang="en-US" dirty="0"/>
+          </a:p>
+        </p:txBody>
+      </p:sp>
+      <p:pic>
+        <p:nvPicPr>
+          <p:cNvPr id="5" name="Picture 4"/>
+          <p:cNvPicPr>
+            <a:picLocks noChangeAspect="1"/>
+          </p:cNvPicPr>
+          <p:nvPr/>
+        </p:nvPicPr>
+        <p:blipFill>
+          <a:blip r:embed="rId2">
+            <a:extLst>
+              <a:ext uri="{28A0092B-C50C-407E-A947-70E740481C1C}">
+                <a14:useLocalDpi xmlns:a14="http://schemas.microsoft.com/office/drawing/2010/main" val="0"/>
+              </a:ext>
+            </a:extLst>
+          </a:blip>
+          <a:stretch>
+            <a:fillRect/>
+          </a:stretch>
+        </p:blipFill>
+        <p:spPr>
+          <a:xfrm>
+            <a:off x="7210275" y="1919690"/>
+            <a:ext cx="4640171" cy="4480950"/>
+          </a:xfrm>
+          <a:prstGeom prst="rect">
+            <a:avLst/>
+          </a:prstGeom>
+          <a:ln>
+            <a:solidFill>
+              <a:schemeClr val="bg2">
+                <a:lumMod val="75000"/>
+              </a:schemeClr>
+            </a:solidFill>
+          </a:ln>
+        </p:spPr>
+      </p:pic>
+      <p:pic>
+        <p:nvPicPr>
+          <p:cNvPr id="5122" name="Picture 2" descr="Assembly"/>
+          <p:cNvPicPr>
+            <a:picLocks noChangeAspect="1" noChangeArrowheads="1"/>
+          </p:cNvPicPr>
+          <p:nvPr/>
+        </p:nvPicPr>
+        <p:blipFill rotWithShape="1">
+          <a:blip r:embed="rId3">
+            <a:extLst>
+              <a:ext uri="{28A0092B-C50C-407E-A947-70E740481C1C}">
+                <a14:useLocalDpi xmlns:a14="http://schemas.microsoft.com/office/drawing/2010/main" val="0"/>
+              </a:ext>
+            </a:extLst>
+          </a:blip>
+          <a:srcRect l="9184" t="14531" r="9864" b="11252"/>
+          <a:stretch/>
+        </p:blipFill>
+        <p:spPr bwMode="auto">
+          <a:xfrm>
+            <a:off x="2653500" y="4848706"/>
+            <a:ext cx="1980000" cy="1805294"/>
+          </a:xfrm>
+          <a:prstGeom prst="rect">
+            <a:avLst/>
+          </a:prstGeom>
+          <a:noFill/>
+          <a:extLst>
+            <a:ext uri="{909E8E84-426E-40DD-AFC4-6F175D3DCCD1}">
+              <a14:hiddenFill xmlns:a14="http://schemas.microsoft.com/office/drawing/2010/main">
+                <a:solidFill>
+                  <a:srgbClr val="FFFFFF"/>
+                </a:solidFill>
+              </a14:hiddenFill>
+            </a:ext>
+          </a:extLst>
+        </p:spPr>
+      </p:pic>
+    </p:spTree>
+    <p:extLst>
+      <p:ext uri="{BB962C8B-B14F-4D97-AF65-F5344CB8AC3E}">
+        <p14:creationId xmlns:p14="http://schemas.microsoft.com/office/powerpoint/2010/main" val="1276236080"/>
+      </p:ext>
+    </p:extLst>
+  </p:cSld>
+  <p:clrMapOvr>
+    <a:masterClrMapping/>
+  </p:clrMapOvr>
+  <mc:AlternateContent xmlns:mc="http://schemas.openxmlformats.org/markup-compatibility/2006" xmlns:p14="http://schemas.microsoft.com/office/powerpoint/2010/main">
+    <mc:Choice Requires="p14">
+      <p:transition spd="slow" p14:dur="2000" advClick="0" advTm="5000"/>
+    </mc:Choice>
+    <mc:Fallback xmlns="">
+      <p:transition spd="slow" advClick="0" advTm="5000"/>
+    </mc:Fallback>
+  </mc:AlternateContent>
+  <p:timing>
+    <p:tnLst>
+      <p:par>
+        <p:cTn id="1" dur="indefinite" restart="never" nodeType="tmRoot">
+          <p:childTnLst>
+            <p:seq concurrent="1" nextAc="seek">
+              <p:cTn id="2" dur="indefinite" nodeType="mainSeq">
+                <p:childTnLst>
+                  <p:par>
+                    <p:cTn id="3" fill="hold">
+                      <p:stCondLst>
+                        <p:cond delay="indefinite"/>
+                      </p:stCondLst>
+                      <p:childTnLst>
+                        <p:par>
+                          <p:cTn id="4" fill="hold">
+                            <p:stCondLst>
+                              <p:cond delay="0"/>
+                            </p:stCondLst>
+                            <p:childTnLst>
+                              <p:par>
+                                <p:cTn id="5" presetID="1" presetClass="entr" presetSubtype="0" fill="hold" nodeType="clickEffect">
+                                  <p:stCondLst>
+                                    <p:cond delay="0"/>
+                                  </p:stCondLst>
+                                  <p:childTnLst>
+                                    <p:set>
+                                      <p:cBhvr>
+                                        <p:cTn id="6" dur="1" fill="hold">
+                                          <p:stCondLst>
+                                            <p:cond delay="0"/>
+                                          </p:stCondLst>
+                                        </p:cTn>
+                                        <p:tgtEl>
+                                          <p:spTgt spid="3">
+                                            <p:txEl>
+                                              <p:pRg st="1" end="1"/>
+                                            </p:txEl>
+                                          </p:spTgt>
+                                        </p:tgtEl>
+                                        <p:attrNameLst>
+                                          <p:attrName>style.visibility</p:attrName>
+                                        </p:attrNameLst>
+                                      </p:cBhvr>
+                                      <p:to>
+                                        <p:strVal val="visible"/>
+                                      </p:to>
+                                    </p:set>
+                                  </p:childTnLst>
+                                </p:cTn>
+                              </p:par>
+                            </p:childTnLst>
+                          </p:cTn>
+                        </p:par>
+                      </p:childTnLst>
+                    </p:cTn>
+                  </p:par>
+                  <p:par>
+                    <p:cTn id="7" fill="hold">
+                      <p:stCondLst>
+                        <p:cond delay="indefinite"/>
+                      </p:stCondLst>
+                      <p:childTnLst>
+                        <p:par>
+                          <p:cTn id="8" fill="hold">
+                            <p:stCondLst>
+                              <p:cond delay="0"/>
+                            </p:stCondLst>
+                            <p:childTnLst>
+                              <p:par>
+                                <p:cTn id="9" presetID="1" presetClass="entr" presetSubtype="0" fill="hold" nodeType="clickEffect">
+                                  <p:stCondLst>
+                                    <p:cond delay="0"/>
+                                  </p:stCondLst>
+                                  <p:childTnLst>
+                                    <p:set>
+                                      <p:cBhvr>
+                                        <p:cTn id="10" dur="1" fill="hold">
+                                          <p:stCondLst>
+                                            <p:cond delay="0"/>
+                                          </p:stCondLst>
+                                        </p:cTn>
+                                        <p:tgtEl>
+                                          <p:spTgt spid="5122"/>
+                                        </p:tgtEl>
+                                        <p:attrNameLst>
+                                          <p:attrName>style.visibility</p:attrName>
+                                        </p:attrNameLst>
+                                      </p:cBhvr>
+                                      <p:to>
+                                        <p:strVal val="visible"/>
+                                      </p:to>
+                                    </p:set>
+                                  </p:childTnLst>
+                                </p:cTn>
+                              </p:par>
+                            </p:childTnLst>
+                          </p:cTn>
+                        </p:par>
+                      </p:childTnLst>
+                    </p:cTn>
+                  </p:par>
+                  <p:par>
+                    <p:cTn id="11" fill="hold">
+                      <p:stCondLst>
+                        <p:cond delay="indefinite"/>
+                      </p:stCondLst>
+                      <p:childTnLst>
+                        <p:par>
+                          <p:cTn id="12" fill="hold">
+                            <p:stCondLst>
+                              <p:cond delay="0"/>
+                            </p:stCondLst>
+                            <p:childTnLst>
+                              <p:par>
+                                <p:cTn id="13" presetID="1" presetClass="entr" presetSubtype="0" fill="hold" nodeType="clickEffect">
+                                  <p:stCondLst>
+                                    <p:cond delay="0"/>
+                                  </p:stCondLst>
+                                  <p:childTnLst>
+                                    <p:set>
+                                      <p:cBhvr>
+                                        <p:cTn id="14" dur="1" fill="hold">
+                                          <p:stCondLst>
+                                            <p:cond delay="0"/>
+                                          </p:stCondLst>
+                                        </p:cTn>
+                                        <p:tgtEl>
+                                          <p:spTgt spid="5"/>
+                                        </p:tgtEl>
+                                        <p:attrNameLst>
+                                          <p:attrName>style.visibility</p:attrName>
+                                        </p:attrNameLst>
+                                      </p:cBhvr>
+                                      <p:to>
+                                        <p:strVal val="visible"/>
+                                      </p:to>
+                                    </p:set>
+                                  </p:childTnLst>
+                                </p:cTn>
+                              </p:par>
+                            </p:childTnLst>
+                          </p:cTn>
+                        </p:par>
+                      </p:childTnLst>
+                    </p:cTn>
+                  </p:par>
+                </p:childTnLst>
+              </p:cTn>
+              <p:prevCondLst>
+                <p:cond evt="onPrev" delay="0">
+                  <p:tgtEl>
+                    <p:sldTgt/>
+                  </p:tgtEl>
+                </p:cond>
+              </p:prevCondLst>
+              <p:nextCondLst>
+                <p:cond evt="onNext" delay="0">
+                  <p:tgtEl>
+                    <p:sldTgt/>
+                  </p:tgtEl>
+                </p:cond>
+              </p:nextCondLst>
+            </p:seq>
+          </p:childTnLst>
+        </p:cTn>
+      </p:par>
+    </p:tnLst>
+  </p:timing>
+</p:sld>
+</file>
+
+<file path=ppt/slides/slide8.xml><?xml version="1.0" encoding="utf-8"?>
+<p:sld xmlns:a="http://schemas.openxmlformats.org/drawingml/2006/main" xmlns:r="http://schemas.openxmlformats.org/officeDocument/2006/relationships" xmlns:p="http://schemas.openxmlformats.org/presentationml/2006/main">
+  <p:cSld>
+    <p:spTree>
+      <p:nvGrpSpPr>
+        <p:cNvPr id="1" name=""/>
+        <p:cNvGrpSpPr/>
+        <p:nvPr/>
+      </p:nvGrpSpPr>
+      <p:grpSpPr>
+        <a:xfrm>
+          <a:off x="0" y="0"/>
+          <a:ext cx="0" cy="0"/>
+          <a:chOff x="0" y="0"/>
+          <a:chExt cx="0" cy="0"/>
+        </a:xfrm>
+      </p:grpSpPr>
+      <p:sp>
+        <p:nvSpPr>
+          <p:cNvPr id="2" name="Slide Number Placeholder 1"/>
+          <p:cNvSpPr>
+            <a:spLocks noGrp="1"/>
+          </p:cNvSpPr>
+          <p:nvPr>
+            <p:ph type="sldNum" sz="quarter" idx="5"/>
+          </p:nvPr>
+        </p:nvSpPr>
+        <p:spPr/>
+        <p:txBody>
+          <a:bodyPr/>
+          <a:lstStyle/>
+          <a:p>
+            <a:fld id="{2BF067CD-8E6B-4360-9AA8-C5DF2A48A6D1}" type="slidenum">
+              <a:rPr lang="en-US" noProof="0" smtClean="0"/>
+              <a:pPr/>
+              <a:t>8</a:t>
+            </a:fld>
+            <a:endParaRPr lang="en-US" noProof="0" dirty="0"/>
+          </a:p>
+        </p:txBody>
+      </p:sp>
+      <p:sp>
+        <p:nvSpPr>
+          <p:cNvPr id="3" name="Text Placeholder 2"/>
+          <p:cNvSpPr>
+            <a:spLocks noGrp="1"/>
+          </p:cNvSpPr>
+          <p:nvPr>
+            <p:ph type="body" sz="quarter" idx="10"/>
+          </p:nvPr>
+        </p:nvSpPr>
+        <p:spPr>
+          <a:xfrm>
+            <a:off x="190402" y="1196125"/>
+            <a:ext cx="11930042" cy="5528766"/>
+          </a:xfrm>
+        </p:spPr>
+        <p:txBody>
+          <a:bodyPr/>
+          <a:lstStyle/>
+          <a:p>
+            <a:r>
+              <a:rPr lang="ru-RU" b="1" dirty="0" smtClean="0"/>
+              <a:t>͏</a:t>
+            </a:r>
+            <a:r>
+              <a:rPr lang="ru-RU" b="1" dirty="0" smtClean="0">
+                <a:solidFill>
+                  <a:schemeClr val="bg1"/>
+                </a:solidFill>
+              </a:rPr>
+              <a:t>Езиците</a:t>
+            </a:r>
+            <a:r>
+              <a:rPr lang="ru-RU" dirty="0" smtClean="0">
+                <a:solidFill>
+                  <a:schemeClr val="bg1"/>
+                </a:solidFill>
+              </a:rPr>
+              <a:t> </a:t>
+            </a:r>
+            <a:r>
+              <a:rPr lang="ru-RU" b="1" dirty="0">
+                <a:solidFill>
+                  <a:schemeClr val="bg1"/>
+                </a:solidFill>
+              </a:rPr>
+              <a:t>от високо </a:t>
+            </a:r>
+            <a:r>
+              <a:rPr lang="ru-RU" dirty="0"/>
+              <a:t>ниво предлагат </a:t>
+            </a:r>
+            <a:r>
+              <a:rPr lang="ru-RU" b="1" dirty="0"/>
+              <a:t>команди</a:t>
+            </a:r>
+            <a:r>
+              <a:rPr lang="ru-RU" dirty="0"/>
+              <a:t>, които са </a:t>
+            </a:r>
+            <a:r>
+              <a:rPr lang="ru-RU" dirty="0" smtClean="0"/>
+              <a:t>	  </a:t>
+            </a:r>
+            <a:r>
+              <a:rPr lang="ru-RU" b="1" dirty="0" smtClean="0"/>
+              <a:t>по-близки</a:t>
+            </a:r>
+            <a:r>
+              <a:rPr lang="ru-RU" dirty="0" smtClean="0"/>
+              <a:t> </a:t>
+            </a:r>
+            <a:r>
+              <a:rPr lang="ru-RU" dirty="0"/>
+              <a:t>до </a:t>
+            </a:r>
+            <a:r>
+              <a:rPr lang="ru-RU" b="1" dirty="0"/>
+              <a:t>човешкия </a:t>
+            </a:r>
+            <a:r>
+              <a:rPr lang="ru-RU" b="1" dirty="0" smtClean="0"/>
+              <a:t>език</a:t>
+            </a:r>
+            <a:r>
+              <a:rPr lang="ru-RU" dirty="0" smtClean="0"/>
+              <a:t>, което </a:t>
+            </a:r>
+            <a:r>
+              <a:rPr lang="ru-RU" b="1" dirty="0" smtClean="0"/>
+              <a:t>улеснява писането </a:t>
+            </a:r>
+            <a:r>
+              <a:rPr lang="ru-RU" dirty="0" smtClean="0"/>
+              <a:t>на програми</a:t>
+            </a:r>
+          </a:p>
+          <a:p>
+            <a:pPr lvl="1"/>
+            <a:r>
+              <a:rPr lang="ru-RU" dirty="0" smtClean="0"/>
+              <a:t>Те </a:t>
+            </a:r>
+            <a:r>
+              <a:rPr lang="ru-RU" b="1" dirty="0" smtClean="0"/>
+              <a:t>абстрахират детайлите </a:t>
+            </a:r>
+            <a:r>
+              <a:rPr lang="ru-RU" dirty="0" smtClean="0"/>
+              <a:t>на </a:t>
+            </a:r>
+            <a:r>
+              <a:rPr lang="ru-RU" b="1" dirty="0" smtClean="0"/>
+              <a:t>хардуера</a:t>
+            </a:r>
+            <a:r>
+              <a:rPr lang="ru-RU" dirty="0" smtClean="0"/>
+              <a:t>, позволявайки на програмистите да се </a:t>
+            </a:r>
+            <a:r>
+              <a:rPr lang="ru-RU" b="1" dirty="0" smtClean="0"/>
+              <a:t>фокусират</a:t>
+            </a:r>
+            <a:r>
+              <a:rPr lang="ru-RU" dirty="0" smtClean="0"/>
+              <a:t> върху </a:t>
+            </a:r>
+            <a:r>
+              <a:rPr lang="ru-RU" b="1" dirty="0" smtClean="0"/>
+              <a:t>логиката</a:t>
+            </a:r>
+            <a:r>
+              <a:rPr lang="ru-RU" dirty="0" smtClean="0"/>
+              <a:t> на </a:t>
+            </a:r>
+            <a:r>
+              <a:rPr lang="ru-RU" b="1" dirty="0" smtClean="0"/>
+              <a:t>програмата</a:t>
+            </a:r>
+            <a:endParaRPr lang="en-US" b="1" dirty="0"/>
+          </a:p>
+        </p:txBody>
+      </p:sp>
+      <p:sp>
+        <p:nvSpPr>
+          <p:cNvPr id="4" name="Title 3"/>
+          <p:cNvSpPr>
+            <a:spLocks noGrp="1"/>
+          </p:cNvSpPr>
+          <p:nvPr>
+            <p:ph type="title"/>
+          </p:nvPr>
+        </p:nvSpPr>
+        <p:spPr/>
+        <p:txBody>
+          <a:bodyPr>
+            <a:normAutofit/>
+          </a:bodyPr>
+          <a:lstStyle/>
+          <a:p>
+            <a:r>
+              <a:rPr lang="bg-BG" dirty="0"/>
+              <a:t>Езици от високо </a:t>
+            </a:r>
+            <a:r>
+              <a:rPr lang="bg-BG" dirty="0" smtClean="0"/>
+              <a:t>ниво</a:t>
+            </a:r>
+            <a:endParaRPr lang="en-US" dirty="0"/>
+          </a:p>
+        </p:txBody>
+      </p:sp>
+      <p:pic>
+        <p:nvPicPr>
+          <p:cNvPr id="6" name="Picture 5"/>
+          <p:cNvPicPr>
+            <a:picLocks noChangeAspect="1"/>
+          </p:cNvPicPr>
+          <p:nvPr/>
+        </p:nvPicPr>
+        <p:blipFill>
+          <a:blip r:embed="rId2">
+            <a:extLst>
+              <a:ext uri="{28A0092B-C50C-407E-A947-70E740481C1C}">
+                <a14:useLocalDpi xmlns:a14="http://schemas.microsoft.com/office/drawing/2010/main" val="0"/>
+              </a:ext>
+            </a:extLst>
+          </a:blip>
+          <a:stretch>
+            <a:fillRect/>
+          </a:stretch>
+        </p:blipFill>
+        <p:spPr>
+          <a:xfrm>
+            <a:off x="3421950" y="4214317"/>
+            <a:ext cx="5355000" cy="2510574"/>
+          </a:xfrm>
+          <a:prstGeom prst="rect">
+            <a:avLst/>
+          </a:prstGeom>
+          <a:ln>
+            <a:solidFill>
+              <a:schemeClr val="bg2">
+                <a:lumMod val="75000"/>
+              </a:schemeClr>
+            </a:solidFill>
+          </a:ln>
+        </p:spPr>
+      </p:pic>
+    </p:spTree>
+    <p:extLst>
+      <p:ext uri="{BB962C8B-B14F-4D97-AF65-F5344CB8AC3E}">
+        <p14:creationId xmlns:p14="http://schemas.microsoft.com/office/powerpoint/2010/main" val="2655494233"/>
+      </p:ext>
+    </p:extLst>
+  </p:cSld>
+  <p:clrMapOvr>
+    <a:masterClrMapping/>
+  </p:clrMapOvr>
+  <mc:AlternateContent xmlns:mc="http://schemas.openxmlformats.org/markup-compatibility/2006" xmlns:p14="http://schemas.microsoft.com/office/powerpoint/2010/main">
+    <mc:Choice Requires="p14">
+      <p:transition spd="slow" p14:dur="2000" advClick="0" advTm="5000"/>
+    </mc:Choice>
+    <mc:Fallback xmlns="">
+      <p:transition spd="slow" advClick="0" advTm="5000"/>
+    </mc:Fallback>
+  </mc:AlternateContent>
+  <p:timing>
+    <p:tnLst>
+      <p:par>
+        <p:cTn id="1" dur="indefinite" restart="never" nodeType="tmRoot">
+          <p:childTnLst>
+            <p:seq concurrent="1" nextAc="seek">
+              <p:cTn id="2" dur="indefinite" nodeType="mainSeq">
+                <p:childTnLst>
+                  <p:par>
+                    <p:cTn id="3" fill="hold">
+                      <p:stCondLst>
+                        <p:cond delay="indefinite"/>
+                      </p:stCondLst>
+                      <p:childTnLst>
+                        <p:par>
+                          <p:cTn id="4" fill="hold">
+                            <p:stCondLst>
+                              <p:cond delay="0"/>
+                            </p:stCondLst>
+                            <p:childTnLst>
+                              <p:par>
+                                <p:cTn id="5" presetID="1" presetClass="entr" presetSubtype="0" fill="hold" nodeType="clickEffect">
+                                  <p:stCondLst>
+                                    <p:cond delay="0"/>
+                                  </p:stCondLst>
+                                  <p:childTnLst>
+                                    <p:set>
+                                      <p:cBhvr>
+                                        <p:cTn id="6" dur="1" fill="hold">
+                                          <p:stCondLst>
+                                            <p:cond delay="0"/>
+                                          </p:stCondLst>
+                                        </p:cTn>
+                                        <p:tgtEl>
+                                          <p:spTgt spid="3">
+                                            <p:txEl>
+                                              <p:pRg st="1" end="1"/>
+                                            </p:txEl>
+                                          </p:spTgt>
+                                        </p:tgtEl>
+                                        <p:attrNameLst>
+                                          <p:attrName>style.visibility</p:attrName>
+                                        </p:attrNameLst>
+                                      </p:cBhvr>
+                                      <p:to>
+                                        <p:strVal val="visible"/>
+                                      </p:to>
+                                    </p:set>
+                                  </p:childTnLst>
+                                </p:cTn>
+                              </p:par>
+                            </p:childTnLst>
+                          </p:cTn>
+                        </p:par>
+                      </p:childTnLst>
+                    </p:cTn>
+                  </p:par>
+                  <p:par>
+                    <p:cTn id="7" fill="hold">
+                      <p:stCondLst>
+                        <p:cond delay="indefinite"/>
+                      </p:stCondLst>
+                      <p:childTnLst>
+                        <p:par>
+                          <p:cTn id="8" fill="hold">
+                            <p:stCondLst>
+                              <p:cond delay="0"/>
+                            </p:stCondLst>
+                            <p:childTnLst>
+                              <p:par>
+                                <p:cTn id="9" presetID="1" presetClass="entr" presetSubtype="0" fill="hold" nodeType="clickEffect">
+                                  <p:stCondLst>
+                                    <p:cond delay="0"/>
+                                  </p:stCondLst>
+                                  <p:childTnLst>
+                                    <p:set>
+                                      <p:cBhvr>
+                                        <p:cTn id="10" dur="1" fill="hold">
+                                          <p:stCondLst>
+                                            <p:cond delay="0"/>
+                                          </p:stCondLst>
+                                        </p:cTn>
+                                        <p:tgtEl>
+                                          <p:spTgt spid="6"/>
+                                        </p:tgtEl>
+                                        <p:attrNameLst>
+                                          <p:attrName>style.visibility</p:attrName>
+                                        </p:attrNameLst>
+                                      </p:cBhvr>
+                                      <p:to>
+                                        <p:strVal val="visible"/>
+                                      </p:to>
+                                    </p:set>
+                                  </p:childTnLst>
+                                </p:cTn>
+                              </p:par>
+                            </p:childTnLst>
+                          </p:cTn>
+                        </p:par>
+                      </p:childTnLst>
+                    </p:cTn>
+                  </p:par>
+                </p:childTnLst>
+              </p:cTn>
+              <p:prevCondLst>
+                <p:cond evt="onPrev" delay="0">
+                  <p:tgtEl>
+                    <p:sldTgt/>
+                  </p:tgtEl>
+                </p:cond>
+              </p:prevCondLst>
+              <p:nextCondLst>
+                <p:cond evt="onNext" delay="0">
+                  <p:tgtEl>
+                    <p:sldTgt/>
+                  </p:tgtEl>
+                </p:cond>
+              </p:nextCondLst>
+            </p:seq>
+          </p:childTnLst>
+        </p:cTn>
+      </p:par>
+    </p:tnLst>
+  </p:timing>
+</p:sld>
+</file>
+
+<file path=ppt/slides/slide9.xml><?xml version="1.0" encoding="utf-8"?>
+<p:sld xmlns:a="http://schemas.openxmlformats.org/drawingml/2006/main" xmlns:r="http://schemas.openxmlformats.org/officeDocument/2006/relationships" xmlns:p="http://schemas.openxmlformats.org/presentationml/2006/main">
+  <p:cSld>
+    <p:spTree>
+      <p:nvGrpSpPr>
+        <p:cNvPr id="1" name=""/>
+        <p:cNvGrpSpPr/>
+        <p:nvPr/>
+      </p:nvGrpSpPr>
+      <p:grpSpPr>
+        <a:xfrm>
+          <a:off x="0" y="0"/>
+          <a:ext cx="0" cy="0"/>
+          <a:chOff x="0" y="0"/>
+          <a:chExt cx="0" cy="0"/>
+        </a:xfrm>
+      </p:grpSpPr>
+      <p:sp>
+        <p:nvSpPr>
+          <p:cNvPr id="2" name="Slide Number Placeholder 1"/>
+          <p:cNvSpPr>
+            <a:spLocks noGrp="1"/>
+          </p:cNvSpPr>
+          <p:nvPr>
+            <p:ph type="sldNum" sz="quarter" idx="5"/>
+          </p:nvPr>
+        </p:nvSpPr>
+        <p:spPr/>
+        <p:txBody>
+          <a:bodyPr/>
+          <a:lstStyle/>
+          <a:p>
+            <a:fld id="{2BF067CD-8E6B-4360-9AA8-C5DF2A48A6D1}" type="slidenum">
+              <a:rPr lang="en-US" noProof="0" smtClean="0"/>
+              <a:pPr/>
+              <a:t>9</a:t>
+            </a:fld>
+            <a:endParaRPr lang="en-US" noProof="0" dirty="0"/>
+          </a:p>
+        </p:txBody>
+      </p:sp>
+      <p:sp>
+        <p:nvSpPr>
+          <p:cNvPr id="3" name="Text Placeholder 2"/>
+          <p:cNvSpPr>
+            <a:spLocks noGrp="1"/>
+          </p:cNvSpPr>
+          <p:nvPr>
+            <p:ph type="body" sz="quarter" idx="10"/>
+          </p:nvPr>
+        </p:nvSpPr>
+        <p:spPr/>
+        <p:txBody>
+          <a:bodyPr/>
+          <a:lstStyle/>
+          <a:p>
+            <a:endParaRPr lang="en-US" dirty="0"/>
+          </a:p>
+        </p:txBody>
+      </p:sp>
+      <p:sp>
+        <p:nvSpPr>
+          <p:cNvPr id="4" name="Title 3"/>
+          <p:cNvSpPr>
+            <a:spLocks noGrp="1"/>
+          </p:cNvSpPr>
+          <p:nvPr>
+            <p:ph type="title"/>
+          </p:nvPr>
+        </p:nvSpPr>
+        <p:spPr/>
+        <p:txBody>
+          <a:bodyPr/>
+          <a:lstStyle/>
+          <a:p>
+            <a:endParaRPr lang="en-US"/>
+          </a:p>
+        </p:txBody>
+      </p:sp>
+      <p:sp>
+        <p:nvSpPr>
+          <p:cNvPr id="5" name="Rectangle 4"/>
+          <p:cNvSpPr/>
+          <p:nvPr/>
+        </p:nvSpPr>
+        <p:spPr bwMode="auto">
+          <a:xfrm>
+            <a:off x="1911000" y="2304000"/>
+            <a:ext cx="7110000" cy="3060000"/>
+          </a:xfrm>
+          <a:prstGeom prst="rect">
+            <a:avLst/>
+          </a:prstGeom>
+          <a:ln/>
+        </p:spPr>
+        <p:style>
+          <a:lnRef idx="2">
+            <a:schemeClr val="accent1"/>
+          </a:lnRef>
+          <a:fillRef idx="1">
+            <a:schemeClr val="lt1"/>
+          </a:fillRef>
+          <a:effectRef idx="0">
+            <a:schemeClr val="accent1"/>
+          </a:effectRef>
+          <a:fontRef idx="minor">
+            <a:schemeClr val="dk1"/>
+          </a:fontRef>
+        </p:style>
+        <p:txBody>
+          <a:bodyPr rot="0" spcFirstLastPara="0" vertOverflow="overflow" horzOverflow="overflow" vert="horz" wrap="square" lIns="91440" tIns="45720" rIns="91440" bIns="45720" numCol="1" spcCol="0" rtlCol="0" fromWordArt="0" anchor="ctr" anchorCtr="0" forceAA="0" compatLnSpc="1">
+            <a:prstTxWarp prst="textNoShape">
+              <a:avLst/>
+            </a:prstTxWarp>
+            <a:noAutofit/>
+          </a:bodyPr>
+          <a:lstStyle/>
+          <a:p>
+            <a:pPr algn="ctr"/>
+            <a:r>
+              <a:rPr lang="bg-BG" sz="5400" b="1" dirty="0" smtClean="0">
+                <a:solidFill>
+                  <a:srgbClr val="FFFFFF"/>
+                </a:solidFill>
+                <a:effectLst>
+                  <a:outerShdw blurRad="38100" dist="38100" dir="2700000" algn="tl">
+                    <a:srgbClr val="000000">
+                      <a:alpha val="43137"/>
+                    </a:srgbClr>
+                  </a:outerShdw>
+                </a:effectLst>
+              </a:rPr>
+              <a:t>Примери за езици от високо ниво</a:t>
+            </a:r>
+            <a:endParaRPr lang="en-US" sz="5400" b="1" dirty="0">
+              <a:solidFill>
+                <a:srgbClr val="FFFFFF"/>
+              </a:solidFill>
+              <a:effectLst>
+                <a:outerShdw blurRad="38100" dist="38100" dir="2700000" algn="tl">
+                  <a:srgbClr val="000000">
+                    <a:alpha val="43137"/>
+                  </a:srgbClr>
+                </a:outerShdw>
+              </a:effectLst>
+            </a:endParaRPr>
+          </a:p>
+        </p:txBody>
+      </p:sp>
+    </p:spTree>
+    <p:extLst>
+      <p:ext uri="{BB962C8B-B14F-4D97-AF65-F5344CB8AC3E}">
+        <p14:creationId xmlns:p14="http://schemas.microsoft.com/office/powerpoint/2010/main" val="2829977174"/>
       </p:ext>
     </p:extLst>
   </p:cSld>

--- a/Courses/Computer-Modeling-and-IT/Computer-Modeling-and-IT-6-Class/26-Transitioning-from-Block-to-Scripting-Languages/26-Transitioning-from-Block-to-Scripting-Languages.pptx
+++ b/Courses/Computer-Modeling-and-IT/Computer-Modeling-and-IT-6-Class/26-Transitioning-from-Block-to-Scripting-Languages/26-Transitioning-from-Block-to-Scripting-Languages.pptx
@@ -5,10 +5,10 @@
     <p:sldMasterId id="2147483675" r:id="rId1"/>
   </p:sldMasterIdLst>
   <p:notesMasterIdLst>
-    <p:notesMasterId r:id="rId14"/>
+    <p:notesMasterId r:id="rId22"/>
   </p:notesMasterIdLst>
   <p:handoutMasterIdLst>
-    <p:handoutMasterId r:id="rId15"/>
+    <p:handoutMasterId r:id="rId23"/>
   </p:handoutMasterIdLst>
   <p:sldIdLst>
     <p:sldId id="503" r:id="rId2"/>
@@ -20,9 +20,17 @@
     <p:sldId id="591" r:id="rId8"/>
     <p:sldId id="592" r:id="rId9"/>
     <p:sldId id="593" r:id="rId10"/>
-    <p:sldId id="586" r:id="rId11"/>
-    <p:sldId id="504" r:id="rId12"/>
-    <p:sldId id="505" r:id="rId13"/>
+    <p:sldId id="594" r:id="rId11"/>
+    <p:sldId id="595" r:id="rId12"/>
+    <p:sldId id="596" r:id="rId13"/>
+    <p:sldId id="597" r:id="rId14"/>
+    <p:sldId id="598" r:id="rId15"/>
+    <p:sldId id="599" r:id="rId16"/>
+    <p:sldId id="600" r:id="rId17"/>
+    <p:sldId id="601" r:id="rId18"/>
+    <p:sldId id="586" r:id="rId19"/>
+    <p:sldId id="504" r:id="rId20"/>
+    <p:sldId id="505" r:id="rId21"/>
   </p:sldIdLst>
   <p:sldSz cx="12192000" cy="6858000"/>
   <p:notesSz cx="6858000" cy="9144000"/>
@@ -139,6 +147,18 @@
             <p14:sldId id="591"/>
             <p14:sldId id="592"/>
             <p14:sldId id="593"/>
+            <p14:sldId id="594"/>
+            <p14:sldId id="595"/>
+            <p14:sldId id="596"/>
+          </p14:sldIdLst>
+        </p14:section>
+        <p14:section name="Компилиране и интерпретиране" id="{E1DAA2F6-64D8-46B0-AFD0-25BAB3D5FEAE}">
+          <p14:sldIdLst>
+            <p14:sldId id="597"/>
+            <p14:sldId id="598"/>
+            <p14:sldId id="599"/>
+            <p14:sldId id="600"/>
+            <p14:sldId id="601"/>
           </p14:sldIdLst>
         </p14:section>
         <p14:section name="Заключение" id="{E19D07F1-86E2-47E9-B2AB-7ADC4F89DC12}">
@@ -265,7 +285,7 @@
           <a:p>
             <a:fld id="{4E087215-0C8F-4762-A664-737A353EC9A4}" type="datetimeFigureOut">
               <a:rPr lang="bg-BG" smtClean="0"/>
-              <a:t>7.10.2024 г.</a:t>
+              <a:t>8.10.2024 г.</a:t>
             </a:fld>
             <a:endParaRPr lang="bg-BG"/>
           </a:p>
@@ -461,7 +481,7 @@
           <a:p>
             <a:fld id="{72D84649-876A-46C9-8472-14CB09C070D8}" type="datetimeFigureOut">
               <a:rPr lang="en-US" smtClean="0"/>
-              <a:t>10/7/2024</a:t>
+              <a:t>10/8/2024</a:t>
             </a:fld>
             <a:endParaRPr lang="en-US"/>
           </a:p>
@@ -1246,7 +1266,7 @@
             <a:fld id="{3EBA5BD7-F043-4D1B-AA17-CD412FC534DE}" type="slidenum">
               <a:rPr lang="en-US" smtClean="0"/>
               <a:pPr/>
-              <a:t>10</a:t>
+              <a:t>18</a:t>
             </a:fld>
             <a:endParaRPr lang="en-US" dirty="0"/>
           </a:p>
@@ -1437,7 +1457,7 @@
             <a:fld id="{3EBA5BD7-F043-4D1B-AA17-CD412FC534DE}" type="slidenum">
               <a:rPr lang="en-US" smtClean="0"/>
               <a:pPr/>
-              <a:t>11</a:t>
+              <a:t>19</a:t>
             </a:fld>
             <a:endParaRPr lang="en-US" dirty="0"/>
           </a:p>
@@ -1667,7 +1687,7 @@
             <a:fld id="{3EBA5BD7-F043-4D1B-AA17-CD412FC534DE}" type="slidenum">
               <a:rPr lang="en-US" smtClean="0"/>
               <a:pPr/>
-              <a:t>12</a:t>
+              <a:t>20</a:t>
             </a:fld>
             <a:endParaRPr lang="en-US" dirty="0"/>
           </a:p>
@@ -7054,6 +7074,3699 @@
       </p:grpSpPr>
       <p:sp>
         <p:nvSpPr>
+          <p:cNvPr id="2" name="Slide Number Placeholder 1"/>
+          <p:cNvSpPr>
+            <a:spLocks noGrp="1"/>
+          </p:cNvSpPr>
+          <p:nvPr>
+            <p:ph type="sldNum" sz="quarter" idx="4"/>
+          </p:nvPr>
+        </p:nvSpPr>
+        <p:spPr/>
+        <p:txBody>
+          <a:bodyPr/>
+          <a:lstStyle/>
+          <a:p>
+            <a:fld id="{2BF067CD-8E6B-4360-9AA8-C5DF2A48A6D1}" type="slidenum">
+              <a:rPr lang="en-US" noProof="0" smtClean="0"/>
+              <a:pPr/>
+              <a:t>10</a:t>
+            </a:fld>
+            <a:endParaRPr lang="en-US" noProof="0" dirty="0"/>
+          </a:p>
+        </p:txBody>
+      </p:sp>
+      <p:sp>
+        <p:nvSpPr>
+          <p:cNvPr id="7" name="Text Placeholder 6"/>
+          <p:cNvSpPr>
+            <a:spLocks noGrp="1"/>
+          </p:cNvSpPr>
+          <p:nvPr>
+            <p:ph type="body" sz="quarter" idx="11"/>
+          </p:nvPr>
+        </p:nvSpPr>
+        <p:spPr/>
+        <p:txBody>
+          <a:bodyPr/>
+          <a:lstStyle/>
+          <a:p>
+            <a:r>
+              <a:rPr lang="bg-BG" dirty="0" smtClean="0"/>
+              <a:t>Недостатъци:</a:t>
+            </a:r>
+          </a:p>
+          <a:p>
+            <a:pPr lvl="1"/>
+            <a:r>
+              <a:rPr lang="bg-BG" dirty="0" smtClean="0"/>
+              <a:t>П</a:t>
+            </a:r>
+            <a:r>
+              <a:rPr lang="ru-RU" dirty="0" smtClean="0"/>
+              <a:t>риложенията </a:t>
+            </a:r>
+            <a:r>
+              <a:rPr lang="ru-RU" dirty="0"/>
+              <a:t>често </a:t>
+            </a:r>
+            <a:r>
+              <a:rPr lang="ru-RU" b="1" dirty="0">
+                <a:solidFill>
+                  <a:schemeClr val="bg1"/>
+                </a:solidFill>
+              </a:rPr>
+              <a:t>консумират</a:t>
+            </a:r>
+            <a:r>
+              <a:rPr lang="ru-RU" dirty="0">
+                <a:solidFill>
+                  <a:schemeClr val="bg1"/>
+                </a:solidFill>
+              </a:rPr>
+              <a:t> </a:t>
+            </a:r>
+            <a:r>
+              <a:rPr lang="ru-RU" b="1" dirty="0">
+                <a:solidFill>
+                  <a:schemeClr val="bg1"/>
+                </a:solidFill>
+              </a:rPr>
+              <a:t>повече ресурси</a:t>
+            </a:r>
+            <a:r>
+              <a:rPr lang="ru-RU" dirty="0">
+                <a:solidFill>
+                  <a:schemeClr val="bg1"/>
+                </a:solidFill>
+              </a:rPr>
+              <a:t> </a:t>
+            </a:r>
+            <a:r>
+              <a:rPr lang="ru-RU" dirty="0"/>
+              <a:t>като </a:t>
+            </a:r>
+            <a:r>
+              <a:rPr lang="ru-RU" b="1" dirty="0"/>
+              <a:t>памет</a:t>
+            </a:r>
+            <a:r>
+              <a:rPr lang="ru-RU" dirty="0"/>
+              <a:t> и </a:t>
+            </a:r>
+            <a:r>
+              <a:rPr lang="ru-RU" b="1" dirty="0"/>
+              <a:t>процесор</a:t>
+            </a:r>
+            <a:r>
+              <a:rPr lang="ru-RU" dirty="0"/>
+              <a:t> в сравнение с тези на езици като </a:t>
+            </a:r>
+            <a:r>
+              <a:rPr lang="ru-RU" b="1" dirty="0"/>
+              <a:t>C</a:t>
+            </a:r>
+            <a:r>
+              <a:rPr lang="ru-RU" b="1" dirty="0" smtClean="0"/>
+              <a:t>++</a:t>
+            </a:r>
+            <a:endParaRPr lang="en-US" b="1" dirty="0"/>
+          </a:p>
+        </p:txBody>
+      </p:sp>
+      <p:sp>
+        <p:nvSpPr>
+          <p:cNvPr id="6" name="Text Placeholder 5"/>
+          <p:cNvSpPr>
+            <a:spLocks noGrp="1"/>
+          </p:cNvSpPr>
+          <p:nvPr>
+            <p:ph type="body" sz="quarter" idx="10"/>
+          </p:nvPr>
+        </p:nvSpPr>
+        <p:spPr/>
+        <p:txBody>
+          <a:bodyPr/>
+          <a:lstStyle/>
+          <a:p>
+            <a:r>
+              <a:rPr lang="bg-BG" dirty="0" smtClean="0"/>
+              <a:t>Предимства:</a:t>
+            </a:r>
+          </a:p>
+          <a:p>
+            <a:pPr lvl="1"/>
+            <a:r>
+              <a:rPr lang="ru-RU" b="1" dirty="0" smtClean="0"/>
+              <a:t>͏</a:t>
+            </a:r>
+            <a:r>
+              <a:rPr lang="ru-RU" b="1" dirty="0" smtClean="0">
+                <a:solidFill>
+                  <a:schemeClr val="bg1"/>
+                </a:solidFill>
+              </a:rPr>
+              <a:t>Гъвкав</a:t>
+            </a:r>
+            <a:r>
+              <a:rPr lang="ru-RU" dirty="0" smtClean="0"/>
+              <a:t> </a:t>
+            </a:r>
+            <a:r>
+              <a:rPr lang="ru-RU" dirty="0"/>
+              <a:t>и </a:t>
+            </a:r>
+            <a:r>
+              <a:rPr lang="ru-RU" b="1" dirty="0">
+                <a:solidFill>
+                  <a:schemeClr val="bg1"/>
+                </a:solidFill>
+              </a:rPr>
+              <a:t>мащабируем</a:t>
+            </a:r>
+            <a:r>
+              <a:rPr lang="ru-RU" dirty="0"/>
+              <a:t>, подходящ за малки</a:t>
+            </a:r>
+            <a:r>
+              <a:rPr lang="ru-RU" dirty="0" smtClean="0"/>
+              <a:t> </a:t>
+            </a:r>
+            <a:r>
+              <a:rPr lang="ru-RU" dirty="0"/>
+              <a:t>и </a:t>
+            </a:r>
+            <a:r>
+              <a:rPr lang="ru-RU" dirty="0" smtClean="0"/>
+              <a:t>големи </a:t>
+            </a:r>
+            <a:r>
+              <a:rPr lang="ru-RU" b="1" dirty="0" smtClean="0"/>
+              <a:t>уеб</a:t>
+            </a:r>
+            <a:r>
+              <a:rPr lang="ru-RU" dirty="0"/>
+              <a:t>, </a:t>
+            </a:r>
+            <a:r>
+              <a:rPr lang="ru-RU" b="1" dirty="0"/>
+              <a:t>десктоп</a:t>
+            </a:r>
+            <a:r>
+              <a:rPr lang="ru-RU" dirty="0"/>
+              <a:t> </a:t>
+            </a:r>
+            <a:r>
+              <a:rPr lang="ru-RU" dirty="0" smtClean="0"/>
+              <a:t>или </a:t>
+            </a:r>
+            <a:r>
+              <a:rPr lang="ru-RU" b="1" dirty="0" smtClean="0"/>
+              <a:t>мобилни </a:t>
+            </a:r>
+            <a:r>
+              <a:rPr lang="ru-RU" dirty="0" smtClean="0"/>
+              <a:t>приложения</a:t>
+            </a:r>
+            <a:endParaRPr lang="en-US" b="1" dirty="0"/>
+          </a:p>
+        </p:txBody>
+      </p:sp>
+      <p:sp>
+        <p:nvSpPr>
+          <p:cNvPr id="5" name="Title 4"/>
+          <p:cNvSpPr>
+            <a:spLocks noGrp="1"/>
+          </p:cNvSpPr>
+          <p:nvPr>
+            <p:ph type="title"/>
+          </p:nvPr>
+        </p:nvSpPr>
+        <p:spPr/>
+        <p:txBody>
+          <a:bodyPr/>
+          <a:lstStyle/>
+          <a:p>
+            <a:r>
+              <a:rPr lang="bg-BG" dirty="0" smtClean="0"/>
+              <a:t>Предимства и недостатъци на </a:t>
+            </a:r>
+            <a:r>
+              <a:rPr lang="en-US" dirty="0" smtClean="0"/>
+              <a:t>C#</a:t>
+            </a:r>
+            <a:endParaRPr lang="en-US" dirty="0"/>
+          </a:p>
+        </p:txBody>
+      </p:sp>
+    </p:spTree>
+    <p:extLst>
+      <p:ext uri="{BB962C8B-B14F-4D97-AF65-F5344CB8AC3E}">
+        <p14:creationId xmlns:p14="http://schemas.microsoft.com/office/powerpoint/2010/main" val="2440839499"/>
+      </p:ext>
+    </p:extLst>
+  </p:cSld>
+  <p:clrMapOvr>
+    <a:masterClrMapping/>
+  </p:clrMapOvr>
+  <mc:AlternateContent xmlns:mc="http://schemas.openxmlformats.org/markup-compatibility/2006" xmlns:p14="http://schemas.microsoft.com/office/powerpoint/2010/main">
+    <mc:Choice Requires="p14">
+      <p:transition spd="slow" p14:dur="2000" advClick="0" advTm="5000"/>
+    </mc:Choice>
+    <mc:Fallback xmlns="">
+      <p:transition spd="slow" advClick="0" advTm="5000"/>
+    </mc:Fallback>
+  </mc:AlternateContent>
+  <p:timing>
+    <p:tnLst>
+      <p:par>
+        <p:cTn id="1" dur="indefinite" restart="never" nodeType="tmRoot">
+          <p:childTnLst>
+            <p:seq concurrent="1" nextAc="seek">
+              <p:cTn id="2" dur="indefinite" nodeType="mainSeq">
+                <p:childTnLst>
+                  <p:par>
+                    <p:cTn id="3" fill="hold">
+                      <p:stCondLst>
+                        <p:cond delay="indefinite"/>
+                      </p:stCondLst>
+                      <p:childTnLst>
+                        <p:par>
+                          <p:cTn id="4" fill="hold">
+                            <p:stCondLst>
+                              <p:cond delay="0"/>
+                            </p:stCondLst>
+                            <p:childTnLst>
+                              <p:par>
+                                <p:cTn id="5" presetID="1" presetClass="entr" presetSubtype="0" fill="hold" nodeType="clickEffect">
+                                  <p:stCondLst>
+                                    <p:cond delay="0"/>
+                                  </p:stCondLst>
+                                  <p:childTnLst>
+                                    <p:set>
+                                      <p:cBhvr>
+                                        <p:cTn id="6" dur="1" fill="hold">
+                                          <p:stCondLst>
+                                            <p:cond delay="0"/>
+                                          </p:stCondLst>
+                                        </p:cTn>
+                                        <p:tgtEl>
+                                          <p:spTgt spid="6">
+                                            <p:txEl>
+                                              <p:pRg st="1" end="1"/>
+                                            </p:txEl>
+                                          </p:spTgt>
+                                        </p:tgtEl>
+                                        <p:attrNameLst>
+                                          <p:attrName>style.visibility</p:attrName>
+                                        </p:attrNameLst>
+                                      </p:cBhvr>
+                                      <p:to>
+                                        <p:strVal val="visible"/>
+                                      </p:to>
+                                    </p:set>
+                                  </p:childTnLst>
+                                </p:cTn>
+                              </p:par>
+                            </p:childTnLst>
+                          </p:cTn>
+                        </p:par>
+                      </p:childTnLst>
+                    </p:cTn>
+                  </p:par>
+                  <p:par>
+                    <p:cTn id="7" fill="hold">
+                      <p:stCondLst>
+                        <p:cond delay="indefinite"/>
+                      </p:stCondLst>
+                      <p:childTnLst>
+                        <p:par>
+                          <p:cTn id="8" fill="hold">
+                            <p:stCondLst>
+                              <p:cond delay="0"/>
+                            </p:stCondLst>
+                            <p:childTnLst>
+                              <p:par>
+                                <p:cTn id="9" presetID="1" presetClass="entr" presetSubtype="0" fill="hold" nodeType="clickEffect">
+                                  <p:stCondLst>
+                                    <p:cond delay="0"/>
+                                  </p:stCondLst>
+                                  <p:childTnLst>
+                                    <p:set>
+                                      <p:cBhvr>
+                                        <p:cTn id="10" dur="1" fill="hold">
+                                          <p:stCondLst>
+                                            <p:cond delay="0"/>
+                                          </p:stCondLst>
+                                        </p:cTn>
+                                        <p:tgtEl>
+                                          <p:spTgt spid="7">
+                                            <p:txEl>
+                                              <p:pRg st="1" end="1"/>
+                                            </p:txEl>
+                                          </p:spTgt>
+                                        </p:tgtEl>
+                                        <p:attrNameLst>
+                                          <p:attrName>style.visibility</p:attrName>
+                                        </p:attrNameLst>
+                                      </p:cBhvr>
+                                      <p:to>
+                                        <p:strVal val="visible"/>
+                                      </p:to>
+                                    </p:set>
+                                  </p:childTnLst>
+                                </p:cTn>
+                              </p:par>
+                            </p:childTnLst>
+                          </p:cTn>
+                        </p:par>
+                      </p:childTnLst>
+                    </p:cTn>
+                  </p:par>
+                </p:childTnLst>
+              </p:cTn>
+              <p:prevCondLst>
+                <p:cond evt="onPrev" delay="0">
+                  <p:tgtEl>
+                    <p:sldTgt/>
+                  </p:tgtEl>
+                </p:cond>
+              </p:prevCondLst>
+              <p:nextCondLst>
+                <p:cond evt="onNext" delay="0">
+                  <p:tgtEl>
+                    <p:sldTgt/>
+                  </p:tgtEl>
+                </p:cond>
+              </p:nextCondLst>
+            </p:seq>
+          </p:childTnLst>
+        </p:cTn>
+      </p:par>
+    </p:tnLst>
+  </p:timing>
+</p:sld>
+</file>
+
+<file path=ppt/slides/slide11.xml><?xml version="1.0" encoding="utf-8"?>
+<p:sld xmlns:a="http://schemas.openxmlformats.org/drawingml/2006/main" xmlns:r="http://schemas.openxmlformats.org/officeDocument/2006/relationships" xmlns:p="http://schemas.openxmlformats.org/presentationml/2006/main">
+  <p:cSld>
+    <p:spTree>
+      <p:nvGrpSpPr>
+        <p:cNvPr id="1" name=""/>
+        <p:cNvGrpSpPr/>
+        <p:nvPr/>
+      </p:nvGrpSpPr>
+      <p:grpSpPr>
+        <a:xfrm>
+          <a:off x="0" y="0"/>
+          <a:ext cx="0" cy="0"/>
+          <a:chOff x="0" y="0"/>
+          <a:chExt cx="0" cy="0"/>
+        </a:xfrm>
+      </p:grpSpPr>
+      <p:sp>
+        <p:nvSpPr>
+          <p:cNvPr id="2" name="Slide Number Placeholder 1"/>
+          <p:cNvSpPr>
+            <a:spLocks noGrp="1"/>
+          </p:cNvSpPr>
+          <p:nvPr>
+            <p:ph type="sldNum" sz="quarter" idx="4"/>
+          </p:nvPr>
+        </p:nvSpPr>
+        <p:spPr/>
+        <p:txBody>
+          <a:bodyPr/>
+          <a:lstStyle/>
+          <a:p>
+            <a:fld id="{2BF067CD-8E6B-4360-9AA8-C5DF2A48A6D1}" type="slidenum">
+              <a:rPr lang="en-US" noProof="0" smtClean="0"/>
+              <a:pPr/>
+              <a:t>11</a:t>
+            </a:fld>
+            <a:endParaRPr lang="en-US" noProof="0" dirty="0"/>
+          </a:p>
+        </p:txBody>
+      </p:sp>
+      <p:sp>
+        <p:nvSpPr>
+          <p:cNvPr id="7" name="Text Placeholder 6"/>
+          <p:cNvSpPr>
+            <a:spLocks noGrp="1"/>
+          </p:cNvSpPr>
+          <p:nvPr>
+            <p:ph type="body" sz="quarter" idx="11"/>
+          </p:nvPr>
+        </p:nvSpPr>
+        <p:spPr/>
+        <p:txBody>
+          <a:bodyPr/>
+          <a:lstStyle/>
+          <a:p>
+            <a:r>
+              <a:rPr lang="bg-BG" dirty="0" smtClean="0"/>
+              <a:t>Недостатъци:</a:t>
+            </a:r>
+          </a:p>
+          <a:p>
+            <a:pPr lvl="1"/>
+            <a:r>
+              <a:rPr lang="ru-RU" b="1" dirty="0"/>
+              <a:t>Динамичната </a:t>
+            </a:r>
+            <a:r>
+              <a:rPr lang="ru-RU" b="1" dirty="0" smtClean="0"/>
+              <a:t>типизация </a:t>
+            </a:r>
+            <a:r>
+              <a:rPr lang="ru-RU" dirty="0" smtClean="0"/>
+              <a:t>може </a:t>
+            </a:r>
+            <a:r>
+              <a:rPr lang="ru-RU" dirty="0"/>
+              <a:t>да </a:t>
+            </a:r>
+            <a:r>
+              <a:rPr lang="ru-RU" b="1" dirty="0"/>
+              <a:t>доведе</a:t>
+            </a:r>
+            <a:r>
+              <a:rPr lang="ru-RU" dirty="0"/>
+              <a:t> до </a:t>
+            </a:r>
+            <a:r>
+              <a:rPr lang="ru-RU" b="1" dirty="0">
+                <a:solidFill>
+                  <a:schemeClr val="bg1"/>
+                </a:solidFill>
+              </a:rPr>
+              <a:t>грешки</a:t>
+            </a:r>
+            <a:r>
+              <a:rPr lang="ru-RU" dirty="0"/>
+              <a:t>, откривани едва по време на </a:t>
+            </a:r>
+            <a:r>
+              <a:rPr lang="ru-RU" b="1" dirty="0" smtClean="0"/>
+              <a:t>изпълнение</a:t>
+            </a:r>
+            <a:r>
+              <a:rPr lang="en-US" dirty="0" smtClean="0"/>
+              <a:t> </a:t>
+            </a:r>
+            <a:r>
+              <a:rPr lang="bg-BG" dirty="0" smtClean="0"/>
+              <a:t>на </a:t>
+            </a:r>
+            <a:r>
+              <a:rPr lang="bg-BG" b="1" dirty="0" smtClean="0"/>
+              <a:t>кода</a:t>
+            </a:r>
+            <a:endParaRPr lang="en-US" b="1" dirty="0"/>
+          </a:p>
+        </p:txBody>
+      </p:sp>
+      <p:sp>
+        <p:nvSpPr>
+          <p:cNvPr id="6" name="Text Placeholder 5"/>
+          <p:cNvSpPr>
+            <a:spLocks noGrp="1"/>
+          </p:cNvSpPr>
+          <p:nvPr>
+            <p:ph type="body" sz="quarter" idx="10"/>
+          </p:nvPr>
+        </p:nvSpPr>
+        <p:spPr/>
+        <p:txBody>
+          <a:bodyPr/>
+          <a:lstStyle/>
+          <a:p>
+            <a:r>
+              <a:rPr lang="bg-BG" dirty="0" smtClean="0"/>
+              <a:t>Предимства:</a:t>
+            </a:r>
+          </a:p>
+          <a:p>
+            <a:pPr lvl="1"/>
+            <a:r>
+              <a:rPr lang="ru-RU" b="1" dirty="0" smtClean="0"/>
+              <a:t>Лесен</a:t>
+            </a:r>
+            <a:r>
+              <a:rPr lang="ru-RU" dirty="0" smtClean="0"/>
+              <a:t> </a:t>
+            </a:r>
+            <a:r>
+              <a:rPr lang="ru-RU" dirty="0"/>
+              <a:t>за </a:t>
+            </a:r>
+            <a:r>
+              <a:rPr lang="ru-RU" b="1" dirty="0"/>
+              <a:t>научаване</a:t>
+            </a:r>
+            <a:r>
+              <a:rPr lang="ru-RU" dirty="0"/>
+              <a:t> благодарение на своя </a:t>
+            </a:r>
+            <a:r>
+              <a:rPr lang="ru-RU" b="1" dirty="0">
+                <a:solidFill>
+                  <a:schemeClr val="bg1"/>
+                </a:solidFill>
+              </a:rPr>
+              <a:t>прост</a:t>
+            </a:r>
+            <a:r>
+              <a:rPr lang="ru-RU" dirty="0"/>
+              <a:t> и </a:t>
+            </a:r>
+            <a:r>
+              <a:rPr lang="ru-RU" b="1" dirty="0">
+                <a:solidFill>
+                  <a:schemeClr val="bg1"/>
+                </a:solidFill>
+              </a:rPr>
+              <a:t>четим синтаксис</a:t>
+            </a:r>
+            <a:r>
+              <a:rPr lang="ru-RU" dirty="0"/>
+              <a:t>, което го прави </a:t>
+            </a:r>
+            <a:r>
+              <a:rPr lang="ru-RU" b="1" dirty="0"/>
+              <a:t>подходящ</a:t>
+            </a:r>
+            <a:r>
+              <a:rPr lang="ru-RU" dirty="0"/>
+              <a:t> за </a:t>
+            </a:r>
+            <a:r>
+              <a:rPr lang="ru-RU" b="1" dirty="0" smtClean="0"/>
+              <a:t>начинаещи</a:t>
+            </a:r>
+            <a:endParaRPr lang="en-US" b="1" dirty="0"/>
+          </a:p>
+        </p:txBody>
+      </p:sp>
+      <p:sp>
+        <p:nvSpPr>
+          <p:cNvPr id="5" name="Title 4"/>
+          <p:cNvSpPr>
+            <a:spLocks noGrp="1"/>
+          </p:cNvSpPr>
+          <p:nvPr>
+            <p:ph type="title"/>
+          </p:nvPr>
+        </p:nvSpPr>
+        <p:spPr/>
+        <p:txBody>
+          <a:bodyPr/>
+          <a:lstStyle/>
+          <a:p>
+            <a:r>
+              <a:rPr lang="bg-BG" dirty="0" smtClean="0"/>
+              <a:t>Предимства и недостатъци на </a:t>
+            </a:r>
+            <a:r>
+              <a:rPr lang="en-US" dirty="0" smtClean="0"/>
+              <a:t>Python</a:t>
+            </a:r>
+            <a:endParaRPr lang="en-US" dirty="0"/>
+          </a:p>
+        </p:txBody>
+      </p:sp>
+    </p:spTree>
+    <p:extLst>
+      <p:ext uri="{BB962C8B-B14F-4D97-AF65-F5344CB8AC3E}">
+        <p14:creationId xmlns:p14="http://schemas.microsoft.com/office/powerpoint/2010/main" val="2606394207"/>
+      </p:ext>
+    </p:extLst>
+  </p:cSld>
+  <p:clrMapOvr>
+    <a:masterClrMapping/>
+  </p:clrMapOvr>
+  <mc:AlternateContent xmlns:mc="http://schemas.openxmlformats.org/markup-compatibility/2006" xmlns:p14="http://schemas.microsoft.com/office/powerpoint/2010/main">
+    <mc:Choice Requires="p14">
+      <p:transition spd="slow" p14:dur="2000" advClick="0" advTm="5000"/>
+    </mc:Choice>
+    <mc:Fallback xmlns="">
+      <p:transition spd="slow" advClick="0" advTm="5000"/>
+    </mc:Fallback>
+  </mc:AlternateContent>
+  <p:timing>
+    <p:tnLst>
+      <p:par>
+        <p:cTn id="1" dur="indefinite" restart="never" nodeType="tmRoot">
+          <p:childTnLst>
+            <p:seq concurrent="1" nextAc="seek">
+              <p:cTn id="2" dur="indefinite" nodeType="mainSeq">
+                <p:childTnLst>
+                  <p:par>
+                    <p:cTn id="3" fill="hold">
+                      <p:stCondLst>
+                        <p:cond delay="indefinite"/>
+                      </p:stCondLst>
+                      <p:childTnLst>
+                        <p:par>
+                          <p:cTn id="4" fill="hold">
+                            <p:stCondLst>
+                              <p:cond delay="0"/>
+                            </p:stCondLst>
+                            <p:childTnLst>
+                              <p:par>
+                                <p:cTn id="5" presetID="1" presetClass="entr" presetSubtype="0" fill="hold" nodeType="clickEffect">
+                                  <p:stCondLst>
+                                    <p:cond delay="0"/>
+                                  </p:stCondLst>
+                                  <p:childTnLst>
+                                    <p:set>
+                                      <p:cBhvr>
+                                        <p:cTn id="6" dur="1" fill="hold">
+                                          <p:stCondLst>
+                                            <p:cond delay="0"/>
+                                          </p:stCondLst>
+                                        </p:cTn>
+                                        <p:tgtEl>
+                                          <p:spTgt spid="6">
+                                            <p:txEl>
+                                              <p:pRg st="1" end="1"/>
+                                            </p:txEl>
+                                          </p:spTgt>
+                                        </p:tgtEl>
+                                        <p:attrNameLst>
+                                          <p:attrName>style.visibility</p:attrName>
+                                        </p:attrNameLst>
+                                      </p:cBhvr>
+                                      <p:to>
+                                        <p:strVal val="visible"/>
+                                      </p:to>
+                                    </p:set>
+                                  </p:childTnLst>
+                                </p:cTn>
+                              </p:par>
+                            </p:childTnLst>
+                          </p:cTn>
+                        </p:par>
+                      </p:childTnLst>
+                    </p:cTn>
+                  </p:par>
+                  <p:par>
+                    <p:cTn id="7" fill="hold">
+                      <p:stCondLst>
+                        <p:cond delay="indefinite"/>
+                      </p:stCondLst>
+                      <p:childTnLst>
+                        <p:par>
+                          <p:cTn id="8" fill="hold">
+                            <p:stCondLst>
+                              <p:cond delay="0"/>
+                            </p:stCondLst>
+                            <p:childTnLst>
+                              <p:par>
+                                <p:cTn id="9" presetID="1" presetClass="entr" presetSubtype="0" fill="hold" nodeType="clickEffect">
+                                  <p:stCondLst>
+                                    <p:cond delay="0"/>
+                                  </p:stCondLst>
+                                  <p:childTnLst>
+                                    <p:set>
+                                      <p:cBhvr>
+                                        <p:cTn id="10" dur="1" fill="hold">
+                                          <p:stCondLst>
+                                            <p:cond delay="0"/>
+                                          </p:stCondLst>
+                                        </p:cTn>
+                                        <p:tgtEl>
+                                          <p:spTgt spid="7">
+                                            <p:txEl>
+                                              <p:pRg st="1" end="1"/>
+                                            </p:txEl>
+                                          </p:spTgt>
+                                        </p:tgtEl>
+                                        <p:attrNameLst>
+                                          <p:attrName>style.visibility</p:attrName>
+                                        </p:attrNameLst>
+                                      </p:cBhvr>
+                                      <p:to>
+                                        <p:strVal val="visible"/>
+                                      </p:to>
+                                    </p:set>
+                                  </p:childTnLst>
+                                </p:cTn>
+                              </p:par>
+                            </p:childTnLst>
+                          </p:cTn>
+                        </p:par>
+                      </p:childTnLst>
+                    </p:cTn>
+                  </p:par>
+                </p:childTnLst>
+              </p:cTn>
+              <p:prevCondLst>
+                <p:cond evt="onPrev" delay="0">
+                  <p:tgtEl>
+                    <p:sldTgt/>
+                  </p:tgtEl>
+                </p:cond>
+              </p:prevCondLst>
+              <p:nextCondLst>
+                <p:cond evt="onNext" delay="0">
+                  <p:tgtEl>
+                    <p:sldTgt/>
+                  </p:tgtEl>
+                </p:cond>
+              </p:nextCondLst>
+            </p:seq>
+          </p:childTnLst>
+        </p:cTn>
+      </p:par>
+    </p:tnLst>
+  </p:timing>
+</p:sld>
+</file>
+
+<file path=ppt/slides/slide12.xml><?xml version="1.0" encoding="utf-8"?>
+<p:sld xmlns:a="http://schemas.openxmlformats.org/drawingml/2006/main" xmlns:r="http://schemas.openxmlformats.org/officeDocument/2006/relationships" xmlns:p="http://schemas.openxmlformats.org/presentationml/2006/main">
+  <p:cSld>
+    <p:spTree>
+      <p:nvGrpSpPr>
+        <p:cNvPr id="1" name=""/>
+        <p:cNvGrpSpPr/>
+        <p:nvPr/>
+      </p:nvGrpSpPr>
+      <p:grpSpPr>
+        <a:xfrm>
+          <a:off x="0" y="0"/>
+          <a:ext cx="0" cy="0"/>
+          <a:chOff x="0" y="0"/>
+          <a:chExt cx="0" cy="0"/>
+        </a:xfrm>
+      </p:grpSpPr>
+      <p:sp>
+        <p:nvSpPr>
+          <p:cNvPr id="2" name="Slide Number Placeholder 1"/>
+          <p:cNvSpPr>
+            <a:spLocks noGrp="1"/>
+          </p:cNvSpPr>
+          <p:nvPr>
+            <p:ph type="sldNum" sz="quarter" idx="4"/>
+          </p:nvPr>
+        </p:nvSpPr>
+        <p:spPr/>
+        <p:txBody>
+          <a:bodyPr/>
+          <a:lstStyle/>
+          <a:p>
+            <a:fld id="{2BF067CD-8E6B-4360-9AA8-C5DF2A48A6D1}" type="slidenum">
+              <a:rPr lang="en-US" noProof="0" smtClean="0"/>
+              <a:pPr/>
+              <a:t>12</a:t>
+            </a:fld>
+            <a:endParaRPr lang="en-US" noProof="0" dirty="0"/>
+          </a:p>
+        </p:txBody>
+      </p:sp>
+      <p:sp>
+        <p:nvSpPr>
+          <p:cNvPr id="7" name="Text Placeholder 6"/>
+          <p:cNvSpPr>
+            <a:spLocks noGrp="1"/>
+          </p:cNvSpPr>
+          <p:nvPr>
+            <p:ph type="body" sz="quarter" idx="11"/>
+          </p:nvPr>
+        </p:nvSpPr>
+        <p:spPr/>
+        <p:txBody>
+          <a:bodyPr/>
+          <a:lstStyle/>
+          <a:p>
+            <a:r>
+              <a:rPr lang="bg-BG" dirty="0" smtClean="0"/>
+              <a:t>Недостатъци:</a:t>
+            </a:r>
+          </a:p>
+          <a:p>
+            <a:pPr lvl="1"/>
+            <a:r>
+              <a:rPr lang="ru-RU" b="1" dirty="0" smtClean="0"/>
+              <a:t>Проектите</a:t>
+            </a:r>
+            <a:r>
+              <a:rPr lang="ru-RU" dirty="0" smtClean="0"/>
+              <a:t> масово </a:t>
+            </a:r>
+            <a:r>
+              <a:rPr lang="ru-RU" b="1" dirty="0">
+                <a:solidFill>
+                  <a:schemeClr val="bg1"/>
+                </a:solidFill>
+              </a:rPr>
+              <a:t>разчитат</a:t>
+            </a:r>
+            <a:r>
+              <a:rPr lang="ru-RU" dirty="0"/>
+              <a:t> на </a:t>
+            </a:r>
+            <a:r>
+              <a:rPr lang="ru-RU" b="1" dirty="0">
+                <a:solidFill>
+                  <a:schemeClr val="bg1"/>
+                </a:solidFill>
+              </a:rPr>
+              <a:t>множество</a:t>
+            </a:r>
+            <a:r>
+              <a:rPr lang="ru-RU" dirty="0">
+                <a:solidFill>
+                  <a:schemeClr val="bg1"/>
+                </a:solidFill>
+              </a:rPr>
+              <a:t> </a:t>
+            </a:r>
+            <a:r>
+              <a:rPr lang="ru-RU" b="1" dirty="0" smtClean="0">
+                <a:solidFill>
+                  <a:schemeClr val="bg1"/>
+                </a:solidFill>
+              </a:rPr>
+              <a:t>библиотеки</a:t>
+            </a:r>
+            <a:r>
+              <a:rPr lang="ru-RU" dirty="0" smtClean="0"/>
+              <a:t>, </a:t>
+            </a:r>
+            <a:r>
+              <a:rPr lang="ru-RU" dirty="0"/>
+              <a:t>което може да </a:t>
+            </a:r>
+            <a:r>
+              <a:rPr lang="ru-RU" dirty="0" smtClean="0"/>
+              <a:t>доведе до </a:t>
+            </a:r>
+            <a:r>
+              <a:rPr lang="ru-RU" b="1" dirty="0" smtClean="0"/>
+              <a:t>проблеми</a:t>
+            </a:r>
+            <a:endParaRPr lang="bg-BG" b="1" dirty="0" smtClean="0"/>
+          </a:p>
+        </p:txBody>
+      </p:sp>
+      <p:sp>
+        <p:nvSpPr>
+          <p:cNvPr id="6" name="Text Placeholder 5"/>
+          <p:cNvSpPr>
+            <a:spLocks noGrp="1"/>
+          </p:cNvSpPr>
+          <p:nvPr>
+            <p:ph type="body" sz="quarter" idx="10"/>
+          </p:nvPr>
+        </p:nvSpPr>
+        <p:spPr/>
+        <p:txBody>
+          <a:bodyPr/>
+          <a:lstStyle/>
+          <a:p>
+            <a:r>
+              <a:rPr lang="bg-BG" dirty="0" smtClean="0"/>
+              <a:t>Предимства:</a:t>
+            </a:r>
+          </a:p>
+          <a:p>
+            <a:pPr lvl="1"/>
+            <a:r>
+              <a:rPr lang="ru-RU" dirty="0" smtClean="0"/>
+              <a:t>Един </a:t>
+            </a:r>
+            <a:r>
+              <a:rPr lang="ru-RU" dirty="0"/>
+              <a:t>от </a:t>
+            </a:r>
+            <a:r>
+              <a:rPr lang="ru-RU" b="1" dirty="0">
+                <a:solidFill>
+                  <a:schemeClr val="bg1"/>
+                </a:solidFill>
+              </a:rPr>
+              <a:t>най-популярните езици</a:t>
+            </a:r>
+            <a:r>
+              <a:rPr lang="ru-RU" b="1" dirty="0"/>
+              <a:t> </a:t>
+            </a:r>
+            <a:r>
+              <a:rPr lang="ru-RU" dirty="0"/>
+              <a:t>за програмиране, с </a:t>
+            </a:r>
+            <a:r>
+              <a:rPr lang="ru-RU" b="1" dirty="0" smtClean="0"/>
+              <a:t>голяма </a:t>
+            </a:r>
+            <a:r>
+              <a:rPr lang="ru-RU" b="1" dirty="0"/>
+              <a:t>общност </a:t>
+            </a:r>
+            <a:r>
+              <a:rPr lang="ru-RU" dirty="0"/>
+              <a:t>и </a:t>
+            </a:r>
+            <a:r>
+              <a:rPr lang="ru-RU" b="1" dirty="0"/>
+              <a:t>много ресурси</a:t>
+            </a:r>
+            <a:endParaRPr lang="bg-BG" b="1" dirty="0" smtClean="0"/>
+          </a:p>
+        </p:txBody>
+      </p:sp>
+      <p:sp>
+        <p:nvSpPr>
+          <p:cNvPr id="5" name="Title 4"/>
+          <p:cNvSpPr>
+            <a:spLocks noGrp="1"/>
+          </p:cNvSpPr>
+          <p:nvPr>
+            <p:ph type="title"/>
+          </p:nvPr>
+        </p:nvSpPr>
+        <p:spPr/>
+        <p:txBody>
+          <a:bodyPr/>
+          <a:lstStyle/>
+          <a:p>
+            <a:r>
+              <a:rPr lang="bg-BG" dirty="0" smtClean="0"/>
+              <a:t>Предимства и недостатъци на </a:t>
+            </a:r>
+            <a:r>
+              <a:rPr lang="en-US" dirty="0"/>
+              <a:t>JavaScript</a:t>
+            </a:r>
+          </a:p>
+        </p:txBody>
+      </p:sp>
+    </p:spTree>
+    <p:extLst>
+      <p:ext uri="{BB962C8B-B14F-4D97-AF65-F5344CB8AC3E}">
+        <p14:creationId xmlns:p14="http://schemas.microsoft.com/office/powerpoint/2010/main" val="3711584227"/>
+      </p:ext>
+    </p:extLst>
+  </p:cSld>
+  <p:clrMapOvr>
+    <a:masterClrMapping/>
+  </p:clrMapOvr>
+  <mc:AlternateContent xmlns:mc="http://schemas.openxmlformats.org/markup-compatibility/2006" xmlns:p14="http://schemas.microsoft.com/office/powerpoint/2010/main">
+    <mc:Choice Requires="p14">
+      <p:transition spd="slow" p14:dur="2000" advClick="0" advTm="5000"/>
+    </mc:Choice>
+    <mc:Fallback xmlns="">
+      <p:transition spd="slow" advClick="0" advTm="5000"/>
+    </mc:Fallback>
+  </mc:AlternateContent>
+  <p:timing>
+    <p:tnLst>
+      <p:par>
+        <p:cTn id="1" dur="indefinite" restart="never" nodeType="tmRoot">
+          <p:childTnLst>
+            <p:seq concurrent="1" nextAc="seek">
+              <p:cTn id="2" dur="indefinite" nodeType="mainSeq">
+                <p:childTnLst>
+                  <p:par>
+                    <p:cTn id="3" fill="hold">
+                      <p:stCondLst>
+                        <p:cond delay="indefinite"/>
+                      </p:stCondLst>
+                      <p:childTnLst>
+                        <p:par>
+                          <p:cTn id="4" fill="hold">
+                            <p:stCondLst>
+                              <p:cond delay="0"/>
+                            </p:stCondLst>
+                            <p:childTnLst>
+                              <p:par>
+                                <p:cTn id="5" presetID="1" presetClass="entr" presetSubtype="0" fill="hold" nodeType="clickEffect">
+                                  <p:stCondLst>
+                                    <p:cond delay="0"/>
+                                  </p:stCondLst>
+                                  <p:childTnLst>
+                                    <p:set>
+                                      <p:cBhvr>
+                                        <p:cTn id="6" dur="1" fill="hold">
+                                          <p:stCondLst>
+                                            <p:cond delay="0"/>
+                                          </p:stCondLst>
+                                        </p:cTn>
+                                        <p:tgtEl>
+                                          <p:spTgt spid="6">
+                                            <p:txEl>
+                                              <p:pRg st="1" end="1"/>
+                                            </p:txEl>
+                                          </p:spTgt>
+                                        </p:tgtEl>
+                                        <p:attrNameLst>
+                                          <p:attrName>style.visibility</p:attrName>
+                                        </p:attrNameLst>
+                                      </p:cBhvr>
+                                      <p:to>
+                                        <p:strVal val="visible"/>
+                                      </p:to>
+                                    </p:set>
+                                  </p:childTnLst>
+                                </p:cTn>
+                              </p:par>
+                            </p:childTnLst>
+                          </p:cTn>
+                        </p:par>
+                      </p:childTnLst>
+                    </p:cTn>
+                  </p:par>
+                  <p:par>
+                    <p:cTn id="7" fill="hold">
+                      <p:stCondLst>
+                        <p:cond delay="indefinite"/>
+                      </p:stCondLst>
+                      <p:childTnLst>
+                        <p:par>
+                          <p:cTn id="8" fill="hold">
+                            <p:stCondLst>
+                              <p:cond delay="0"/>
+                            </p:stCondLst>
+                            <p:childTnLst>
+                              <p:par>
+                                <p:cTn id="9" presetID="1" presetClass="entr" presetSubtype="0" fill="hold" nodeType="clickEffect">
+                                  <p:stCondLst>
+                                    <p:cond delay="0"/>
+                                  </p:stCondLst>
+                                  <p:childTnLst>
+                                    <p:set>
+                                      <p:cBhvr>
+                                        <p:cTn id="10" dur="1" fill="hold">
+                                          <p:stCondLst>
+                                            <p:cond delay="0"/>
+                                          </p:stCondLst>
+                                        </p:cTn>
+                                        <p:tgtEl>
+                                          <p:spTgt spid="7">
+                                            <p:txEl>
+                                              <p:pRg st="1" end="1"/>
+                                            </p:txEl>
+                                          </p:spTgt>
+                                        </p:tgtEl>
+                                        <p:attrNameLst>
+                                          <p:attrName>style.visibility</p:attrName>
+                                        </p:attrNameLst>
+                                      </p:cBhvr>
+                                      <p:to>
+                                        <p:strVal val="visible"/>
+                                      </p:to>
+                                    </p:set>
+                                  </p:childTnLst>
+                                </p:cTn>
+                              </p:par>
+                            </p:childTnLst>
+                          </p:cTn>
+                        </p:par>
+                      </p:childTnLst>
+                    </p:cTn>
+                  </p:par>
+                </p:childTnLst>
+              </p:cTn>
+              <p:prevCondLst>
+                <p:cond evt="onPrev" delay="0">
+                  <p:tgtEl>
+                    <p:sldTgt/>
+                  </p:tgtEl>
+                </p:cond>
+              </p:prevCondLst>
+              <p:nextCondLst>
+                <p:cond evt="onNext" delay="0">
+                  <p:tgtEl>
+                    <p:sldTgt/>
+                  </p:tgtEl>
+                </p:cond>
+              </p:nextCondLst>
+            </p:seq>
+          </p:childTnLst>
+        </p:cTn>
+      </p:par>
+    </p:tnLst>
+  </p:timing>
+</p:sld>
+</file>
+
+<file path=ppt/slides/slide13.xml><?xml version="1.0" encoding="utf-8"?>
+<p:sld xmlns:a="http://schemas.openxmlformats.org/drawingml/2006/main" xmlns:r="http://schemas.openxmlformats.org/officeDocument/2006/relationships" xmlns:p="http://schemas.openxmlformats.org/presentationml/2006/main">
+  <p:cSld>
+    <p:spTree>
+      <p:nvGrpSpPr>
+        <p:cNvPr id="1" name=""/>
+        <p:cNvGrpSpPr/>
+        <p:nvPr/>
+      </p:nvGrpSpPr>
+      <p:grpSpPr>
+        <a:xfrm>
+          <a:off x="0" y="0"/>
+          <a:ext cx="0" cy="0"/>
+          <a:chOff x="0" y="0"/>
+          <a:chExt cx="0" cy="0"/>
+        </a:xfrm>
+      </p:grpSpPr>
+      <p:sp>
+        <p:nvSpPr>
+          <p:cNvPr id="7" name="Subtitle 6"/>
+          <p:cNvSpPr>
+            <a:spLocks noGrp="1"/>
+          </p:cNvSpPr>
+          <p:nvPr>
+            <p:ph type="subTitle" sz="quarter" idx="11"/>
+          </p:nvPr>
+        </p:nvSpPr>
+        <p:spPr/>
+        <p:txBody>
+          <a:bodyPr/>
+          <a:lstStyle/>
+          <a:p>
+            <a:r>
+              <a:rPr lang="bg-BG" dirty="0" smtClean="0"/>
+              <a:t>"Превеждане" на машинен език</a:t>
+            </a:r>
+            <a:endParaRPr lang="en-US" dirty="0"/>
+          </a:p>
+        </p:txBody>
+      </p:sp>
+      <p:sp>
+        <p:nvSpPr>
+          <p:cNvPr id="6" name="Title 5"/>
+          <p:cNvSpPr>
+            <a:spLocks noGrp="1"/>
+          </p:cNvSpPr>
+          <p:nvPr>
+            <p:ph type="title" sz="quarter" idx="10"/>
+          </p:nvPr>
+        </p:nvSpPr>
+        <p:spPr/>
+        <p:txBody>
+          <a:bodyPr/>
+          <a:lstStyle/>
+          <a:p>
+            <a:r>
+              <a:rPr lang="bg-BG" dirty="0"/>
+              <a:t>Компилиране и </a:t>
+            </a:r>
+            <a:r>
+              <a:rPr lang="bg-BG" dirty="0" smtClean="0"/>
+              <a:t>интерпретиране</a:t>
+            </a:r>
+            <a:endParaRPr lang="en-US" dirty="0"/>
+          </a:p>
+        </p:txBody>
+      </p:sp>
+      <p:pic>
+        <p:nvPicPr>
+          <p:cNvPr id="3074" name="Picture 2" descr="Programming Language Html icons for free download | Freepik"/>
+          <p:cNvPicPr>
+            <a:picLocks noChangeAspect="1" noChangeArrowheads="1"/>
+          </p:cNvPicPr>
+          <p:nvPr/>
+        </p:nvPicPr>
+        <p:blipFill>
+          <a:blip r:embed="rId2">
+            <a:extLst>
+              <a:ext uri="{28A0092B-C50C-407E-A947-70E740481C1C}">
+                <a14:useLocalDpi xmlns:a14="http://schemas.microsoft.com/office/drawing/2010/main" val="0"/>
+              </a:ext>
+            </a:extLst>
+          </a:blip>
+          <a:srcRect/>
+          <a:stretch>
+            <a:fillRect/>
+          </a:stretch>
+        </p:blipFill>
+        <p:spPr bwMode="auto">
+          <a:xfrm>
+            <a:off x="5013900" y="1539000"/>
+            <a:ext cx="2164200" cy="2164200"/>
+          </a:xfrm>
+          <a:prstGeom prst="rect">
+            <a:avLst/>
+          </a:prstGeom>
+          <a:noFill/>
+          <a:extLst>
+            <a:ext uri="{909E8E84-426E-40DD-AFC4-6F175D3DCCD1}">
+              <a14:hiddenFill xmlns:a14="http://schemas.microsoft.com/office/drawing/2010/main">
+                <a:solidFill>
+                  <a:srgbClr val="FFFFFF"/>
+                </a:solidFill>
+              </a14:hiddenFill>
+            </a:ext>
+          </a:extLst>
+        </p:spPr>
+      </p:pic>
+    </p:spTree>
+    <p:extLst>
+      <p:ext uri="{BB962C8B-B14F-4D97-AF65-F5344CB8AC3E}">
+        <p14:creationId xmlns:p14="http://schemas.microsoft.com/office/powerpoint/2010/main" val="3282075425"/>
+      </p:ext>
+    </p:extLst>
+  </p:cSld>
+  <p:clrMapOvr>
+    <a:masterClrMapping/>
+  </p:clrMapOvr>
+  <mc:AlternateContent xmlns:mc="http://schemas.openxmlformats.org/markup-compatibility/2006" xmlns:p14="http://schemas.microsoft.com/office/powerpoint/2010/main">
+    <mc:Choice Requires="p14">
+      <p:transition spd="slow" p14:dur="2000" advClick="0" advTm="5000"/>
+    </mc:Choice>
+    <mc:Fallback xmlns="">
+      <p:transition spd="slow" advClick="0" advTm="5000"/>
+    </mc:Fallback>
+  </mc:AlternateContent>
+  <p:timing>
+    <p:tnLst>
+      <p:par>
+        <p:cTn id="1" dur="indefinite" restart="never" nodeType="tmRoot"/>
+      </p:par>
+    </p:tnLst>
+  </p:timing>
+</p:sld>
+</file>
+
+<file path=ppt/slides/slide14.xml><?xml version="1.0" encoding="utf-8"?>
+<p:sld xmlns:a="http://schemas.openxmlformats.org/drawingml/2006/main" xmlns:r="http://schemas.openxmlformats.org/officeDocument/2006/relationships" xmlns:p="http://schemas.openxmlformats.org/presentationml/2006/main">
+  <p:cSld>
+    <p:spTree>
+      <p:nvGrpSpPr>
+        <p:cNvPr id="1" name=""/>
+        <p:cNvGrpSpPr/>
+        <p:nvPr/>
+      </p:nvGrpSpPr>
+      <p:grpSpPr>
+        <a:xfrm>
+          <a:off x="0" y="0"/>
+          <a:ext cx="0" cy="0"/>
+          <a:chOff x="0" y="0"/>
+          <a:chExt cx="0" cy="0"/>
+        </a:xfrm>
+      </p:grpSpPr>
+      <p:sp>
+        <p:nvSpPr>
+          <p:cNvPr id="5" name="Text Placeholder 4"/>
+          <p:cNvSpPr>
+            <a:spLocks noGrp="1"/>
+          </p:cNvSpPr>
+          <p:nvPr>
+            <p:ph type="body" sz="quarter" idx="10"/>
+          </p:nvPr>
+        </p:nvSpPr>
+        <p:spPr/>
+        <p:txBody>
+          <a:bodyPr/>
+          <a:lstStyle/>
+          <a:p>
+            <a:r>
+              <a:rPr lang="ru-RU" dirty="0" smtClean="0"/>
+              <a:t>За </a:t>
+            </a:r>
+            <a:r>
+              <a:rPr lang="ru-RU" dirty="0"/>
+              <a:t>да изпълни програма, </a:t>
+            </a:r>
+            <a:r>
+              <a:rPr lang="ru-RU" b="1" dirty="0"/>
+              <a:t>компютърът</a:t>
+            </a:r>
+            <a:r>
+              <a:rPr lang="ru-RU" dirty="0"/>
+              <a:t> трябва </a:t>
+            </a:r>
+            <a:r>
+              <a:rPr lang="ru-RU" dirty="0" smtClean="0"/>
+              <a:t>да "</a:t>
+            </a:r>
+            <a:r>
+              <a:rPr lang="ru-RU" b="1" dirty="0" smtClean="0">
+                <a:solidFill>
+                  <a:schemeClr val="bg1"/>
+                </a:solidFill>
+              </a:rPr>
+              <a:t>преведе</a:t>
+            </a:r>
+            <a:r>
+              <a:rPr lang="ru-RU" dirty="0" smtClean="0"/>
+              <a:t>" </a:t>
+            </a:r>
+            <a:r>
+              <a:rPr lang="ru-RU" b="1" dirty="0" smtClean="0"/>
+              <a:t>кода</a:t>
+            </a:r>
+            <a:r>
+              <a:rPr lang="ru-RU" dirty="0" smtClean="0"/>
+              <a:t> </a:t>
+            </a:r>
+            <a:r>
+              <a:rPr lang="ru-RU" dirty="0"/>
+              <a:t>на </a:t>
+            </a:r>
+            <a:r>
+              <a:rPr lang="ru-RU" b="1" dirty="0"/>
+              <a:t>машинен </a:t>
+            </a:r>
+            <a:r>
+              <a:rPr lang="ru-RU" b="1" dirty="0" smtClean="0"/>
+              <a:t>език</a:t>
+            </a:r>
+          </a:p>
+          <a:p>
+            <a:r>
+              <a:rPr lang="ru-RU" dirty="0"/>
+              <a:t>Основните </a:t>
+            </a:r>
+            <a:r>
+              <a:rPr lang="ru-RU" dirty="0" smtClean="0"/>
+              <a:t>начини </a:t>
+            </a:r>
+            <a:r>
+              <a:rPr lang="ru-RU" dirty="0"/>
+              <a:t>за </a:t>
+            </a:r>
+            <a:r>
+              <a:rPr lang="ru-RU" dirty="0" smtClean="0"/>
+              <a:t>"</a:t>
+            </a:r>
+            <a:r>
+              <a:rPr lang="ru-RU" b="1" dirty="0" smtClean="0"/>
+              <a:t>превод</a:t>
+            </a:r>
+            <a:r>
+              <a:rPr lang="ru-RU" dirty="0" smtClean="0"/>
+              <a:t>" са:</a:t>
+            </a:r>
+          </a:p>
+          <a:p>
+            <a:pPr lvl="1"/>
+            <a:r>
+              <a:rPr lang="bg-BG" dirty="0" smtClean="0"/>
+              <a:t>Компилиране</a:t>
+            </a:r>
+          </a:p>
+          <a:p>
+            <a:pPr lvl="1"/>
+            <a:r>
+              <a:rPr lang="bg-BG" dirty="0"/>
+              <a:t>Интерпретиране</a:t>
+            </a:r>
+            <a:endParaRPr lang="en-US" dirty="0"/>
+          </a:p>
+        </p:txBody>
+      </p:sp>
+      <p:sp>
+        <p:nvSpPr>
+          <p:cNvPr id="4" name="Title 3"/>
+          <p:cNvSpPr>
+            <a:spLocks noGrp="1"/>
+          </p:cNvSpPr>
+          <p:nvPr>
+            <p:ph type="title"/>
+          </p:nvPr>
+        </p:nvSpPr>
+        <p:spPr/>
+        <p:txBody>
+          <a:bodyPr/>
+          <a:lstStyle/>
+          <a:p>
+            <a:r>
+              <a:rPr lang="bg-BG" dirty="0" smtClean="0"/>
+              <a:t>Превеждане на машинен език</a:t>
+            </a:r>
+            <a:endParaRPr lang="en-US" dirty="0"/>
+          </a:p>
+        </p:txBody>
+      </p:sp>
+      <p:pic>
+        <p:nvPicPr>
+          <p:cNvPr id="4099" name="Picture 3" descr="STOP IT! There are no Compiled and Interpreted Languages! | by Skrew  Everything | From The Scratch | Medium"/>
+          <p:cNvPicPr>
+            <a:picLocks noChangeAspect="1" noChangeArrowheads="1"/>
+          </p:cNvPicPr>
+          <p:nvPr/>
+        </p:nvPicPr>
+        <p:blipFill>
+          <a:blip r:embed="rId2">
+            <a:extLst>
+              <a:ext uri="{28A0092B-C50C-407E-A947-70E740481C1C}">
+                <a14:useLocalDpi xmlns:a14="http://schemas.microsoft.com/office/drawing/2010/main" val="0"/>
+              </a:ext>
+            </a:extLst>
+          </a:blip>
+          <a:srcRect/>
+          <a:stretch>
+            <a:fillRect/>
+          </a:stretch>
+        </p:blipFill>
+        <p:spPr bwMode="auto">
+          <a:xfrm>
+            <a:off x="4566000" y="3281505"/>
+            <a:ext cx="7065000" cy="3443386"/>
+          </a:xfrm>
+          <a:prstGeom prst="rect">
+            <a:avLst/>
+          </a:prstGeom>
+          <a:noFill/>
+          <a:extLst>
+            <a:ext uri="{909E8E84-426E-40DD-AFC4-6F175D3DCCD1}">
+              <a14:hiddenFill xmlns:a14="http://schemas.microsoft.com/office/drawing/2010/main">
+                <a:solidFill>
+                  <a:srgbClr val="FFFFFF"/>
+                </a:solidFill>
+              </a14:hiddenFill>
+            </a:ext>
+          </a:extLst>
+        </p:spPr>
+      </p:pic>
+    </p:spTree>
+    <p:extLst>
+      <p:ext uri="{BB962C8B-B14F-4D97-AF65-F5344CB8AC3E}">
+        <p14:creationId xmlns:p14="http://schemas.microsoft.com/office/powerpoint/2010/main" val="3463148919"/>
+      </p:ext>
+    </p:extLst>
+  </p:cSld>
+  <p:clrMapOvr>
+    <a:masterClrMapping/>
+  </p:clrMapOvr>
+  <mc:AlternateContent xmlns:mc="http://schemas.openxmlformats.org/markup-compatibility/2006" xmlns:p14="http://schemas.microsoft.com/office/powerpoint/2010/main">
+    <mc:Choice Requires="p14">
+      <p:transition spd="slow" p14:dur="2000" advClick="0" advTm="5000"/>
+    </mc:Choice>
+    <mc:Fallback xmlns="">
+      <p:transition spd="slow" advClick="0" advTm="5000"/>
+    </mc:Fallback>
+  </mc:AlternateContent>
+  <p:timing>
+    <p:tnLst>
+      <p:par>
+        <p:cTn id="1" dur="indefinite" restart="never" nodeType="tmRoot">
+          <p:childTnLst>
+            <p:seq concurrent="1" nextAc="seek">
+              <p:cTn id="2" dur="indefinite" nodeType="mainSeq">
+                <p:childTnLst>
+                  <p:par>
+                    <p:cTn id="3" fill="hold">
+                      <p:stCondLst>
+                        <p:cond delay="indefinite"/>
+                      </p:stCondLst>
+                      <p:childTnLst>
+                        <p:par>
+                          <p:cTn id="4" fill="hold">
+                            <p:stCondLst>
+                              <p:cond delay="0"/>
+                            </p:stCondLst>
+                            <p:childTnLst>
+                              <p:par>
+                                <p:cTn id="5" presetID="1" presetClass="entr" presetSubtype="0" fill="hold" nodeType="clickEffect">
+                                  <p:stCondLst>
+                                    <p:cond delay="0"/>
+                                  </p:stCondLst>
+                                  <p:childTnLst>
+                                    <p:set>
+                                      <p:cBhvr>
+                                        <p:cTn id="6" dur="1" fill="hold">
+                                          <p:stCondLst>
+                                            <p:cond delay="0"/>
+                                          </p:stCondLst>
+                                        </p:cTn>
+                                        <p:tgtEl>
+                                          <p:spTgt spid="5">
+                                            <p:txEl>
+                                              <p:pRg st="1" end="1"/>
+                                            </p:txEl>
+                                          </p:spTgt>
+                                        </p:tgtEl>
+                                        <p:attrNameLst>
+                                          <p:attrName>style.visibility</p:attrName>
+                                        </p:attrNameLst>
+                                      </p:cBhvr>
+                                      <p:to>
+                                        <p:strVal val="visible"/>
+                                      </p:to>
+                                    </p:set>
+                                  </p:childTnLst>
+                                </p:cTn>
+                              </p:par>
+                            </p:childTnLst>
+                          </p:cTn>
+                        </p:par>
+                      </p:childTnLst>
+                    </p:cTn>
+                  </p:par>
+                  <p:par>
+                    <p:cTn id="7" fill="hold">
+                      <p:stCondLst>
+                        <p:cond delay="indefinite"/>
+                      </p:stCondLst>
+                      <p:childTnLst>
+                        <p:par>
+                          <p:cTn id="8" fill="hold">
+                            <p:stCondLst>
+                              <p:cond delay="0"/>
+                            </p:stCondLst>
+                            <p:childTnLst>
+                              <p:par>
+                                <p:cTn id="9" presetID="1" presetClass="entr" presetSubtype="0" fill="hold" nodeType="clickEffect">
+                                  <p:stCondLst>
+                                    <p:cond delay="0"/>
+                                  </p:stCondLst>
+                                  <p:childTnLst>
+                                    <p:set>
+                                      <p:cBhvr>
+                                        <p:cTn id="10" dur="1" fill="hold">
+                                          <p:stCondLst>
+                                            <p:cond delay="0"/>
+                                          </p:stCondLst>
+                                        </p:cTn>
+                                        <p:tgtEl>
+                                          <p:spTgt spid="5">
+                                            <p:txEl>
+                                              <p:pRg st="2" end="2"/>
+                                            </p:txEl>
+                                          </p:spTgt>
+                                        </p:tgtEl>
+                                        <p:attrNameLst>
+                                          <p:attrName>style.visibility</p:attrName>
+                                        </p:attrNameLst>
+                                      </p:cBhvr>
+                                      <p:to>
+                                        <p:strVal val="visible"/>
+                                      </p:to>
+                                    </p:set>
+                                  </p:childTnLst>
+                                </p:cTn>
+                              </p:par>
+                            </p:childTnLst>
+                          </p:cTn>
+                        </p:par>
+                      </p:childTnLst>
+                    </p:cTn>
+                  </p:par>
+                  <p:par>
+                    <p:cTn id="11" fill="hold">
+                      <p:stCondLst>
+                        <p:cond delay="indefinite"/>
+                      </p:stCondLst>
+                      <p:childTnLst>
+                        <p:par>
+                          <p:cTn id="12" fill="hold">
+                            <p:stCondLst>
+                              <p:cond delay="0"/>
+                            </p:stCondLst>
+                            <p:childTnLst>
+                              <p:par>
+                                <p:cTn id="13" presetID="1" presetClass="entr" presetSubtype="0" fill="hold" nodeType="clickEffect">
+                                  <p:stCondLst>
+                                    <p:cond delay="0"/>
+                                  </p:stCondLst>
+                                  <p:childTnLst>
+                                    <p:set>
+                                      <p:cBhvr>
+                                        <p:cTn id="14" dur="1" fill="hold">
+                                          <p:stCondLst>
+                                            <p:cond delay="0"/>
+                                          </p:stCondLst>
+                                        </p:cTn>
+                                        <p:tgtEl>
+                                          <p:spTgt spid="5">
+                                            <p:txEl>
+                                              <p:pRg st="3" end="3"/>
+                                            </p:txEl>
+                                          </p:spTgt>
+                                        </p:tgtEl>
+                                        <p:attrNameLst>
+                                          <p:attrName>style.visibility</p:attrName>
+                                        </p:attrNameLst>
+                                      </p:cBhvr>
+                                      <p:to>
+                                        <p:strVal val="visible"/>
+                                      </p:to>
+                                    </p:set>
+                                  </p:childTnLst>
+                                </p:cTn>
+                              </p:par>
+                            </p:childTnLst>
+                          </p:cTn>
+                        </p:par>
+                      </p:childTnLst>
+                    </p:cTn>
+                  </p:par>
+                  <p:par>
+                    <p:cTn id="15" fill="hold">
+                      <p:stCondLst>
+                        <p:cond delay="indefinite"/>
+                      </p:stCondLst>
+                      <p:childTnLst>
+                        <p:par>
+                          <p:cTn id="16" fill="hold">
+                            <p:stCondLst>
+                              <p:cond delay="0"/>
+                            </p:stCondLst>
+                            <p:childTnLst>
+                              <p:par>
+                                <p:cTn id="17" presetID="1" presetClass="entr" presetSubtype="0" fill="hold" nodeType="clickEffect">
+                                  <p:stCondLst>
+                                    <p:cond delay="0"/>
+                                  </p:stCondLst>
+                                  <p:childTnLst>
+                                    <p:set>
+                                      <p:cBhvr>
+                                        <p:cTn id="18" dur="1" fill="hold">
+                                          <p:stCondLst>
+                                            <p:cond delay="0"/>
+                                          </p:stCondLst>
+                                        </p:cTn>
+                                        <p:tgtEl>
+                                          <p:spTgt spid="4099"/>
+                                        </p:tgtEl>
+                                        <p:attrNameLst>
+                                          <p:attrName>style.visibility</p:attrName>
+                                        </p:attrNameLst>
+                                      </p:cBhvr>
+                                      <p:to>
+                                        <p:strVal val="visible"/>
+                                      </p:to>
+                                    </p:set>
+                                  </p:childTnLst>
+                                </p:cTn>
+                              </p:par>
+                            </p:childTnLst>
+                          </p:cTn>
+                        </p:par>
+                      </p:childTnLst>
+                    </p:cTn>
+                  </p:par>
+                </p:childTnLst>
+              </p:cTn>
+              <p:prevCondLst>
+                <p:cond evt="onPrev" delay="0">
+                  <p:tgtEl>
+                    <p:sldTgt/>
+                  </p:tgtEl>
+                </p:cond>
+              </p:prevCondLst>
+              <p:nextCondLst>
+                <p:cond evt="onNext" delay="0">
+                  <p:tgtEl>
+                    <p:sldTgt/>
+                  </p:tgtEl>
+                </p:cond>
+              </p:nextCondLst>
+            </p:seq>
+          </p:childTnLst>
+        </p:cTn>
+      </p:par>
+    </p:tnLst>
+  </p:timing>
+</p:sld>
+</file>
+
+<file path=ppt/slides/slide15.xml><?xml version="1.0" encoding="utf-8"?>
+<p:sld xmlns:a="http://schemas.openxmlformats.org/drawingml/2006/main" xmlns:r="http://schemas.openxmlformats.org/officeDocument/2006/relationships" xmlns:p="http://schemas.openxmlformats.org/presentationml/2006/main">
+  <p:cSld>
+    <p:spTree>
+      <p:nvGrpSpPr>
+        <p:cNvPr id="1" name=""/>
+        <p:cNvGrpSpPr/>
+        <p:nvPr/>
+      </p:nvGrpSpPr>
+      <p:grpSpPr>
+        <a:xfrm>
+          <a:off x="0" y="0"/>
+          <a:ext cx="0" cy="0"/>
+          <a:chOff x="0" y="0"/>
+          <a:chExt cx="0" cy="0"/>
+        </a:xfrm>
+      </p:grpSpPr>
+      <p:sp>
+        <p:nvSpPr>
+          <p:cNvPr id="2" name="Slide Number Placeholder 1"/>
+          <p:cNvSpPr>
+            <a:spLocks noGrp="1"/>
+          </p:cNvSpPr>
+          <p:nvPr>
+            <p:ph type="sldNum" sz="quarter" idx="5"/>
+          </p:nvPr>
+        </p:nvSpPr>
+        <p:spPr/>
+        <p:txBody>
+          <a:bodyPr/>
+          <a:lstStyle/>
+          <a:p>
+            <a:fld id="{2BF067CD-8E6B-4360-9AA8-C5DF2A48A6D1}" type="slidenum">
+              <a:rPr lang="en-US" noProof="0" smtClean="0"/>
+              <a:pPr/>
+              <a:t>15</a:t>
+            </a:fld>
+            <a:endParaRPr lang="en-US" noProof="0" dirty="0"/>
+          </a:p>
+        </p:txBody>
+      </p:sp>
+      <p:sp>
+        <p:nvSpPr>
+          <p:cNvPr id="3" name="Text Placeholder 2"/>
+          <p:cNvSpPr>
+            <a:spLocks noGrp="1"/>
+          </p:cNvSpPr>
+          <p:nvPr>
+            <p:ph type="body" sz="quarter" idx="10"/>
+          </p:nvPr>
+        </p:nvSpPr>
+        <p:spPr/>
+        <p:txBody>
+          <a:bodyPr/>
+          <a:lstStyle/>
+          <a:p>
+            <a:r>
+              <a:rPr lang="ru-RU" dirty="0"/>
+              <a:t>При </a:t>
+            </a:r>
+            <a:r>
+              <a:rPr lang="ru-RU" b="1" dirty="0">
+                <a:solidFill>
+                  <a:schemeClr val="bg1"/>
+                </a:solidFill>
+              </a:rPr>
+              <a:t>компилиране</a:t>
+            </a:r>
+            <a:r>
+              <a:rPr lang="ru-RU" dirty="0"/>
+              <a:t> се </a:t>
+            </a:r>
+            <a:r>
+              <a:rPr lang="ru-RU" b="1" dirty="0"/>
+              <a:t>превежда</a:t>
+            </a:r>
+            <a:r>
+              <a:rPr lang="ru-RU" dirty="0"/>
+              <a:t> </a:t>
+            </a:r>
+            <a:r>
+              <a:rPr lang="ru-RU" b="1" dirty="0"/>
+              <a:t>цялата програма </a:t>
+            </a:r>
+            <a:r>
+              <a:rPr lang="ru-RU" dirty="0"/>
+              <a:t>и се генерира </a:t>
+            </a:r>
+            <a:r>
+              <a:rPr lang="ru-RU" b="1" dirty="0"/>
+              <a:t>изпълним </a:t>
+            </a:r>
+            <a:r>
+              <a:rPr lang="ru-RU" b="1" dirty="0" smtClean="0"/>
+              <a:t>файл</a:t>
+            </a:r>
+            <a:endParaRPr lang="bg-BG" b="1" dirty="0" smtClean="0"/>
+          </a:p>
+          <a:p>
+            <a:r>
+              <a:rPr lang="bg-BG" dirty="0"/>
+              <a:t>Примери за </a:t>
+            </a:r>
+            <a:r>
+              <a:rPr lang="bg-BG" dirty="0" smtClean="0"/>
+              <a:t>езици, които се </a:t>
+            </a:r>
+            <a:r>
+              <a:rPr lang="bg-BG" b="1" dirty="0" smtClean="0"/>
+              <a:t>компилират</a:t>
+            </a:r>
+            <a:r>
+              <a:rPr lang="bg-BG" dirty="0" smtClean="0"/>
+              <a:t>, са:</a:t>
+            </a:r>
+          </a:p>
+          <a:p>
+            <a:pPr lvl="1"/>
+            <a:r>
+              <a:rPr lang="en-US" dirty="0" smtClean="0"/>
+              <a:t>Java, C#, Go, Rust </a:t>
+            </a:r>
+            <a:r>
+              <a:rPr lang="bg-BG" dirty="0" smtClean="0"/>
+              <a:t>и др.</a:t>
+            </a:r>
+            <a:endParaRPr lang="ru-RU" dirty="0" smtClean="0"/>
+          </a:p>
+        </p:txBody>
+      </p:sp>
+      <p:sp>
+        <p:nvSpPr>
+          <p:cNvPr id="4" name="Title 3"/>
+          <p:cNvSpPr>
+            <a:spLocks noGrp="1"/>
+          </p:cNvSpPr>
+          <p:nvPr>
+            <p:ph type="title"/>
+          </p:nvPr>
+        </p:nvSpPr>
+        <p:spPr/>
+        <p:txBody>
+          <a:bodyPr/>
+          <a:lstStyle/>
+          <a:p>
+            <a:r>
+              <a:rPr lang="bg-BG" dirty="0" smtClean="0"/>
+              <a:t>Компилиране</a:t>
+            </a:r>
+            <a:endParaRPr lang="en-US" dirty="0"/>
+          </a:p>
+        </p:txBody>
+      </p:sp>
+      <p:pic>
+        <p:nvPicPr>
+          <p:cNvPr id="6" name="Picture 5"/>
+          <p:cNvPicPr>
+            <a:picLocks noChangeAspect="1"/>
+          </p:cNvPicPr>
+          <p:nvPr/>
+        </p:nvPicPr>
+        <p:blipFill>
+          <a:blip r:embed="rId2">
+            <a:extLst>
+              <a:ext uri="{28A0092B-C50C-407E-A947-70E740481C1C}">
+                <a14:useLocalDpi xmlns:a14="http://schemas.microsoft.com/office/drawing/2010/main" val="0"/>
+              </a:ext>
+            </a:extLst>
+          </a:blip>
+          <a:stretch>
+            <a:fillRect/>
+          </a:stretch>
+        </p:blipFill>
+        <p:spPr>
+          <a:xfrm>
+            <a:off x="205202" y="4417508"/>
+            <a:ext cx="2874083" cy="1712983"/>
+          </a:xfrm>
+          <a:prstGeom prst="rect">
+            <a:avLst/>
+          </a:prstGeom>
+          <a:ln>
+            <a:solidFill>
+              <a:schemeClr val="bg2">
+                <a:lumMod val="75000"/>
+              </a:schemeClr>
+            </a:solidFill>
+          </a:ln>
+        </p:spPr>
+      </p:pic>
+      <p:grpSp>
+        <p:nvGrpSpPr>
+          <p:cNvPr id="13" name="Group 12"/>
+          <p:cNvGrpSpPr/>
+          <p:nvPr/>
+        </p:nvGrpSpPr>
+        <p:grpSpPr>
+          <a:xfrm>
+            <a:off x="3441000" y="4196954"/>
+            <a:ext cx="2337762" cy="2202046"/>
+            <a:chOff x="5299116" y="4122420"/>
+            <a:chExt cx="2337762" cy="2202046"/>
+          </a:xfrm>
+        </p:grpSpPr>
+        <p:pic>
+          <p:nvPicPr>
+            <p:cNvPr id="5130" name="Picture 10" descr="Compiler - Free electronics icons"/>
+            <p:cNvPicPr>
+              <a:picLocks noChangeAspect="1" noChangeArrowheads="1"/>
+            </p:cNvPicPr>
+            <p:nvPr/>
+          </p:nvPicPr>
+          <p:blipFill>
+            <a:blip r:embed="rId3">
+              <a:extLst>
+                <a:ext uri="{28A0092B-C50C-407E-A947-70E740481C1C}">
+                  <a14:useLocalDpi xmlns:a14="http://schemas.microsoft.com/office/drawing/2010/main" val="0"/>
+                </a:ext>
+              </a:extLst>
+            </a:blip>
+            <a:srcRect/>
+            <a:stretch>
+              <a:fillRect/>
+            </a:stretch>
+          </p:blipFill>
+          <p:spPr bwMode="auto">
+            <a:xfrm>
+              <a:off x="5697496" y="4122420"/>
+              <a:ext cx="1541002" cy="1541003"/>
+            </a:xfrm>
+            <a:prstGeom prst="rect">
+              <a:avLst/>
+            </a:prstGeom>
+            <a:noFill/>
+            <a:extLst>
+              <a:ext uri="{909E8E84-426E-40DD-AFC4-6F175D3DCCD1}">
+                <a14:hiddenFill xmlns:a14="http://schemas.microsoft.com/office/drawing/2010/main">
+                  <a:solidFill>
+                    <a:srgbClr val="FFFFFF"/>
+                  </a:solidFill>
+                </a14:hiddenFill>
+              </a:ext>
+            </a:extLst>
+          </p:spPr>
+        </p:pic>
+        <p:sp>
+          <p:nvSpPr>
+            <p:cNvPr id="9" name="TextBox 8"/>
+            <p:cNvSpPr txBox="1"/>
+            <p:nvPr/>
+          </p:nvSpPr>
+          <p:spPr>
+            <a:xfrm>
+              <a:off x="5299116" y="5632381"/>
+              <a:ext cx="2337762" cy="692085"/>
+            </a:xfrm>
+            <a:prstGeom prst="rect">
+              <a:avLst/>
+            </a:prstGeom>
+            <a:noFill/>
+            <a:ln w="12700">
+              <a:noFill/>
+            </a:ln>
+          </p:spPr>
+          <p:txBody>
+            <a:bodyPr vert="horz" wrap="square" lIns="144000" tIns="108000" rIns="144000" bIns="108000" rtlCol="0">
+              <a:spAutoFit/>
+            </a:bodyPr>
+            <a:lstStyle/>
+            <a:p>
+              <a:pPr algn="ctr" eaLnBrk="0" hangingPunct="0">
+                <a:lnSpc>
+                  <a:spcPct val="110000"/>
+                </a:lnSpc>
+                <a:buClr>
+                  <a:schemeClr val="accent5">
+                    <a:lumMod val="40000"/>
+                    <a:lumOff val="60000"/>
+                  </a:schemeClr>
+                </a:buClr>
+                <a:buSzPct val="70000"/>
+              </a:pPr>
+              <a:r>
+                <a:rPr lang="bg-BG" sz="2800" b="1" i="1" dirty="0" smtClean="0"/>
+                <a:t>Компилатор</a:t>
+              </a:r>
+              <a:endParaRPr lang="en-US" sz="3200" b="1" i="1" dirty="0"/>
+            </a:p>
+          </p:txBody>
+        </p:sp>
+      </p:grpSp>
+      <p:pic>
+        <p:nvPicPr>
+          <p:cNvPr id="12" name="Picture 11"/>
+          <p:cNvPicPr>
+            <a:picLocks noChangeAspect="1"/>
+          </p:cNvPicPr>
+          <p:nvPr/>
+        </p:nvPicPr>
+        <p:blipFill>
+          <a:blip r:embed="rId4">
+            <a:extLst>
+              <a:ext uri="{28A0092B-C50C-407E-A947-70E740481C1C}">
+                <a14:useLocalDpi xmlns:a14="http://schemas.microsoft.com/office/drawing/2010/main" val="0"/>
+              </a:ext>
+            </a:extLst>
+          </a:blip>
+          <a:stretch>
+            <a:fillRect/>
+          </a:stretch>
+        </p:blipFill>
+        <p:spPr>
+          <a:xfrm>
+            <a:off x="6275068" y="4413338"/>
+            <a:ext cx="3134092" cy="1712983"/>
+          </a:xfrm>
+          <a:prstGeom prst="rect">
+            <a:avLst/>
+          </a:prstGeom>
+          <a:ln>
+            <a:solidFill>
+              <a:schemeClr val="bg2">
+                <a:lumMod val="75000"/>
+              </a:schemeClr>
+            </a:solidFill>
+          </a:ln>
+        </p:spPr>
+      </p:pic>
+      <p:cxnSp>
+        <p:nvCxnSpPr>
+          <p:cNvPr id="15" name="Straight Arrow Connector 14"/>
+          <p:cNvCxnSpPr/>
+          <p:nvPr/>
+        </p:nvCxnSpPr>
+        <p:spPr>
+          <a:xfrm flipV="1">
+            <a:off x="3261000" y="5273999"/>
+            <a:ext cx="495000" cy="1"/>
+          </a:xfrm>
+          <a:prstGeom prst="straightConnector1">
+            <a:avLst/>
+          </a:prstGeom>
+          <a:ln w="76200">
+            <a:tailEnd type="triangle"/>
+          </a:ln>
+        </p:spPr>
+        <p:style>
+          <a:lnRef idx="1">
+            <a:schemeClr val="dk1"/>
+          </a:lnRef>
+          <a:fillRef idx="0">
+            <a:schemeClr val="dk1"/>
+          </a:fillRef>
+          <a:effectRef idx="0">
+            <a:schemeClr val="dk1"/>
+          </a:effectRef>
+          <a:fontRef idx="minor">
+            <a:schemeClr val="tx1"/>
+          </a:fontRef>
+        </p:style>
+      </p:cxnSp>
+      <p:cxnSp>
+        <p:nvCxnSpPr>
+          <p:cNvPr id="21" name="Straight Arrow Connector 20"/>
+          <p:cNvCxnSpPr/>
+          <p:nvPr/>
+        </p:nvCxnSpPr>
+        <p:spPr>
+          <a:xfrm flipV="1">
+            <a:off x="5556000" y="5273999"/>
+            <a:ext cx="543450" cy="1"/>
+          </a:xfrm>
+          <a:prstGeom prst="straightConnector1">
+            <a:avLst/>
+          </a:prstGeom>
+          <a:ln w="76200">
+            <a:tailEnd type="triangle"/>
+          </a:ln>
+        </p:spPr>
+        <p:style>
+          <a:lnRef idx="1">
+            <a:schemeClr val="dk1"/>
+          </a:lnRef>
+          <a:fillRef idx="0">
+            <a:schemeClr val="dk1"/>
+          </a:fillRef>
+          <a:effectRef idx="0">
+            <a:schemeClr val="dk1"/>
+          </a:effectRef>
+          <a:fontRef idx="minor">
+            <a:schemeClr val="tx1"/>
+          </a:fontRef>
+        </p:style>
+      </p:cxnSp>
+      <p:pic>
+        <p:nvPicPr>
+          <p:cNvPr id="17" name="Picture 16"/>
+          <p:cNvPicPr>
+            <a:picLocks noChangeAspect="1"/>
+          </p:cNvPicPr>
+          <p:nvPr/>
+        </p:nvPicPr>
+        <p:blipFill>
+          <a:blip r:embed="rId5"/>
+          <a:stretch>
+            <a:fillRect/>
+          </a:stretch>
+        </p:blipFill>
+        <p:spPr>
+          <a:xfrm>
+            <a:off x="10147231" y="4413337"/>
+            <a:ext cx="1704502" cy="1712983"/>
+          </a:xfrm>
+          <a:prstGeom prst="rect">
+            <a:avLst/>
+          </a:prstGeom>
+          <a:ln>
+            <a:solidFill>
+              <a:schemeClr val="bg2">
+                <a:lumMod val="75000"/>
+              </a:schemeClr>
+            </a:solidFill>
+          </a:ln>
+        </p:spPr>
+      </p:pic>
+      <p:cxnSp>
+        <p:nvCxnSpPr>
+          <p:cNvPr id="26" name="Straight Arrow Connector 25"/>
+          <p:cNvCxnSpPr/>
+          <p:nvPr/>
+        </p:nvCxnSpPr>
+        <p:spPr>
+          <a:xfrm flipV="1">
+            <a:off x="9507284" y="5269828"/>
+            <a:ext cx="543450" cy="1"/>
+          </a:xfrm>
+          <a:prstGeom prst="straightConnector1">
+            <a:avLst/>
+          </a:prstGeom>
+          <a:ln w="76200">
+            <a:tailEnd type="triangle"/>
+          </a:ln>
+        </p:spPr>
+        <p:style>
+          <a:lnRef idx="1">
+            <a:schemeClr val="dk1"/>
+          </a:lnRef>
+          <a:fillRef idx="0">
+            <a:schemeClr val="dk1"/>
+          </a:fillRef>
+          <a:effectRef idx="0">
+            <a:schemeClr val="dk1"/>
+          </a:effectRef>
+          <a:fontRef idx="minor">
+            <a:schemeClr val="tx1"/>
+          </a:fontRef>
+        </p:style>
+      </p:cxnSp>
+    </p:spTree>
+    <p:extLst>
+      <p:ext uri="{BB962C8B-B14F-4D97-AF65-F5344CB8AC3E}">
+        <p14:creationId xmlns:p14="http://schemas.microsoft.com/office/powerpoint/2010/main" val="2754226058"/>
+      </p:ext>
+    </p:extLst>
+  </p:cSld>
+  <p:clrMapOvr>
+    <a:masterClrMapping/>
+  </p:clrMapOvr>
+  <mc:AlternateContent xmlns:mc="http://schemas.openxmlformats.org/markup-compatibility/2006" xmlns:p14="http://schemas.microsoft.com/office/powerpoint/2010/main">
+    <mc:Choice Requires="p14">
+      <p:transition spd="slow" p14:dur="2000" advClick="0" advTm="5000"/>
+    </mc:Choice>
+    <mc:Fallback xmlns="">
+      <p:transition spd="slow" advClick="0" advTm="5000"/>
+    </mc:Fallback>
+  </mc:AlternateContent>
+  <p:timing>
+    <p:tnLst>
+      <p:par>
+        <p:cTn id="1" dur="indefinite" restart="never" nodeType="tmRoot">
+          <p:childTnLst>
+            <p:seq concurrent="1" nextAc="seek">
+              <p:cTn id="2" dur="indefinite" nodeType="mainSeq">
+                <p:childTnLst>
+                  <p:par>
+                    <p:cTn id="3" fill="hold">
+                      <p:stCondLst>
+                        <p:cond delay="indefinite"/>
+                      </p:stCondLst>
+                      <p:childTnLst>
+                        <p:par>
+                          <p:cTn id="4" fill="hold">
+                            <p:stCondLst>
+                              <p:cond delay="0"/>
+                            </p:stCondLst>
+                            <p:childTnLst>
+                              <p:par>
+                                <p:cTn id="5" presetID="1" presetClass="entr" presetSubtype="0" fill="hold" nodeType="clickEffect">
+                                  <p:stCondLst>
+                                    <p:cond delay="0"/>
+                                  </p:stCondLst>
+                                  <p:childTnLst>
+                                    <p:set>
+                                      <p:cBhvr>
+                                        <p:cTn id="6" dur="1" fill="hold">
+                                          <p:stCondLst>
+                                            <p:cond delay="0"/>
+                                          </p:stCondLst>
+                                        </p:cTn>
+                                        <p:tgtEl>
+                                          <p:spTgt spid="6"/>
+                                        </p:tgtEl>
+                                        <p:attrNameLst>
+                                          <p:attrName>style.visibility</p:attrName>
+                                        </p:attrNameLst>
+                                      </p:cBhvr>
+                                      <p:to>
+                                        <p:strVal val="visible"/>
+                                      </p:to>
+                                    </p:set>
+                                  </p:childTnLst>
+                                </p:cTn>
+                              </p:par>
+                            </p:childTnLst>
+                          </p:cTn>
+                        </p:par>
+                      </p:childTnLst>
+                    </p:cTn>
+                  </p:par>
+                  <p:par>
+                    <p:cTn id="7" fill="hold">
+                      <p:stCondLst>
+                        <p:cond delay="indefinite"/>
+                      </p:stCondLst>
+                      <p:childTnLst>
+                        <p:par>
+                          <p:cTn id="8" fill="hold">
+                            <p:stCondLst>
+                              <p:cond delay="0"/>
+                            </p:stCondLst>
+                            <p:childTnLst>
+                              <p:par>
+                                <p:cTn id="9" presetID="1" presetClass="entr" presetSubtype="0" fill="hold" nodeType="clickEffect">
+                                  <p:stCondLst>
+                                    <p:cond delay="0"/>
+                                  </p:stCondLst>
+                                  <p:childTnLst>
+                                    <p:set>
+                                      <p:cBhvr>
+                                        <p:cTn id="10" dur="1" fill="hold">
+                                          <p:stCondLst>
+                                            <p:cond delay="0"/>
+                                          </p:stCondLst>
+                                        </p:cTn>
+                                        <p:tgtEl>
+                                          <p:spTgt spid="15"/>
+                                        </p:tgtEl>
+                                        <p:attrNameLst>
+                                          <p:attrName>style.visibility</p:attrName>
+                                        </p:attrNameLst>
+                                      </p:cBhvr>
+                                      <p:to>
+                                        <p:strVal val="visible"/>
+                                      </p:to>
+                                    </p:set>
+                                  </p:childTnLst>
+                                </p:cTn>
+                              </p:par>
+                            </p:childTnLst>
+                          </p:cTn>
+                        </p:par>
+                      </p:childTnLst>
+                    </p:cTn>
+                  </p:par>
+                  <p:par>
+                    <p:cTn id="11" fill="hold">
+                      <p:stCondLst>
+                        <p:cond delay="indefinite"/>
+                      </p:stCondLst>
+                      <p:childTnLst>
+                        <p:par>
+                          <p:cTn id="12" fill="hold">
+                            <p:stCondLst>
+                              <p:cond delay="0"/>
+                            </p:stCondLst>
+                            <p:childTnLst>
+                              <p:par>
+                                <p:cTn id="13" presetID="1" presetClass="entr" presetSubtype="0" fill="hold" nodeType="clickEffect">
+                                  <p:stCondLst>
+                                    <p:cond delay="0"/>
+                                  </p:stCondLst>
+                                  <p:childTnLst>
+                                    <p:set>
+                                      <p:cBhvr>
+                                        <p:cTn id="14" dur="1" fill="hold">
+                                          <p:stCondLst>
+                                            <p:cond delay="0"/>
+                                          </p:stCondLst>
+                                        </p:cTn>
+                                        <p:tgtEl>
+                                          <p:spTgt spid="13"/>
+                                        </p:tgtEl>
+                                        <p:attrNameLst>
+                                          <p:attrName>style.visibility</p:attrName>
+                                        </p:attrNameLst>
+                                      </p:cBhvr>
+                                      <p:to>
+                                        <p:strVal val="visible"/>
+                                      </p:to>
+                                    </p:set>
+                                  </p:childTnLst>
+                                </p:cTn>
+                              </p:par>
+                            </p:childTnLst>
+                          </p:cTn>
+                        </p:par>
+                      </p:childTnLst>
+                    </p:cTn>
+                  </p:par>
+                  <p:par>
+                    <p:cTn id="15" fill="hold">
+                      <p:stCondLst>
+                        <p:cond delay="indefinite"/>
+                      </p:stCondLst>
+                      <p:childTnLst>
+                        <p:par>
+                          <p:cTn id="16" fill="hold">
+                            <p:stCondLst>
+                              <p:cond delay="0"/>
+                            </p:stCondLst>
+                            <p:childTnLst>
+                              <p:par>
+                                <p:cTn id="17" presetID="1" presetClass="entr" presetSubtype="0" fill="hold" nodeType="clickEffect">
+                                  <p:stCondLst>
+                                    <p:cond delay="0"/>
+                                  </p:stCondLst>
+                                  <p:childTnLst>
+                                    <p:set>
+                                      <p:cBhvr>
+                                        <p:cTn id="18" dur="1" fill="hold">
+                                          <p:stCondLst>
+                                            <p:cond delay="0"/>
+                                          </p:stCondLst>
+                                        </p:cTn>
+                                        <p:tgtEl>
+                                          <p:spTgt spid="21"/>
+                                        </p:tgtEl>
+                                        <p:attrNameLst>
+                                          <p:attrName>style.visibility</p:attrName>
+                                        </p:attrNameLst>
+                                      </p:cBhvr>
+                                      <p:to>
+                                        <p:strVal val="visible"/>
+                                      </p:to>
+                                    </p:set>
+                                  </p:childTnLst>
+                                </p:cTn>
+                              </p:par>
+                            </p:childTnLst>
+                          </p:cTn>
+                        </p:par>
+                      </p:childTnLst>
+                    </p:cTn>
+                  </p:par>
+                  <p:par>
+                    <p:cTn id="19" fill="hold">
+                      <p:stCondLst>
+                        <p:cond delay="indefinite"/>
+                      </p:stCondLst>
+                      <p:childTnLst>
+                        <p:par>
+                          <p:cTn id="20" fill="hold">
+                            <p:stCondLst>
+                              <p:cond delay="0"/>
+                            </p:stCondLst>
+                            <p:childTnLst>
+                              <p:par>
+                                <p:cTn id="21" presetID="1" presetClass="entr" presetSubtype="0" fill="hold" nodeType="clickEffect">
+                                  <p:stCondLst>
+                                    <p:cond delay="0"/>
+                                  </p:stCondLst>
+                                  <p:childTnLst>
+                                    <p:set>
+                                      <p:cBhvr>
+                                        <p:cTn id="22" dur="1" fill="hold">
+                                          <p:stCondLst>
+                                            <p:cond delay="0"/>
+                                          </p:stCondLst>
+                                        </p:cTn>
+                                        <p:tgtEl>
+                                          <p:spTgt spid="12"/>
+                                        </p:tgtEl>
+                                        <p:attrNameLst>
+                                          <p:attrName>style.visibility</p:attrName>
+                                        </p:attrNameLst>
+                                      </p:cBhvr>
+                                      <p:to>
+                                        <p:strVal val="visible"/>
+                                      </p:to>
+                                    </p:set>
+                                  </p:childTnLst>
+                                </p:cTn>
+                              </p:par>
+                            </p:childTnLst>
+                          </p:cTn>
+                        </p:par>
+                      </p:childTnLst>
+                    </p:cTn>
+                  </p:par>
+                  <p:par>
+                    <p:cTn id="23" fill="hold">
+                      <p:stCondLst>
+                        <p:cond delay="indefinite"/>
+                      </p:stCondLst>
+                      <p:childTnLst>
+                        <p:par>
+                          <p:cTn id="24" fill="hold">
+                            <p:stCondLst>
+                              <p:cond delay="0"/>
+                            </p:stCondLst>
+                            <p:childTnLst>
+                              <p:par>
+                                <p:cTn id="25" presetID="1" presetClass="entr" presetSubtype="0" fill="hold" nodeType="clickEffect">
+                                  <p:stCondLst>
+                                    <p:cond delay="0"/>
+                                  </p:stCondLst>
+                                  <p:childTnLst>
+                                    <p:set>
+                                      <p:cBhvr>
+                                        <p:cTn id="26" dur="1" fill="hold">
+                                          <p:stCondLst>
+                                            <p:cond delay="0"/>
+                                          </p:stCondLst>
+                                        </p:cTn>
+                                        <p:tgtEl>
+                                          <p:spTgt spid="26"/>
+                                        </p:tgtEl>
+                                        <p:attrNameLst>
+                                          <p:attrName>style.visibility</p:attrName>
+                                        </p:attrNameLst>
+                                      </p:cBhvr>
+                                      <p:to>
+                                        <p:strVal val="visible"/>
+                                      </p:to>
+                                    </p:set>
+                                  </p:childTnLst>
+                                </p:cTn>
+                              </p:par>
+                            </p:childTnLst>
+                          </p:cTn>
+                        </p:par>
+                      </p:childTnLst>
+                    </p:cTn>
+                  </p:par>
+                  <p:par>
+                    <p:cTn id="27" fill="hold">
+                      <p:stCondLst>
+                        <p:cond delay="indefinite"/>
+                      </p:stCondLst>
+                      <p:childTnLst>
+                        <p:par>
+                          <p:cTn id="28" fill="hold">
+                            <p:stCondLst>
+                              <p:cond delay="0"/>
+                            </p:stCondLst>
+                            <p:childTnLst>
+                              <p:par>
+                                <p:cTn id="29" presetID="1" presetClass="entr" presetSubtype="0" fill="hold" nodeType="clickEffect">
+                                  <p:stCondLst>
+                                    <p:cond delay="0"/>
+                                  </p:stCondLst>
+                                  <p:childTnLst>
+                                    <p:set>
+                                      <p:cBhvr>
+                                        <p:cTn id="30" dur="1" fill="hold">
+                                          <p:stCondLst>
+                                            <p:cond delay="0"/>
+                                          </p:stCondLst>
+                                        </p:cTn>
+                                        <p:tgtEl>
+                                          <p:spTgt spid="17"/>
+                                        </p:tgtEl>
+                                        <p:attrNameLst>
+                                          <p:attrName>style.visibility</p:attrName>
+                                        </p:attrNameLst>
+                                      </p:cBhvr>
+                                      <p:to>
+                                        <p:strVal val="visible"/>
+                                      </p:to>
+                                    </p:set>
+                                  </p:childTnLst>
+                                </p:cTn>
+                              </p:par>
+                            </p:childTnLst>
+                          </p:cTn>
+                        </p:par>
+                      </p:childTnLst>
+                    </p:cTn>
+                  </p:par>
+                  <p:par>
+                    <p:cTn id="31" fill="hold">
+                      <p:stCondLst>
+                        <p:cond delay="indefinite"/>
+                      </p:stCondLst>
+                      <p:childTnLst>
+                        <p:par>
+                          <p:cTn id="32" fill="hold">
+                            <p:stCondLst>
+                              <p:cond delay="0"/>
+                            </p:stCondLst>
+                            <p:childTnLst>
+                              <p:par>
+                                <p:cTn id="33" presetID="1" presetClass="entr" presetSubtype="0" fill="hold" nodeType="clickEffect">
+                                  <p:stCondLst>
+                                    <p:cond delay="0"/>
+                                  </p:stCondLst>
+                                  <p:childTnLst>
+                                    <p:set>
+                                      <p:cBhvr>
+                                        <p:cTn id="34" dur="1" fill="hold">
+                                          <p:stCondLst>
+                                            <p:cond delay="0"/>
+                                          </p:stCondLst>
+                                        </p:cTn>
+                                        <p:tgtEl>
+                                          <p:spTgt spid="3">
+                                            <p:txEl>
+                                              <p:pRg st="1" end="1"/>
+                                            </p:txEl>
+                                          </p:spTgt>
+                                        </p:tgtEl>
+                                        <p:attrNameLst>
+                                          <p:attrName>style.visibility</p:attrName>
+                                        </p:attrNameLst>
+                                      </p:cBhvr>
+                                      <p:to>
+                                        <p:strVal val="visible"/>
+                                      </p:to>
+                                    </p:set>
+                                  </p:childTnLst>
+                                </p:cTn>
+                              </p:par>
+                            </p:childTnLst>
+                          </p:cTn>
+                        </p:par>
+                      </p:childTnLst>
+                    </p:cTn>
+                  </p:par>
+                  <p:par>
+                    <p:cTn id="35" fill="hold">
+                      <p:stCondLst>
+                        <p:cond delay="indefinite"/>
+                      </p:stCondLst>
+                      <p:childTnLst>
+                        <p:par>
+                          <p:cTn id="36" fill="hold">
+                            <p:stCondLst>
+                              <p:cond delay="0"/>
+                            </p:stCondLst>
+                            <p:childTnLst>
+                              <p:par>
+                                <p:cTn id="37" presetID="1" presetClass="entr" presetSubtype="0" fill="hold" nodeType="clickEffect">
+                                  <p:stCondLst>
+                                    <p:cond delay="0"/>
+                                  </p:stCondLst>
+                                  <p:childTnLst>
+                                    <p:set>
+                                      <p:cBhvr>
+                                        <p:cTn id="38" dur="1" fill="hold">
+                                          <p:stCondLst>
+                                            <p:cond delay="0"/>
+                                          </p:stCondLst>
+                                        </p:cTn>
+                                        <p:tgtEl>
+                                          <p:spTgt spid="3">
+                                            <p:txEl>
+                                              <p:pRg st="2" end="2"/>
+                                            </p:txEl>
+                                          </p:spTgt>
+                                        </p:tgtEl>
+                                        <p:attrNameLst>
+                                          <p:attrName>style.visibility</p:attrName>
+                                        </p:attrNameLst>
+                                      </p:cBhvr>
+                                      <p:to>
+                                        <p:strVal val="visible"/>
+                                      </p:to>
+                                    </p:set>
+                                  </p:childTnLst>
+                                </p:cTn>
+                              </p:par>
+                            </p:childTnLst>
+                          </p:cTn>
+                        </p:par>
+                      </p:childTnLst>
+                    </p:cTn>
+                  </p:par>
+                </p:childTnLst>
+              </p:cTn>
+              <p:prevCondLst>
+                <p:cond evt="onPrev" delay="0">
+                  <p:tgtEl>
+                    <p:sldTgt/>
+                  </p:tgtEl>
+                </p:cond>
+              </p:prevCondLst>
+              <p:nextCondLst>
+                <p:cond evt="onNext" delay="0">
+                  <p:tgtEl>
+                    <p:sldTgt/>
+                  </p:tgtEl>
+                </p:cond>
+              </p:nextCondLst>
+            </p:seq>
+          </p:childTnLst>
+        </p:cTn>
+      </p:par>
+    </p:tnLst>
+  </p:timing>
+</p:sld>
+</file>
+
+<file path=ppt/slides/slide16.xml><?xml version="1.0" encoding="utf-8"?>
+<p:sld xmlns:a="http://schemas.openxmlformats.org/drawingml/2006/main" xmlns:r="http://schemas.openxmlformats.org/officeDocument/2006/relationships" xmlns:p="http://schemas.openxmlformats.org/presentationml/2006/main">
+  <p:cSld>
+    <p:spTree>
+      <p:nvGrpSpPr>
+        <p:cNvPr id="1" name=""/>
+        <p:cNvGrpSpPr/>
+        <p:nvPr/>
+      </p:nvGrpSpPr>
+      <p:grpSpPr>
+        <a:xfrm>
+          <a:off x="0" y="0"/>
+          <a:ext cx="0" cy="0"/>
+          <a:chOff x="0" y="0"/>
+          <a:chExt cx="0" cy="0"/>
+        </a:xfrm>
+      </p:grpSpPr>
+      <p:sp>
+        <p:nvSpPr>
+          <p:cNvPr id="2" name="Slide Number Placeholder 1"/>
+          <p:cNvSpPr>
+            <a:spLocks noGrp="1"/>
+          </p:cNvSpPr>
+          <p:nvPr>
+            <p:ph type="sldNum" sz="quarter" idx="5"/>
+          </p:nvPr>
+        </p:nvSpPr>
+        <p:spPr/>
+        <p:txBody>
+          <a:bodyPr/>
+          <a:lstStyle/>
+          <a:p>
+            <a:fld id="{2BF067CD-8E6B-4360-9AA8-C5DF2A48A6D1}" type="slidenum">
+              <a:rPr lang="en-US" noProof="0" smtClean="0"/>
+              <a:pPr/>
+              <a:t>16</a:t>
+            </a:fld>
+            <a:endParaRPr lang="en-US" noProof="0" dirty="0"/>
+          </a:p>
+        </p:txBody>
+      </p:sp>
+      <p:sp>
+        <p:nvSpPr>
+          <p:cNvPr id="3" name="Text Placeholder 2"/>
+          <p:cNvSpPr>
+            <a:spLocks noGrp="1"/>
+          </p:cNvSpPr>
+          <p:nvPr>
+            <p:ph type="body" sz="quarter" idx="10"/>
+          </p:nvPr>
+        </p:nvSpPr>
+        <p:spPr/>
+        <p:txBody>
+          <a:bodyPr/>
+          <a:lstStyle/>
+          <a:p>
+            <a:r>
+              <a:rPr lang="ru-RU" dirty="0"/>
+              <a:t>При </a:t>
+            </a:r>
+            <a:r>
+              <a:rPr lang="ru-RU" b="1" dirty="0">
+                <a:solidFill>
+                  <a:schemeClr val="bg1"/>
+                </a:solidFill>
+              </a:rPr>
+              <a:t>интерпретиране</a:t>
+            </a:r>
+            <a:r>
+              <a:rPr lang="ru-RU" dirty="0"/>
+              <a:t> </a:t>
+            </a:r>
+            <a:r>
+              <a:rPr lang="ru-RU" b="1" dirty="0"/>
+              <a:t>превеждането</a:t>
+            </a:r>
+            <a:r>
+              <a:rPr lang="ru-RU" dirty="0"/>
+              <a:t> и </a:t>
+            </a:r>
+            <a:r>
+              <a:rPr lang="ru-RU" b="1" dirty="0"/>
+              <a:t>изпълнението</a:t>
+            </a:r>
+            <a:r>
+              <a:rPr lang="ru-RU" dirty="0"/>
+              <a:t> става </a:t>
+            </a:r>
+            <a:r>
+              <a:rPr lang="ru-RU" b="1" dirty="0"/>
+              <a:t>команда по </a:t>
+            </a:r>
+            <a:r>
+              <a:rPr lang="ru-RU" b="1" dirty="0" smtClean="0"/>
+              <a:t>команда</a:t>
+            </a:r>
+          </a:p>
+          <a:p>
+            <a:pPr lvl="1"/>
+            <a:r>
+              <a:rPr lang="ru-RU" dirty="0"/>
+              <a:t>Всяка команда се </a:t>
+            </a:r>
+            <a:r>
+              <a:rPr lang="ru-RU" b="1" dirty="0"/>
+              <a:t>превежда</a:t>
+            </a:r>
+            <a:r>
+              <a:rPr lang="ru-RU" dirty="0"/>
+              <a:t> и </a:t>
+            </a:r>
+            <a:r>
+              <a:rPr lang="ru-RU" b="1" dirty="0"/>
+              <a:t>изпълнява</a:t>
+            </a:r>
+            <a:r>
+              <a:rPr lang="ru-RU" dirty="0"/>
+              <a:t> </a:t>
+            </a:r>
+            <a:r>
+              <a:rPr lang="ru-RU" b="1" dirty="0" smtClean="0"/>
+              <a:t>поотделно</a:t>
+            </a:r>
+          </a:p>
+          <a:p>
+            <a:endParaRPr lang="en-US" dirty="0"/>
+          </a:p>
+        </p:txBody>
+      </p:sp>
+      <p:sp>
+        <p:nvSpPr>
+          <p:cNvPr id="4" name="Title 3"/>
+          <p:cNvSpPr>
+            <a:spLocks noGrp="1"/>
+          </p:cNvSpPr>
+          <p:nvPr>
+            <p:ph type="title"/>
+          </p:nvPr>
+        </p:nvSpPr>
+        <p:spPr/>
+        <p:txBody>
+          <a:bodyPr/>
+          <a:lstStyle/>
+          <a:p>
+            <a:r>
+              <a:rPr lang="bg-BG" dirty="0" smtClean="0"/>
+              <a:t>Интерпретиране</a:t>
+            </a:r>
+            <a:r>
+              <a:rPr lang="en-US" dirty="0" smtClean="0"/>
+              <a:t> (1)</a:t>
+            </a:r>
+            <a:endParaRPr lang="en-US" dirty="0"/>
+          </a:p>
+        </p:txBody>
+      </p:sp>
+      <p:pic>
+        <p:nvPicPr>
+          <p:cNvPr id="5" name="Picture 4"/>
+          <p:cNvPicPr>
+            <a:picLocks noChangeAspect="1"/>
+          </p:cNvPicPr>
+          <p:nvPr/>
+        </p:nvPicPr>
+        <p:blipFill>
+          <a:blip r:embed="rId2">
+            <a:extLst>
+              <a:ext uri="{28A0092B-C50C-407E-A947-70E740481C1C}">
+                <a14:useLocalDpi xmlns:a14="http://schemas.microsoft.com/office/drawing/2010/main" val="0"/>
+              </a:ext>
+            </a:extLst>
+          </a:blip>
+          <a:stretch>
+            <a:fillRect/>
+          </a:stretch>
+        </p:blipFill>
+        <p:spPr>
+          <a:xfrm>
+            <a:off x="274017" y="4298569"/>
+            <a:ext cx="4021875" cy="1272375"/>
+          </a:xfrm>
+          <a:prstGeom prst="rect">
+            <a:avLst/>
+          </a:prstGeom>
+          <a:ln>
+            <a:solidFill>
+              <a:schemeClr val="bg2">
+                <a:lumMod val="75000"/>
+              </a:schemeClr>
+            </a:solidFill>
+          </a:ln>
+        </p:spPr>
+      </p:pic>
+      <p:grpSp>
+        <p:nvGrpSpPr>
+          <p:cNvPr id="11" name="Group 10"/>
+          <p:cNvGrpSpPr/>
+          <p:nvPr/>
+        </p:nvGrpSpPr>
+        <p:grpSpPr>
+          <a:xfrm>
+            <a:off x="4778182" y="3384000"/>
+            <a:ext cx="3262070" cy="2829456"/>
+            <a:chOff x="4610311" y="3555682"/>
+            <a:chExt cx="3262070" cy="2829456"/>
+          </a:xfrm>
+        </p:grpSpPr>
+        <p:pic>
+          <p:nvPicPr>
+            <p:cNvPr id="7172" name="Picture 4" descr="Compiler - Kostenlose elektronik-Icons"/>
+            <p:cNvPicPr>
+              <a:picLocks noChangeAspect="1" noChangeArrowheads="1"/>
+            </p:cNvPicPr>
+            <p:nvPr/>
+          </p:nvPicPr>
+          <p:blipFill>
+            <a:blip r:embed="rId3">
+              <a:extLst>
+                <a:ext uri="{28A0092B-C50C-407E-A947-70E740481C1C}">
+                  <a14:useLocalDpi xmlns:a14="http://schemas.microsoft.com/office/drawing/2010/main" val="0"/>
+                </a:ext>
+              </a:extLst>
+            </a:blip>
+            <a:srcRect/>
+            <a:stretch>
+              <a:fillRect/>
+            </a:stretch>
+          </p:blipFill>
+          <p:spPr bwMode="auto">
+            <a:xfrm>
+              <a:off x="5106000" y="3555682"/>
+              <a:ext cx="2270692" cy="2270693"/>
+            </a:xfrm>
+            <a:prstGeom prst="rect">
+              <a:avLst/>
+            </a:prstGeom>
+            <a:noFill/>
+            <a:extLst>
+              <a:ext uri="{909E8E84-426E-40DD-AFC4-6F175D3DCCD1}">
+                <a14:hiddenFill xmlns:a14="http://schemas.microsoft.com/office/drawing/2010/main">
+                  <a:solidFill>
+                    <a:srgbClr val="FFFFFF"/>
+                  </a:solidFill>
+                </a14:hiddenFill>
+              </a:ext>
+            </a:extLst>
+          </p:spPr>
+        </p:pic>
+        <p:sp>
+          <p:nvSpPr>
+            <p:cNvPr id="8" name="TextBox 7"/>
+            <p:cNvSpPr txBox="1"/>
+            <p:nvPr/>
+          </p:nvSpPr>
+          <p:spPr>
+            <a:xfrm>
+              <a:off x="4610311" y="5693053"/>
+              <a:ext cx="3262070" cy="692085"/>
+            </a:xfrm>
+            <a:prstGeom prst="rect">
+              <a:avLst/>
+            </a:prstGeom>
+            <a:noFill/>
+            <a:ln w="12700">
+              <a:noFill/>
+            </a:ln>
+          </p:spPr>
+          <p:txBody>
+            <a:bodyPr vert="horz" wrap="square" lIns="144000" tIns="108000" rIns="144000" bIns="108000" rtlCol="0">
+              <a:spAutoFit/>
+            </a:bodyPr>
+            <a:lstStyle/>
+            <a:p>
+              <a:pPr algn="ctr" eaLnBrk="0" hangingPunct="0">
+                <a:lnSpc>
+                  <a:spcPct val="110000"/>
+                </a:lnSpc>
+                <a:buClr>
+                  <a:schemeClr val="accent5">
+                    <a:lumMod val="40000"/>
+                    <a:lumOff val="60000"/>
+                  </a:schemeClr>
+                </a:buClr>
+                <a:buSzPct val="70000"/>
+              </a:pPr>
+              <a:r>
+                <a:rPr lang="bg-BG" sz="2800" b="1" i="1" dirty="0" smtClean="0"/>
+                <a:t>Интерпретатор</a:t>
+              </a:r>
+              <a:endParaRPr lang="en-US" sz="3200" b="1" i="1" dirty="0"/>
+            </a:p>
+          </p:txBody>
+        </p:sp>
+      </p:grpSp>
+      <p:pic>
+        <p:nvPicPr>
+          <p:cNvPr id="10" name="Picture 9"/>
+          <p:cNvPicPr>
+            <a:picLocks noChangeAspect="1"/>
+          </p:cNvPicPr>
+          <p:nvPr/>
+        </p:nvPicPr>
+        <p:blipFill>
+          <a:blip r:embed="rId4"/>
+          <a:stretch>
+            <a:fillRect/>
+          </a:stretch>
+        </p:blipFill>
+        <p:spPr>
+          <a:xfrm>
+            <a:off x="8510370" y="3968357"/>
+            <a:ext cx="3420000" cy="1920591"/>
+          </a:xfrm>
+          <a:prstGeom prst="rect">
+            <a:avLst/>
+          </a:prstGeom>
+          <a:ln>
+            <a:solidFill>
+              <a:schemeClr val="bg2">
+                <a:lumMod val="75000"/>
+              </a:schemeClr>
+            </a:solidFill>
+          </a:ln>
+        </p:spPr>
+      </p:pic>
+      <p:cxnSp>
+        <p:nvCxnSpPr>
+          <p:cNvPr id="14" name="Straight Arrow Connector 13"/>
+          <p:cNvCxnSpPr/>
+          <p:nvPr/>
+        </p:nvCxnSpPr>
+        <p:spPr>
+          <a:xfrm>
+            <a:off x="4462869" y="4922551"/>
+            <a:ext cx="644025" cy="12205"/>
+          </a:xfrm>
+          <a:prstGeom prst="straightConnector1">
+            <a:avLst/>
+          </a:prstGeom>
+          <a:ln w="76200">
+            <a:tailEnd type="triangle"/>
+          </a:ln>
+        </p:spPr>
+        <p:style>
+          <a:lnRef idx="1">
+            <a:schemeClr val="dk1"/>
+          </a:lnRef>
+          <a:fillRef idx="0">
+            <a:schemeClr val="dk1"/>
+          </a:fillRef>
+          <a:effectRef idx="0">
+            <a:schemeClr val="dk1"/>
+          </a:effectRef>
+          <a:fontRef idx="minor">
+            <a:schemeClr val="tx1"/>
+          </a:fontRef>
+        </p:style>
+      </p:cxnSp>
+      <p:cxnSp>
+        <p:nvCxnSpPr>
+          <p:cNvPr id="16" name="Straight Arrow Connector 15"/>
+          <p:cNvCxnSpPr/>
+          <p:nvPr/>
+        </p:nvCxnSpPr>
+        <p:spPr>
+          <a:xfrm>
+            <a:off x="7711540" y="4916448"/>
+            <a:ext cx="644025" cy="12205"/>
+          </a:xfrm>
+          <a:prstGeom prst="straightConnector1">
+            <a:avLst/>
+          </a:prstGeom>
+          <a:ln w="76200">
+            <a:tailEnd type="triangle"/>
+          </a:ln>
+        </p:spPr>
+        <p:style>
+          <a:lnRef idx="1">
+            <a:schemeClr val="dk1"/>
+          </a:lnRef>
+          <a:fillRef idx="0">
+            <a:schemeClr val="dk1"/>
+          </a:fillRef>
+          <a:effectRef idx="0">
+            <a:schemeClr val="dk1"/>
+          </a:effectRef>
+          <a:fontRef idx="minor">
+            <a:schemeClr val="tx1"/>
+          </a:fontRef>
+        </p:style>
+      </p:cxnSp>
+    </p:spTree>
+    <p:extLst>
+      <p:ext uri="{BB962C8B-B14F-4D97-AF65-F5344CB8AC3E}">
+        <p14:creationId xmlns:p14="http://schemas.microsoft.com/office/powerpoint/2010/main" val="849466012"/>
+      </p:ext>
+    </p:extLst>
+  </p:cSld>
+  <p:clrMapOvr>
+    <a:masterClrMapping/>
+  </p:clrMapOvr>
+  <mc:AlternateContent xmlns:mc="http://schemas.openxmlformats.org/markup-compatibility/2006" xmlns:p14="http://schemas.microsoft.com/office/powerpoint/2010/main">
+    <mc:Choice Requires="p14">
+      <p:transition spd="slow" p14:dur="2000" advClick="0" advTm="5000"/>
+    </mc:Choice>
+    <mc:Fallback xmlns="">
+      <p:transition spd="slow" advClick="0" advTm="5000"/>
+    </mc:Fallback>
+  </mc:AlternateContent>
+  <p:timing>
+    <p:tnLst>
+      <p:par>
+        <p:cTn id="1" dur="indefinite" restart="never" nodeType="tmRoot">
+          <p:childTnLst>
+            <p:seq concurrent="1" nextAc="seek">
+              <p:cTn id="2" dur="indefinite" nodeType="mainSeq">
+                <p:childTnLst>
+                  <p:par>
+                    <p:cTn id="3" fill="hold">
+                      <p:stCondLst>
+                        <p:cond delay="indefinite"/>
+                      </p:stCondLst>
+                      <p:childTnLst>
+                        <p:par>
+                          <p:cTn id="4" fill="hold">
+                            <p:stCondLst>
+                              <p:cond delay="0"/>
+                            </p:stCondLst>
+                            <p:childTnLst>
+                              <p:par>
+                                <p:cTn id="5" presetID="1" presetClass="entr" presetSubtype="0" fill="hold" nodeType="clickEffect">
+                                  <p:stCondLst>
+                                    <p:cond delay="0"/>
+                                  </p:stCondLst>
+                                  <p:childTnLst>
+                                    <p:set>
+                                      <p:cBhvr>
+                                        <p:cTn id="6" dur="1" fill="hold">
+                                          <p:stCondLst>
+                                            <p:cond delay="0"/>
+                                          </p:stCondLst>
+                                        </p:cTn>
+                                        <p:tgtEl>
+                                          <p:spTgt spid="3">
+                                            <p:txEl>
+                                              <p:pRg st="1" end="1"/>
+                                            </p:txEl>
+                                          </p:spTgt>
+                                        </p:tgtEl>
+                                        <p:attrNameLst>
+                                          <p:attrName>style.visibility</p:attrName>
+                                        </p:attrNameLst>
+                                      </p:cBhvr>
+                                      <p:to>
+                                        <p:strVal val="visible"/>
+                                      </p:to>
+                                    </p:set>
+                                  </p:childTnLst>
+                                </p:cTn>
+                              </p:par>
+                            </p:childTnLst>
+                          </p:cTn>
+                        </p:par>
+                      </p:childTnLst>
+                    </p:cTn>
+                  </p:par>
+                  <p:par>
+                    <p:cTn id="7" fill="hold">
+                      <p:stCondLst>
+                        <p:cond delay="indefinite"/>
+                      </p:stCondLst>
+                      <p:childTnLst>
+                        <p:par>
+                          <p:cTn id="8" fill="hold">
+                            <p:stCondLst>
+                              <p:cond delay="0"/>
+                            </p:stCondLst>
+                            <p:childTnLst>
+                              <p:par>
+                                <p:cTn id="9" presetID="1" presetClass="entr" presetSubtype="0" fill="hold" nodeType="clickEffect">
+                                  <p:stCondLst>
+                                    <p:cond delay="0"/>
+                                  </p:stCondLst>
+                                  <p:childTnLst>
+                                    <p:set>
+                                      <p:cBhvr>
+                                        <p:cTn id="10" dur="1" fill="hold">
+                                          <p:stCondLst>
+                                            <p:cond delay="0"/>
+                                          </p:stCondLst>
+                                        </p:cTn>
+                                        <p:tgtEl>
+                                          <p:spTgt spid="5"/>
+                                        </p:tgtEl>
+                                        <p:attrNameLst>
+                                          <p:attrName>style.visibility</p:attrName>
+                                        </p:attrNameLst>
+                                      </p:cBhvr>
+                                      <p:to>
+                                        <p:strVal val="visible"/>
+                                      </p:to>
+                                    </p:set>
+                                  </p:childTnLst>
+                                </p:cTn>
+                              </p:par>
+                            </p:childTnLst>
+                          </p:cTn>
+                        </p:par>
+                      </p:childTnLst>
+                    </p:cTn>
+                  </p:par>
+                  <p:par>
+                    <p:cTn id="11" fill="hold">
+                      <p:stCondLst>
+                        <p:cond delay="indefinite"/>
+                      </p:stCondLst>
+                      <p:childTnLst>
+                        <p:par>
+                          <p:cTn id="12" fill="hold">
+                            <p:stCondLst>
+                              <p:cond delay="0"/>
+                            </p:stCondLst>
+                            <p:childTnLst>
+                              <p:par>
+                                <p:cTn id="13" presetID="1" presetClass="entr" presetSubtype="0" fill="hold" nodeType="clickEffect">
+                                  <p:stCondLst>
+                                    <p:cond delay="0"/>
+                                  </p:stCondLst>
+                                  <p:childTnLst>
+                                    <p:set>
+                                      <p:cBhvr>
+                                        <p:cTn id="14" dur="1" fill="hold">
+                                          <p:stCondLst>
+                                            <p:cond delay="0"/>
+                                          </p:stCondLst>
+                                        </p:cTn>
+                                        <p:tgtEl>
+                                          <p:spTgt spid="14"/>
+                                        </p:tgtEl>
+                                        <p:attrNameLst>
+                                          <p:attrName>style.visibility</p:attrName>
+                                        </p:attrNameLst>
+                                      </p:cBhvr>
+                                      <p:to>
+                                        <p:strVal val="visible"/>
+                                      </p:to>
+                                    </p:set>
+                                  </p:childTnLst>
+                                </p:cTn>
+                              </p:par>
+                            </p:childTnLst>
+                          </p:cTn>
+                        </p:par>
+                      </p:childTnLst>
+                    </p:cTn>
+                  </p:par>
+                  <p:par>
+                    <p:cTn id="15" fill="hold">
+                      <p:stCondLst>
+                        <p:cond delay="indefinite"/>
+                      </p:stCondLst>
+                      <p:childTnLst>
+                        <p:par>
+                          <p:cTn id="16" fill="hold">
+                            <p:stCondLst>
+                              <p:cond delay="0"/>
+                            </p:stCondLst>
+                            <p:childTnLst>
+                              <p:par>
+                                <p:cTn id="17" presetID="1" presetClass="entr" presetSubtype="0" fill="hold" nodeType="clickEffect">
+                                  <p:stCondLst>
+                                    <p:cond delay="0"/>
+                                  </p:stCondLst>
+                                  <p:childTnLst>
+                                    <p:set>
+                                      <p:cBhvr>
+                                        <p:cTn id="18" dur="1" fill="hold">
+                                          <p:stCondLst>
+                                            <p:cond delay="0"/>
+                                          </p:stCondLst>
+                                        </p:cTn>
+                                        <p:tgtEl>
+                                          <p:spTgt spid="11"/>
+                                        </p:tgtEl>
+                                        <p:attrNameLst>
+                                          <p:attrName>style.visibility</p:attrName>
+                                        </p:attrNameLst>
+                                      </p:cBhvr>
+                                      <p:to>
+                                        <p:strVal val="visible"/>
+                                      </p:to>
+                                    </p:set>
+                                  </p:childTnLst>
+                                </p:cTn>
+                              </p:par>
+                            </p:childTnLst>
+                          </p:cTn>
+                        </p:par>
+                      </p:childTnLst>
+                    </p:cTn>
+                  </p:par>
+                  <p:par>
+                    <p:cTn id="19" fill="hold">
+                      <p:stCondLst>
+                        <p:cond delay="indefinite"/>
+                      </p:stCondLst>
+                      <p:childTnLst>
+                        <p:par>
+                          <p:cTn id="20" fill="hold">
+                            <p:stCondLst>
+                              <p:cond delay="0"/>
+                            </p:stCondLst>
+                            <p:childTnLst>
+                              <p:par>
+                                <p:cTn id="21" presetID="1" presetClass="entr" presetSubtype="0" fill="hold" nodeType="clickEffect">
+                                  <p:stCondLst>
+                                    <p:cond delay="0"/>
+                                  </p:stCondLst>
+                                  <p:childTnLst>
+                                    <p:set>
+                                      <p:cBhvr>
+                                        <p:cTn id="22" dur="1" fill="hold">
+                                          <p:stCondLst>
+                                            <p:cond delay="0"/>
+                                          </p:stCondLst>
+                                        </p:cTn>
+                                        <p:tgtEl>
+                                          <p:spTgt spid="16"/>
+                                        </p:tgtEl>
+                                        <p:attrNameLst>
+                                          <p:attrName>style.visibility</p:attrName>
+                                        </p:attrNameLst>
+                                      </p:cBhvr>
+                                      <p:to>
+                                        <p:strVal val="visible"/>
+                                      </p:to>
+                                    </p:set>
+                                  </p:childTnLst>
+                                </p:cTn>
+                              </p:par>
+                            </p:childTnLst>
+                          </p:cTn>
+                        </p:par>
+                      </p:childTnLst>
+                    </p:cTn>
+                  </p:par>
+                  <p:par>
+                    <p:cTn id="23" fill="hold">
+                      <p:stCondLst>
+                        <p:cond delay="indefinite"/>
+                      </p:stCondLst>
+                      <p:childTnLst>
+                        <p:par>
+                          <p:cTn id="24" fill="hold">
+                            <p:stCondLst>
+                              <p:cond delay="0"/>
+                            </p:stCondLst>
+                            <p:childTnLst>
+                              <p:par>
+                                <p:cTn id="25" presetID="1" presetClass="entr" presetSubtype="0" fill="hold" nodeType="clickEffect">
+                                  <p:stCondLst>
+                                    <p:cond delay="0"/>
+                                  </p:stCondLst>
+                                  <p:childTnLst>
+                                    <p:set>
+                                      <p:cBhvr>
+                                        <p:cTn id="26" dur="1" fill="hold">
+                                          <p:stCondLst>
+                                            <p:cond delay="0"/>
+                                          </p:stCondLst>
+                                        </p:cTn>
+                                        <p:tgtEl>
+                                          <p:spTgt spid="10"/>
+                                        </p:tgtEl>
+                                        <p:attrNameLst>
+                                          <p:attrName>style.visibility</p:attrName>
+                                        </p:attrNameLst>
+                                      </p:cBhvr>
+                                      <p:to>
+                                        <p:strVal val="visible"/>
+                                      </p:to>
+                                    </p:set>
+                                  </p:childTnLst>
+                                </p:cTn>
+                              </p:par>
+                            </p:childTnLst>
+                          </p:cTn>
+                        </p:par>
+                      </p:childTnLst>
+                    </p:cTn>
+                  </p:par>
+                </p:childTnLst>
+              </p:cTn>
+              <p:prevCondLst>
+                <p:cond evt="onPrev" delay="0">
+                  <p:tgtEl>
+                    <p:sldTgt/>
+                  </p:tgtEl>
+                </p:cond>
+              </p:prevCondLst>
+              <p:nextCondLst>
+                <p:cond evt="onNext" delay="0">
+                  <p:tgtEl>
+                    <p:sldTgt/>
+                  </p:tgtEl>
+                </p:cond>
+              </p:nextCondLst>
+            </p:seq>
+          </p:childTnLst>
+        </p:cTn>
+      </p:par>
+    </p:tnLst>
+  </p:timing>
+</p:sld>
+</file>
+
+<file path=ppt/slides/slide17.xml><?xml version="1.0" encoding="utf-8"?>
+<p:sld xmlns:a="http://schemas.openxmlformats.org/drawingml/2006/main" xmlns:r="http://schemas.openxmlformats.org/officeDocument/2006/relationships" xmlns:p="http://schemas.openxmlformats.org/presentationml/2006/main">
+  <p:cSld>
+    <p:spTree>
+      <p:nvGrpSpPr>
+        <p:cNvPr id="1" name=""/>
+        <p:cNvGrpSpPr/>
+        <p:nvPr/>
+      </p:nvGrpSpPr>
+      <p:grpSpPr>
+        <a:xfrm>
+          <a:off x="0" y="0"/>
+          <a:ext cx="0" cy="0"/>
+          <a:chOff x="0" y="0"/>
+          <a:chExt cx="0" cy="0"/>
+        </a:xfrm>
+      </p:grpSpPr>
+      <p:sp>
+        <p:nvSpPr>
+          <p:cNvPr id="2" name="Slide Number Placeholder 1"/>
+          <p:cNvSpPr>
+            <a:spLocks noGrp="1"/>
+          </p:cNvSpPr>
+          <p:nvPr>
+            <p:ph type="sldNum" sz="quarter" idx="5"/>
+          </p:nvPr>
+        </p:nvSpPr>
+        <p:spPr/>
+        <p:txBody>
+          <a:bodyPr/>
+          <a:lstStyle/>
+          <a:p>
+            <a:fld id="{2BF067CD-8E6B-4360-9AA8-C5DF2A48A6D1}" type="slidenum">
+              <a:rPr lang="en-US" noProof="0" smtClean="0"/>
+              <a:pPr/>
+              <a:t>17</a:t>
+            </a:fld>
+            <a:endParaRPr lang="en-US" noProof="0" dirty="0"/>
+          </a:p>
+        </p:txBody>
+      </p:sp>
+      <p:sp>
+        <p:nvSpPr>
+          <p:cNvPr id="3" name="Text Placeholder 2"/>
+          <p:cNvSpPr>
+            <a:spLocks noGrp="1"/>
+          </p:cNvSpPr>
+          <p:nvPr>
+            <p:ph type="body" sz="quarter" idx="10"/>
+          </p:nvPr>
+        </p:nvSpPr>
+        <p:spPr/>
+        <p:txBody>
+          <a:bodyPr/>
+          <a:lstStyle/>
+          <a:p>
+            <a:r>
+              <a:rPr lang="ru-RU" b="1" dirty="0"/>
+              <a:t>Езиците</a:t>
+            </a:r>
+            <a:r>
+              <a:rPr lang="ru-RU" dirty="0"/>
+              <a:t>, които се интерпретират, се наричат </a:t>
+            </a:r>
+            <a:r>
+              <a:rPr lang="ru-RU" b="1" dirty="0">
+                <a:solidFill>
+                  <a:schemeClr val="bg1"/>
+                </a:solidFill>
+              </a:rPr>
+              <a:t>скриптови</a:t>
+            </a:r>
+            <a:r>
+              <a:rPr lang="ru-RU" dirty="0"/>
+              <a:t>, а </a:t>
+            </a:r>
+            <a:r>
+              <a:rPr lang="ru-RU" b="1" dirty="0"/>
+              <a:t>програмите</a:t>
+            </a:r>
+            <a:r>
+              <a:rPr lang="ru-RU" dirty="0"/>
+              <a:t> – </a:t>
+            </a:r>
+            <a:r>
+              <a:rPr lang="ru-RU" b="1" dirty="0">
+                <a:solidFill>
+                  <a:schemeClr val="bg1"/>
+                </a:solidFill>
+              </a:rPr>
+              <a:t>скриптове</a:t>
+            </a:r>
+          </a:p>
+          <a:p>
+            <a:r>
+              <a:rPr lang="bg-BG" dirty="0"/>
+              <a:t>Примери за езици, които се </a:t>
+            </a:r>
+            <a:r>
+              <a:rPr lang="bg-BG" b="1" dirty="0"/>
+              <a:t>интерпретират</a:t>
+            </a:r>
+            <a:r>
+              <a:rPr lang="bg-BG" dirty="0"/>
+              <a:t>, са</a:t>
+            </a:r>
+            <a:r>
+              <a:rPr lang="bg-BG" dirty="0" smtClean="0"/>
+              <a:t>:</a:t>
+            </a:r>
+            <a:endParaRPr lang="en-US" dirty="0" smtClean="0"/>
+          </a:p>
+          <a:p>
+            <a:pPr lvl="1"/>
+            <a:r>
+              <a:rPr lang="en-US" dirty="0" smtClean="0"/>
+              <a:t>JavaScript</a:t>
+            </a:r>
+          </a:p>
+          <a:p>
+            <a:pPr lvl="1"/>
+            <a:r>
+              <a:rPr lang="en-US" dirty="0" smtClean="0"/>
+              <a:t>Python</a:t>
+            </a:r>
+          </a:p>
+          <a:p>
+            <a:pPr lvl="1"/>
+            <a:r>
+              <a:rPr lang="en-US" dirty="0" smtClean="0"/>
+              <a:t>PHP</a:t>
+            </a:r>
+            <a:endParaRPr lang="en-US" dirty="0"/>
+          </a:p>
+          <a:p>
+            <a:endParaRPr lang="en-US" dirty="0"/>
+          </a:p>
+        </p:txBody>
+      </p:sp>
+      <p:sp>
+        <p:nvSpPr>
+          <p:cNvPr id="4" name="Title 3"/>
+          <p:cNvSpPr>
+            <a:spLocks noGrp="1"/>
+          </p:cNvSpPr>
+          <p:nvPr>
+            <p:ph type="title"/>
+          </p:nvPr>
+        </p:nvSpPr>
+        <p:spPr/>
+        <p:txBody>
+          <a:bodyPr/>
+          <a:lstStyle/>
+          <a:p>
+            <a:r>
+              <a:rPr lang="bg-BG" dirty="0"/>
+              <a:t>Интерпретиране</a:t>
+            </a:r>
+            <a:r>
+              <a:rPr lang="en-US" dirty="0"/>
+              <a:t> </a:t>
+            </a:r>
+            <a:r>
+              <a:rPr lang="en-US" dirty="0" smtClean="0"/>
+              <a:t>(2)</a:t>
+            </a:r>
+            <a:endParaRPr lang="en-US" dirty="0"/>
+          </a:p>
+        </p:txBody>
+      </p:sp>
+      <p:pic>
+        <p:nvPicPr>
+          <p:cNvPr id="5" name="Picture 8" descr="File:JavaScript-logo.png - Wikipedia"/>
+          <p:cNvPicPr>
+            <a:picLocks noChangeAspect="1" noChangeArrowheads="1"/>
+          </p:cNvPicPr>
+          <p:nvPr/>
+        </p:nvPicPr>
+        <p:blipFill>
+          <a:blip r:embed="rId2" cstate="hqprint">
+            <a:extLst>
+              <a:ext uri="{28A0092B-C50C-407E-A947-70E740481C1C}">
+                <a14:useLocalDpi xmlns:a14="http://schemas.microsoft.com/office/drawing/2010/main" val="0"/>
+              </a:ext>
+            </a:extLst>
+          </a:blip>
+          <a:srcRect/>
+          <a:stretch>
+            <a:fillRect/>
+          </a:stretch>
+        </p:blipFill>
+        <p:spPr bwMode="auto">
+          <a:xfrm>
+            <a:off x="3380548" y="4133688"/>
+            <a:ext cx="1755000" cy="1755000"/>
+          </a:xfrm>
+          <a:prstGeom prst="rect">
+            <a:avLst/>
+          </a:prstGeom>
+          <a:noFill/>
+          <a:ln>
+            <a:solidFill>
+              <a:schemeClr val="bg2">
+                <a:lumMod val="75000"/>
+              </a:schemeClr>
+            </a:solidFill>
+          </a:ln>
+          <a:extLst>
+            <a:ext uri="{909E8E84-426E-40DD-AFC4-6F175D3DCCD1}">
+              <a14:hiddenFill xmlns:a14="http://schemas.microsoft.com/office/drawing/2010/main">
+                <a:solidFill>
+                  <a:srgbClr val="FFFFFF"/>
+                </a:solidFill>
+              </a14:hiddenFill>
+            </a:ext>
+          </a:extLst>
+        </p:spPr>
+      </p:pic>
+      <p:pic>
+        <p:nvPicPr>
+          <p:cNvPr id="7" name="Picture 12" descr="File:PHP-logo.svg - Wikipedia"/>
+          <p:cNvPicPr>
+            <a:picLocks noChangeAspect="1" noChangeArrowheads="1"/>
+          </p:cNvPicPr>
+          <p:nvPr/>
+        </p:nvPicPr>
+        <p:blipFill>
+          <a:blip r:embed="rId3">
+            <a:extLst>
+              <a:ext uri="{28A0092B-C50C-407E-A947-70E740481C1C}">
+                <a14:useLocalDpi xmlns:a14="http://schemas.microsoft.com/office/drawing/2010/main" val="0"/>
+              </a:ext>
+            </a:extLst>
+          </a:blip>
+          <a:srcRect/>
+          <a:stretch>
+            <a:fillRect/>
+          </a:stretch>
+        </p:blipFill>
+        <p:spPr bwMode="auto">
+          <a:xfrm>
+            <a:off x="8121000" y="4133688"/>
+            <a:ext cx="2925000" cy="1577207"/>
+          </a:xfrm>
+          <a:prstGeom prst="rect">
+            <a:avLst/>
+          </a:prstGeom>
+          <a:noFill/>
+          <a:extLst>
+            <a:ext uri="{909E8E84-426E-40DD-AFC4-6F175D3DCCD1}">
+              <a14:hiddenFill xmlns:a14="http://schemas.microsoft.com/office/drawing/2010/main">
+                <a:solidFill>
+                  <a:srgbClr val="FFFFFF"/>
+                </a:solidFill>
+              </a14:hiddenFill>
+            </a:ext>
+          </a:extLst>
+        </p:spPr>
+      </p:pic>
+      <p:pic>
+        <p:nvPicPr>
+          <p:cNvPr id="8" name="Picture 6" descr="File:Python-logo-notext.svg - Wikipedia"/>
+          <p:cNvPicPr>
+            <a:picLocks noChangeAspect="1" noChangeArrowheads="1"/>
+          </p:cNvPicPr>
+          <p:nvPr/>
+        </p:nvPicPr>
+        <p:blipFill rotWithShape="1">
+          <a:blip r:embed="rId4" cstate="hqprint">
+            <a:extLst>
+              <a:ext uri="{28A0092B-C50C-407E-A947-70E740481C1C}">
+                <a14:useLocalDpi xmlns:a14="http://schemas.microsoft.com/office/drawing/2010/main" val="0"/>
+              </a:ext>
+            </a:extLst>
+          </a:blip>
+          <a:srcRect r="7987" b="16043"/>
+          <a:stretch/>
+        </p:blipFill>
+        <p:spPr bwMode="auto">
+          <a:xfrm>
+            <a:off x="5750774" y="4116237"/>
+            <a:ext cx="1755000" cy="1757269"/>
+          </a:xfrm>
+          <a:prstGeom prst="rect">
+            <a:avLst/>
+          </a:prstGeom>
+          <a:noFill/>
+          <a:extLst>
+            <a:ext uri="{909E8E84-426E-40DD-AFC4-6F175D3DCCD1}">
+              <a14:hiddenFill xmlns:a14="http://schemas.microsoft.com/office/drawing/2010/main">
+                <a:solidFill>
+                  <a:srgbClr val="FFFFFF"/>
+                </a:solidFill>
+              </a14:hiddenFill>
+            </a:ext>
+          </a:extLst>
+        </p:spPr>
+      </p:pic>
+    </p:spTree>
+    <p:extLst>
+      <p:ext uri="{BB962C8B-B14F-4D97-AF65-F5344CB8AC3E}">
+        <p14:creationId xmlns:p14="http://schemas.microsoft.com/office/powerpoint/2010/main" val="2816967245"/>
+      </p:ext>
+    </p:extLst>
+  </p:cSld>
+  <p:clrMapOvr>
+    <a:masterClrMapping/>
+  </p:clrMapOvr>
+  <mc:AlternateContent xmlns:mc="http://schemas.openxmlformats.org/markup-compatibility/2006" xmlns:p14="http://schemas.microsoft.com/office/powerpoint/2010/main">
+    <mc:Choice Requires="p14">
+      <p:transition spd="slow" p14:dur="2000" advClick="0" advTm="5000"/>
+    </mc:Choice>
+    <mc:Fallback xmlns="">
+      <p:transition spd="slow" advClick="0" advTm="5000"/>
+    </mc:Fallback>
+  </mc:AlternateContent>
+  <p:timing>
+    <p:tnLst>
+      <p:par>
+        <p:cTn id="1" dur="indefinite" restart="never" nodeType="tmRoot"/>
+      </p:par>
+    </p:tnLst>
+  </p:timing>
+</p:sld>
+</file>
+
+<file path=ppt/slides/slide18.xml><?xml version="1.0" encoding="utf-8"?>
+<p:sld xmlns:a="http://schemas.openxmlformats.org/drawingml/2006/main" xmlns:r="http://schemas.openxmlformats.org/officeDocument/2006/relationships" xmlns:p="http://schemas.openxmlformats.org/presentationml/2006/main">
+  <p:cSld>
+    <p:spTree>
+      <p:nvGrpSpPr>
+        <p:cNvPr id="1" name=""/>
+        <p:cNvGrpSpPr/>
+        <p:nvPr/>
+      </p:nvGrpSpPr>
+      <p:grpSpPr>
+        <a:xfrm>
+          <a:off x="0" y="0"/>
+          <a:ext cx="0" cy="0"/>
+          <a:chOff x="0" y="0"/>
+          <a:chExt cx="0" cy="0"/>
+        </a:xfrm>
+      </p:grpSpPr>
+      <p:sp>
+        <p:nvSpPr>
           <p:cNvPr id="14" name="Text Placeholder 4">
             <a:extLst>
               <a:ext uri="{FF2B5EF4-FFF2-40B4-BE49-F238E27FC236}">
@@ -7297,7 +11010,7 @@
             <a:fld id="{C014DD1E-5D91-48A3-AD6D-45FBA980D106}" type="slidenum">
               <a:rPr lang="en-US" smtClean="0"/>
               <a:pPr/>
-              <a:t>10</a:t>
+              <a:t>18</a:t>
             </a:fld>
             <a:endParaRPr lang="en-US" dirty="0"/>
           </a:p>
@@ -7746,7 +11459,7 @@
 </p:sld>
 </file>
 
-<file path=ppt/slides/slide11.xml><?xml version="1.0" encoding="utf-8"?>
+<file path=ppt/slides/slide19.xml><?xml version="1.0" encoding="utf-8"?>
 <p:sld xmlns:a="http://schemas.openxmlformats.org/drawingml/2006/main" xmlns:r="http://schemas.openxmlformats.org/officeDocument/2006/relationships" xmlns:p="http://schemas.openxmlformats.org/presentationml/2006/main">
   <p:cSld>
     <p:spTree>
@@ -7860,7 +11573,7 @@
                 <a:hlinkClick r:id="rId3">
                   <a:extLst>
                     <a:ext uri="{A12FA001-AC4F-418D-AE19-62706E023703}">
-                      <ahyp:hlinkClr xmlns:ahyp="http://schemas.microsoft.com/office/drawing/2018/hyperlinkcolor" xmlns="" val="tx"/>
+                      <ahyp:hlinkClr xmlns="" xmlns:ahyp="http://schemas.microsoft.com/office/drawing/2018/hyperlinkcolor" val="tx"/>
                     </a:ext>
                   </a:extLst>
                 </a:hlinkClick>
@@ -7919,396 +11632,6 @@
     <p:extLst>
       <p:ext uri="{BB962C8B-B14F-4D97-AF65-F5344CB8AC3E}">
         <p14:creationId xmlns:p14="http://schemas.microsoft.com/office/powerpoint/2010/main" val="1472534970"/>
-      </p:ext>
-    </p:extLst>
-  </p:cSld>
-  <p:clrMapOvr>
-    <a:masterClrMapping/>
-  </p:clrMapOvr>
-  <mc:AlternateContent xmlns:mc="http://schemas.openxmlformats.org/markup-compatibility/2006" xmlns:p14="http://schemas.microsoft.com/office/powerpoint/2010/main">
-    <mc:Choice Requires="p14">
-      <p:transition spd="slow" p14:dur="2000" advClick="0" advTm="5000"/>
-    </mc:Choice>
-    <mc:Fallback xmlns="">
-      <p:transition spd="slow" advClick="0" advTm="5000"/>
-    </mc:Fallback>
-  </mc:AlternateContent>
-  <p:timing>
-    <p:tnLst>
-      <p:par>
-        <p:cTn id="1" dur="indefinite" restart="never" nodeType="tmRoot"/>
-      </p:par>
-    </p:tnLst>
-  </p:timing>
-</p:sld>
-</file>
-
-<file path=ppt/slides/slide12.xml><?xml version="1.0" encoding="utf-8"?>
-<p:sld xmlns:a="http://schemas.openxmlformats.org/drawingml/2006/main" xmlns:r="http://schemas.openxmlformats.org/officeDocument/2006/relationships" xmlns:p="http://schemas.openxmlformats.org/presentationml/2006/main" show="0">
-  <p:cSld>
-    <p:spTree>
-      <p:nvGrpSpPr>
-        <p:cNvPr id="1" name=""/>
-        <p:cNvGrpSpPr/>
-        <p:nvPr/>
-      </p:nvGrpSpPr>
-      <p:grpSpPr>
-        <a:xfrm>
-          <a:off x="0" y="0"/>
-          <a:ext cx="0" cy="0"/>
-          <a:chOff x="0" y="0"/>
-          <a:chExt cx="0" cy="0"/>
-        </a:xfrm>
-      </p:grpSpPr>
-      <p:sp>
-        <p:nvSpPr>
-          <p:cNvPr id="5" name="Slide Number">
-            <a:extLst>
-              <a:ext uri="{FF2B5EF4-FFF2-40B4-BE49-F238E27FC236}">
-                <a16:creationId xmlns:a16="http://schemas.microsoft.com/office/drawing/2014/main" id="{F48C3C93-90A1-4D31-BEA6-B54D1106CE31}"/>
-              </a:ext>
-            </a:extLst>
-          </p:cNvPr>
-          <p:cNvSpPr>
-            <a:spLocks noGrp="1"/>
-          </p:cNvSpPr>
-          <p:nvPr>
-            <p:ph type="sldNum" sz="quarter" idx="5"/>
-          </p:nvPr>
-        </p:nvSpPr>
-        <p:spPr>
-          <a:xfrm>
-            <a:off x="11753030" y="6507000"/>
-            <a:ext cx="367414" cy="297000"/>
-          </a:xfrm>
-          <a:prstGeom prst="rect">
-            <a:avLst/>
-          </a:prstGeom>
-        </p:spPr>
-        <p:txBody>
-          <a:bodyPr vert="horz" lIns="91440" tIns="45720" rIns="91440" bIns="45720" rtlCol="0" anchor="b"/>
-          <a:lstStyle>
-            <a:lvl1pPr algn="r">
-              <a:defRPr sz="1000"/>
-            </a:lvl1pPr>
-          </a:lstStyle>
-          <a:p>
-            <a:fld id="{2BF067CD-8E6B-4360-9AA8-C5DF2A48A6D1}" type="slidenum">
-              <a:rPr lang="en-US" smtClean="0"/>
-              <a:pPr/>
-              <a:t>12</a:t>
-            </a:fld>
-            <a:endParaRPr lang="en-US" dirty="0"/>
-          </a:p>
-        </p:txBody>
-      </p:sp>
-      <p:sp>
-        <p:nvSpPr>
-          <p:cNvPr id="2" name="Slide Body">
-            <a:extLst>
-              <a:ext uri="{FF2B5EF4-FFF2-40B4-BE49-F238E27FC236}">
-                <a16:creationId xmlns:a16="http://schemas.microsoft.com/office/drawing/2014/main" id="{980F49B1-E4BE-4389-A747-7AB9B71AD920}"/>
-              </a:ext>
-            </a:extLst>
-          </p:cNvPr>
-          <p:cNvSpPr>
-            <a:spLocks noGrp="1"/>
-          </p:cNvSpPr>
-          <p:nvPr>
-            <p:ph type="body" sz="quarter" idx="10"/>
-          </p:nvPr>
-        </p:nvSpPr>
-        <p:spPr>
-          <a:xfrm>
-            <a:off x="190402" y="1269001"/>
-            <a:ext cx="9865598" cy="2474999"/>
-          </a:xfrm>
-        </p:spPr>
-        <p:txBody>
-          <a:bodyPr>
-            <a:normAutofit/>
-          </a:bodyPr>
-          <a:lstStyle/>
-          <a:p>
-            <a:pPr>
-              <a:lnSpc>
-                <a:spcPct val="120000"/>
-              </a:lnSpc>
-            </a:pPr>
-            <a:r>
-              <a:rPr lang="bg-BG" sz="3200" dirty="0"/>
-              <a:t>Този курс</a:t>
-            </a:r>
-            <a:r>
-              <a:rPr lang="en-US" sz="3200" dirty="0"/>
-              <a:t> (</a:t>
-            </a:r>
-            <a:r>
-              <a:rPr lang="bg-BG" sz="3200" dirty="0"/>
-              <a:t>презентации, примери, демонстрационен код, упражнения, домашни, видео и други активи</a:t>
-            </a:r>
-            <a:r>
-              <a:rPr lang="en-US" sz="3200" dirty="0"/>
-              <a:t>) </a:t>
-            </a:r>
-            <a:r>
-              <a:rPr lang="bg-BG" sz="3200" dirty="0"/>
-              <a:t>представлява</a:t>
-            </a:r>
-            <a:r>
-              <a:rPr lang="en-US" sz="3200" dirty="0"/>
-              <a:t> </a:t>
-            </a:r>
-            <a:r>
-              <a:rPr lang="bg-BG" sz="3200" b="1" dirty="0"/>
-              <a:t>свободно учебно съдържание </a:t>
-            </a:r>
-            <a:r>
-              <a:rPr lang="bg-BG" sz="3200" dirty="0"/>
-              <a:t>и се разпространява под свободен лиценз </a:t>
-            </a:r>
-            <a:r>
-              <a:rPr lang="en-US" sz="3200" b="1" dirty="0"/>
-              <a:t>CC-BY-NC-SA</a:t>
-            </a:r>
-            <a:endParaRPr lang="bg-BG" sz="3200" dirty="0"/>
-          </a:p>
-        </p:txBody>
-      </p:sp>
-      <p:pic>
-        <p:nvPicPr>
-          <p:cNvPr id="6" name="Picture License" descr="License">
-            <a:extLst>
-              <a:ext uri="{FF2B5EF4-FFF2-40B4-BE49-F238E27FC236}">
-                <a16:creationId xmlns:a16="http://schemas.microsoft.com/office/drawing/2014/main" id="{82BA520F-A037-4E01-AA18-27D9F1E930A6}"/>
-              </a:ext>
-            </a:extLst>
-          </p:cNvPr>
-          <p:cNvPicPr>
-            <a:picLocks noChangeAspect="1"/>
-          </p:cNvPicPr>
-          <p:nvPr/>
-        </p:nvPicPr>
-        <p:blipFill>
-          <a:blip r:embed="rId3">
-            <a:clrChange>
-              <a:clrFrom>
-                <a:srgbClr val="FFFFFF"/>
-              </a:clrFrom>
-              <a:clrTo>
-                <a:srgbClr val="FFFFFF">
-                  <a:alpha val="0"/>
-                </a:srgbClr>
-              </a:clrTo>
-            </a:clrChange>
-          </a:blip>
-          <a:stretch>
-            <a:fillRect/>
-          </a:stretch>
-        </p:blipFill>
-        <p:spPr>
-          <a:xfrm>
-            <a:off x="10226175" y="1440120"/>
-            <a:ext cx="1198986" cy="1268880"/>
-          </a:xfrm>
-          <a:prstGeom prst="rect">
-            <a:avLst/>
-          </a:prstGeom>
-        </p:spPr>
-      </p:pic>
-      <p:sp>
-        <p:nvSpPr>
-          <p:cNvPr id="3" name="Slide Title">
-            <a:extLst>
-              <a:ext uri="{FF2B5EF4-FFF2-40B4-BE49-F238E27FC236}">
-                <a16:creationId xmlns:a16="http://schemas.microsoft.com/office/drawing/2014/main" id="{E5F1FB41-80C3-4816-BC47-CCC50632E6E8}"/>
-              </a:ext>
-            </a:extLst>
-          </p:cNvPr>
-          <p:cNvSpPr>
-            <a:spLocks noGrp="1"/>
-          </p:cNvSpPr>
-          <p:nvPr>
-            <p:ph type="title"/>
-          </p:nvPr>
-        </p:nvSpPr>
-        <p:spPr/>
-        <p:txBody>
-          <a:bodyPr/>
-          <a:lstStyle/>
-          <a:p>
-            <a:r>
-              <a:rPr lang="bg-BG" dirty="0"/>
-              <a:t>Лиценз</a:t>
-            </a:r>
-          </a:p>
-        </p:txBody>
-      </p:sp>
-      <p:sp>
-        <p:nvSpPr>
-          <p:cNvPr id="11" name="TextBox 10">
-            <a:extLst>
-              <a:ext uri="{FF2B5EF4-FFF2-40B4-BE49-F238E27FC236}">
-                <a16:creationId xmlns:a16="http://schemas.microsoft.com/office/drawing/2014/main" id="{0C18DF19-B750-4C88-975B-661A6BF61F5E}"/>
-              </a:ext>
-            </a:extLst>
-          </p:cNvPr>
-          <p:cNvSpPr txBox="1"/>
-          <p:nvPr/>
-        </p:nvSpPr>
-        <p:spPr>
-          <a:xfrm>
-            <a:off x="190401" y="3927519"/>
-            <a:ext cx="11710599" cy="1979644"/>
-          </a:xfrm>
-          <a:prstGeom prst="rect">
-            <a:avLst/>
-          </a:prstGeom>
-          <a:noFill/>
-          <a:ln w="12700">
-            <a:noFill/>
-          </a:ln>
-        </p:spPr>
-        <p:txBody>
-          <a:bodyPr wrap="square">
-            <a:spAutoFit/>
-          </a:bodyPr>
-          <a:lstStyle/>
-          <a:p>
-            <a:pPr marL="360363" indent="-360363" defTabSz="1218438">
-              <a:lnSpc>
-                <a:spcPct val="120000"/>
-              </a:lnSpc>
-              <a:spcBef>
-                <a:spcPts val="600"/>
-              </a:spcBef>
-              <a:spcAft>
-                <a:spcPts val="600"/>
-              </a:spcAft>
-              <a:buFont typeface="Wingdings" panose="05000000000000000000" pitchFamily="2" charset="2"/>
-              <a:buChar char="§"/>
-              <a:defRPr/>
-            </a:pPr>
-            <a:r>
-              <a:rPr lang="bg-BG" sz="3200" dirty="0"/>
-              <a:t>Проект "</a:t>
-            </a:r>
-            <a:r>
-              <a:rPr lang="bg-BG" sz="3200" b="1" dirty="0"/>
-              <a:t>Отворено учебно съдържание по програмиране и ИТ</a:t>
-            </a:r>
-            <a:r>
-              <a:rPr lang="bg-BG" sz="3200" dirty="0"/>
-              <a:t>" към Фондация "Софтуерен университет"</a:t>
-            </a:r>
-            <a:r>
-              <a:rPr lang="en-US" sz="3200" dirty="0"/>
-              <a:t>:</a:t>
-            </a:r>
-            <a:endParaRPr lang="bg-BG" sz="3200" dirty="0"/>
-          </a:p>
-          <a:p>
-            <a:pPr marL="817563" lvl="1" indent="-360363" defTabSz="1218438">
-              <a:lnSpc>
-                <a:spcPct val="120000"/>
-              </a:lnSpc>
-              <a:spcBef>
-                <a:spcPts val="600"/>
-              </a:spcBef>
-              <a:spcAft>
-                <a:spcPts val="600"/>
-              </a:spcAft>
-              <a:buFont typeface="Wingdings" panose="05000000000000000000" pitchFamily="2" charset="2"/>
-              <a:buChar char="§"/>
-              <a:defRPr/>
-            </a:pPr>
-            <a:r>
-              <a:rPr kumimoji="0" lang="en-US" sz="3200" b="0" i="0" u="none" strike="noStrike" kern="1200" cap="none" spc="0" normalizeH="0" baseline="0" noProof="0" dirty="0">
-                <a:ln>
-                  <a:noFill/>
-                </a:ln>
-                <a:solidFill>
-                  <a:srgbClr val="234465"/>
-                </a:solidFill>
-                <a:effectLst/>
-                <a:uLnTx/>
-                <a:uFillTx/>
-                <a:latin typeface="Calibri"/>
-                <a:ea typeface="+mn-ea"/>
-                <a:cs typeface="+mn-cs"/>
-                <a:hlinkClick r:id="rId4"/>
-              </a:rPr>
-              <a:t>https://github.com/BG-IT-Edu</a:t>
-            </a:r>
-            <a:endParaRPr kumimoji="0" lang="bg-BG" sz="3200" b="0" i="0" u="none" strike="noStrike" kern="1200" cap="none" spc="0" normalizeH="0" baseline="0" noProof="0" dirty="0">
-              <a:ln>
-                <a:noFill/>
-              </a:ln>
-              <a:solidFill>
-                <a:srgbClr val="234465"/>
-              </a:solidFill>
-              <a:effectLst/>
-              <a:uLnTx/>
-              <a:uFillTx/>
-              <a:latin typeface="Calibri"/>
-              <a:ea typeface="+mn-ea"/>
-              <a:cs typeface="+mn-cs"/>
-            </a:endParaRPr>
-          </a:p>
-        </p:txBody>
-      </p:sp>
-      <p:pic>
-        <p:nvPicPr>
-          <p:cNvPr id="7" name="Picture 6" title="CC-BY-NC-SA License">
-            <a:hlinkClick r:id="rId5" tooltip="This work is licensed under the &quot;Creative Commons Attribution-NonCommercial-ShareAlike 4.0 International&quot; license"/>
-            <a:extLst>
-              <a:ext uri="{FF2B5EF4-FFF2-40B4-BE49-F238E27FC236}">
-                <a16:creationId xmlns:a16="http://schemas.microsoft.com/office/drawing/2014/main" id="{F6C77C47-F7D8-A176-5C69-7FDE5C7E8003}"/>
-              </a:ext>
-            </a:extLst>
-          </p:cNvPr>
-          <p:cNvPicPr>
-            <a:picLocks noChangeAspect="1" noChangeArrowheads="1"/>
-          </p:cNvPicPr>
-          <p:nvPr/>
-        </p:nvPicPr>
-        <p:blipFill>
-          <a:blip r:embed="rId6">
-            <a:extLst>
-              <a:ext uri="{28A0092B-C50C-407E-A947-70E740481C1C}">
-                <a14:useLocalDpi xmlns:a14="http://schemas.microsoft.com/office/drawing/2010/main"/>
-              </a:ext>
-            </a:extLst>
-          </a:blip>
-          <a:srcRect/>
-          <a:stretch>
-            <a:fillRect/>
-          </a:stretch>
-        </p:blipFill>
-        <p:spPr bwMode="auto">
-          <a:xfrm>
-            <a:off x="9831000" y="2908593"/>
-            <a:ext cx="1989336" cy="696022"/>
-          </a:xfrm>
-          <a:prstGeom prst="roundRect">
-            <a:avLst>
-              <a:gd name="adj" fmla="val 3940"/>
-            </a:avLst>
-          </a:prstGeom>
-          <a:solidFill>
-            <a:srgbClr val="231F20">
-              <a:alpha val="50000"/>
-            </a:srgbClr>
-          </a:solidFill>
-          <a:ln>
-            <a:noFill/>
-          </a:ln>
-        </p:spPr>
-      </p:pic>
-    </p:spTree>
-    <p:extLst>
-      <p:ext uri="{BB962C8B-B14F-4D97-AF65-F5344CB8AC3E}">
-        <p14:creationId xmlns:p14="http://schemas.microsoft.com/office/powerpoint/2010/main" val="3879276042"/>
       </p:ext>
     </p:extLst>
   </p:cSld>
@@ -8502,15 +11825,25 @@
           <a:p>
             <a:r>
               <a:rPr lang="bg-BG" dirty="0" smtClean="0"/>
-              <a:t>͏Език за програмиране</a:t>
-            </a:r>
+              <a:t>͏Език за </a:t>
+            </a:r>
+            <a:r>
+              <a:rPr lang="bg-BG" dirty="0" smtClean="0"/>
+              <a:t>програмиране</a:t>
+            </a:r>
+          </a:p>
+          <a:p>
+            <a:r>
+              <a:rPr lang="bg-BG" dirty="0" smtClean="0"/>
+              <a:t>Компилиране и интерпретиране</a:t>
+            </a:r>
+            <a:endParaRPr lang="bg-BG" dirty="0" smtClean="0"/>
           </a:p>
           <a:p>
             <a:r>
               <a:rPr lang="bg-BG" dirty="0" smtClean="0"/>
               <a:t>Интегрирана среда за програмиране</a:t>
             </a:r>
-            <a:endParaRPr lang="bg-BG" dirty="0" smtClean="0"/>
           </a:p>
         </p:txBody>
       </p:sp>
@@ -8645,7 +11978,7 @@
                                         <p:tgtEl>
                                           <p:spTgt spid="444419">
                                             <p:txEl>
-                                              <p:pRg st="1" end="1"/>
+                                              <p:pRg st="2" end="2"/>
                                             </p:txEl>
                                           </p:spTgt>
                                         </p:tgtEl>
@@ -8685,6 +12018,396 @@
             </p:seq>
           </p:childTnLst>
         </p:cTn>
+      </p:par>
+    </p:tnLst>
+  </p:timing>
+</p:sld>
+</file>
+
+<file path=ppt/slides/slide20.xml><?xml version="1.0" encoding="utf-8"?>
+<p:sld xmlns:a="http://schemas.openxmlformats.org/drawingml/2006/main" xmlns:r="http://schemas.openxmlformats.org/officeDocument/2006/relationships" xmlns:p="http://schemas.openxmlformats.org/presentationml/2006/main" show="0">
+  <p:cSld>
+    <p:spTree>
+      <p:nvGrpSpPr>
+        <p:cNvPr id="1" name=""/>
+        <p:cNvGrpSpPr/>
+        <p:nvPr/>
+      </p:nvGrpSpPr>
+      <p:grpSpPr>
+        <a:xfrm>
+          <a:off x="0" y="0"/>
+          <a:ext cx="0" cy="0"/>
+          <a:chOff x="0" y="0"/>
+          <a:chExt cx="0" cy="0"/>
+        </a:xfrm>
+      </p:grpSpPr>
+      <p:sp>
+        <p:nvSpPr>
+          <p:cNvPr id="5" name="Slide Number">
+            <a:extLst>
+              <a:ext uri="{FF2B5EF4-FFF2-40B4-BE49-F238E27FC236}">
+                <a16:creationId xmlns:a16="http://schemas.microsoft.com/office/drawing/2014/main" id="{F48C3C93-90A1-4D31-BEA6-B54D1106CE31}"/>
+              </a:ext>
+            </a:extLst>
+          </p:cNvPr>
+          <p:cNvSpPr>
+            <a:spLocks noGrp="1"/>
+          </p:cNvSpPr>
+          <p:nvPr>
+            <p:ph type="sldNum" sz="quarter" idx="5"/>
+          </p:nvPr>
+        </p:nvSpPr>
+        <p:spPr>
+          <a:xfrm>
+            <a:off x="11753030" y="6507000"/>
+            <a:ext cx="367414" cy="297000"/>
+          </a:xfrm>
+          <a:prstGeom prst="rect">
+            <a:avLst/>
+          </a:prstGeom>
+        </p:spPr>
+        <p:txBody>
+          <a:bodyPr vert="horz" lIns="91440" tIns="45720" rIns="91440" bIns="45720" rtlCol="0" anchor="b"/>
+          <a:lstStyle>
+            <a:lvl1pPr algn="r">
+              <a:defRPr sz="1000"/>
+            </a:lvl1pPr>
+          </a:lstStyle>
+          <a:p>
+            <a:fld id="{2BF067CD-8E6B-4360-9AA8-C5DF2A48A6D1}" type="slidenum">
+              <a:rPr lang="en-US" smtClean="0"/>
+              <a:pPr/>
+              <a:t>20</a:t>
+            </a:fld>
+            <a:endParaRPr lang="en-US" dirty="0"/>
+          </a:p>
+        </p:txBody>
+      </p:sp>
+      <p:sp>
+        <p:nvSpPr>
+          <p:cNvPr id="2" name="Slide Body">
+            <a:extLst>
+              <a:ext uri="{FF2B5EF4-FFF2-40B4-BE49-F238E27FC236}">
+                <a16:creationId xmlns:a16="http://schemas.microsoft.com/office/drawing/2014/main" id="{980F49B1-E4BE-4389-A747-7AB9B71AD920}"/>
+              </a:ext>
+            </a:extLst>
+          </p:cNvPr>
+          <p:cNvSpPr>
+            <a:spLocks noGrp="1"/>
+          </p:cNvSpPr>
+          <p:nvPr>
+            <p:ph type="body" sz="quarter" idx="10"/>
+          </p:nvPr>
+        </p:nvSpPr>
+        <p:spPr>
+          <a:xfrm>
+            <a:off x="190402" y="1269001"/>
+            <a:ext cx="9865598" cy="2474999"/>
+          </a:xfrm>
+        </p:spPr>
+        <p:txBody>
+          <a:bodyPr>
+            <a:normAutofit/>
+          </a:bodyPr>
+          <a:lstStyle/>
+          <a:p>
+            <a:pPr>
+              <a:lnSpc>
+                <a:spcPct val="120000"/>
+              </a:lnSpc>
+            </a:pPr>
+            <a:r>
+              <a:rPr lang="bg-BG" sz="3200" dirty="0"/>
+              <a:t>Този курс</a:t>
+            </a:r>
+            <a:r>
+              <a:rPr lang="en-US" sz="3200" dirty="0"/>
+              <a:t> (</a:t>
+            </a:r>
+            <a:r>
+              <a:rPr lang="bg-BG" sz="3200" dirty="0"/>
+              <a:t>презентации, примери, демонстрационен код, упражнения, домашни, видео и други активи</a:t>
+            </a:r>
+            <a:r>
+              <a:rPr lang="en-US" sz="3200" dirty="0"/>
+              <a:t>) </a:t>
+            </a:r>
+            <a:r>
+              <a:rPr lang="bg-BG" sz="3200" dirty="0"/>
+              <a:t>представлява</a:t>
+            </a:r>
+            <a:r>
+              <a:rPr lang="en-US" sz="3200" dirty="0"/>
+              <a:t> </a:t>
+            </a:r>
+            <a:r>
+              <a:rPr lang="bg-BG" sz="3200" b="1" dirty="0"/>
+              <a:t>свободно учебно съдържание </a:t>
+            </a:r>
+            <a:r>
+              <a:rPr lang="bg-BG" sz="3200" dirty="0"/>
+              <a:t>и се разпространява под свободен лиценз </a:t>
+            </a:r>
+            <a:r>
+              <a:rPr lang="en-US" sz="3200" b="1" dirty="0"/>
+              <a:t>CC-BY-NC-SA</a:t>
+            </a:r>
+            <a:endParaRPr lang="bg-BG" sz="3200" dirty="0"/>
+          </a:p>
+        </p:txBody>
+      </p:sp>
+      <p:pic>
+        <p:nvPicPr>
+          <p:cNvPr id="6" name="Picture License" descr="License">
+            <a:extLst>
+              <a:ext uri="{FF2B5EF4-FFF2-40B4-BE49-F238E27FC236}">
+                <a16:creationId xmlns:a16="http://schemas.microsoft.com/office/drawing/2014/main" id="{82BA520F-A037-4E01-AA18-27D9F1E930A6}"/>
+              </a:ext>
+            </a:extLst>
+          </p:cNvPr>
+          <p:cNvPicPr>
+            <a:picLocks noChangeAspect="1"/>
+          </p:cNvPicPr>
+          <p:nvPr/>
+        </p:nvPicPr>
+        <p:blipFill>
+          <a:blip r:embed="rId3">
+            <a:clrChange>
+              <a:clrFrom>
+                <a:srgbClr val="FFFFFF"/>
+              </a:clrFrom>
+              <a:clrTo>
+                <a:srgbClr val="FFFFFF">
+                  <a:alpha val="0"/>
+                </a:srgbClr>
+              </a:clrTo>
+            </a:clrChange>
+          </a:blip>
+          <a:stretch>
+            <a:fillRect/>
+          </a:stretch>
+        </p:blipFill>
+        <p:spPr>
+          <a:xfrm>
+            <a:off x="10226175" y="1440120"/>
+            <a:ext cx="1198986" cy="1268880"/>
+          </a:xfrm>
+          <a:prstGeom prst="rect">
+            <a:avLst/>
+          </a:prstGeom>
+        </p:spPr>
+      </p:pic>
+      <p:sp>
+        <p:nvSpPr>
+          <p:cNvPr id="3" name="Slide Title">
+            <a:extLst>
+              <a:ext uri="{FF2B5EF4-FFF2-40B4-BE49-F238E27FC236}">
+                <a16:creationId xmlns:a16="http://schemas.microsoft.com/office/drawing/2014/main" id="{E5F1FB41-80C3-4816-BC47-CCC50632E6E8}"/>
+              </a:ext>
+            </a:extLst>
+          </p:cNvPr>
+          <p:cNvSpPr>
+            <a:spLocks noGrp="1"/>
+          </p:cNvSpPr>
+          <p:nvPr>
+            <p:ph type="title"/>
+          </p:nvPr>
+        </p:nvSpPr>
+        <p:spPr/>
+        <p:txBody>
+          <a:bodyPr/>
+          <a:lstStyle/>
+          <a:p>
+            <a:r>
+              <a:rPr lang="bg-BG" dirty="0"/>
+              <a:t>Лиценз</a:t>
+            </a:r>
+          </a:p>
+        </p:txBody>
+      </p:sp>
+      <p:sp>
+        <p:nvSpPr>
+          <p:cNvPr id="11" name="TextBox 10">
+            <a:extLst>
+              <a:ext uri="{FF2B5EF4-FFF2-40B4-BE49-F238E27FC236}">
+                <a16:creationId xmlns:a16="http://schemas.microsoft.com/office/drawing/2014/main" id="{0C18DF19-B750-4C88-975B-661A6BF61F5E}"/>
+              </a:ext>
+            </a:extLst>
+          </p:cNvPr>
+          <p:cNvSpPr txBox="1"/>
+          <p:nvPr/>
+        </p:nvSpPr>
+        <p:spPr>
+          <a:xfrm>
+            <a:off x="190401" y="3927519"/>
+            <a:ext cx="11710599" cy="1979644"/>
+          </a:xfrm>
+          <a:prstGeom prst="rect">
+            <a:avLst/>
+          </a:prstGeom>
+          <a:noFill/>
+          <a:ln w="12700">
+            <a:noFill/>
+          </a:ln>
+        </p:spPr>
+        <p:txBody>
+          <a:bodyPr wrap="square">
+            <a:spAutoFit/>
+          </a:bodyPr>
+          <a:lstStyle/>
+          <a:p>
+            <a:pPr marL="360363" indent="-360363" defTabSz="1218438">
+              <a:lnSpc>
+                <a:spcPct val="120000"/>
+              </a:lnSpc>
+              <a:spcBef>
+                <a:spcPts val="600"/>
+              </a:spcBef>
+              <a:spcAft>
+                <a:spcPts val="600"/>
+              </a:spcAft>
+              <a:buFont typeface="Wingdings" panose="05000000000000000000" pitchFamily="2" charset="2"/>
+              <a:buChar char="§"/>
+              <a:defRPr/>
+            </a:pPr>
+            <a:r>
+              <a:rPr lang="bg-BG" sz="3200" dirty="0"/>
+              <a:t>Проект "</a:t>
+            </a:r>
+            <a:r>
+              <a:rPr lang="bg-BG" sz="3200" b="1" dirty="0"/>
+              <a:t>Отворено учебно съдържание по програмиране и ИТ</a:t>
+            </a:r>
+            <a:r>
+              <a:rPr lang="bg-BG" sz="3200" dirty="0"/>
+              <a:t>" към Фондация "Софтуерен университет"</a:t>
+            </a:r>
+            <a:r>
+              <a:rPr lang="en-US" sz="3200" dirty="0"/>
+              <a:t>:</a:t>
+            </a:r>
+            <a:endParaRPr lang="bg-BG" sz="3200" dirty="0"/>
+          </a:p>
+          <a:p>
+            <a:pPr marL="817563" lvl="1" indent="-360363" defTabSz="1218438">
+              <a:lnSpc>
+                <a:spcPct val="120000"/>
+              </a:lnSpc>
+              <a:spcBef>
+                <a:spcPts val="600"/>
+              </a:spcBef>
+              <a:spcAft>
+                <a:spcPts val="600"/>
+              </a:spcAft>
+              <a:buFont typeface="Wingdings" panose="05000000000000000000" pitchFamily="2" charset="2"/>
+              <a:buChar char="§"/>
+              <a:defRPr/>
+            </a:pPr>
+            <a:r>
+              <a:rPr kumimoji="0" lang="en-US" sz="3200" b="0" i="0" u="none" strike="noStrike" kern="1200" cap="none" spc="0" normalizeH="0" baseline="0" noProof="0" dirty="0">
+                <a:ln>
+                  <a:noFill/>
+                </a:ln>
+                <a:solidFill>
+                  <a:srgbClr val="234465"/>
+                </a:solidFill>
+                <a:effectLst/>
+                <a:uLnTx/>
+                <a:uFillTx/>
+                <a:latin typeface="Calibri"/>
+                <a:ea typeface="+mn-ea"/>
+                <a:cs typeface="+mn-cs"/>
+                <a:hlinkClick r:id="rId4"/>
+              </a:rPr>
+              <a:t>https://github.com/BG-IT-Edu</a:t>
+            </a:r>
+            <a:endParaRPr kumimoji="0" lang="bg-BG" sz="3200" b="0" i="0" u="none" strike="noStrike" kern="1200" cap="none" spc="0" normalizeH="0" baseline="0" noProof="0" dirty="0">
+              <a:ln>
+                <a:noFill/>
+              </a:ln>
+              <a:solidFill>
+                <a:srgbClr val="234465"/>
+              </a:solidFill>
+              <a:effectLst/>
+              <a:uLnTx/>
+              <a:uFillTx/>
+              <a:latin typeface="Calibri"/>
+              <a:ea typeface="+mn-ea"/>
+              <a:cs typeface="+mn-cs"/>
+            </a:endParaRPr>
+          </a:p>
+        </p:txBody>
+      </p:sp>
+      <p:pic>
+        <p:nvPicPr>
+          <p:cNvPr id="7" name="Picture 6" title="CC-BY-NC-SA License">
+            <a:hlinkClick r:id="rId5" tooltip="This work is licensed under the &quot;Creative Commons Attribution-NonCommercial-ShareAlike 4.0 International&quot; license"/>
+            <a:extLst>
+              <a:ext uri="{FF2B5EF4-FFF2-40B4-BE49-F238E27FC236}">
+                <a16:creationId xmlns:a16="http://schemas.microsoft.com/office/drawing/2014/main" id="{F6C77C47-F7D8-A176-5C69-7FDE5C7E8003}"/>
+              </a:ext>
+            </a:extLst>
+          </p:cNvPr>
+          <p:cNvPicPr>
+            <a:picLocks noChangeAspect="1" noChangeArrowheads="1"/>
+          </p:cNvPicPr>
+          <p:nvPr/>
+        </p:nvPicPr>
+        <p:blipFill>
+          <a:blip r:embed="rId6">
+            <a:extLst>
+              <a:ext uri="{28A0092B-C50C-407E-A947-70E740481C1C}">
+                <a14:useLocalDpi xmlns:a14="http://schemas.microsoft.com/office/drawing/2010/main"/>
+              </a:ext>
+            </a:extLst>
+          </a:blip>
+          <a:srcRect/>
+          <a:stretch>
+            <a:fillRect/>
+          </a:stretch>
+        </p:blipFill>
+        <p:spPr bwMode="auto">
+          <a:xfrm>
+            <a:off x="9831000" y="2908593"/>
+            <a:ext cx="1989336" cy="696022"/>
+          </a:xfrm>
+          <a:prstGeom prst="roundRect">
+            <a:avLst>
+              <a:gd name="adj" fmla="val 3940"/>
+            </a:avLst>
+          </a:prstGeom>
+          <a:solidFill>
+            <a:srgbClr val="231F20">
+              <a:alpha val="50000"/>
+            </a:srgbClr>
+          </a:solidFill>
+          <a:ln>
+            <a:noFill/>
+          </a:ln>
+        </p:spPr>
+      </p:pic>
+    </p:spTree>
+    <p:extLst>
+      <p:ext uri="{BB962C8B-B14F-4D97-AF65-F5344CB8AC3E}">
+        <p14:creationId xmlns:p14="http://schemas.microsoft.com/office/powerpoint/2010/main" val="3879276042"/>
+      </p:ext>
+    </p:extLst>
+  </p:cSld>
+  <p:clrMapOvr>
+    <a:masterClrMapping/>
+  </p:clrMapOvr>
+  <mc:AlternateContent xmlns:mc="http://schemas.openxmlformats.org/markup-compatibility/2006" xmlns:p14="http://schemas.microsoft.com/office/powerpoint/2010/main">
+    <mc:Choice Requires="p14">
+      <p:transition spd="slow" p14:dur="2000" advClick="0" advTm="5000"/>
+    </mc:Choice>
+    <mc:Fallback xmlns="">
+      <p:transition spd="slow" advClick="0" advTm="5000"/>
+    </mc:Fallback>
+  </mc:AlternateContent>
+  <p:timing>
+    <p:tnLst>
+      <p:par>
+        <p:cTn id="1" dur="indefinite" restart="never" nodeType="tmRoot"/>
       </p:par>
     </p:tnLst>
   </p:timing>
@@ -9978,7 +13701,6 @@
               <a:rPr lang="en-US" sz="3200" b="1" dirty="0"/>
               <a:t>Hello World!</a:t>
             </a:r>
-            <a:endParaRPr lang="en-US" sz="3200" b="1" dirty="0"/>
           </a:p>
         </p:txBody>
       </p:sp>
@@ -11372,7 +15094,81 @@
           <a:bodyPr/>
           <a:lstStyle/>
           <a:p>
-            <a:endParaRPr lang="en-US" dirty="0"/>
+            <a:r>
+              <a:rPr lang="bg-BG" dirty="0" smtClean="0"/>
+              <a:t>Едни от </a:t>
+            </a:r>
+            <a:r>
+              <a:rPr lang="bg-BG" b="1" dirty="0" smtClean="0">
+                <a:solidFill>
+                  <a:schemeClr val="bg1"/>
+                </a:solidFill>
+              </a:rPr>
+              <a:t>най-популярните</a:t>
+            </a:r>
+            <a:r>
+              <a:rPr lang="bg-BG" dirty="0" smtClean="0"/>
+              <a:t> </a:t>
+            </a:r>
+            <a:r>
+              <a:rPr lang="bg-BG" b="1" dirty="0" smtClean="0"/>
+              <a:t>езици</a:t>
+            </a:r>
+            <a:r>
+              <a:rPr lang="bg-BG" dirty="0" smtClean="0"/>
+              <a:t> от </a:t>
+            </a:r>
+            <a:r>
+              <a:rPr lang="bg-BG" b="1" dirty="0" smtClean="0"/>
+              <a:t>високо ниво </a:t>
+            </a:r>
+            <a:r>
+              <a:rPr lang="bg-BG" dirty="0" smtClean="0"/>
+              <a:t>са:</a:t>
+            </a:r>
+          </a:p>
+          <a:p>
+            <a:pPr lvl="1"/>
+            <a:r>
+              <a:rPr lang="en-US" dirty="0" smtClean="0"/>
+              <a:t>C#</a:t>
+            </a:r>
+          </a:p>
+          <a:p>
+            <a:pPr lvl="1"/>
+            <a:r>
+              <a:rPr lang="en-US" dirty="0" smtClean="0"/>
+              <a:t>C++</a:t>
+            </a:r>
+          </a:p>
+          <a:p>
+            <a:pPr lvl="1"/>
+            <a:r>
+              <a:rPr lang="en-US" dirty="0" smtClean="0"/>
+              <a:t>Python</a:t>
+            </a:r>
+          </a:p>
+          <a:p>
+            <a:pPr lvl="1"/>
+            <a:r>
+              <a:rPr lang="en-US" dirty="0" smtClean="0"/>
+              <a:t>JavaScript</a:t>
+            </a:r>
+          </a:p>
+          <a:p>
+            <a:pPr lvl="1"/>
+            <a:r>
+              <a:rPr lang="en-US" dirty="0" smtClean="0"/>
+              <a:t>Java</a:t>
+            </a:r>
+          </a:p>
+          <a:p>
+            <a:pPr lvl="1"/>
+            <a:r>
+              <a:rPr lang="en-US" dirty="0" smtClean="0"/>
+              <a:t>PHP</a:t>
+            </a:r>
+            <a:endParaRPr lang="en-US" dirty="0" smtClean="0"/>
           </a:p>
         </p:txBody>
       </p:sp>
@@ -11391,80 +15187,265 @@
           <a:bodyPr/>
           <a:lstStyle/>
           <a:p>
-            <a:endParaRPr lang="en-US"/>
+            <a:r>
+              <a:rPr lang="bg-BG" dirty="0" smtClean="0"/>
+              <a:t>Примери за езици от високо ниво</a:t>
+            </a:r>
+            <a:endParaRPr lang="en-US" dirty="0"/>
           </a:p>
         </p:txBody>
       </p:sp>
-      <p:sp>
-        <p:nvSpPr>
-          <p:cNvPr id="5" name="Rectangle 4"/>
-          <p:cNvSpPr/>
+      <p:pic>
+        <p:nvPicPr>
+          <p:cNvPr id="1026" name="Picture 2" descr="File:Logo C sharp.svg - Wikimedia Commons"/>
+          <p:cNvPicPr>
+            <a:picLocks noChangeAspect="1" noChangeArrowheads="1"/>
+          </p:cNvPicPr>
           <p:nvPr/>
-        </p:nvSpPr>
+        </p:nvPicPr>
+        <p:blipFill>
+          <a:blip r:embed="rId2" cstate="hqprint">
+            <a:extLst>
+              <a:ext uri="{28A0092B-C50C-407E-A947-70E740481C1C}">
+                <a14:useLocalDpi xmlns:a14="http://schemas.microsoft.com/office/drawing/2010/main" val="0"/>
+              </a:ext>
+            </a:extLst>
+          </a:blip>
+          <a:srcRect/>
+          <a:stretch>
+            <a:fillRect/>
+          </a:stretch>
+        </p:blipFill>
         <p:spPr bwMode="auto">
           <a:xfrm>
-            <a:off x="1911000" y="2304000"/>
-            <a:ext cx="7110000" cy="3060000"/>
+            <a:off x="3689746" y="2126201"/>
+            <a:ext cx="1441888" cy="1622124"/>
           </a:xfrm>
           <a:prstGeom prst="rect">
             <a:avLst/>
           </a:prstGeom>
-          <a:ln/>
-        </p:spPr>
-        <p:style>
-          <a:lnRef idx="2">
-            <a:schemeClr val="accent1"/>
-          </a:lnRef>
-          <a:fillRef idx="1">
-            <a:schemeClr val="lt1"/>
-          </a:fillRef>
-          <a:effectRef idx="0">
-            <a:schemeClr val="accent1"/>
-          </a:effectRef>
-          <a:fontRef idx="minor">
-            <a:schemeClr val="dk1"/>
-          </a:fontRef>
-        </p:style>
-        <p:txBody>
-          <a:bodyPr rot="0" spcFirstLastPara="0" vertOverflow="overflow" horzOverflow="overflow" vert="horz" wrap="square" lIns="91440" tIns="45720" rIns="91440" bIns="45720" numCol="1" spcCol="0" rtlCol="0" fromWordArt="0" anchor="ctr" anchorCtr="0" forceAA="0" compatLnSpc="1">
-            <a:prstTxWarp prst="textNoShape">
-              <a:avLst/>
-            </a:prstTxWarp>
-            <a:noAutofit/>
-          </a:bodyPr>
-          <a:lstStyle/>
-          <a:p>
-            <a:pPr algn="ctr"/>
-            <a:r>
-              <a:rPr lang="bg-BG" sz="5400" b="1" dirty="0" smtClean="0">
+          <a:noFill/>
+          <a:extLst>
+            <a:ext uri="{909E8E84-426E-40DD-AFC4-6F175D3DCCD1}">
+              <a14:hiddenFill xmlns:a14="http://schemas.microsoft.com/office/drawing/2010/main">
                 <a:solidFill>
                   <a:srgbClr val="FFFFFF"/>
                 </a:solidFill>
-                <a:effectLst>
-                  <a:outerShdw blurRad="38100" dist="38100" dir="2700000" algn="tl">
-                    <a:srgbClr val="000000">
-                      <a:alpha val="43137"/>
-                    </a:srgbClr>
-                  </a:outerShdw>
-                </a:effectLst>
-              </a:rPr>
-              <a:t>Примери за езици от високо ниво</a:t>
-            </a:r>
-            <a:endParaRPr lang="en-US" sz="5400" b="1" dirty="0">
-              <a:solidFill>
-                <a:srgbClr val="FFFFFF"/>
-              </a:solidFill>
-              <a:effectLst>
-                <a:outerShdw blurRad="38100" dist="38100" dir="2700000" algn="tl">
-                  <a:srgbClr val="000000">
-                    <a:alpha val="43137"/>
-                  </a:srgbClr>
-                </a:outerShdw>
-              </a:effectLst>
-            </a:endParaRPr>
-          </a:p>
-        </p:txBody>
-      </p:sp>
+              </a14:hiddenFill>
+            </a:ext>
+          </a:extLst>
+        </p:spPr>
+      </p:pic>
+      <p:pic>
+        <p:nvPicPr>
+          <p:cNvPr id="1028" name="Picture 4" descr="File:ISO C++ Logo.svg - Wikipedia"/>
+          <p:cNvPicPr>
+            <a:picLocks noChangeAspect="1" noChangeArrowheads="1"/>
+          </p:cNvPicPr>
+          <p:nvPr/>
+        </p:nvPicPr>
+        <p:blipFill>
+          <a:blip r:embed="rId3" cstate="hqprint">
+            <a:extLst>
+              <a:ext uri="{28A0092B-C50C-407E-A947-70E740481C1C}">
+                <a14:useLocalDpi xmlns:a14="http://schemas.microsoft.com/office/drawing/2010/main" val="0"/>
+              </a:ext>
+            </a:extLst>
+          </a:blip>
+          <a:srcRect/>
+          <a:stretch>
+            <a:fillRect/>
+          </a:stretch>
+        </p:blipFill>
+        <p:spPr bwMode="auto">
+          <a:xfrm>
+            <a:off x="5598563" y="2126201"/>
+            <a:ext cx="1441888" cy="1623113"/>
+          </a:xfrm>
+          <a:prstGeom prst="rect">
+            <a:avLst/>
+          </a:prstGeom>
+          <a:noFill/>
+          <a:extLst>
+            <a:ext uri="{909E8E84-426E-40DD-AFC4-6F175D3DCCD1}">
+              <a14:hiddenFill xmlns:a14="http://schemas.microsoft.com/office/drawing/2010/main">
+                <a:solidFill>
+                  <a:srgbClr val="FFFFFF"/>
+                </a:solidFill>
+              </a14:hiddenFill>
+            </a:ext>
+          </a:extLst>
+        </p:spPr>
+      </p:pic>
+      <p:pic>
+        <p:nvPicPr>
+          <p:cNvPr id="1030" name="Picture 6" descr="File:Python-logo-notext.svg - Wikipedia"/>
+          <p:cNvPicPr>
+            <a:picLocks noChangeAspect="1" noChangeArrowheads="1"/>
+          </p:cNvPicPr>
+          <p:nvPr/>
+        </p:nvPicPr>
+        <p:blipFill rotWithShape="1">
+          <a:blip r:embed="rId4" cstate="hqprint">
+            <a:extLst>
+              <a:ext uri="{28A0092B-C50C-407E-A947-70E740481C1C}">
+                <a14:useLocalDpi xmlns:a14="http://schemas.microsoft.com/office/drawing/2010/main" val="0"/>
+              </a:ext>
+            </a:extLst>
+          </a:blip>
+          <a:srcRect r="7987" b="16043"/>
+          <a:stretch/>
+        </p:blipFill>
+        <p:spPr bwMode="auto">
+          <a:xfrm>
+            <a:off x="7507380" y="2192656"/>
+            <a:ext cx="1487290" cy="1489213"/>
+          </a:xfrm>
+          <a:prstGeom prst="rect">
+            <a:avLst/>
+          </a:prstGeom>
+          <a:noFill/>
+          <a:extLst>
+            <a:ext uri="{909E8E84-426E-40DD-AFC4-6F175D3DCCD1}">
+              <a14:hiddenFill xmlns:a14="http://schemas.microsoft.com/office/drawing/2010/main">
+                <a:solidFill>
+                  <a:srgbClr val="FFFFFF"/>
+                </a:solidFill>
+              </a14:hiddenFill>
+            </a:ext>
+          </a:extLst>
+        </p:spPr>
+      </p:pic>
+      <p:pic>
+        <p:nvPicPr>
+          <p:cNvPr id="1032" name="Picture 8" descr="File:JavaScript-logo.png - Wikipedia"/>
+          <p:cNvPicPr>
+            <a:picLocks noChangeAspect="1" noChangeArrowheads="1"/>
+          </p:cNvPicPr>
+          <p:nvPr/>
+        </p:nvPicPr>
+        <p:blipFill>
+          <a:blip r:embed="rId5" cstate="hqprint">
+            <a:extLst>
+              <a:ext uri="{28A0092B-C50C-407E-A947-70E740481C1C}">
+                <a14:useLocalDpi xmlns:a14="http://schemas.microsoft.com/office/drawing/2010/main" val="0"/>
+              </a:ext>
+            </a:extLst>
+          </a:blip>
+          <a:srcRect/>
+          <a:stretch>
+            <a:fillRect/>
+          </a:stretch>
+        </p:blipFill>
+        <p:spPr bwMode="auto">
+          <a:xfrm>
+            <a:off x="9461599" y="2208924"/>
+            <a:ext cx="1539401" cy="1539401"/>
+          </a:xfrm>
+          <a:prstGeom prst="rect">
+            <a:avLst/>
+          </a:prstGeom>
+          <a:noFill/>
+          <a:ln>
+            <a:solidFill>
+              <a:schemeClr val="bg2">
+                <a:lumMod val="75000"/>
+              </a:schemeClr>
+            </a:solidFill>
+          </a:ln>
+          <a:extLst>
+            <a:ext uri="{909E8E84-426E-40DD-AFC4-6F175D3DCCD1}">
+              <a14:hiddenFill xmlns:a14="http://schemas.microsoft.com/office/drawing/2010/main">
+                <a:solidFill>
+                  <a:srgbClr val="FFFFFF"/>
+                </a:solidFill>
+              </a14:hiddenFill>
+            </a:ext>
+          </a:extLst>
+        </p:spPr>
+      </p:pic>
+      <p:pic>
+        <p:nvPicPr>
+          <p:cNvPr id="1034" name="Picture 10" descr="Java (programming language) - Wikipedia"/>
+          <p:cNvPicPr>
+            <a:picLocks noChangeAspect="1" noChangeArrowheads="1"/>
+          </p:cNvPicPr>
+          <p:nvPr/>
+        </p:nvPicPr>
+        <p:blipFill>
+          <a:blip r:embed="rId6" cstate="hqprint">
+            <a:extLst>
+              <a:ext uri="{28A0092B-C50C-407E-A947-70E740481C1C}">
+                <a14:useLocalDpi xmlns:a14="http://schemas.microsoft.com/office/drawing/2010/main" val="0"/>
+              </a:ext>
+            </a:extLst>
+          </a:blip>
+          <a:srcRect/>
+          <a:stretch>
+            <a:fillRect/>
+          </a:stretch>
+        </p:blipFill>
+        <p:spPr bwMode="auto">
+          <a:xfrm>
+            <a:off x="4695191" y="4080176"/>
+            <a:ext cx="1261023" cy="2311875"/>
+          </a:xfrm>
+          <a:prstGeom prst="rect">
+            <a:avLst/>
+          </a:prstGeom>
+          <a:noFill/>
+          <a:extLst>
+            <a:ext uri="{909E8E84-426E-40DD-AFC4-6F175D3DCCD1}">
+              <a14:hiddenFill xmlns:a14="http://schemas.microsoft.com/office/drawing/2010/main">
+                <a:solidFill>
+                  <a:srgbClr val="FFFFFF"/>
+                </a:solidFill>
+              </a14:hiddenFill>
+            </a:ext>
+          </a:extLst>
+        </p:spPr>
+      </p:pic>
+      <p:pic>
+        <p:nvPicPr>
+          <p:cNvPr id="1036" name="Picture 12" descr="File:PHP-logo.svg - Wikipedia"/>
+          <p:cNvPicPr>
+            <a:picLocks noChangeAspect="1" noChangeArrowheads="1"/>
+          </p:cNvPicPr>
+          <p:nvPr/>
+        </p:nvPicPr>
+        <p:blipFill>
+          <a:blip r:embed="rId7">
+            <a:extLst>
+              <a:ext uri="{28A0092B-C50C-407E-A947-70E740481C1C}">
+                <a14:useLocalDpi xmlns:a14="http://schemas.microsoft.com/office/drawing/2010/main" val="0"/>
+              </a:ext>
+            </a:extLst>
+          </a:blip>
+          <a:srcRect/>
+          <a:stretch>
+            <a:fillRect/>
+          </a:stretch>
+        </p:blipFill>
+        <p:spPr bwMode="auto">
+          <a:xfrm>
+            <a:off x="7237929" y="4678400"/>
+            <a:ext cx="2925000" cy="1577207"/>
+          </a:xfrm>
+          <a:prstGeom prst="rect">
+            <a:avLst/>
+          </a:prstGeom>
+          <a:noFill/>
+          <a:extLst>
+            <a:ext uri="{909E8E84-426E-40DD-AFC4-6F175D3DCCD1}">
+              <a14:hiddenFill xmlns:a14="http://schemas.microsoft.com/office/drawing/2010/main">
+                <a:solidFill>
+                  <a:srgbClr val="FFFFFF"/>
+                </a:solidFill>
+              </a14:hiddenFill>
+            </a:ext>
+          </a:extLst>
+        </p:spPr>
+      </p:pic>
     </p:spTree>
     <p:extLst>
       <p:ext uri="{BB962C8B-B14F-4D97-AF65-F5344CB8AC3E}">
@@ -11486,7 +15467,486 @@
   <p:timing>
     <p:tnLst>
       <p:par>
-        <p:cTn id="1" dur="indefinite" restart="never" nodeType="tmRoot"/>
+        <p:cTn id="1" dur="indefinite" restart="never" nodeType="tmRoot">
+          <p:childTnLst>
+            <p:seq concurrent="1" nextAc="seek">
+              <p:cTn id="2" dur="indefinite" nodeType="mainSeq">
+                <p:childTnLst>
+                  <p:par>
+                    <p:cTn id="3" fill="hold">
+                      <p:stCondLst>
+                        <p:cond delay="indefinite"/>
+                      </p:stCondLst>
+                      <p:childTnLst>
+                        <p:par>
+                          <p:cTn id="4" fill="hold">
+                            <p:stCondLst>
+                              <p:cond delay="0"/>
+                            </p:stCondLst>
+                            <p:childTnLst>
+                              <p:par>
+                                <p:cTn id="5" presetID="1" presetClass="entr" presetSubtype="0" fill="hold" nodeType="clickEffect">
+                                  <p:stCondLst>
+                                    <p:cond delay="0"/>
+                                  </p:stCondLst>
+                                  <p:childTnLst>
+                                    <p:set>
+                                      <p:cBhvr>
+                                        <p:cTn id="6" dur="1" fill="hold">
+                                          <p:stCondLst>
+                                            <p:cond delay="0"/>
+                                          </p:stCondLst>
+                                        </p:cTn>
+                                        <p:tgtEl>
+                                          <p:spTgt spid="3">
+                                            <p:txEl>
+                                              <p:pRg st="1" end="1"/>
+                                            </p:txEl>
+                                          </p:spTgt>
+                                        </p:tgtEl>
+                                        <p:attrNameLst>
+                                          <p:attrName>style.visibility</p:attrName>
+                                        </p:attrNameLst>
+                                      </p:cBhvr>
+                                      <p:to>
+                                        <p:strVal val="visible"/>
+                                      </p:to>
+                                    </p:set>
+                                  </p:childTnLst>
+                                </p:cTn>
+                              </p:par>
+                              <p:par>
+                                <p:cTn id="7" presetID="1" presetClass="entr" presetSubtype="0" fill="hold" nodeType="withEffect">
+                                  <p:stCondLst>
+                                    <p:cond delay="0"/>
+                                  </p:stCondLst>
+                                  <p:childTnLst>
+                                    <p:set>
+                                      <p:cBhvr>
+                                        <p:cTn id="8" dur="1" fill="hold">
+                                          <p:stCondLst>
+                                            <p:cond delay="0"/>
+                                          </p:stCondLst>
+                                        </p:cTn>
+                                        <p:tgtEl>
+                                          <p:spTgt spid="1026"/>
+                                        </p:tgtEl>
+                                        <p:attrNameLst>
+                                          <p:attrName>style.visibility</p:attrName>
+                                        </p:attrNameLst>
+                                      </p:cBhvr>
+                                      <p:to>
+                                        <p:strVal val="visible"/>
+                                      </p:to>
+                                    </p:set>
+                                  </p:childTnLst>
+                                </p:cTn>
+                              </p:par>
+                            </p:childTnLst>
+                          </p:cTn>
+                        </p:par>
+                      </p:childTnLst>
+                    </p:cTn>
+                  </p:par>
+                  <p:par>
+                    <p:cTn id="9" fill="hold">
+                      <p:stCondLst>
+                        <p:cond delay="indefinite"/>
+                      </p:stCondLst>
+                      <p:childTnLst>
+                        <p:par>
+                          <p:cTn id="10" fill="hold">
+                            <p:stCondLst>
+                              <p:cond delay="0"/>
+                            </p:stCondLst>
+                            <p:childTnLst>
+                              <p:par>
+                                <p:cTn id="11" presetID="1" presetClass="entr" presetSubtype="0" fill="hold" nodeType="clickEffect">
+                                  <p:stCondLst>
+                                    <p:cond delay="0"/>
+                                  </p:stCondLst>
+                                  <p:childTnLst>
+                                    <p:set>
+                                      <p:cBhvr>
+                                        <p:cTn id="12" dur="1" fill="hold">
+                                          <p:stCondLst>
+                                            <p:cond delay="0"/>
+                                          </p:stCondLst>
+                                        </p:cTn>
+                                        <p:tgtEl>
+                                          <p:spTgt spid="3">
+                                            <p:txEl>
+                                              <p:pRg st="2" end="2"/>
+                                            </p:txEl>
+                                          </p:spTgt>
+                                        </p:tgtEl>
+                                        <p:attrNameLst>
+                                          <p:attrName>style.visibility</p:attrName>
+                                        </p:attrNameLst>
+                                      </p:cBhvr>
+                                      <p:to>
+                                        <p:strVal val="visible"/>
+                                      </p:to>
+                                    </p:set>
+                                  </p:childTnLst>
+                                </p:cTn>
+                              </p:par>
+                              <p:par>
+                                <p:cTn id="13" presetID="1" presetClass="entr" presetSubtype="0" fill="hold" nodeType="withEffect">
+                                  <p:stCondLst>
+                                    <p:cond delay="0"/>
+                                  </p:stCondLst>
+                                  <p:childTnLst>
+                                    <p:set>
+                                      <p:cBhvr>
+                                        <p:cTn id="14" dur="1" fill="hold">
+                                          <p:stCondLst>
+                                            <p:cond delay="0"/>
+                                          </p:stCondLst>
+                                        </p:cTn>
+                                        <p:tgtEl>
+                                          <p:spTgt spid="1028"/>
+                                        </p:tgtEl>
+                                        <p:attrNameLst>
+                                          <p:attrName>style.visibility</p:attrName>
+                                        </p:attrNameLst>
+                                      </p:cBhvr>
+                                      <p:to>
+                                        <p:strVal val="visible"/>
+                                      </p:to>
+                                    </p:set>
+                                  </p:childTnLst>
+                                </p:cTn>
+                              </p:par>
+                            </p:childTnLst>
+                          </p:cTn>
+                        </p:par>
+                      </p:childTnLst>
+                    </p:cTn>
+                  </p:par>
+                  <p:par>
+                    <p:cTn id="15" fill="hold">
+                      <p:stCondLst>
+                        <p:cond delay="indefinite"/>
+                      </p:stCondLst>
+                      <p:childTnLst>
+                        <p:par>
+                          <p:cTn id="16" fill="hold">
+                            <p:stCondLst>
+                              <p:cond delay="0"/>
+                            </p:stCondLst>
+                            <p:childTnLst>
+                              <p:par>
+                                <p:cTn id="17" presetID="1" presetClass="entr" presetSubtype="0" fill="hold" nodeType="clickEffect">
+                                  <p:stCondLst>
+                                    <p:cond delay="0"/>
+                                  </p:stCondLst>
+                                  <p:childTnLst>
+                                    <p:set>
+                                      <p:cBhvr>
+                                        <p:cTn id="18" dur="1" fill="hold">
+                                          <p:stCondLst>
+                                            <p:cond delay="0"/>
+                                          </p:stCondLst>
+                                        </p:cTn>
+                                        <p:tgtEl>
+                                          <p:spTgt spid="3">
+                                            <p:txEl>
+                                              <p:pRg st="3" end="3"/>
+                                            </p:txEl>
+                                          </p:spTgt>
+                                        </p:tgtEl>
+                                        <p:attrNameLst>
+                                          <p:attrName>style.visibility</p:attrName>
+                                        </p:attrNameLst>
+                                      </p:cBhvr>
+                                      <p:to>
+                                        <p:strVal val="visible"/>
+                                      </p:to>
+                                    </p:set>
+                                  </p:childTnLst>
+                                </p:cTn>
+                              </p:par>
+                              <p:par>
+                                <p:cTn id="19" presetID="1" presetClass="entr" presetSubtype="0" fill="hold" nodeType="withEffect">
+                                  <p:stCondLst>
+                                    <p:cond delay="0"/>
+                                  </p:stCondLst>
+                                  <p:childTnLst>
+                                    <p:set>
+                                      <p:cBhvr>
+                                        <p:cTn id="20" dur="1" fill="hold">
+                                          <p:stCondLst>
+                                            <p:cond delay="0"/>
+                                          </p:stCondLst>
+                                        </p:cTn>
+                                        <p:tgtEl>
+                                          <p:spTgt spid="1030"/>
+                                        </p:tgtEl>
+                                        <p:attrNameLst>
+                                          <p:attrName>style.visibility</p:attrName>
+                                        </p:attrNameLst>
+                                      </p:cBhvr>
+                                      <p:to>
+                                        <p:strVal val="visible"/>
+                                      </p:to>
+                                    </p:set>
+                                  </p:childTnLst>
+                                </p:cTn>
+                              </p:par>
+                            </p:childTnLst>
+                          </p:cTn>
+                        </p:par>
+                      </p:childTnLst>
+                    </p:cTn>
+                  </p:par>
+                  <p:par>
+                    <p:cTn id="21" fill="hold">
+                      <p:stCondLst>
+                        <p:cond delay="indefinite"/>
+                      </p:stCondLst>
+                      <p:childTnLst>
+                        <p:par>
+                          <p:cTn id="22" fill="hold">
+                            <p:stCondLst>
+                              <p:cond delay="0"/>
+                            </p:stCondLst>
+                            <p:childTnLst>
+                              <p:par>
+                                <p:cTn id="23" presetID="1" presetClass="entr" presetSubtype="0" fill="hold" nodeType="clickEffect">
+                                  <p:stCondLst>
+                                    <p:cond delay="0"/>
+                                  </p:stCondLst>
+                                  <p:childTnLst>
+                                    <p:set>
+                                      <p:cBhvr>
+                                        <p:cTn id="24" dur="1" fill="hold">
+                                          <p:stCondLst>
+                                            <p:cond delay="0"/>
+                                          </p:stCondLst>
+                                        </p:cTn>
+                                        <p:tgtEl>
+                                          <p:spTgt spid="3">
+                                            <p:txEl>
+                                              <p:pRg st="4" end="4"/>
+                                            </p:txEl>
+                                          </p:spTgt>
+                                        </p:tgtEl>
+                                        <p:attrNameLst>
+                                          <p:attrName>style.visibility</p:attrName>
+                                        </p:attrNameLst>
+                                      </p:cBhvr>
+                                      <p:to>
+                                        <p:strVal val="visible"/>
+                                      </p:to>
+                                    </p:set>
+                                  </p:childTnLst>
+                                </p:cTn>
+                              </p:par>
+                              <p:par>
+                                <p:cTn id="25" presetID="1" presetClass="entr" presetSubtype="0" fill="hold" nodeType="withEffect">
+                                  <p:stCondLst>
+                                    <p:cond delay="0"/>
+                                  </p:stCondLst>
+                                  <p:childTnLst>
+                                    <p:set>
+                                      <p:cBhvr>
+                                        <p:cTn id="26" dur="1" fill="hold">
+                                          <p:stCondLst>
+                                            <p:cond delay="0"/>
+                                          </p:stCondLst>
+                                        </p:cTn>
+                                        <p:tgtEl>
+                                          <p:spTgt spid="1032"/>
+                                        </p:tgtEl>
+                                        <p:attrNameLst>
+                                          <p:attrName>style.visibility</p:attrName>
+                                        </p:attrNameLst>
+                                      </p:cBhvr>
+                                      <p:to>
+                                        <p:strVal val="visible"/>
+                                      </p:to>
+                                    </p:set>
+                                  </p:childTnLst>
+                                </p:cTn>
+                              </p:par>
+                            </p:childTnLst>
+                          </p:cTn>
+                        </p:par>
+                      </p:childTnLst>
+                    </p:cTn>
+                  </p:par>
+                  <p:par>
+                    <p:cTn id="27" fill="hold">
+                      <p:stCondLst>
+                        <p:cond delay="indefinite"/>
+                      </p:stCondLst>
+                      <p:childTnLst>
+                        <p:par>
+                          <p:cTn id="28" fill="hold">
+                            <p:stCondLst>
+                              <p:cond delay="0"/>
+                            </p:stCondLst>
+                            <p:childTnLst>
+                              <p:par>
+                                <p:cTn id="29" presetID="1" presetClass="entr" presetSubtype="0" fill="hold" nodeType="clickEffect">
+                                  <p:stCondLst>
+                                    <p:cond delay="0"/>
+                                  </p:stCondLst>
+                                  <p:childTnLst>
+                                    <p:set>
+                                      <p:cBhvr>
+                                        <p:cTn id="30" dur="1" fill="hold">
+                                          <p:stCondLst>
+                                            <p:cond delay="0"/>
+                                          </p:stCondLst>
+                                        </p:cTn>
+                                        <p:tgtEl>
+                                          <p:spTgt spid="3">
+                                            <p:txEl>
+                                              <p:pRg st="5" end="5"/>
+                                            </p:txEl>
+                                          </p:spTgt>
+                                        </p:tgtEl>
+                                        <p:attrNameLst>
+                                          <p:attrName>style.visibility</p:attrName>
+                                        </p:attrNameLst>
+                                      </p:cBhvr>
+                                      <p:to>
+                                        <p:strVal val="visible"/>
+                                      </p:to>
+                                    </p:set>
+                                  </p:childTnLst>
+                                </p:cTn>
+                              </p:par>
+                              <p:par>
+                                <p:cTn id="31" presetID="1" presetClass="entr" presetSubtype="0" fill="hold" nodeType="withEffect">
+                                  <p:stCondLst>
+                                    <p:cond delay="0"/>
+                                  </p:stCondLst>
+                                  <p:childTnLst>
+                                    <p:set>
+                                      <p:cBhvr>
+                                        <p:cTn id="32" dur="1" fill="hold">
+                                          <p:stCondLst>
+                                            <p:cond delay="0"/>
+                                          </p:stCondLst>
+                                        </p:cTn>
+                                        <p:tgtEl>
+                                          <p:spTgt spid="1034"/>
+                                        </p:tgtEl>
+                                        <p:attrNameLst>
+                                          <p:attrName>style.visibility</p:attrName>
+                                        </p:attrNameLst>
+                                      </p:cBhvr>
+                                      <p:to>
+                                        <p:strVal val="visible"/>
+                                      </p:to>
+                                    </p:set>
+                                  </p:childTnLst>
+                                </p:cTn>
+                              </p:par>
+                            </p:childTnLst>
+                          </p:cTn>
+                        </p:par>
+                      </p:childTnLst>
+                    </p:cTn>
+                  </p:par>
+                  <p:par>
+                    <p:cTn id="33" fill="hold">
+                      <p:stCondLst>
+                        <p:cond delay="indefinite"/>
+                      </p:stCondLst>
+                      <p:childTnLst>
+                        <p:par>
+                          <p:cTn id="34" fill="hold">
+                            <p:stCondLst>
+                              <p:cond delay="0"/>
+                            </p:stCondLst>
+                            <p:childTnLst>
+                              <p:par>
+                                <p:cTn id="35" presetID="1" presetClass="entr" presetSubtype="0" fill="hold" nodeType="clickEffect">
+                                  <p:stCondLst>
+                                    <p:cond delay="0"/>
+                                  </p:stCondLst>
+                                  <p:childTnLst>
+                                    <p:set>
+                                      <p:cBhvr>
+                                        <p:cTn id="36" dur="1" fill="hold">
+                                          <p:stCondLst>
+                                            <p:cond delay="0"/>
+                                          </p:stCondLst>
+                                        </p:cTn>
+                                        <p:tgtEl>
+                                          <p:spTgt spid="3">
+                                            <p:txEl>
+                                              <p:pRg st="6" end="6"/>
+                                            </p:txEl>
+                                          </p:spTgt>
+                                        </p:tgtEl>
+                                        <p:attrNameLst>
+                                          <p:attrName>style.visibility</p:attrName>
+                                        </p:attrNameLst>
+                                      </p:cBhvr>
+                                      <p:to>
+                                        <p:strVal val="visible"/>
+                                      </p:to>
+                                    </p:set>
+                                  </p:childTnLst>
+                                </p:cTn>
+                              </p:par>
+                              <p:par>
+                                <p:cTn id="37" presetID="1" presetClass="entr" presetSubtype="0" fill="hold" nodeType="withEffect">
+                                  <p:stCondLst>
+                                    <p:cond delay="0"/>
+                                  </p:stCondLst>
+                                  <p:childTnLst>
+                                    <p:set>
+                                      <p:cBhvr>
+                                        <p:cTn id="38" dur="1" fill="hold">
+                                          <p:stCondLst>
+                                            <p:cond delay="0"/>
+                                          </p:stCondLst>
+                                        </p:cTn>
+                                        <p:tgtEl>
+                                          <p:spTgt spid="1036"/>
+                                        </p:tgtEl>
+                                        <p:attrNameLst>
+                                          <p:attrName>style.visibility</p:attrName>
+                                        </p:attrNameLst>
+                                      </p:cBhvr>
+                                      <p:to>
+                                        <p:strVal val="visible"/>
+                                      </p:to>
+                                    </p:set>
+                                  </p:childTnLst>
+                                </p:cTn>
+                              </p:par>
+                            </p:childTnLst>
+                          </p:cTn>
+                        </p:par>
+                      </p:childTnLst>
+                    </p:cTn>
+                  </p:par>
+                </p:childTnLst>
+              </p:cTn>
+              <p:prevCondLst>
+                <p:cond evt="onPrev" delay="0">
+                  <p:tgtEl>
+                    <p:sldTgt/>
+                  </p:tgtEl>
+                </p:cond>
+              </p:prevCondLst>
+              <p:nextCondLst>
+                <p:cond evt="onNext" delay="0">
+                  <p:tgtEl>
+                    <p:sldTgt/>
+                  </p:tgtEl>
+                </p:cond>
+              </p:nextCondLst>
+            </p:seq>
+          </p:childTnLst>
+        </p:cTn>
       </p:par>
     </p:tnLst>
   </p:timing>

--- a/Courses/Computer-Modeling-and-IT/Computer-Modeling-and-IT-6-Class/26-Transitioning-from-Block-to-Scripting-Languages/26-Transitioning-from-Block-to-Scripting-Languages.pptx
+++ b/Courses/Computer-Modeling-and-IT/Computer-Modeling-and-IT-6-Class/26-Transitioning-from-Block-to-Scripting-Languages/26-Transitioning-from-Block-to-Scripting-Languages.pptx
@@ -5,10 +5,10 @@
     <p:sldMasterId id="2147483675" r:id="rId1"/>
   </p:sldMasterIdLst>
   <p:notesMasterIdLst>
-    <p:notesMasterId r:id="rId22"/>
+    <p:notesMasterId r:id="rId25"/>
   </p:notesMasterIdLst>
   <p:handoutMasterIdLst>
-    <p:handoutMasterId r:id="rId23"/>
+    <p:handoutMasterId r:id="rId26"/>
   </p:handoutMasterIdLst>
   <p:sldIdLst>
     <p:sldId id="503" r:id="rId2"/>
@@ -28,9 +28,12 @@
     <p:sldId id="599" r:id="rId16"/>
     <p:sldId id="600" r:id="rId17"/>
     <p:sldId id="601" r:id="rId18"/>
-    <p:sldId id="586" r:id="rId19"/>
-    <p:sldId id="504" r:id="rId20"/>
-    <p:sldId id="505" r:id="rId21"/>
+    <p:sldId id="602" r:id="rId19"/>
+    <p:sldId id="603" r:id="rId20"/>
+    <p:sldId id="604" r:id="rId21"/>
+    <p:sldId id="586" r:id="rId22"/>
+    <p:sldId id="504" r:id="rId23"/>
+    <p:sldId id="505" r:id="rId24"/>
   </p:sldIdLst>
   <p:sldSz cx="12192000" cy="6858000"/>
   <p:notesSz cx="6858000" cy="9144000"/>
@@ -161,6 +164,13 @@
             <p14:sldId id="601"/>
           </p14:sldIdLst>
         </p14:section>
+        <p14:section name="Интегрираната среда за разработка" id="{49805DCE-D468-4058-8C25-F9AB97FA8A58}">
+          <p14:sldIdLst>
+            <p14:sldId id="602"/>
+            <p14:sldId id="603"/>
+            <p14:sldId id="604"/>
+          </p14:sldIdLst>
+        </p14:section>
         <p14:section name="Заключение" id="{E19D07F1-86E2-47E9-B2AB-7ADC4F89DC12}">
           <p14:sldIdLst>
             <p14:sldId id="586"/>
@@ -285,7 +295,7 @@
           <a:p>
             <a:fld id="{4E087215-0C8F-4762-A664-737A353EC9A4}" type="datetimeFigureOut">
               <a:rPr lang="bg-BG" smtClean="0"/>
-              <a:t>8.10.2024 г.</a:t>
+              <a:t>11.10.2024 г.</a:t>
             </a:fld>
             <a:endParaRPr lang="bg-BG"/>
           </a:p>
@@ -481,7 +491,7 @@
           <a:p>
             <a:fld id="{72D84649-876A-46C9-8472-14CB09C070D8}" type="datetimeFigureOut">
               <a:rPr lang="en-US" smtClean="0"/>
-              <a:t>10/8/2024</a:t>
+              <a:t>10/11/2024</a:t>
             </a:fld>
             <a:endParaRPr lang="en-US"/>
           </a:p>
@@ -1266,7 +1276,7 @@
             <a:fld id="{3EBA5BD7-F043-4D1B-AA17-CD412FC534DE}" type="slidenum">
               <a:rPr lang="en-US" smtClean="0"/>
               <a:pPr/>
-              <a:t>18</a:t>
+              <a:t>21</a:t>
             </a:fld>
             <a:endParaRPr lang="en-US" dirty="0"/>
           </a:p>
@@ -1457,7 +1467,7 @@
             <a:fld id="{3EBA5BD7-F043-4D1B-AA17-CD412FC534DE}" type="slidenum">
               <a:rPr lang="en-US" smtClean="0"/>
               <a:pPr/>
-              <a:t>19</a:t>
+              <a:t>22</a:t>
             </a:fld>
             <a:endParaRPr lang="en-US" dirty="0"/>
           </a:p>
@@ -1687,7 +1697,7 @@
             <a:fld id="{3EBA5BD7-F043-4D1B-AA17-CD412FC534DE}" type="slidenum">
               <a:rPr lang="en-US" smtClean="0"/>
               <a:pPr/>
-              <a:t>20</a:t>
+              <a:t>23</a:t>
             </a:fld>
             <a:endParaRPr lang="en-US" dirty="0"/>
           </a:p>
@@ -10518,7 +10528,15 @@
           <a:p>
             <a:r>
               <a:rPr lang="bg-BG" dirty="0"/>
-              <a:t>Примери за езици, които се </a:t>
+              <a:t>Примери за </a:t>
+            </a:r>
+            <a:r>
+              <a:rPr lang="bg-BG" b="1" dirty="0"/>
+              <a:t>езици</a:t>
+            </a:r>
+            <a:r>
+              <a:rPr lang="bg-BG" dirty="0"/>
+              <a:t>, които се </a:t>
             </a:r>
             <a:r>
               <a:rPr lang="bg-BG" b="1" dirty="0"/>
@@ -10741,6 +10759,436 @@
   <p:timing>
     <p:tnLst>
       <p:par>
+        <p:cTn id="1" dur="indefinite" restart="never" nodeType="tmRoot">
+          <p:childTnLst>
+            <p:seq concurrent="1" nextAc="seek">
+              <p:cTn id="2" dur="indefinite" nodeType="mainSeq">
+                <p:childTnLst>
+                  <p:par>
+                    <p:cTn id="3" fill="hold">
+                      <p:stCondLst>
+                        <p:cond delay="indefinite"/>
+                      </p:stCondLst>
+                      <p:childTnLst>
+                        <p:par>
+                          <p:cTn id="4" fill="hold">
+                            <p:stCondLst>
+                              <p:cond delay="0"/>
+                            </p:stCondLst>
+                            <p:childTnLst>
+                              <p:par>
+                                <p:cTn id="5" presetID="1" presetClass="entr" presetSubtype="0" fill="hold" nodeType="clickEffect">
+                                  <p:stCondLst>
+                                    <p:cond delay="0"/>
+                                  </p:stCondLst>
+                                  <p:childTnLst>
+                                    <p:set>
+                                      <p:cBhvr>
+                                        <p:cTn id="6" dur="1" fill="hold">
+                                          <p:stCondLst>
+                                            <p:cond delay="0"/>
+                                          </p:stCondLst>
+                                        </p:cTn>
+                                        <p:tgtEl>
+                                          <p:spTgt spid="3">
+                                            <p:txEl>
+                                              <p:pRg st="1" end="1"/>
+                                            </p:txEl>
+                                          </p:spTgt>
+                                        </p:tgtEl>
+                                        <p:attrNameLst>
+                                          <p:attrName>style.visibility</p:attrName>
+                                        </p:attrNameLst>
+                                      </p:cBhvr>
+                                      <p:to>
+                                        <p:strVal val="visible"/>
+                                      </p:to>
+                                    </p:set>
+                                  </p:childTnLst>
+                                </p:cTn>
+                              </p:par>
+                            </p:childTnLst>
+                          </p:cTn>
+                        </p:par>
+                      </p:childTnLst>
+                    </p:cTn>
+                  </p:par>
+                  <p:par>
+                    <p:cTn id="7" fill="hold">
+                      <p:stCondLst>
+                        <p:cond delay="indefinite"/>
+                      </p:stCondLst>
+                      <p:childTnLst>
+                        <p:par>
+                          <p:cTn id="8" fill="hold">
+                            <p:stCondLst>
+                              <p:cond delay="0"/>
+                            </p:stCondLst>
+                            <p:childTnLst>
+                              <p:par>
+                                <p:cTn id="9" presetID="1" presetClass="entr" presetSubtype="0" fill="hold" nodeType="clickEffect">
+                                  <p:stCondLst>
+                                    <p:cond delay="0"/>
+                                  </p:stCondLst>
+                                  <p:childTnLst>
+                                    <p:set>
+                                      <p:cBhvr>
+                                        <p:cTn id="10" dur="1" fill="hold">
+                                          <p:stCondLst>
+                                            <p:cond delay="0"/>
+                                          </p:stCondLst>
+                                        </p:cTn>
+                                        <p:tgtEl>
+                                          <p:spTgt spid="3">
+                                            <p:txEl>
+                                              <p:pRg st="2" end="2"/>
+                                            </p:txEl>
+                                          </p:spTgt>
+                                        </p:tgtEl>
+                                        <p:attrNameLst>
+                                          <p:attrName>style.visibility</p:attrName>
+                                        </p:attrNameLst>
+                                      </p:cBhvr>
+                                      <p:to>
+                                        <p:strVal val="visible"/>
+                                      </p:to>
+                                    </p:set>
+                                  </p:childTnLst>
+                                </p:cTn>
+                              </p:par>
+                              <p:par>
+                                <p:cTn id="11" presetID="1" presetClass="entr" presetSubtype="0" fill="hold" nodeType="withEffect">
+                                  <p:stCondLst>
+                                    <p:cond delay="0"/>
+                                  </p:stCondLst>
+                                  <p:childTnLst>
+                                    <p:set>
+                                      <p:cBhvr>
+                                        <p:cTn id="12" dur="1" fill="hold">
+                                          <p:stCondLst>
+                                            <p:cond delay="0"/>
+                                          </p:stCondLst>
+                                        </p:cTn>
+                                        <p:tgtEl>
+                                          <p:spTgt spid="5"/>
+                                        </p:tgtEl>
+                                        <p:attrNameLst>
+                                          <p:attrName>style.visibility</p:attrName>
+                                        </p:attrNameLst>
+                                      </p:cBhvr>
+                                      <p:to>
+                                        <p:strVal val="visible"/>
+                                      </p:to>
+                                    </p:set>
+                                  </p:childTnLst>
+                                </p:cTn>
+                              </p:par>
+                            </p:childTnLst>
+                          </p:cTn>
+                        </p:par>
+                      </p:childTnLst>
+                    </p:cTn>
+                  </p:par>
+                  <p:par>
+                    <p:cTn id="13" fill="hold">
+                      <p:stCondLst>
+                        <p:cond delay="indefinite"/>
+                      </p:stCondLst>
+                      <p:childTnLst>
+                        <p:par>
+                          <p:cTn id="14" fill="hold">
+                            <p:stCondLst>
+                              <p:cond delay="0"/>
+                            </p:stCondLst>
+                            <p:childTnLst>
+                              <p:par>
+                                <p:cTn id="15" presetID="1" presetClass="entr" presetSubtype="0" fill="hold" nodeType="clickEffect">
+                                  <p:stCondLst>
+                                    <p:cond delay="0"/>
+                                  </p:stCondLst>
+                                  <p:childTnLst>
+                                    <p:set>
+                                      <p:cBhvr>
+                                        <p:cTn id="16" dur="1" fill="hold">
+                                          <p:stCondLst>
+                                            <p:cond delay="0"/>
+                                          </p:stCondLst>
+                                        </p:cTn>
+                                        <p:tgtEl>
+                                          <p:spTgt spid="3">
+                                            <p:txEl>
+                                              <p:pRg st="3" end="3"/>
+                                            </p:txEl>
+                                          </p:spTgt>
+                                        </p:tgtEl>
+                                        <p:attrNameLst>
+                                          <p:attrName>style.visibility</p:attrName>
+                                        </p:attrNameLst>
+                                      </p:cBhvr>
+                                      <p:to>
+                                        <p:strVal val="visible"/>
+                                      </p:to>
+                                    </p:set>
+                                  </p:childTnLst>
+                                </p:cTn>
+                              </p:par>
+                              <p:par>
+                                <p:cTn id="17" presetID="1" presetClass="entr" presetSubtype="0" fill="hold" nodeType="withEffect">
+                                  <p:stCondLst>
+                                    <p:cond delay="0"/>
+                                  </p:stCondLst>
+                                  <p:childTnLst>
+                                    <p:set>
+                                      <p:cBhvr>
+                                        <p:cTn id="18" dur="1" fill="hold">
+                                          <p:stCondLst>
+                                            <p:cond delay="0"/>
+                                          </p:stCondLst>
+                                        </p:cTn>
+                                        <p:tgtEl>
+                                          <p:spTgt spid="8"/>
+                                        </p:tgtEl>
+                                        <p:attrNameLst>
+                                          <p:attrName>style.visibility</p:attrName>
+                                        </p:attrNameLst>
+                                      </p:cBhvr>
+                                      <p:to>
+                                        <p:strVal val="visible"/>
+                                      </p:to>
+                                    </p:set>
+                                  </p:childTnLst>
+                                </p:cTn>
+                              </p:par>
+                            </p:childTnLst>
+                          </p:cTn>
+                        </p:par>
+                      </p:childTnLst>
+                    </p:cTn>
+                  </p:par>
+                  <p:par>
+                    <p:cTn id="19" fill="hold">
+                      <p:stCondLst>
+                        <p:cond delay="indefinite"/>
+                      </p:stCondLst>
+                      <p:childTnLst>
+                        <p:par>
+                          <p:cTn id="20" fill="hold">
+                            <p:stCondLst>
+                              <p:cond delay="0"/>
+                            </p:stCondLst>
+                            <p:childTnLst>
+                              <p:par>
+                                <p:cTn id="21" presetID="1" presetClass="entr" presetSubtype="0" fill="hold" nodeType="clickEffect">
+                                  <p:stCondLst>
+                                    <p:cond delay="0"/>
+                                  </p:stCondLst>
+                                  <p:childTnLst>
+                                    <p:set>
+                                      <p:cBhvr>
+                                        <p:cTn id="22" dur="1" fill="hold">
+                                          <p:stCondLst>
+                                            <p:cond delay="0"/>
+                                          </p:stCondLst>
+                                        </p:cTn>
+                                        <p:tgtEl>
+                                          <p:spTgt spid="3">
+                                            <p:txEl>
+                                              <p:pRg st="4" end="4"/>
+                                            </p:txEl>
+                                          </p:spTgt>
+                                        </p:tgtEl>
+                                        <p:attrNameLst>
+                                          <p:attrName>style.visibility</p:attrName>
+                                        </p:attrNameLst>
+                                      </p:cBhvr>
+                                      <p:to>
+                                        <p:strVal val="visible"/>
+                                      </p:to>
+                                    </p:set>
+                                  </p:childTnLst>
+                                </p:cTn>
+                              </p:par>
+                              <p:par>
+                                <p:cTn id="23" presetID="1" presetClass="entr" presetSubtype="0" fill="hold" nodeType="withEffect">
+                                  <p:stCondLst>
+                                    <p:cond delay="0"/>
+                                  </p:stCondLst>
+                                  <p:childTnLst>
+                                    <p:set>
+                                      <p:cBhvr>
+                                        <p:cTn id="24" dur="1" fill="hold">
+                                          <p:stCondLst>
+                                            <p:cond delay="0"/>
+                                          </p:stCondLst>
+                                        </p:cTn>
+                                        <p:tgtEl>
+                                          <p:spTgt spid="7"/>
+                                        </p:tgtEl>
+                                        <p:attrNameLst>
+                                          <p:attrName>style.visibility</p:attrName>
+                                        </p:attrNameLst>
+                                      </p:cBhvr>
+                                      <p:to>
+                                        <p:strVal val="visible"/>
+                                      </p:to>
+                                    </p:set>
+                                  </p:childTnLst>
+                                </p:cTn>
+                              </p:par>
+                            </p:childTnLst>
+                          </p:cTn>
+                        </p:par>
+                      </p:childTnLst>
+                    </p:cTn>
+                  </p:par>
+                </p:childTnLst>
+              </p:cTn>
+              <p:prevCondLst>
+                <p:cond evt="onPrev" delay="0">
+                  <p:tgtEl>
+                    <p:sldTgt/>
+                  </p:tgtEl>
+                </p:cond>
+              </p:prevCondLst>
+              <p:nextCondLst>
+                <p:cond evt="onNext" delay="0">
+                  <p:tgtEl>
+                    <p:sldTgt/>
+                  </p:tgtEl>
+                </p:cond>
+              </p:nextCondLst>
+            </p:seq>
+          </p:childTnLst>
+        </p:cTn>
+      </p:par>
+    </p:tnLst>
+  </p:timing>
+</p:sld>
+</file>
+
+<file path=ppt/slides/slide18.xml><?xml version="1.0" encoding="utf-8"?>
+<p:sld xmlns:a="http://schemas.openxmlformats.org/drawingml/2006/main" xmlns:r="http://schemas.openxmlformats.org/officeDocument/2006/relationships" xmlns:p="http://schemas.openxmlformats.org/presentationml/2006/main">
+  <p:cSld>
+    <p:spTree>
+      <p:nvGrpSpPr>
+        <p:cNvPr id="1" name=""/>
+        <p:cNvGrpSpPr/>
+        <p:nvPr/>
+      </p:nvGrpSpPr>
+      <p:grpSpPr>
+        <a:xfrm>
+          <a:off x="0" y="0"/>
+          <a:ext cx="0" cy="0"/>
+          <a:chOff x="0" y="0"/>
+          <a:chExt cx="0" cy="0"/>
+        </a:xfrm>
+      </p:grpSpPr>
+      <p:sp>
+        <p:nvSpPr>
+          <p:cNvPr id="4" name="Subtitle 3"/>
+          <p:cNvSpPr>
+            <a:spLocks noGrp="1"/>
+          </p:cNvSpPr>
+          <p:nvPr>
+            <p:ph type="subTitle" sz="quarter" idx="11"/>
+          </p:nvPr>
+        </p:nvSpPr>
+        <p:spPr/>
+        <p:txBody>
+          <a:bodyPr/>
+          <a:lstStyle/>
+          <a:p>
+            <a:r>
+              <a:rPr lang="ru-RU" dirty="0"/>
+              <a:t>Улесняване на програмирането с IDE</a:t>
+            </a:r>
+            <a:endParaRPr lang="en-US" dirty="0"/>
+          </a:p>
+        </p:txBody>
+      </p:sp>
+      <p:sp>
+        <p:nvSpPr>
+          <p:cNvPr id="3" name="Title 2"/>
+          <p:cNvSpPr>
+            <a:spLocks noGrp="1"/>
+          </p:cNvSpPr>
+          <p:nvPr>
+            <p:ph type="title" sz="quarter" idx="10"/>
+          </p:nvPr>
+        </p:nvSpPr>
+        <p:spPr/>
+        <p:txBody>
+          <a:bodyPr/>
+          <a:lstStyle/>
+          <a:p>
+            <a:r>
+              <a:rPr lang="bg-BG" dirty="0"/>
+              <a:t>Интегрираната среда за разработка</a:t>
+            </a:r>
+            <a:endParaRPr lang="en-US" dirty="0"/>
+          </a:p>
+        </p:txBody>
+      </p:sp>
+      <p:pic>
+        <p:nvPicPr>
+          <p:cNvPr id="1028" name="Picture 4" descr="Programming - Free computer icons"/>
+          <p:cNvPicPr>
+            <a:picLocks noChangeAspect="1" noChangeArrowheads="1"/>
+          </p:cNvPicPr>
+          <p:nvPr/>
+        </p:nvPicPr>
+        <p:blipFill rotWithShape="1">
+          <a:blip r:embed="rId2">
+            <a:extLst>
+              <a:ext uri="{28A0092B-C50C-407E-A947-70E740481C1C}">
+                <a14:useLocalDpi xmlns:a14="http://schemas.microsoft.com/office/drawing/2010/main" val="0"/>
+              </a:ext>
+            </a:extLst>
+          </a:blip>
+          <a:srcRect b="10714"/>
+          <a:stretch/>
+        </p:blipFill>
+        <p:spPr bwMode="auto">
+          <a:xfrm>
+            <a:off x="4836000" y="1359000"/>
+            <a:ext cx="2520000" cy="2250000"/>
+          </a:xfrm>
+          <a:prstGeom prst="rect">
+            <a:avLst/>
+          </a:prstGeom>
+          <a:noFill/>
+          <a:extLst>
+            <a:ext uri="{909E8E84-426E-40DD-AFC4-6F175D3DCCD1}">
+              <a14:hiddenFill xmlns:a14="http://schemas.microsoft.com/office/drawing/2010/main">
+                <a:solidFill>
+                  <a:srgbClr val="FFFFFF"/>
+                </a:solidFill>
+              </a14:hiddenFill>
+            </a:ext>
+          </a:extLst>
+        </p:spPr>
+      </p:pic>
+    </p:spTree>
+    <p:extLst>
+      <p:ext uri="{BB962C8B-B14F-4D97-AF65-F5344CB8AC3E}">
+        <p14:creationId xmlns:p14="http://schemas.microsoft.com/office/powerpoint/2010/main" val="3130302176"/>
+      </p:ext>
+    </p:extLst>
+  </p:cSld>
+  <p:clrMapOvr>
+    <a:masterClrMapping/>
+  </p:clrMapOvr>
+  <mc:AlternateContent xmlns:mc="http://schemas.openxmlformats.org/markup-compatibility/2006" xmlns:p14="http://schemas.microsoft.com/office/powerpoint/2010/main">
+    <mc:Choice Requires="p14">
+      <p:transition spd="slow" p14:dur="2000" advClick="0" advTm="5000"/>
+    </mc:Choice>
+    <mc:Fallback xmlns="">
+      <p:transition spd="slow" advClick="0" advTm="5000"/>
+    </mc:Fallback>
+  </mc:AlternateContent>
+  <p:timing>
+    <p:tnLst>
+      <p:par>
         <p:cTn id="1" dur="indefinite" restart="never" nodeType="tmRoot"/>
       </p:par>
     </p:tnLst>
@@ -10748,7 +11196,1012 @@
 </p:sld>
 </file>
 
-<file path=ppt/slides/slide18.xml><?xml version="1.0" encoding="utf-8"?>
+<file path=ppt/slides/slide19.xml><?xml version="1.0" encoding="utf-8"?>
+<p:sld xmlns:a="http://schemas.openxmlformats.org/drawingml/2006/main" xmlns:r="http://schemas.openxmlformats.org/officeDocument/2006/relationships" xmlns:p="http://schemas.openxmlformats.org/presentationml/2006/main">
+  <p:cSld>
+    <p:spTree>
+      <p:nvGrpSpPr>
+        <p:cNvPr id="1" name=""/>
+        <p:cNvGrpSpPr/>
+        <p:nvPr/>
+      </p:nvGrpSpPr>
+      <p:grpSpPr>
+        <a:xfrm>
+          <a:off x="0" y="0"/>
+          <a:ext cx="0" cy="0"/>
+          <a:chOff x="0" y="0"/>
+          <a:chExt cx="0" cy="0"/>
+        </a:xfrm>
+      </p:grpSpPr>
+      <p:sp>
+        <p:nvSpPr>
+          <p:cNvPr id="5" name="Text Placeholder 4"/>
+          <p:cNvSpPr>
+            <a:spLocks noGrp="1"/>
+          </p:cNvSpPr>
+          <p:nvPr>
+            <p:ph type="body" sz="quarter" idx="10"/>
+          </p:nvPr>
+        </p:nvSpPr>
+        <p:spPr/>
+        <p:txBody>
+          <a:bodyPr/>
+          <a:lstStyle/>
+          <a:p>
+            <a:r>
+              <a:rPr lang="ru-RU" dirty="0" smtClean="0"/>
+              <a:t>͏</a:t>
+            </a:r>
+            <a:r>
+              <a:rPr lang="ru-RU" b="1" dirty="0" smtClean="0">
+                <a:solidFill>
+                  <a:schemeClr val="bg1"/>
+                </a:solidFill>
+              </a:rPr>
+              <a:t>Интегрираната среда за разработка </a:t>
+            </a:r>
+            <a:r>
+              <a:rPr lang="ru-RU" dirty="0" smtClean="0"/>
+              <a:t>(</a:t>
+            </a:r>
+            <a:r>
+              <a:rPr lang="en-US" b="1" dirty="0" smtClean="0">
+                <a:solidFill>
+                  <a:schemeClr val="bg1"/>
+                </a:solidFill>
+              </a:rPr>
+              <a:t>I</a:t>
+            </a:r>
+            <a:r>
+              <a:rPr lang="ru-RU" dirty="0" smtClean="0"/>
+              <a:t>ntegrated </a:t>
+            </a:r>
+            <a:r>
+              <a:rPr lang="en-US" b="1" dirty="0" smtClean="0">
+                <a:solidFill>
+                  <a:schemeClr val="bg1"/>
+                </a:solidFill>
+              </a:rPr>
+              <a:t>D</a:t>
+            </a:r>
+            <a:r>
+              <a:rPr lang="ru-RU" dirty="0" smtClean="0"/>
+              <a:t>evelopment </a:t>
+            </a:r>
+            <a:r>
+              <a:rPr lang="en-US" b="1" dirty="0" smtClean="0">
+                <a:solidFill>
+                  <a:schemeClr val="bg1"/>
+                </a:solidFill>
+              </a:rPr>
+              <a:t>E</a:t>
+            </a:r>
+            <a:r>
+              <a:rPr lang="ru-RU" dirty="0" smtClean="0"/>
+              <a:t>nvironment) </a:t>
+            </a:r>
+            <a:r>
+              <a:rPr lang="en-US" dirty="0" smtClean="0"/>
+              <a:t>–</a:t>
+            </a:r>
+            <a:r>
+              <a:rPr lang="ru-RU" dirty="0" smtClean="0"/>
+              <a:t> </a:t>
+            </a:r>
+            <a:r>
+              <a:rPr lang="ru-RU" b="1" dirty="0" smtClean="0"/>
+              <a:t>софтуерно приложение</a:t>
+            </a:r>
+            <a:r>
+              <a:rPr lang="ru-RU" dirty="0" smtClean="0"/>
+              <a:t>, което предоставя цялостна </a:t>
+            </a:r>
+            <a:r>
+              <a:rPr lang="ru-RU" b="1" dirty="0" smtClean="0"/>
+              <a:t>среда</a:t>
+            </a:r>
+            <a:r>
+              <a:rPr lang="ru-RU" dirty="0" smtClean="0"/>
+              <a:t> за </a:t>
+            </a:r>
+            <a:r>
+              <a:rPr lang="ru-RU" b="1" dirty="0" smtClean="0"/>
+              <a:t>разработване</a:t>
+            </a:r>
+            <a:r>
+              <a:rPr lang="ru-RU" dirty="0" smtClean="0"/>
+              <a:t> на </a:t>
+            </a:r>
+            <a:r>
+              <a:rPr lang="ru-RU" b="1" dirty="0" smtClean="0"/>
+              <a:t>софтуер</a:t>
+            </a:r>
+            <a:endParaRPr lang="en-US" dirty="0"/>
+          </a:p>
+        </p:txBody>
+      </p:sp>
+      <p:sp>
+        <p:nvSpPr>
+          <p:cNvPr id="4" name="Title 3"/>
+          <p:cNvSpPr>
+            <a:spLocks noGrp="1"/>
+          </p:cNvSpPr>
+          <p:nvPr>
+            <p:ph type="title"/>
+          </p:nvPr>
+        </p:nvSpPr>
+        <p:spPr/>
+        <p:txBody>
+          <a:bodyPr>
+            <a:normAutofit/>
+          </a:bodyPr>
+          <a:lstStyle/>
+          <a:p>
+            <a:r>
+              <a:rPr lang="bg-BG" dirty="0" smtClean="0"/>
+              <a:t>Какво е интегрирана среда за разработка?</a:t>
+            </a:r>
+            <a:endParaRPr lang="en-US" dirty="0"/>
+          </a:p>
+        </p:txBody>
+      </p:sp>
+      <p:pic>
+        <p:nvPicPr>
+          <p:cNvPr id="2050" name="Picture 2" descr="50 Stories To Learn About Ide | HackerNoon"/>
+          <p:cNvPicPr>
+            <a:picLocks noChangeAspect="1" noChangeArrowheads="1"/>
+          </p:cNvPicPr>
+          <p:nvPr/>
+        </p:nvPicPr>
+        <p:blipFill>
+          <a:blip r:embed="rId2" cstate="hqprint">
+            <a:extLst>
+              <a:ext uri="{28A0092B-C50C-407E-A947-70E740481C1C}">
+                <a14:useLocalDpi xmlns:a14="http://schemas.microsoft.com/office/drawing/2010/main" val="0"/>
+              </a:ext>
+            </a:extLst>
+          </a:blip>
+          <a:srcRect/>
+          <a:stretch>
+            <a:fillRect/>
+          </a:stretch>
+        </p:blipFill>
+        <p:spPr bwMode="auto">
+          <a:xfrm>
+            <a:off x="786000" y="3663882"/>
+            <a:ext cx="4860425" cy="2733989"/>
+          </a:xfrm>
+          <a:prstGeom prst="rect">
+            <a:avLst/>
+          </a:prstGeom>
+          <a:noFill/>
+          <a:ln>
+            <a:solidFill>
+              <a:schemeClr val="bg2">
+                <a:lumMod val="75000"/>
+              </a:schemeClr>
+            </a:solidFill>
+          </a:ln>
+          <a:extLst>
+            <a:ext uri="{909E8E84-426E-40DD-AFC4-6F175D3DCCD1}">
+              <a14:hiddenFill xmlns:a14="http://schemas.microsoft.com/office/drawing/2010/main">
+                <a:solidFill>
+                  <a:srgbClr val="FFFFFF"/>
+                </a:solidFill>
+              </a14:hiddenFill>
+            </a:ext>
+          </a:extLst>
+        </p:spPr>
+      </p:pic>
+      <p:pic>
+        <p:nvPicPr>
+          <p:cNvPr id="6" name="Picture 5"/>
+          <p:cNvPicPr>
+            <a:picLocks noChangeAspect="1"/>
+          </p:cNvPicPr>
+          <p:nvPr/>
+        </p:nvPicPr>
+        <p:blipFill>
+          <a:blip r:embed="rId3"/>
+          <a:stretch>
+            <a:fillRect/>
+          </a:stretch>
+        </p:blipFill>
+        <p:spPr>
+          <a:xfrm>
+            <a:off x="6366000" y="3663882"/>
+            <a:ext cx="5047365" cy="2733989"/>
+          </a:xfrm>
+          <a:prstGeom prst="rect">
+            <a:avLst/>
+          </a:prstGeom>
+          <a:ln>
+            <a:solidFill>
+              <a:schemeClr val="bg2">
+                <a:lumMod val="75000"/>
+              </a:schemeClr>
+            </a:solidFill>
+          </a:ln>
+        </p:spPr>
+      </p:pic>
+      <p:sp>
+        <p:nvSpPr>
+          <p:cNvPr id="9" name="Slide Number Placeholder 1"/>
+          <p:cNvSpPr>
+            <a:spLocks noGrp="1"/>
+          </p:cNvSpPr>
+          <p:nvPr>
+            <p:ph type="sldNum" sz="quarter" idx="5"/>
+          </p:nvPr>
+        </p:nvSpPr>
+        <p:spPr>
+          <a:xfrm>
+            <a:off x="11753030" y="6507000"/>
+            <a:ext cx="367414" cy="297000"/>
+          </a:xfrm>
+        </p:spPr>
+        <p:txBody>
+          <a:bodyPr/>
+          <a:lstStyle/>
+          <a:p>
+            <a:r>
+              <a:rPr lang="en-US" noProof="0" dirty="0" smtClean="0"/>
+              <a:t>19</a:t>
+            </a:r>
+            <a:endParaRPr lang="en-US" noProof="0" dirty="0"/>
+          </a:p>
+        </p:txBody>
+      </p:sp>
+    </p:spTree>
+    <p:extLst>
+      <p:ext uri="{BB962C8B-B14F-4D97-AF65-F5344CB8AC3E}">
+        <p14:creationId xmlns:p14="http://schemas.microsoft.com/office/powerpoint/2010/main" val="2061753296"/>
+      </p:ext>
+    </p:extLst>
+  </p:cSld>
+  <p:clrMapOvr>
+    <a:masterClrMapping/>
+  </p:clrMapOvr>
+  <mc:AlternateContent xmlns:mc="http://schemas.openxmlformats.org/markup-compatibility/2006" xmlns:p14="http://schemas.microsoft.com/office/powerpoint/2010/main">
+    <mc:Choice Requires="p14">
+      <p:transition spd="slow" p14:dur="2000" advClick="0" advTm="5000"/>
+    </mc:Choice>
+    <mc:Fallback xmlns="">
+      <p:transition spd="slow" advClick="0" advTm="5000"/>
+    </mc:Fallback>
+  </mc:AlternateContent>
+  <p:timing>
+    <p:tnLst>
+      <p:par>
+        <p:cTn id="1" dur="indefinite" restart="never" nodeType="tmRoot"/>
+      </p:par>
+    </p:tnLst>
+  </p:timing>
+</p:sld>
+</file>
+
+<file path=ppt/slides/slide2.xml><?xml version="1.0" encoding="utf-8"?>
+<p:sld xmlns:a="http://schemas.openxmlformats.org/drawingml/2006/main" xmlns:r="http://schemas.openxmlformats.org/officeDocument/2006/relationships" xmlns:p="http://schemas.openxmlformats.org/presentationml/2006/main">
+  <p:cSld>
+    <p:spTree>
+      <p:nvGrpSpPr>
+        <p:cNvPr id="1" name=""/>
+        <p:cNvGrpSpPr/>
+        <p:nvPr/>
+      </p:nvGrpSpPr>
+      <p:grpSpPr>
+        <a:xfrm>
+          <a:off x="0" y="0"/>
+          <a:ext cx="0" cy="0"/>
+          <a:chOff x="0" y="0"/>
+          <a:chExt cx="0" cy="0"/>
+        </a:xfrm>
+      </p:grpSpPr>
+      <p:sp>
+        <p:nvSpPr>
+          <p:cNvPr id="5" name="Slide Number">
+            <a:extLst>
+              <a:ext uri="{FF2B5EF4-FFF2-40B4-BE49-F238E27FC236}">
+                <a16:creationId xmlns:a16="http://schemas.microsoft.com/office/drawing/2014/main" id="{6A760D59-0056-4F39-B077-DBDBE3D2927E}"/>
+              </a:ext>
+            </a:extLst>
+          </p:cNvPr>
+          <p:cNvSpPr txBox="1">
+            <a:spLocks/>
+          </p:cNvSpPr>
+          <p:nvPr/>
+        </p:nvSpPr>
+        <p:spPr>
+          <a:xfrm>
+            <a:off x="11753030" y="6507000"/>
+            <a:ext cx="367414" cy="297000"/>
+          </a:xfrm>
+          <a:prstGeom prst="rect">
+            <a:avLst/>
+          </a:prstGeom>
+        </p:spPr>
+        <p:txBody>
+          <a:bodyPr vert="horz" lIns="91440" tIns="45720" rIns="91440" bIns="45720" rtlCol="0" anchor="b"/>
+          <a:lstStyle>
+            <a:defPPr>
+              <a:defRPr lang="en-US"/>
+            </a:defPPr>
+            <a:lvl1pPr marL="0" algn="r" defTabSz="914400" rtl="0" eaLnBrk="1" latinLnBrk="0" hangingPunct="1">
+              <a:defRPr sz="1000" kern="1200">
+                <a:solidFill>
+                  <a:schemeClr val="tx1"/>
+                </a:solidFill>
+                <a:latin typeface="+mn-lt"/>
+                <a:ea typeface="+mn-ea"/>
+                <a:cs typeface="+mn-cs"/>
+              </a:defRPr>
+            </a:lvl1pPr>
+            <a:lvl2pPr marL="457200" algn="l" defTabSz="914400" rtl="0" eaLnBrk="1" latinLnBrk="0" hangingPunct="1">
+              <a:defRPr sz="1800" kern="1200">
+                <a:solidFill>
+                  <a:schemeClr val="tx1"/>
+                </a:solidFill>
+                <a:latin typeface="+mn-lt"/>
+                <a:ea typeface="+mn-ea"/>
+                <a:cs typeface="+mn-cs"/>
+              </a:defRPr>
+            </a:lvl2pPr>
+            <a:lvl3pPr marL="914400" algn="l" defTabSz="914400" rtl="0" eaLnBrk="1" latinLnBrk="0" hangingPunct="1">
+              <a:defRPr sz="1800" kern="1200">
+                <a:solidFill>
+                  <a:schemeClr val="tx1"/>
+                </a:solidFill>
+                <a:latin typeface="+mn-lt"/>
+                <a:ea typeface="+mn-ea"/>
+                <a:cs typeface="+mn-cs"/>
+              </a:defRPr>
+            </a:lvl3pPr>
+            <a:lvl4pPr marL="1371600" algn="l" defTabSz="914400" rtl="0" eaLnBrk="1" latinLnBrk="0" hangingPunct="1">
+              <a:defRPr sz="1800" kern="1200">
+                <a:solidFill>
+                  <a:schemeClr val="tx1"/>
+                </a:solidFill>
+                <a:latin typeface="+mn-lt"/>
+                <a:ea typeface="+mn-ea"/>
+                <a:cs typeface="+mn-cs"/>
+              </a:defRPr>
+            </a:lvl4pPr>
+            <a:lvl5pPr marL="1828800" algn="l" defTabSz="914400" rtl="0" eaLnBrk="1" latinLnBrk="0" hangingPunct="1">
+              <a:defRPr sz="1800" kern="1200">
+                <a:solidFill>
+                  <a:schemeClr val="tx1"/>
+                </a:solidFill>
+                <a:latin typeface="+mn-lt"/>
+                <a:ea typeface="+mn-ea"/>
+                <a:cs typeface="+mn-cs"/>
+              </a:defRPr>
+            </a:lvl5pPr>
+            <a:lvl6pPr marL="2286000" algn="l" defTabSz="914400" rtl="0" eaLnBrk="1" latinLnBrk="0" hangingPunct="1">
+              <a:defRPr sz="1800" kern="1200">
+                <a:solidFill>
+                  <a:schemeClr val="tx1"/>
+                </a:solidFill>
+                <a:latin typeface="+mn-lt"/>
+                <a:ea typeface="+mn-ea"/>
+                <a:cs typeface="+mn-cs"/>
+              </a:defRPr>
+            </a:lvl6pPr>
+            <a:lvl7pPr marL="2743200" algn="l" defTabSz="914400" rtl="0" eaLnBrk="1" latinLnBrk="0" hangingPunct="1">
+              <a:defRPr sz="1800" kern="1200">
+                <a:solidFill>
+                  <a:schemeClr val="tx1"/>
+                </a:solidFill>
+                <a:latin typeface="+mn-lt"/>
+                <a:ea typeface="+mn-ea"/>
+                <a:cs typeface="+mn-cs"/>
+              </a:defRPr>
+            </a:lvl7pPr>
+            <a:lvl8pPr marL="3200400" algn="l" defTabSz="914400" rtl="0" eaLnBrk="1" latinLnBrk="0" hangingPunct="1">
+              <a:defRPr sz="1800" kern="1200">
+                <a:solidFill>
+                  <a:schemeClr val="tx1"/>
+                </a:solidFill>
+                <a:latin typeface="+mn-lt"/>
+                <a:ea typeface="+mn-ea"/>
+                <a:cs typeface="+mn-cs"/>
+              </a:defRPr>
+            </a:lvl8pPr>
+            <a:lvl9pPr marL="3657600" algn="l" defTabSz="914400" rtl="0" eaLnBrk="1" latinLnBrk="0" hangingPunct="1">
+              <a:defRPr sz="1800" kern="1200">
+                <a:solidFill>
+                  <a:schemeClr val="tx1"/>
+                </a:solidFill>
+                <a:latin typeface="+mn-lt"/>
+                <a:ea typeface="+mn-ea"/>
+                <a:cs typeface="+mn-cs"/>
+              </a:defRPr>
+            </a:lvl9pPr>
+          </a:lstStyle>
+          <a:p>
+            <a:fld id="{2BF067CD-8E6B-4360-9AA8-C5DF2A48A6D1}" type="slidenum">
+              <a:rPr lang="en-US" smtClean="0"/>
+              <a:pPr/>
+              <a:t>2</a:t>
+            </a:fld>
+            <a:endParaRPr lang="en-US" dirty="0"/>
+          </a:p>
+        </p:txBody>
+      </p:sp>
+      <p:sp>
+        <p:nvSpPr>
+          <p:cNvPr id="444419" name="Slide Body"/>
+          <p:cNvSpPr>
+            <a:spLocks noGrp="1" noChangeArrowheads="1"/>
+          </p:cNvSpPr>
+          <p:nvPr>
+            <p:ph type="body" sz="quarter" idx="13"/>
+          </p:nvPr>
+        </p:nvSpPr>
+        <p:spPr>
+          <a:xfrm>
+            <a:off x="196766" y="1371604"/>
+            <a:ext cx="8284234" cy="5207396"/>
+          </a:xfrm>
+        </p:spPr>
+        <p:txBody>
+          <a:bodyPr/>
+          <a:lstStyle/>
+          <a:p>
+            <a:r>
+              <a:rPr lang="bg-BG" dirty="0" smtClean="0"/>
+              <a:t>͏Език за програмиране</a:t>
+            </a:r>
+          </a:p>
+          <a:p>
+            <a:r>
+              <a:rPr lang="bg-BG" dirty="0" smtClean="0"/>
+              <a:t>Компилиране и интерпретиране</a:t>
+            </a:r>
+          </a:p>
+          <a:p>
+            <a:r>
+              <a:rPr lang="bg-BG" dirty="0" smtClean="0"/>
+              <a:t>Интегрирана среда за програмиране</a:t>
+            </a:r>
+            <a:endParaRPr lang="bg-BG" dirty="0" smtClean="0"/>
+          </a:p>
+        </p:txBody>
+      </p:sp>
+      <p:sp>
+        <p:nvSpPr>
+          <p:cNvPr id="444418" name="Slide Title"/>
+          <p:cNvSpPr>
+            <a:spLocks noGrp="1" noChangeArrowheads="1"/>
+          </p:cNvSpPr>
+          <p:nvPr>
+            <p:ph type="title"/>
+          </p:nvPr>
+        </p:nvSpPr>
+        <p:spPr>
+          <a:xfrm>
+            <a:off x="190406" y="100750"/>
+            <a:ext cx="10270594" cy="882654"/>
+          </a:xfrm>
+        </p:spPr>
+        <p:txBody>
+          <a:bodyPr/>
+          <a:lstStyle/>
+          <a:p>
+            <a:r>
+              <a:rPr lang="bg-BG"/>
+              <a:t>Съдържание</a:t>
+            </a:r>
+            <a:endParaRPr lang="bg-BG" dirty="0"/>
+          </a:p>
+        </p:txBody>
+      </p:sp>
+      <p:pic>
+        <p:nvPicPr>
+          <p:cNvPr id="4" name="Picture 3">
+            <a:extLst>
+              <a:ext uri="{FF2B5EF4-FFF2-40B4-BE49-F238E27FC236}">
+                <a16:creationId xmlns:a16="http://schemas.microsoft.com/office/drawing/2014/main" id="{8835CDFB-0E94-0132-177D-CD4B4F85BF89}"/>
+              </a:ext>
+            </a:extLst>
+          </p:cNvPr>
+          <p:cNvPicPr>
+            <a:picLocks noChangeAspect="1"/>
+          </p:cNvPicPr>
+          <p:nvPr/>
+        </p:nvPicPr>
+        <p:blipFill>
+          <a:blip r:embed="rId3">
+            <a:duotone>
+              <a:prstClr val="black"/>
+              <a:schemeClr val="accent1">
+                <a:tint val="45000"/>
+                <a:satMod val="400000"/>
+              </a:schemeClr>
+            </a:duotone>
+            <a:extLst>
+              <a:ext uri="{BEBA8EAE-BF5A-486C-A8C5-ECC9F3942E4B}">
+                <a14:imgProps xmlns:a14="http://schemas.microsoft.com/office/drawing/2010/main">
+                  <a14:imgLayer r:embed="rId4">
+                    <a14:imgEffect>
+                      <a14:brightnessContrast bright="30000"/>
+                    </a14:imgEffect>
+                  </a14:imgLayer>
+                </a14:imgProps>
+              </a:ext>
+            </a:extLst>
+          </a:blip>
+          <a:stretch>
+            <a:fillRect/>
+          </a:stretch>
+        </p:blipFill>
+        <p:spPr>
+          <a:xfrm>
+            <a:off x="10011000" y="1584000"/>
+            <a:ext cx="1581246" cy="2115000"/>
+          </a:xfrm>
+          <a:prstGeom prst="rect">
+            <a:avLst/>
+          </a:prstGeom>
+        </p:spPr>
+      </p:pic>
+    </p:spTree>
+    <p:extLst>
+      <p:ext uri="{BB962C8B-B14F-4D97-AF65-F5344CB8AC3E}">
+        <p14:creationId xmlns:p14="http://schemas.microsoft.com/office/powerpoint/2010/main" val="1646986932"/>
+      </p:ext>
+    </p:extLst>
+  </p:cSld>
+  <p:clrMapOvr>
+    <a:masterClrMapping/>
+  </p:clrMapOvr>
+  <mc:AlternateContent xmlns:mc="http://schemas.openxmlformats.org/markup-compatibility/2006" xmlns:p14="http://schemas.microsoft.com/office/powerpoint/2010/main">
+    <mc:Choice Requires="p14">
+      <p:transition spd="slow" p14:dur="2000" advClick="0" advTm="5000"/>
+    </mc:Choice>
+    <mc:Fallback xmlns="">
+      <p:transition spd="slow" advClick="0" advTm="5000"/>
+    </mc:Fallback>
+  </mc:AlternateContent>
+  <p:timing>
+    <p:tnLst>
+      <p:par>
+        <p:cTn id="1" dur="indefinite" restart="never" nodeType="tmRoot">
+          <p:childTnLst>
+            <p:seq concurrent="1" nextAc="seek">
+              <p:cTn id="2" dur="indefinite" nodeType="mainSeq">
+                <p:childTnLst>
+                  <p:par>
+                    <p:cTn id="3" fill="hold">
+                      <p:stCondLst>
+                        <p:cond delay="indefinite"/>
+                      </p:stCondLst>
+                      <p:childTnLst>
+                        <p:par>
+                          <p:cTn id="4" fill="hold">
+                            <p:stCondLst>
+                              <p:cond delay="0"/>
+                            </p:stCondLst>
+                            <p:childTnLst>
+                              <p:par>
+                                <p:cTn id="5" presetID="1" presetClass="entr" presetSubtype="0" fill="hold" nodeType="clickEffect">
+                                  <p:stCondLst>
+                                    <p:cond delay="0"/>
+                                  </p:stCondLst>
+                                  <p:childTnLst>
+                                    <p:set>
+                                      <p:cBhvr>
+                                        <p:cTn id="6" dur="1" fill="hold">
+                                          <p:stCondLst>
+                                            <p:cond delay="0"/>
+                                          </p:stCondLst>
+                                        </p:cTn>
+                                        <p:tgtEl>
+                                          <p:spTgt spid="444419">
+                                            <p:txEl>
+                                              <p:pRg st="2" end="2"/>
+                                            </p:txEl>
+                                          </p:spTgt>
+                                        </p:tgtEl>
+                                        <p:attrNameLst>
+                                          <p:attrName>style.visibility</p:attrName>
+                                        </p:attrNameLst>
+                                      </p:cBhvr>
+                                      <p:to>
+                                        <p:strVal val="visible"/>
+                                      </p:to>
+                                    </p:set>
+                                  </p:childTnLst>
+                                </p:cTn>
+                              </p:par>
+                            </p:childTnLst>
+                          </p:cTn>
+                        </p:par>
+                      </p:childTnLst>
+                    </p:cTn>
+                  </p:par>
+                </p:childTnLst>
+              </p:cTn>
+              <p:prevCondLst>
+                <p:cond evt="onPrev" delay="0">
+                  <p:tgtEl>
+                    <p:sldTgt/>
+                  </p:tgtEl>
+                </p:cond>
+              </p:prevCondLst>
+              <p:nextCondLst>
+                <p:cond evt="onNext" delay="0">
+                  <p:tgtEl>
+                    <p:sldTgt/>
+                  </p:tgtEl>
+                </p:cond>
+              </p:nextCondLst>
+            </p:seq>
+          </p:childTnLst>
+        </p:cTn>
+      </p:par>
+    </p:tnLst>
+  </p:timing>
+</p:sld>
+</file>
+
+<file path=ppt/slides/slide20.xml><?xml version="1.0" encoding="utf-8"?>
+<p:sld xmlns:a="http://schemas.openxmlformats.org/drawingml/2006/main" xmlns:r="http://schemas.openxmlformats.org/officeDocument/2006/relationships" xmlns:p="http://schemas.openxmlformats.org/presentationml/2006/main">
+  <p:cSld>
+    <p:spTree>
+      <p:nvGrpSpPr>
+        <p:cNvPr id="1" name=""/>
+        <p:cNvGrpSpPr/>
+        <p:nvPr/>
+      </p:nvGrpSpPr>
+      <p:grpSpPr>
+        <a:xfrm>
+          <a:off x="0" y="0"/>
+          <a:ext cx="0" cy="0"/>
+          <a:chOff x="0" y="0"/>
+          <a:chExt cx="0" cy="0"/>
+        </a:xfrm>
+      </p:grpSpPr>
+      <p:sp>
+        <p:nvSpPr>
+          <p:cNvPr id="2" name="Slide Number Placeholder 1"/>
+          <p:cNvSpPr>
+            <a:spLocks noGrp="1"/>
+          </p:cNvSpPr>
+          <p:nvPr>
+            <p:ph type="sldNum" sz="quarter" idx="5"/>
+          </p:nvPr>
+        </p:nvSpPr>
+        <p:spPr/>
+        <p:txBody>
+          <a:bodyPr/>
+          <a:lstStyle/>
+          <a:p>
+            <a:fld id="{2BF067CD-8E6B-4360-9AA8-C5DF2A48A6D1}" type="slidenum">
+              <a:rPr lang="en-US" noProof="0" smtClean="0"/>
+              <a:pPr/>
+              <a:t>20</a:t>
+            </a:fld>
+            <a:endParaRPr lang="en-US" noProof="0" dirty="0"/>
+          </a:p>
+        </p:txBody>
+      </p:sp>
+      <p:sp>
+        <p:nvSpPr>
+          <p:cNvPr id="3" name="Text Placeholder 2"/>
+          <p:cNvSpPr>
+            <a:spLocks noGrp="1"/>
+          </p:cNvSpPr>
+          <p:nvPr>
+            <p:ph type="body" sz="quarter" idx="10"/>
+          </p:nvPr>
+        </p:nvSpPr>
+        <p:spPr/>
+        <p:txBody>
+          <a:bodyPr/>
+          <a:lstStyle/>
+          <a:p>
+            <a:r>
+              <a:rPr lang="en-US" dirty="0" smtClean="0"/>
+              <a:t>͏</a:t>
+            </a:r>
+            <a:r>
+              <a:rPr lang="en-US" b="1" dirty="0" smtClean="0">
+                <a:solidFill>
+                  <a:schemeClr val="bg1"/>
+                </a:solidFill>
+              </a:rPr>
+              <a:t>I</a:t>
+            </a:r>
+            <a:r>
+              <a:rPr lang="ru-RU" dirty="0"/>
+              <a:t>ntegrated </a:t>
+            </a:r>
+            <a:r>
+              <a:rPr lang="en-US" b="1" dirty="0">
+                <a:solidFill>
+                  <a:schemeClr val="bg1"/>
+                </a:solidFill>
+              </a:rPr>
+              <a:t>D</a:t>
+            </a:r>
+            <a:r>
+              <a:rPr lang="ru-RU" dirty="0"/>
+              <a:t>evelopment </a:t>
+            </a:r>
+            <a:r>
+              <a:rPr lang="en-US" b="1" dirty="0">
+                <a:solidFill>
+                  <a:schemeClr val="bg1"/>
+                </a:solidFill>
+              </a:rPr>
+              <a:t>E</a:t>
+            </a:r>
+            <a:r>
+              <a:rPr lang="ru-RU" dirty="0"/>
+              <a:t>nvironment </a:t>
+            </a:r>
+            <a:r>
+              <a:rPr lang="en-US" dirty="0" smtClean="0"/>
+              <a:t>(</a:t>
+            </a:r>
+            <a:r>
+              <a:rPr lang="en-US" b="1" dirty="0" smtClean="0">
+                <a:solidFill>
+                  <a:schemeClr val="bg1"/>
+                </a:solidFill>
+              </a:rPr>
+              <a:t>IDE</a:t>
+            </a:r>
+            <a:r>
+              <a:rPr lang="en-US" dirty="0" smtClean="0"/>
+              <a:t>) </a:t>
+            </a:r>
+            <a:r>
+              <a:rPr lang="ru-RU" dirty="0" smtClean="0"/>
+              <a:t>обикновено </a:t>
+            </a:r>
+            <a:r>
+              <a:rPr lang="ru-RU" dirty="0"/>
+              <a:t>се състои </a:t>
+            </a:r>
+            <a:r>
+              <a:rPr lang="ru-RU" dirty="0" smtClean="0"/>
+              <a:t>от</a:t>
+            </a:r>
+            <a:r>
+              <a:rPr lang="en-US" dirty="0" smtClean="0"/>
+              <a:t>:</a:t>
+            </a:r>
+          </a:p>
+          <a:p>
+            <a:pPr lvl="1"/>
+            <a:r>
+              <a:rPr lang="bg-BG" dirty="0"/>
+              <a:t>Р</a:t>
+            </a:r>
+            <a:r>
+              <a:rPr lang="ru-RU" dirty="0" smtClean="0"/>
+              <a:t>едактор </a:t>
+            </a:r>
+            <a:r>
+              <a:rPr lang="ru-RU" dirty="0"/>
+              <a:t>на </a:t>
+            </a:r>
+            <a:r>
+              <a:rPr lang="ru-RU" dirty="0" smtClean="0"/>
+              <a:t>код</a:t>
+            </a:r>
+            <a:endParaRPr lang="en-US" dirty="0" smtClean="0"/>
+          </a:p>
+          <a:p>
+            <a:pPr lvl="1"/>
+            <a:r>
+              <a:rPr lang="bg-BG" dirty="0" smtClean="0"/>
+              <a:t>Компилатор/Интерпретатор</a:t>
+            </a:r>
+            <a:endParaRPr lang="en-US" dirty="0" smtClean="0"/>
+          </a:p>
+          <a:p>
+            <a:pPr lvl="1"/>
+            <a:r>
+              <a:rPr lang="ru-RU" dirty="0" smtClean="0"/>
+              <a:t>Дебъгер</a:t>
+            </a:r>
+            <a:endParaRPr lang="en-US" dirty="0"/>
+          </a:p>
+        </p:txBody>
+      </p:sp>
+      <p:sp>
+        <p:nvSpPr>
+          <p:cNvPr id="4" name="Title 3"/>
+          <p:cNvSpPr>
+            <a:spLocks noGrp="1"/>
+          </p:cNvSpPr>
+          <p:nvPr>
+            <p:ph type="title"/>
+          </p:nvPr>
+        </p:nvSpPr>
+        <p:spPr/>
+        <p:txBody>
+          <a:bodyPr/>
+          <a:lstStyle/>
+          <a:p>
+            <a:r>
+              <a:rPr lang="bg-BG" dirty="0" smtClean="0"/>
+              <a:t>Какво съдържа </a:t>
+            </a:r>
+            <a:r>
+              <a:rPr lang="en-US" dirty="0" smtClean="0"/>
+              <a:t>IDE?</a:t>
+            </a:r>
+            <a:endParaRPr lang="en-US" dirty="0"/>
+          </a:p>
+        </p:txBody>
+      </p:sp>
+      <p:pic>
+        <p:nvPicPr>
+          <p:cNvPr id="3074" name="Picture 2" descr="2,000+ Free Code Editor &amp; Code Images - Pixabay"/>
+          <p:cNvPicPr>
+            <a:picLocks noChangeAspect="1" noChangeArrowheads="1"/>
+          </p:cNvPicPr>
+          <p:nvPr/>
+        </p:nvPicPr>
+        <p:blipFill>
+          <a:blip r:embed="rId2" cstate="hqprint">
+            <a:extLst>
+              <a:ext uri="{28A0092B-C50C-407E-A947-70E740481C1C}">
+                <a14:useLocalDpi xmlns:a14="http://schemas.microsoft.com/office/drawing/2010/main" val="0"/>
+              </a:ext>
+            </a:extLst>
+          </a:blip>
+          <a:srcRect/>
+          <a:stretch>
+            <a:fillRect/>
+          </a:stretch>
+        </p:blipFill>
+        <p:spPr bwMode="auto">
+          <a:xfrm>
+            <a:off x="1007796" y="4504618"/>
+            <a:ext cx="3020551" cy="2142703"/>
+          </a:xfrm>
+          <a:prstGeom prst="rect">
+            <a:avLst/>
+          </a:prstGeom>
+          <a:noFill/>
+          <a:ln>
+            <a:solidFill>
+              <a:schemeClr val="bg2">
+                <a:lumMod val="75000"/>
+              </a:schemeClr>
+            </a:solidFill>
+          </a:ln>
+          <a:extLst>
+            <a:ext uri="{909E8E84-426E-40DD-AFC4-6F175D3DCCD1}">
+              <a14:hiddenFill xmlns:a14="http://schemas.microsoft.com/office/drawing/2010/main">
+                <a:solidFill>
+                  <a:srgbClr val="FFFFFF"/>
+                </a:solidFill>
+              </a14:hiddenFill>
+            </a:ext>
+          </a:extLst>
+        </p:spPr>
+      </p:pic>
+      <p:pic>
+        <p:nvPicPr>
+          <p:cNvPr id="6" name="Picture 4" descr="Compiler - Kostenlose elektronik-Icons"/>
+          <p:cNvPicPr>
+            <a:picLocks noChangeAspect="1" noChangeArrowheads="1"/>
+          </p:cNvPicPr>
+          <p:nvPr/>
+        </p:nvPicPr>
+        <p:blipFill>
+          <a:blip r:embed="rId3">
+            <a:extLst>
+              <a:ext uri="{28A0092B-C50C-407E-A947-70E740481C1C}">
+                <a14:useLocalDpi xmlns:a14="http://schemas.microsoft.com/office/drawing/2010/main" val="0"/>
+              </a:ext>
+            </a:extLst>
+          </a:blip>
+          <a:srcRect/>
+          <a:stretch>
+            <a:fillRect/>
+          </a:stretch>
+        </p:blipFill>
+        <p:spPr bwMode="auto">
+          <a:xfrm>
+            <a:off x="4791279" y="4443458"/>
+            <a:ext cx="2270692" cy="2270693"/>
+          </a:xfrm>
+          <a:prstGeom prst="rect">
+            <a:avLst/>
+          </a:prstGeom>
+          <a:noFill/>
+          <a:extLst>
+            <a:ext uri="{909E8E84-426E-40DD-AFC4-6F175D3DCCD1}">
+              <a14:hiddenFill xmlns:a14="http://schemas.microsoft.com/office/drawing/2010/main">
+                <a:solidFill>
+                  <a:srgbClr val="FFFFFF"/>
+                </a:solidFill>
+              </a14:hiddenFill>
+            </a:ext>
+          </a:extLst>
+        </p:spPr>
+      </p:pic>
+      <p:pic>
+        <p:nvPicPr>
+          <p:cNvPr id="3076" name="Picture 4" descr="XpertLab - 7 Steps to Debug Efficiently and Effectively"/>
+          <p:cNvPicPr>
+            <a:picLocks noChangeAspect="1" noChangeArrowheads="1"/>
+          </p:cNvPicPr>
+          <p:nvPr/>
+        </p:nvPicPr>
+        <p:blipFill rotWithShape="1">
+          <a:blip r:embed="rId4">
+            <a:extLst>
+              <a:ext uri="{28A0092B-C50C-407E-A947-70E740481C1C}">
+                <a14:useLocalDpi xmlns:a14="http://schemas.microsoft.com/office/drawing/2010/main" val="0"/>
+              </a:ext>
+            </a:extLst>
+          </a:blip>
+          <a:srcRect r="8829"/>
+          <a:stretch/>
+        </p:blipFill>
+        <p:spPr bwMode="auto">
+          <a:xfrm>
+            <a:off x="7824903" y="4510289"/>
+            <a:ext cx="3491097" cy="2159646"/>
+          </a:xfrm>
+          <a:prstGeom prst="rect">
+            <a:avLst/>
+          </a:prstGeom>
+          <a:noFill/>
+          <a:ln>
+            <a:solidFill>
+              <a:schemeClr val="bg2">
+                <a:lumMod val="75000"/>
+              </a:schemeClr>
+            </a:solidFill>
+          </a:ln>
+          <a:extLst>
+            <a:ext uri="{909E8E84-426E-40DD-AFC4-6F175D3DCCD1}">
+              <a14:hiddenFill xmlns:a14="http://schemas.microsoft.com/office/drawing/2010/main">
+                <a:solidFill>
+                  <a:srgbClr val="FFFFFF"/>
+                </a:solidFill>
+              </a14:hiddenFill>
+            </a:ext>
+          </a:extLst>
+        </p:spPr>
+      </p:pic>
+    </p:spTree>
+    <p:extLst>
+      <p:ext uri="{BB962C8B-B14F-4D97-AF65-F5344CB8AC3E}">
+        <p14:creationId xmlns:p14="http://schemas.microsoft.com/office/powerpoint/2010/main" val="2173449108"/>
+      </p:ext>
+    </p:extLst>
+  </p:cSld>
+  <p:clrMapOvr>
+    <a:masterClrMapping/>
+  </p:clrMapOvr>
+  <mc:AlternateContent xmlns:mc="http://schemas.openxmlformats.org/markup-compatibility/2006" xmlns:p14="http://schemas.microsoft.com/office/powerpoint/2010/main">
+    <mc:Choice Requires="p14">
+      <p:transition spd="slow" p14:dur="2000" advClick="0" advTm="5000"/>
+    </mc:Choice>
+    <mc:Fallback xmlns="">
+      <p:transition spd="slow" advClick="0" advTm="5000"/>
+    </mc:Fallback>
+  </mc:AlternateContent>
+  <p:timing>
+    <p:tnLst>
+      <p:par>
+        <p:cTn id="1" dur="indefinite" restart="never" nodeType="tmRoot"/>
+      </p:par>
+    </p:tnLst>
+  </p:timing>
+</p:sld>
+</file>
+
+<file path=ppt/slides/slide21.xml><?xml version="1.0" encoding="utf-8"?>
 <p:sld xmlns:a="http://schemas.openxmlformats.org/drawingml/2006/main" xmlns:r="http://schemas.openxmlformats.org/officeDocument/2006/relationships" xmlns:p="http://schemas.openxmlformats.org/presentationml/2006/main">
   <p:cSld>
     <p:spTree>
@@ -11010,7 +12463,7 @@
             <a:fld id="{C014DD1E-5D91-48A3-AD6D-45FBA980D106}" type="slidenum">
               <a:rPr lang="en-US" smtClean="0"/>
               <a:pPr/>
-              <a:t>18</a:t>
+              <a:t>21</a:t>
             </a:fld>
             <a:endParaRPr lang="en-US" dirty="0"/>
           </a:p>
@@ -11459,7 +12912,7 @@
 </p:sld>
 </file>
 
-<file path=ppt/slides/slide19.xml><?xml version="1.0" encoding="utf-8"?>
+<file path=ppt/slides/slide22.xml><?xml version="1.0" encoding="utf-8"?>
 <p:sld xmlns:a="http://schemas.openxmlformats.org/drawingml/2006/main" xmlns:r="http://schemas.openxmlformats.org/officeDocument/2006/relationships" xmlns:p="http://schemas.openxmlformats.org/presentationml/2006/main">
   <p:cSld>
     <p:spTree>
@@ -11573,7 +13026,7 @@
                 <a:hlinkClick r:id="rId3">
                   <a:extLst>
                     <a:ext uri="{A12FA001-AC4F-418D-AE19-62706E023703}">
-                      <ahyp:hlinkClr xmlns="" xmlns:ahyp="http://schemas.microsoft.com/office/drawing/2018/hyperlinkcolor" val="tx"/>
+                      <ahyp:hlinkClr xmlns:ahyp="http://schemas.microsoft.com/office/drawing/2018/hyperlinkcolor" xmlns="" val="tx"/>
                     </a:ext>
                   </a:extLst>
                 </a:hlinkClick>
@@ -11656,375 +13109,7 @@
 </p:sld>
 </file>
 
-<file path=ppt/slides/slide2.xml><?xml version="1.0" encoding="utf-8"?>
-<p:sld xmlns:a="http://schemas.openxmlformats.org/drawingml/2006/main" xmlns:r="http://schemas.openxmlformats.org/officeDocument/2006/relationships" xmlns:p="http://schemas.openxmlformats.org/presentationml/2006/main">
-  <p:cSld>
-    <p:spTree>
-      <p:nvGrpSpPr>
-        <p:cNvPr id="1" name=""/>
-        <p:cNvGrpSpPr/>
-        <p:nvPr/>
-      </p:nvGrpSpPr>
-      <p:grpSpPr>
-        <a:xfrm>
-          <a:off x="0" y="0"/>
-          <a:ext cx="0" cy="0"/>
-          <a:chOff x="0" y="0"/>
-          <a:chExt cx="0" cy="0"/>
-        </a:xfrm>
-      </p:grpSpPr>
-      <p:sp>
-        <p:nvSpPr>
-          <p:cNvPr id="5" name="Slide Number">
-            <a:extLst>
-              <a:ext uri="{FF2B5EF4-FFF2-40B4-BE49-F238E27FC236}">
-                <a16:creationId xmlns:a16="http://schemas.microsoft.com/office/drawing/2014/main" id="{6A760D59-0056-4F39-B077-DBDBE3D2927E}"/>
-              </a:ext>
-            </a:extLst>
-          </p:cNvPr>
-          <p:cNvSpPr txBox="1">
-            <a:spLocks/>
-          </p:cNvSpPr>
-          <p:nvPr/>
-        </p:nvSpPr>
-        <p:spPr>
-          <a:xfrm>
-            <a:off x="11753030" y="6507000"/>
-            <a:ext cx="367414" cy="297000"/>
-          </a:xfrm>
-          <a:prstGeom prst="rect">
-            <a:avLst/>
-          </a:prstGeom>
-        </p:spPr>
-        <p:txBody>
-          <a:bodyPr vert="horz" lIns="91440" tIns="45720" rIns="91440" bIns="45720" rtlCol="0" anchor="b"/>
-          <a:lstStyle>
-            <a:defPPr>
-              <a:defRPr lang="en-US"/>
-            </a:defPPr>
-            <a:lvl1pPr marL="0" algn="r" defTabSz="914400" rtl="0" eaLnBrk="1" latinLnBrk="0" hangingPunct="1">
-              <a:defRPr sz="1000" kern="1200">
-                <a:solidFill>
-                  <a:schemeClr val="tx1"/>
-                </a:solidFill>
-                <a:latin typeface="+mn-lt"/>
-                <a:ea typeface="+mn-ea"/>
-                <a:cs typeface="+mn-cs"/>
-              </a:defRPr>
-            </a:lvl1pPr>
-            <a:lvl2pPr marL="457200" algn="l" defTabSz="914400" rtl="0" eaLnBrk="1" latinLnBrk="0" hangingPunct="1">
-              <a:defRPr sz="1800" kern="1200">
-                <a:solidFill>
-                  <a:schemeClr val="tx1"/>
-                </a:solidFill>
-                <a:latin typeface="+mn-lt"/>
-                <a:ea typeface="+mn-ea"/>
-                <a:cs typeface="+mn-cs"/>
-              </a:defRPr>
-            </a:lvl2pPr>
-            <a:lvl3pPr marL="914400" algn="l" defTabSz="914400" rtl="0" eaLnBrk="1" latinLnBrk="0" hangingPunct="1">
-              <a:defRPr sz="1800" kern="1200">
-                <a:solidFill>
-                  <a:schemeClr val="tx1"/>
-                </a:solidFill>
-                <a:latin typeface="+mn-lt"/>
-                <a:ea typeface="+mn-ea"/>
-                <a:cs typeface="+mn-cs"/>
-              </a:defRPr>
-            </a:lvl3pPr>
-            <a:lvl4pPr marL="1371600" algn="l" defTabSz="914400" rtl="0" eaLnBrk="1" latinLnBrk="0" hangingPunct="1">
-              <a:defRPr sz="1800" kern="1200">
-                <a:solidFill>
-                  <a:schemeClr val="tx1"/>
-                </a:solidFill>
-                <a:latin typeface="+mn-lt"/>
-                <a:ea typeface="+mn-ea"/>
-                <a:cs typeface="+mn-cs"/>
-              </a:defRPr>
-            </a:lvl4pPr>
-            <a:lvl5pPr marL="1828800" algn="l" defTabSz="914400" rtl="0" eaLnBrk="1" latinLnBrk="0" hangingPunct="1">
-              <a:defRPr sz="1800" kern="1200">
-                <a:solidFill>
-                  <a:schemeClr val="tx1"/>
-                </a:solidFill>
-                <a:latin typeface="+mn-lt"/>
-                <a:ea typeface="+mn-ea"/>
-                <a:cs typeface="+mn-cs"/>
-              </a:defRPr>
-            </a:lvl5pPr>
-            <a:lvl6pPr marL="2286000" algn="l" defTabSz="914400" rtl="0" eaLnBrk="1" latinLnBrk="0" hangingPunct="1">
-              <a:defRPr sz="1800" kern="1200">
-                <a:solidFill>
-                  <a:schemeClr val="tx1"/>
-                </a:solidFill>
-                <a:latin typeface="+mn-lt"/>
-                <a:ea typeface="+mn-ea"/>
-                <a:cs typeface="+mn-cs"/>
-              </a:defRPr>
-            </a:lvl6pPr>
-            <a:lvl7pPr marL="2743200" algn="l" defTabSz="914400" rtl="0" eaLnBrk="1" latinLnBrk="0" hangingPunct="1">
-              <a:defRPr sz="1800" kern="1200">
-                <a:solidFill>
-                  <a:schemeClr val="tx1"/>
-                </a:solidFill>
-                <a:latin typeface="+mn-lt"/>
-                <a:ea typeface="+mn-ea"/>
-                <a:cs typeface="+mn-cs"/>
-              </a:defRPr>
-            </a:lvl7pPr>
-            <a:lvl8pPr marL="3200400" algn="l" defTabSz="914400" rtl="0" eaLnBrk="1" latinLnBrk="0" hangingPunct="1">
-              <a:defRPr sz="1800" kern="1200">
-                <a:solidFill>
-                  <a:schemeClr val="tx1"/>
-                </a:solidFill>
-                <a:latin typeface="+mn-lt"/>
-                <a:ea typeface="+mn-ea"/>
-                <a:cs typeface="+mn-cs"/>
-              </a:defRPr>
-            </a:lvl8pPr>
-            <a:lvl9pPr marL="3657600" algn="l" defTabSz="914400" rtl="0" eaLnBrk="1" latinLnBrk="0" hangingPunct="1">
-              <a:defRPr sz="1800" kern="1200">
-                <a:solidFill>
-                  <a:schemeClr val="tx1"/>
-                </a:solidFill>
-                <a:latin typeface="+mn-lt"/>
-                <a:ea typeface="+mn-ea"/>
-                <a:cs typeface="+mn-cs"/>
-              </a:defRPr>
-            </a:lvl9pPr>
-          </a:lstStyle>
-          <a:p>
-            <a:fld id="{2BF067CD-8E6B-4360-9AA8-C5DF2A48A6D1}" type="slidenum">
-              <a:rPr lang="en-US" smtClean="0"/>
-              <a:pPr/>
-              <a:t>2</a:t>
-            </a:fld>
-            <a:endParaRPr lang="en-US" dirty="0"/>
-          </a:p>
-        </p:txBody>
-      </p:sp>
-      <p:sp>
-        <p:nvSpPr>
-          <p:cNvPr id="444419" name="Slide Body"/>
-          <p:cNvSpPr>
-            <a:spLocks noGrp="1" noChangeArrowheads="1"/>
-          </p:cNvSpPr>
-          <p:nvPr>
-            <p:ph type="body" sz="quarter" idx="13"/>
-          </p:nvPr>
-        </p:nvSpPr>
-        <p:spPr>
-          <a:xfrm>
-            <a:off x="196766" y="1371604"/>
-            <a:ext cx="8284234" cy="5207396"/>
-          </a:xfrm>
-        </p:spPr>
-        <p:txBody>
-          <a:bodyPr/>
-          <a:lstStyle/>
-          <a:p>
-            <a:r>
-              <a:rPr lang="bg-BG" dirty="0" smtClean="0"/>
-              <a:t>͏Език за </a:t>
-            </a:r>
-            <a:r>
-              <a:rPr lang="bg-BG" dirty="0" smtClean="0"/>
-              <a:t>програмиране</a:t>
-            </a:r>
-          </a:p>
-          <a:p>
-            <a:r>
-              <a:rPr lang="bg-BG" dirty="0" smtClean="0"/>
-              <a:t>Компилиране и интерпретиране</a:t>
-            </a:r>
-            <a:endParaRPr lang="bg-BG" dirty="0" smtClean="0"/>
-          </a:p>
-          <a:p>
-            <a:r>
-              <a:rPr lang="bg-BG" dirty="0" smtClean="0"/>
-              <a:t>Интегрирана среда за програмиране</a:t>
-            </a:r>
-          </a:p>
-        </p:txBody>
-      </p:sp>
-      <p:sp>
-        <p:nvSpPr>
-          <p:cNvPr id="444418" name="Slide Title"/>
-          <p:cNvSpPr>
-            <a:spLocks noGrp="1" noChangeArrowheads="1"/>
-          </p:cNvSpPr>
-          <p:nvPr>
-            <p:ph type="title"/>
-          </p:nvPr>
-        </p:nvSpPr>
-        <p:spPr>
-          <a:xfrm>
-            <a:off x="190406" y="100750"/>
-            <a:ext cx="10270594" cy="882654"/>
-          </a:xfrm>
-        </p:spPr>
-        <p:txBody>
-          <a:bodyPr/>
-          <a:lstStyle/>
-          <a:p>
-            <a:r>
-              <a:rPr lang="bg-BG"/>
-              <a:t>Съдържание</a:t>
-            </a:r>
-            <a:endParaRPr lang="bg-BG" dirty="0"/>
-          </a:p>
-        </p:txBody>
-      </p:sp>
-      <p:pic>
-        <p:nvPicPr>
-          <p:cNvPr id="4" name="Picture 3">
-            <a:extLst>
-              <a:ext uri="{FF2B5EF4-FFF2-40B4-BE49-F238E27FC236}">
-                <a16:creationId xmlns:a16="http://schemas.microsoft.com/office/drawing/2014/main" id="{8835CDFB-0E94-0132-177D-CD4B4F85BF89}"/>
-              </a:ext>
-            </a:extLst>
-          </p:cNvPr>
-          <p:cNvPicPr>
-            <a:picLocks noChangeAspect="1"/>
-          </p:cNvPicPr>
-          <p:nvPr/>
-        </p:nvPicPr>
-        <p:blipFill>
-          <a:blip r:embed="rId3">
-            <a:duotone>
-              <a:prstClr val="black"/>
-              <a:schemeClr val="accent1">
-                <a:tint val="45000"/>
-                <a:satMod val="400000"/>
-              </a:schemeClr>
-            </a:duotone>
-            <a:extLst>
-              <a:ext uri="{BEBA8EAE-BF5A-486C-A8C5-ECC9F3942E4B}">
-                <a14:imgProps xmlns:a14="http://schemas.microsoft.com/office/drawing/2010/main">
-                  <a14:imgLayer r:embed="rId4">
-                    <a14:imgEffect>
-                      <a14:brightnessContrast bright="30000"/>
-                    </a14:imgEffect>
-                  </a14:imgLayer>
-                </a14:imgProps>
-              </a:ext>
-            </a:extLst>
-          </a:blip>
-          <a:stretch>
-            <a:fillRect/>
-          </a:stretch>
-        </p:blipFill>
-        <p:spPr>
-          <a:xfrm>
-            <a:off x="10011000" y="1584000"/>
-            <a:ext cx="1581246" cy="2115000"/>
-          </a:xfrm>
-          <a:prstGeom prst="rect">
-            <a:avLst/>
-          </a:prstGeom>
-        </p:spPr>
-      </p:pic>
-    </p:spTree>
-    <p:extLst>
-      <p:ext uri="{BB962C8B-B14F-4D97-AF65-F5344CB8AC3E}">
-        <p14:creationId xmlns:p14="http://schemas.microsoft.com/office/powerpoint/2010/main" val="1646986932"/>
-      </p:ext>
-    </p:extLst>
-  </p:cSld>
-  <p:clrMapOvr>
-    <a:masterClrMapping/>
-  </p:clrMapOvr>
-  <mc:AlternateContent xmlns:mc="http://schemas.openxmlformats.org/markup-compatibility/2006" xmlns:p14="http://schemas.microsoft.com/office/powerpoint/2010/main">
-    <mc:Choice Requires="p14">
-      <p:transition spd="slow" p14:dur="2000" advClick="0" advTm="5000"/>
-    </mc:Choice>
-    <mc:Fallback xmlns="">
-      <p:transition spd="slow" advClick="0" advTm="5000"/>
-    </mc:Fallback>
-  </mc:AlternateContent>
-  <p:timing>
-    <p:tnLst>
-      <p:par>
-        <p:cTn id="1" dur="indefinite" restart="never" nodeType="tmRoot">
-          <p:childTnLst>
-            <p:seq concurrent="1" nextAc="seek">
-              <p:cTn id="2" dur="indefinite" nodeType="mainSeq">
-                <p:childTnLst>
-                  <p:par>
-                    <p:cTn id="3" fill="hold">
-                      <p:stCondLst>
-                        <p:cond delay="indefinite"/>
-                      </p:stCondLst>
-                      <p:childTnLst>
-                        <p:par>
-                          <p:cTn id="4" fill="hold">
-                            <p:stCondLst>
-                              <p:cond delay="0"/>
-                            </p:stCondLst>
-                            <p:childTnLst>
-                              <p:par>
-                                <p:cTn id="5" presetID="1" presetClass="entr" presetSubtype="0" fill="hold" nodeType="clickEffect">
-                                  <p:stCondLst>
-                                    <p:cond delay="0"/>
-                                  </p:stCondLst>
-                                  <p:childTnLst>
-                                    <p:set>
-                                      <p:cBhvr>
-                                        <p:cTn id="6" dur="1" fill="hold">
-                                          <p:stCondLst>
-                                            <p:cond delay="0"/>
-                                          </p:stCondLst>
-                                        </p:cTn>
-                                        <p:tgtEl>
-                                          <p:spTgt spid="444419">
-                                            <p:txEl>
-                                              <p:pRg st="2" end="2"/>
-                                            </p:txEl>
-                                          </p:spTgt>
-                                        </p:tgtEl>
-                                        <p:attrNameLst>
-                                          <p:attrName>style.visibility</p:attrName>
-                                        </p:attrNameLst>
-                                      </p:cBhvr>
-                                      <p:to>
-                                        <p:strVal val="visible"/>
-                                      </p:to>
-                                    </p:set>
-                                  </p:childTnLst>
-                                </p:cTn>
-                              </p:par>
-                            </p:childTnLst>
-                          </p:cTn>
-                        </p:par>
-                      </p:childTnLst>
-                    </p:cTn>
-                  </p:par>
-                </p:childTnLst>
-              </p:cTn>
-              <p:prevCondLst>
-                <p:cond evt="onPrev" delay="0">
-                  <p:tgtEl>
-                    <p:sldTgt/>
-                  </p:tgtEl>
-                </p:cond>
-              </p:prevCondLst>
-              <p:nextCondLst>
-                <p:cond evt="onNext" delay="0">
-                  <p:tgtEl>
-                    <p:sldTgt/>
-                  </p:tgtEl>
-                </p:cond>
-              </p:nextCondLst>
-            </p:seq>
-          </p:childTnLst>
-        </p:cTn>
-      </p:par>
-    </p:tnLst>
-  </p:timing>
-</p:sld>
-</file>
-
-<file path=ppt/slides/slide20.xml><?xml version="1.0" encoding="utf-8"?>
+<file path=ppt/slides/slide23.xml><?xml version="1.0" encoding="utf-8"?>
 <p:sld xmlns:a="http://schemas.openxmlformats.org/drawingml/2006/main" xmlns:r="http://schemas.openxmlformats.org/officeDocument/2006/relationships" xmlns:p="http://schemas.openxmlformats.org/presentationml/2006/main" show="0">
   <p:cSld>
     <p:spTree>
@@ -12077,7 +13162,7 @@
             <a:fld id="{2BF067CD-8E6B-4360-9AA8-C5DF2A48A6D1}" type="slidenum">
               <a:rPr lang="en-US" smtClean="0"/>
               <a:pPr/>
-              <a:t>20</a:t>
+              <a:t>23</a:t>
             </a:fld>
             <a:endParaRPr lang="en-US" dirty="0"/>
           </a:p>
@@ -15168,7 +16253,6 @@
               <a:rPr lang="en-US" dirty="0" smtClean="0"/>
               <a:t>PHP</a:t>
             </a:r>
-            <a:endParaRPr lang="en-US" dirty="0" smtClean="0"/>
           </a:p>
         </p:txBody>
       </p:sp>

--- a/Courses/Computer-Modeling-and-IT/Computer-Modeling-and-IT-6-Class/26-Transitioning-from-Block-to-Scripting-Languages/26-Transitioning-from-Block-to-Scripting-Languages.pptx
+++ b/Courses/Computer-Modeling-and-IT/Computer-Modeling-and-IT-6-Class/26-Transitioning-from-Block-to-Scripting-Languages/26-Transitioning-from-Block-to-Scripting-Languages.pptx
@@ -5,10 +5,10 @@
     <p:sldMasterId id="2147483675" r:id="rId1"/>
   </p:sldMasterIdLst>
   <p:notesMasterIdLst>
-    <p:notesMasterId r:id="rId25"/>
+    <p:notesMasterId r:id="rId28"/>
   </p:notesMasterIdLst>
   <p:handoutMasterIdLst>
-    <p:handoutMasterId r:id="rId26"/>
+    <p:handoutMasterId r:id="rId29"/>
   </p:handoutMasterIdLst>
   <p:sldIdLst>
     <p:sldId id="503" r:id="rId2"/>
@@ -31,9 +31,12 @@
     <p:sldId id="602" r:id="rId19"/>
     <p:sldId id="603" r:id="rId20"/>
     <p:sldId id="604" r:id="rId21"/>
-    <p:sldId id="586" r:id="rId22"/>
-    <p:sldId id="504" r:id="rId23"/>
-    <p:sldId id="505" r:id="rId24"/>
+    <p:sldId id="605" r:id="rId22"/>
+    <p:sldId id="606" r:id="rId23"/>
+    <p:sldId id="607" r:id="rId24"/>
+    <p:sldId id="586" r:id="rId25"/>
+    <p:sldId id="504" r:id="rId26"/>
+    <p:sldId id="505" r:id="rId27"/>
   </p:sldIdLst>
   <p:sldSz cx="12192000" cy="6858000"/>
   <p:notesSz cx="6858000" cy="9144000"/>
@@ -169,6 +172,9 @@
             <p14:sldId id="602"/>
             <p14:sldId id="603"/>
             <p14:sldId id="604"/>
+            <p14:sldId id="605"/>
+            <p14:sldId id="606"/>
+            <p14:sldId id="607"/>
           </p14:sldIdLst>
         </p14:section>
         <p14:section name="Заключение" id="{E19D07F1-86E2-47E9-B2AB-7ADC4F89DC12}">
@@ -295,7 +301,7 @@
           <a:p>
             <a:fld id="{4E087215-0C8F-4762-A664-737A353EC9A4}" type="datetimeFigureOut">
               <a:rPr lang="bg-BG" smtClean="0"/>
-              <a:t>11.10.2024 г.</a:t>
+              <a:t>20.10.2024 г.</a:t>
             </a:fld>
             <a:endParaRPr lang="bg-BG"/>
           </a:p>
@@ -491,7 +497,7 @@
           <a:p>
             <a:fld id="{72D84649-876A-46C9-8472-14CB09C070D8}" type="datetimeFigureOut">
               <a:rPr lang="en-US" smtClean="0"/>
-              <a:t>10/11/2024</a:t>
+              <a:t>10/20/2024</a:t>
             </a:fld>
             <a:endParaRPr lang="en-US"/>
           </a:p>
@@ -1276,7 +1282,7 @@
             <a:fld id="{3EBA5BD7-F043-4D1B-AA17-CD412FC534DE}" type="slidenum">
               <a:rPr lang="en-US" smtClean="0"/>
               <a:pPr/>
-              <a:t>21</a:t>
+              <a:t>24</a:t>
             </a:fld>
             <a:endParaRPr lang="en-US" dirty="0"/>
           </a:p>
@@ -1467,7 +1473,7 @@
             <a:fld id="{3EBA5BD7-F043-4D1B-AA17-CD412FC534DE}" type="slidenum">
               <a:rPr lang="en-US" smtClean="0"/>
               <a:pPr/>
-              <a:t>22</a:t>
+              <a:t>25</a:t>
             </a:fld>
             <a:endParaRPr lang="en-US" dirty="0"/>
           </a:p>
@@ -1697,7 +1703,7 @@
             <a:fld id="{3EBA5BD7-F043-4D1B-AA17-CD412FC534DE}" type="slidenum">
               <a:rPr lang="en-US" smtClean="0"/>
               <a:pPr/>
-              <a:t>23</a:t>
+              <a:t>26</a:t>
             </a:fld>
             <a:endParaRPr lang="en-US" dirty="0"/>
           </a:p>
@@ -10107,6 +10113,71 @@
           </a:fontRef>
         </p:style>
       </p:cxnSp>
+      <p:sp>
+        <p:nvSpPr>
+          <p:cNvPr id="6" name="Rectangle 5"/>
+          <p:cNvSpPr/>
+          <p:nvPr/>
+        </p:nvSpPr>
+        <p:spPr bwMode="auto">
+          <a:xfrm>
+            <a:off x="8522542" y="4643999"/>
+            <a:ext cx="2130630" cy="284653"/>
+          </a:xfrm>
+          <a:prstGeom prst="rect">
+            <a:avLst/>
+          </a:prstGeom>
+          <a:solidFill>
+            <a:srgbClr val="FFFF00">
+              <a:alpha val="13000"/>
+            </a:srgbClr>
+          </a:solidFill>
+          <a:ln w="19050">
+            <a:noFill/>
+          </a:ln>
+          <a:effectLst/>
+        </p:spPr>
+        <p:style>
+          <a:lnRef idx="2">
+            <a:schemeClr val="accent1">
+              <a:shade val="50000"/>
+            </a:schemeClr>
+          </a:lnRef>
+          <a:fillRef idx="1001">
+            <a:schemeClr val="dk2"/>
+          </a:fillRef>
+          <a:effectRef idx="0">
+            <a:schemeClr val="accent1"/>
+          </a:effectRef>
+          <a:fontRef idx="minor">
+            <a:schemeClr val="lt1"/>
+          </a:fontRef>
+        </p:style>
+        <p:txBody>
+          <a:bodyPr rot="0" spcFirstLastPara="0" vertOverflow="overflow" horzOverflow="overflow" vert="horz" wrap="square" lIns="91440" tIns="45720" rIns="91440" bIns="45720" numCol="1" spcCol="0" rtlCol="0" fromWordArt="0" anchor="ctr" anchorCtr="0" forceAA="0" compatLnSpc="1">
+            <a:prstTxWarp prst="textNoShape">
+              <a:avLst/>
+            </a:prstTxWarp>
+            <a:noAutofit/>
+          </a:bodyPr>
+          <a:lstStyle/>
+          <a:p>
+            <a:pPr algn="ctr"/>
+            <a:endParaRPr lang="en-US" sz="2800" b="1" dirty="0">
+              <a:solidFill>
+                <a:srgbClr val="FFFFFF"/>
+              </a:solidFill>
+              <a:effectLst>
+                <a:outerShdw blurRad="38100" dist="38100" dir="2700000" algn="tl">
+                  <a:srgbClr val="000000">
+                    <a:alpha val="43137"/>
+                  </a:srgbClr>
+                </a:outerShdw>
+              </a:effectLst>
+            </a:endParaRPr>
+          </a:p>
+        </p:txBody>
+      </p:sp>
     </p:spTree>
     <p:extLst>
       <p:ext uri="{BB962C8B-B14F-4D97-AF65-F5344CB8AC3E}">
@@ -10401,6 +10472,33 @@
                                   </p:childTnLst>
                                 </p:cTn>
                               </p:par>
+                              <p:par>
+                                <p:cTn id="27" presetID="1" presetClass="entr" presetSubtype="0" fill="hold" grpId="0" nodeType="withEffect">
+                                  <p:stCondLst>
+                                    <p:cond delay="0"/>
+                                  </p:stCondLst>
+                                  <p:childTnLst>
+                                    <p:set>
+                                      <p:cBhvr>
+                                        <p:cTn id="28" dur="1" fill="hold">
+                                          <p:stCondLst>
+                                            <p:cond delay="0"/>
+                                          </p:stCondLst>
+                                        </p:cTn>
+                                        <p:tgtEl>
+                                          <p:spTgt spid="6"/>
+                                        </p:tgtEl>
+                                        <p:attrNameLst>
+                                          <p:attrName>style.visibility</p:attrName>
+                                        </p:attrNameLst>
+                                      </p:cBhvr>
+                                      <p:to>
+                                        <p:strVal val="visible"/>
+                                      </p:to>
+                                    </p:set>
+                                  </p:childTnLst>
+                                </p:cTn>
+                              </p:par>
                             </p:childTnLst>
                           </p:cTn>
                         </p:par>
@@ -10428,6 +10526,9 @@
         </p:cTn>
       </p:par>
     </p:tnLst>
+    <p:bldLst>
+      <p:bldP spid="6" grpId="0" animBg="1"/>
+    </p:bldLst>
   </p:timing>
 </p:sld>
 </file>
@@ -11473,7 +11574,120 @@
   <p:timing>
     <p:tnLst>
       <p:par>
-        <p:cTn id="1" dur="indefinite" restart="never" nodeType="tmRoot"/>
+        <p:cTn id="1" dur="indefinite" restart="never" nodeType="tmRoot">
+          <p:childTnLst>
+            <p:seq concurrent="1" nextAc="seek">
+              <p:cTn id="2" dur="indefinite" nodeType="mainSeq">
+                <p:childTnLst>
+                  <p:par>
+                    <p:cTn id="3" fill="hold">
+                      <p:stCondLst>
+                        <p:cond delay="indefinite"/>
+                      </p:stCondLst>
+                      <p:childTnLst>
+                        <p:par>
+                          <p:cTn id="4" fill="hold">
+                            <p:stCondLst>
+                              <p:cond delay="0"/>
+                            </p:stCondLst>
+                            <p:childTnLst>
+                              <p:par>
+                                <p:cTn id="5" presetID="1" presetClass="entr" presetSubtype="0" fill="hold" nodeType="clickEffect">
+                                  <p:stCondLst>
+                                    <p:cond delay="0"/>
+                                  </p:stCondLst>
+                                  <p:childTnLst>
+                                    <p:set>
+                                      <p:cBhvr>
+                                        <p:cTn id="6" dur="1" fill="hold">
+                                          <p:stCondLst>
+                                            <p:cond delay="0"/>
+                                          </p:stCondLst>
+                                        </p:cTn>
+                                        <p:tgtEl>
+                                          <p:spTgt spid="2050"/>
+                                        </p:tgtEl>
+                                        <p:attrNameLst>
+                                          <p:attrName>style.visibility</p:attrName>
+                                        </p:attrNameLst>
+                                      </p:cBhvr>
+                                      <p:to>
+                                        <p:strVal val="visible"/>
+                                      </p:to>
+                                    </p:set>
+                                  </p:childTnLst>
+                                </p:cTn>
+                              </p:par>
+                            </p:childTnLst>
+                          </p:cTn>
+                        </p:par>
+                      </p:childTnLst>
+                    </p:cTn>
+                  </p:par>
+                  <p:par>
+                    <p:cTn id="7" fill="hold">
+                      <p:stCondLst>
+                        <p:cond delay="indefinite"/>
+                      </p:stCondLst>
+                      <p:childTnLst>
+                        <p:par>
+                          <p:cTn id="8" fill="hold">
+                            <p:stCondLst>
+                              <p:cond delay="0"/>
+                            </p:stCondLst>
+                            <p:childTnLst>
+                              <p:par>
+                                <p:cTn id="9" presetID="1" presetClass="entr" presetSubtype="0" fill="hold" nodeType="clickEffect">
+                                  <p:stCondLst>
+                                    <p:cond delay="0"/>
+                                  </p:stCondLst>
+                                  <p:childTnLst>
+                                    <p:set>
+                                      <p:cBhvr>
+                                        <p:cTn id="10" dur="1" fill="hold">
+                                          <p:stCondLst>
+                                            <p:cond delay="0"/>
+                                          </p:stCondLst>
+                                        </p:cTn>
+                                        <p:tgtEl>
+                                          <p:spTgt spid="6"/>
+                                        </p:tgtEl>
+                                        <p:attrNameLst>
+                                          <p:attrName>style.visibility</p:attrName>
+                                        </p:attrNameLst>
+                                      </p:cBhvr>
+                                      <p:to>
+                                        <p:strVal val="visible"/>
+                                      </p:to>
+                                    </p:set>
+                                  </p:childTnLst>
+                                </p:cTn>
+                              </p:par>
+                            </p:childTnLst>
+                          </p:cTn>
+                        </p:par>
+                      </p:childTnLst>
+                    </p:cTn>
+                  </p:par>
+                </p:childTnLst>
+              </p:cTn>
+              <p:prevCondLst>
+                <p:cond evt="onPrev" delay="0">
+                  <p:tgtEl>
+                    <p:sldTgt/>
+                  </p:tgtEl>
+                </p:cond>
+              </p:prevCondLst>
+              <p:nextCondLst>
+                <p:cond evt="onNext" delay="0">
+                  <p:tgtEl>
+                    <p:sldTgt/>
+                  </p:tgtEl>
+                </p:cond>
+              </p:nextCondLst>
+            </p:seq>
+          </p:childTnLst>
+        </p:cTn>
       </p:par>
     </p:tnLst>
   </p:timing>
@@ -11640,7 +11854,7 @@
         <p:spPr>
           <a:xfrm>
             <a:off x="196766" y="1371604"/>
-            <a:ext cx="8284234" cy="5207396"/>
+            <a:ext cx="8959234" cy="5207396"/>
           </a:xfrm>
         </p:spPr>
         <p:txBody>
@@ -11649,19 +11863,63 @@
           <a:p>
             <a:r>
               <a:rPr lang="bg-BG" dirty="0" smtClean="0"/>
-              <a:t>͏Език за програмиране</a:t>
+              <a:t>͏</a:t>
+            </a:r>
+            <a:r>
+              <a:rPr lang="bg-BG" b="1" dirty="0" smtClean="0"/>
+              <a:t>Език за програмиране</a:t>
             </a:r>
           </a:p>
           <a:p>
             <a:r>
               <a:rPr lang="bg-BG" dirty="0" smtClean="0"/>
-              <a:t>Компилиране и интерпретиране</a:t>
-            </a:r>
-          </a:p>
-          <a:p>
+              <a:t>͏</a:t>
+            </a:r>
+            <a:r>
+              <a:rPr lang="bg-BG" b="1" dirty="0" smtClean="0">
+                <a:solidFill>
+                  <a:schemeClr val="bg1"/>
+                </a:solidFill>
+              </a:rPr>
+              <a:t>Компилиране</a:t>
+            </a:r>
             <a:r>
               <a:rPr lang="bg-BG" dirty="0" smtClean="0"/>
-              <a:t>Интегрирана среда за програмиране</a:t>
+              <a:t> </a:t>
+            </a:r>
+            <a:r>
+              <a:rPr lang="bg-BG" dirty="0" smtClean="0"/>
+              <a:t>и </a:t>
+            </a:r>
+            <a:r>
+              <a:rPr lang="bg-BG" b="1" dirty="0" smtClean="0">
+                <a:solidFill>
+                  <a:schemeClr val="bg1"/>
+                </a:solidFill>
+              </a:rPr>
+              <a:t>интерпретиране</a:t>
+            </a:r>
+          </a:p>
+          <a:p>
+            <a:r>
+              <a:rPr lang="bg-BG" dirty="0" smtClean="0"/>
+              <a:t>Интегрирана среда за </a:t>
+            </a:r>
+            <a:r>
+              <a:rPr lang="bg-BG" dirty="0" smtClean="0"/>
+              <a:t>програмиране</a:t>
+            </a:r>
+            <a:r>
+              <a:rPr lang="en-US" dirty="0" smtClean="0"/>
+              <a:t> (</a:t>
+            </a:r>
+            <a:r>
+              <a:rPr lang="en-US" b="1" dirty="0" smtClean="0"/>
+              <a:t>IDE</a:t>
+            </a:r>
+            <a:r>
+              <a:rPr lang="en-US" dirty="0" smtClean="0"/>
+              <a:t>)</a:t>
             </a:r>
             <a:endParaRPr lang="bg-BG" dirty="0" smtClean="0"/>
           </a:p>
@@ -11798,6 +12056,55 @@
                                         <p:tgtEl>
                                           <p:spTgt spid="444419">
                                             <p:txEl>
+                                              <p:pRg st="1" end="1"/>
+                                            </p:txEl>
+                                          </p:spTgt>
+                                        </p:tgtEl>
+                                        <p:attrNameLst>
+                                          <p:attrName>style.visibility</p:attrName>
+                                        </p:attrNameLst>
+                                      </p:cBhvr>
+                                      <p:to>
+                                        <p:strVal val="visible"/>
+                                      </p:to>
+                                    </p:set>
+                                  </p:childTnLst>
+                                </p:cTn>
+                              </p:par>
+                            </p:childTnLst>
+                          </p:cTn>
+                        </p:par>
+                      </p:childTnLst>
+                    </p:cTn>
+                  </p:par>
+                  <p:par>
+                    <p:cTn id="7" fill="hold">
+                      <p:stCondLst>
+                        <p:cond delay="indefinite"/>
+                      </p:stCondLst>
+                      <p:childTnLst>
+                        <p:par>
+                          <p:cTn id="8" fill="hold">
+                            <p:stCondLst>
+                              <p:cond delay="0"/>
+                            </p:stCondLst>
+                            <p:childTnLst>
+                              <p:par>
+                                <p:cTn id="9" presetID="1" presetClass="entr" presetSubtype="0" fill="hold" nodeType="clickEffect">
+                                  <p:stCondLst>
+                                    <p:cond delay="0"/>
+                                  </p:stCondLst>
+                                  <p:childTnLst>
+                                    <p:set>
+                                      <p:cBhvr>
+                                        <p:cTn id="10" dur="1" fill="hold">
+                                          <p:stCondLst>
+                                            <p:cond delay="0"/>
+                                          </p:stCondLst>
+                                        </p:cTn>
+                                        <p:tgtEl>
+                                          <p:spTgt spid="444419">
+                                            <p:txEl>
                                               <p:pRg st="2" end="2"/>
                                             </p:txEl>
                                           </p:spTgt>
@@ -11913,8 +12220,12 @@
               <a:t>I</a:t>
             </a:r>
             <a:r>
+              <a:rPr lang="ru-RU" b="1" dirty="0"/>
+              <a:t>ntegrated</a:t>
+            </a:r>
+            <a:r>
               <a:rPr lang="ru-RU" dirty="0"/>
-              <a:t>ntegrated </a:t>
+              <a:t> </a:t>
             </a:r>
             <a:r>
               <a:rPr lang="en-US" b="1" dirty="0">
@@ -11925,8 +12236,12 @@
               <a:t>D</a:t>
             </a:r>
             <a:r>
+              <a:rPr lang="ru-RU" b="1" dirty="0"/>
+              <a:t>evelopment</a:t>
+            </a:r>
+            <a:r>
               <a:rPr lang="ru-RU" dirty="0"/>
-              <a:t>evelopment </a:t>
+              <a:t> </a:t>
             </a:r>
             <a:r>
               <a:rPr lang="en-US" b="1" dirty="0">
@@ -11937,8 +12252,12 @@
               <a:t>E</a:t>
             </a:r>
             <a:r>
+              <a:rPr lang="ru-RU" b="1" dirty="0"/>
+              <a:t>nvironment</a:t>
+            </a:r>
+            <a:r>
               <a:rPr lang="ru-RU" dirty="0"/>
-              <a:t>nvironment </a:t>
+              <a:t> </a:t>
             </a:r>
             <a:r>
               <a:rPr lang="en-US" dirty="0" smtClean="0"/>
@@ -11972,24 +12291,17 @@
               <a:rPr lang="en-US" dirty="0" smtClean="0"/>
               <a:t>:</a:t>
             </a:r>
+            <a:endParaRPr lang="en-US" dirty="0" smtClean="0"/>
           </a:p>
           <a:p>
             <a:pPr lvl="1"/>
             <a:r>
-              <a:rPr lang="bg-BG" dirty="0"/>
+              <a:rPr lang="bg-BG" dirty="0" smtClean="0"/>
               <a:t>Р</a:t>
             </a:r>
             <a:r>
               <a:rPr lang="ru-RU" dirty="0" smtClean="0"/>
-              <a:t>едактор </a:t>
-            </a:r>
-            <a:r>
-              <a:rPr lang="ru-RU" dirty="0"/>
-              <a:t>на </a:t>
-            </a:r>
-            <a:r>
-              <a:rPr lang="ru-RU" dirty="0" smtClean="0"/>
-              <a:t>код</a:t>
+              <a:t>едактор на код</a:t>
             </a:r>
             <a:endParaRPr lang="en-US" dirty="0" smtClean="0"/>
           </a:p>
@@ -12004,8 +12316,8 @@
           <a:p>
             <a:pPr lvl="1"/>
             <a:r>
-              <a:rPr lang="ru-RU" dirty="0" smtClean="0"/>
-              <a:t>Дебъгер</a:t>
+              <a:rPr lang="en-US" dirty="0" smtClean="0"/>
+              <a:t>Debugger</a:t>
             </a:r>
             <a:endParaRPr lang="en-US" dirty="0"/>
           </a:p>
@@ -12194,7 +12506,258 @@
   <p:timing>
     <p:tnLst>
       <p:par>
-        <p:cTn id="1" dur="indefinite" restart="never" nodeType="tmRoot"/>
+        <p:cTn id="1" dur="indefinite" restart="never" nodeType="tmRoot">
+          <p:childTnLst>
+            <p:seq concurrent="1" nextAc="seek">
+              <p:cTn id="2" dur="indefinite" nodeType="mainSeq">
+                <p:childTnLst>
+                  <p:par>
+                    <p:cTn id="3" fill="hold">
+                      <p:stCondLst>
+                        <p:cond delay="indefinite"/>
+                      </p:stCondLst>
+                      <p:childTnLst>
+                        <p:par>
+                          <p:cTn id="4" fill="hold">
+                            <p:stCondLst>
+                              <p:cond delay="0"/>
+                            </p:stCondLst>
+                            <p:childTnLst>
+                              <p:par>
+                                <p:cTn id="5" presetID="1" presetClass="entr" presetSubtype="0" fill="hold" nodeType="clickEffect">
+                                  <p:stCondLst>
+                                    <p:cond delay="0"/>
+                                  </p:stCondLst>
+                                  <p:childTnLst>
+                                    <p:set>
+                                      <p:cBhvr>
+                                        <p:cTn id="6" dur="1" fill="hold">
+                                          <p:stCondLst>
+                                            <p:cond delay="0"/>
+                                          </p:stCondLst>
+                                        </p:cTn>
+                                        <p:tgtEl>
+                                          <p:spTgt spid="3">
+                                            <p:txEl>
+                                              <p:pRg st="1" end="1"/>
+                                            </p:txEl>
+                                          </p:spTgt>
+                                        </p:tgtEl>
+                                        <p:attrNameLst>
+                                          <p:attrName>style.visibility</p:attrName>
+                                        </p:attrNameLst>
+                                      </p:cBhvr>
+                                      <p:to>
+                                        <p:strVal val="visible"/>
+                                      </p:to>
+                                    </p:set>
+                                  </p:childTnLst>
+                                </p:cTn>
+                              </p:par>
+                              <p:par>
+                                <p:cTn id="7" presetID="1" presetClass="entr" presetSubtype="0" fill="hold" nodeType="withEffect">
+                                  <p:stCondLst>
+                                    <p:cond delay="0"/>
+                                  </p:stCondLst>
+                                  <p:childTnLst>
+                                    <p:set>
+                                      <p:cBhvr>
+                                        <p:cTn id="8" dur="1" fill="hold">
+                                          <p:stCondLst>
+                                            <p:cond delay="0"/>
+                                          </p:stCondLst>
+                                        </p:cTn>
+                                        <p:tgtEl>
+                                          <p:spTgt spid="3074"/>
+                                        </p:tgtEl>
+                                        <p:attrNameLst>
+                                          <p:attrName>style.visibility</p:attrName>
+                                        </p:attrNameLst>
+                                      </p:cBhvr>
+                                      <p:to>
+                                        <p:strVal val="visible"/>
+                                      </p:to>
+                                    </p:set>
+                                  </p:childTnLst>
+                                </p:cTn>
+                              </p:par>
+                            </p:childTnLst>
+                          </p:cTn>
+                        </p:par>
+                      </p:childTnLst>
+                    </p:cTn>
+                  </p:par>
+                  <p:par>
+                    <p:cTn id="9" fill="hold">
+                      <p:stCondLst>
+                        <p:cond delay="indefinite"/>
+                      </p:stCondLst>
+                      <p:childTnLst>
+                        <p:par>
+                          <p:cTn id="10" fill="hold">
+                            <p:stCondLst>
+                              <p:cond delay="0"/>
+                            </p:stCondLst>
+                            <p:childTnLst>
+                              <p:par>
+                                <p:cTn id="11" presetID="1" presetClass="entr" presetSubtype="0" fill="hold" nodeType="clickEffect">
+                                  <p:stCondLst>
+                                    <p:cond delay="0"/>
+                                  </p:stCondLst>
+                                  <p:childTnLst>
+                                    <p:set>
+                                      <p:cBhvr>
+                                        <p:cTn id="12" dur="1" fill="hold">
+                                          <p:stCondLst>
+                                            <p:cond delay="0"/>
+                                          </p:stCondLst>
+                                        </p:cTn>
+                                        <p:tgtEl>
+                                          <p:spTgt spid="3">
+                                            <p:txEl>
+                                              <p:pRg st="2" end="2"/>
+                                            </p:txEl>
+                                          </p:spTgt>
+                                        </p:tgtEl>
+                                        <p:attrNameLst>
+                                          <p:attrName>style.visibility</p:attrName>
+                                        </p:attrNameLst>
+                                      </p:cBhvr>
+                                      <p:to>
+                                        <p:strVal val="visible"/>
+                                      </p:to>
+                                    </p:set>
+                                  </p:childTnLst>
+                                </p:cTn>
+                              </p:par>
+                              <p:par>
+                                <p:cTn id="13" presetID="1" presetClass="entr" presetSubtype="0" fill="hold" nodeType="withEffect">
+                                  <p:stCondLst>
+                                    <p:cond delay="0"/>
+                                  </p:stCondLst>
+                                  <p:childTnLst>
+                                    <p:set>
+                                      <p:cBhvr>
+                                        <p:cTn id="14" dur="1" fill="hold">
+                                          <p:stCondLst>
+                                            <p:cond delay="0"/>
+                                          </p:stCondLst>
+                                        </p:cTn>
+                                        <p:tgtEl>
+                                          <p:spTgt spid="6"/>
+                                        </p:tgtEl>
+                                        <p:attrNameLst>
+                                          <p:attrName>style.visibility</p:attrName>
+                                        </p:attrNameLst>
+                                      </p:cBhvr>
+                                      <p:to>
+                                        <p:strVal val="visible"/>
+                                      </p:to>
+                                    </p:set>
+                                  </p:childTnLst>
+                                </p:cTn>
+                              </p:par>
+                            </p:childTnLst>
+                          </p:cTn>
+                        </p:par>
+                      </p:childTnLst>
+                    </p:cTn>
+                  </p:par>
+                  <p:par>
+                    <p:cTn id="15" fill="hold">
+                      <p:stCondLst>
+                        <p:cond delay="indefinite"/>
+                      </p:stCondLst>
+                      <p:childTnLst>
+                        <p:par>
+                          <p:cTn id="16" fill="hold">
+                            <p:stCondLst>
+                              <p:cond delay="0"/>
+                            </p:stCondLst>
+                            <p:childTnLst>
+                              <p:par>
+                                <p:cTn id="17" presetID="1" presetClass="entr" presetSubtype="0" fill="hold" nodeType="clickEffect">
+                                  <p:stCondLst>
+                                    <p:cond delay="0"/>
+                                  </p:stCondLst>
+                                  <p:childTnLst>
+                                    <p:set>
+                                      <p:cBhvr>
+                                        <p:cTn id="18" dur="1" fill="hold">
+                                          <p:stCondLst>
+                                            <p:cond delay="0"/>
+                                          </p:stCondLst>
+                                        </p:cTn>
+                                        <p:tgtEl>
+                                          <p:spTgt spid="3">
+                                            <p:txEl>
+                                              <p:pRg st="3" end="3"/>
+                                            </p:txEl>
+                                          </p:spTgt>
+                                        </p:tgtEl>
+                                        <p:attrNameLst>
+                                          <p:attrName>style.visibility</p:attrName>
+                                        </p:attrNameLst>
+                                      </p:cBhvr>
+                                      <p:to>
+                                        <p:strVal val="visible"/>
+                                      </p:to>
+                                    </p:set>
+                                  </p:childTnLst>
+                                </p:cTn>
+                              </p:par>
+                              <p:par>
+                                <p:cTn id="19" presetID="1" presetClass="entr" presetSubtype="0" fill="hold" nodeType="withEffect">
+                                  <p:stCondLst>
+                                    <p:cond delay="0"/>
+                                  </p:stCondLst>
+                                  <p:childTnLst>
+                                    <p:set>
+                                      <p:cBhvr>
+                                        <p:cTn id="20" dur="1" fill="hold">
+                                          <p:stCondLst>
+                                            <p:cond delay="0"/>
+                                          </p:stCondLst>
+                                        </p:cTn>
+                                        <p:tgtEl>
+                                          <p:spTgt spid="3076"/>
+                                        </p:tgtEl>
+                                        <p:attrNameLst>
+                                          <p:attrName>style.visibility</p:attrName>
+                                        </p:attrNameLst>
+                                      </p:cBhvr>
+                                      <p:to>
+                                        <p:strVal val="visible"/>
+                                      </p:to>
+                                    </p:set>
+                                  </p:childTnLst>
+                                </p:cTn>
+                              </p:par>
+                            </p:childTnLst>
+                          </p:cTn>
+                        </p:par>
+                      </p:childTnLst>
+                    </p:cTn>
+                  </p:par>
+                </p:childTnLst>
+              </p:cTn>
+              <p:prevCondLst>
+                <p:cond evt="onPrev" delay="0">
+                  <p:tgtEl>
+                    <p:sldTgt/>
+                  </p:tgtEl>
+                </p:cond>
+              </p:prevCondLst>
+              <p:nextCondLst>
+                <p:cond evt="onNext" delay="0">
+                  <p:tgtEl>
+                    <p:sldTgt/>
+                  </p:tgtEl>
+                </p:cond>
+              </p:nextCondLst>
+            </p:seq>
+          </p:childTnLst>
+        </p:cTn>
       </p:par>
     </p:tnLst>
   </p:timing>
@@ -12202,6 +12765,1400 @@
 </file>
 
 <file path=ppt/slides/slide21.xml><?xml version="1.0" encoding="utf-8"?>
+<p:sld xmlns:a="http://schemas.openxmlformats.org/drawingml/2006/main" xmlns:r="http://schemas.openxmlformats.org/officeDocument/2006/relationships" xmlns:p="http://schemas.openxmlformats.org/presentationml/2006/main">
+  <p:cSld>
+    <p:spTree>
+      <p:nvGrpSpPr>
+        <p:cNvPr id="1" name=""/>
+        <p:cNvGrpSpPr/>
+        <p:nvPr/>
+      </p:nvGrpSpPr>
+      <p:grpSpPr>
+        <a:xfrm>
+          <a:off x="0" y="0"/>
+          <a:ext cx="0" cy="0"/>
+          <a:chOff x="0" y="0"/>
+          <a:chExt cx="0" cy="0"/>
+        </a:xfrm>
+      </p:grpSpPr>
+      <p:sp>
+        <p:nvSpPr>
+          <p:cNvPr id="2" name="Slide Number Placeholder 1"/>
+          <p:cNvSpPr>
+            <a:spLocks noGrp="1"/>
+          </p:cNvSpPr>
+          <p:nvPr>
+            <p:ph type="sldNum" sz="quarter" idx="5"/>
+          </p:nvPr>
+        </p:nvSpPr>
+        <p:spPr/>
+        <p:txBody>
+          <a:bodyPr/>
+          <a:lstStyle/>
+          <a:p>
+            <a:fld id="{2BF067CD-8E6B-4360-9AA8-C5DF2A48A6D1}" type="slidenum">
+              <a:rPr lang="en-US" noProof="0" smtClean="0"/>
+              <a:pPr/>
+              <a:t>21</a:t>
+            </a:fld>
+            <a:endParaRPr lang="en-US" noProof="0" dirty="0"/>
+          </a:p>
+        </p:txBody>
+      </p:sp>
+      <p:sp>
+        <p:nvSpPr>
+          <p:cNvPr id="3" name="Text Placeholder 2"/>
+          <p:cNvSpPr>
+            <a:spLocks noGrp="1"/>
+          </p:cNvSpPr>
+          <p:nvPr>
+            <p:ph type="body" sz="quarter" idx="10"/>
+          </p:nvPr>
+        </p:nvSpPr>
+        <p:spPr/>
+        <p:txBody>
+          <a:bodyPr/>
+          <a:lstStyle/>
+          <a:p>
+            <a:r>
+              <a:rPr lang="ru-RU" b="1" dirty="0" smtClean="0"/>
+              <a:t>͏</a:t>
+            </a:r>
+            <a:r>
+              <a:rPr lang="ru-RU" b="1" dirty="0" smtClean="0">
+                <a:solidFill>
+                  <a:schemeClr val="bg1"/>
+                </a:solidFill>
+              </a:rPr>
+              <a:t>Редакторът</a:t>
+            </a:r>
+            <a:r>
+              <a:rPr lang="en-US" b="1" dirty="0" smtClean="0">
+                <a:solidFill>
+                  <a:schemeClr val="bg1"/>
+                </a:solidFill>
+              </a:rPr>
+              <a:t> </a:t>
+            </a:r>
+            <a:r>
+              <a:rPr lang="ru-RU" dirty="0" smtClean="0"/>
+              <a:t>– </a:t>
+            </a:r>
+            <a:r>
+              <a:rPr lang="ru-RU" dirty="0"/>
+              <a:t>програма за </a:t>
+            </a:r>
+            <a:r>
+              <a:rPr lang="ru-RU" b="1" dirty="0"/>
+              <a:t>писане</a:t>
+            </a:r>
+            <a:r>
+              <a:rPr lang="ru-RU" dirty="0"/>
+              <a:t> и </a:t>
+            </a:r>
+            <a:r>
+              <a:rPr lang="ru-RU" b="1" dirty="0"/>
+              <a:t>редактиране</a:t>
+            </a:r>
+            <a:r>
+              <a:rPr lang="ru-RU" dirty="0"/>
+              <a:t> на </a:t>
+            </a:r>
+            <a:r>
+              <a:rPr lang="bg-BG" b="1" dirty="0" smtClean="0"/>
+              <a:t>програмен код</a:t>
+            </a:r>
+            <a:endParaRPr lang="ru-RU" b="1" dirty="0" smtClean="0"/>
+          </a:p>
+          <a:p>
+            <a:pPr lvl="1"/>
+            <a:r>
+              <a:rPr lang="ru-RU" b="1" dirty="0"/>
+              <a:t>Оцветява</a:t>
+            </a:r>
+            <a:r>
+              <a:rPr lang="ru-RU" dirty="0"/>
+              <a:t> различните части на </a:t>
+            </a:r>
+            <a:r>
+              <a:rPr lang="ru-RU" dirty="0" smtClean="0"/>
+              <a:t>кода</a:t>
+            </a:r>
+          </a:p>
+          <a:p>
+            <a:pPr lvl="1"/>
+            <a:r>
+              <a:rPr lang="ru-RU" b="1" dirty="0" smtClean="0"/>
+              <a:t>Показва </a:t>
+            </a:r>
+            <a:r>
+              <a:rPr lang="ru-RU" b="1" dirty="0"/>
+              <a:t>грешки</a:t>
+            </a:r>
+            <a:r>
+              <a:rPr lang="ru-RU" dirty="0"/>
+              <a:t>, когато кодът не е написан </a:t>
+            </a:r>
+            <a:r>
+              <a:rPr lang="ru-RU" dirty="0" smtClean="0"/>
+              <a:t>правилно</a:t>
+            </a:r>
+          </a:p>
+          <a:p>
+            <a:pPr lvl="1"/>
+            <a:r>
+              <a:rPr lang="ru-RU" dirty="0"/>
+              <a:t>Има опция за </a:t>
+            </a:r>
+            <a:r>
+              <a:rPr lang="ru-RU" b="1" dirty="0"/>
+              <a:t>автоматично допълване на </a:t>
+            </a:r>
+            <a:r>
+              <a:rPr lang="ru-RU" b="1" dirty="0" smtClean="0"/>
+              <a:t>команди</a:t>
+            </a:r>
+            <a:endParaRPr lang="en-US" dirty="0"/>
+          </a:p>
+        </p:txBody>
+      </p:sp>
+      <p:sp>
+        <p:nvSpPr>
+          <p:cNvPr id="4" name="Title 3"/>
+          <p:cNvSpPr>
+            <a:spLocks noGrp="1"/>
+          </p:cNvSpPr>
+          <p:nvPr>
+            <p:ph type="title"/>
+          </p:nvPr>
+        </p:nvSpPr>
+        <p:spPr/>
+        <p:txBody>
+          <a:bodyPr/>
+          <a:lstStyle/>
+          <a:p>
+            <a:r>
+              <a:rPr lang="bg-BG" dirty="0" smtClean="0"/>
+              <a:t>Редактор</a:t>
+            </a:r>
+            <a:endParaRPr lang="en-US" dirty="0"/>
+          </a:p>
+        </p:txBody>
+      </p:sp>
+      <p:pic>
+        <p:nvPicPr>
+          <p:cNvPr id="6" name="Picture 5"/>
+          <p:cNvPicPr>
+            <a:picLocks noChangeAspect="1"/>
+          </p:cNvPicPr>
+          <p:nvPr/>
+        </p:nvPicPr>
+        <p:blipFill rotWithShape="1">
+          <a:blip r:embed="rId2"/>
+          <a:srcRect l="33787" b="49005"/>
+          <a:stretch/>
+        </p:blipFill>
+        <p:spPr>
+          <a:xfrm>
+            <a:off x="426000" y="4832012"/>
+            <a:ext cx="3929853" cy="1639438"/>
+          </a:xfrm>
+          <a:prstGeom prst="rect">
+            <a:avLst/>
+          </a:prstGeom>
+          <a:ln>
+            <a:solidFill>
+              <a:schemeClr val="bg2">
+                <a:lumMod val="75000"/>
+              </a:schemeClr>
+            </a:solidFill>
+          </a:ln>
+        </p:spPr>
+      </p:pic>
+      <p:pic>
+        <p:nvPicPr>
+          <p:cNvPr id="7" name="Picture 6"/>
+          <p:cNvPicPr>
+            <a:picLocks noChangeAspect="1"/>
+          </p:cNvPicPr>
+          <p:nvPr/>
+        </p:nvPicPr>
+        <p:blipFill rotWithShape="1">
+          <a:blip r:embed="rId3"/>
+          <a:srcRect l="33409" t="8224" r="28728" b="47574"/>
+          <a:stretch/>
+        </p:blipFill>
+        <p:spPr>
+          <a:xfrm>
+            <a:off x="4641963" y="4531031"/>
+            <a:ext cx="3309811" cy="2092969"/>
+          </a:xfrm>
+          <a:prstGeom prst="rect">
+            <a:avLst/>
+          </a:prstGeom>
+          <a:ln>
+            <a:solidFill>
+              <a:schemeClr val="bg2">
+                <a:lumMod val="75000"/>
+              </a:schemeClr>
+            </a:solidFill>
+          </a:ln>
+        </p:spPr>
+      </p:pic>
+      <p:pic>
+        <p:nvPicPr>
+          <p:cNvPr id="8" name="Picture 7"/>
+          <p:cNvPicPr>
+            <a:picLocks noChangeAspect="1"/>
+          </p:cNvPicPr>
+          <p:nvPr/>
+        </p:nvPicPr>
+        <p:blipFill rotWithShape="1">
+          <a:blip r:embed="rId4"/>
+          <a:srcRect l="27247" t="8666" r="13181" b="21840"/>
+          <a:stretch/>
+        </p:blipFill>
+        <p:spPr>
+          <a:xfrm>
+            <a:off x="8237883" y="4526981"/>
+            <a:ext cx="3312321" cy="2092969"/>
+          </a:xfrm>
+          <a:prstGeom prst="rect">
+            <a:avLst/>
+          </a:prstGeom>
+          <a:ln>
+            <a:solidFill>
+              <a:schemeClr val="bg2">
+                <a:lumMod val="75000"/>
+              </a:schemeClr>
+            </a:solidFill>
+          </a:ln>
+        </p:spPr>
+      </p:pic>
+    </p:spTree>
+    <p:extLst>
+      <p:ext uri="{BB962C8B-B14F-4D97-AF65-F5344CB8AC3E}">
+        <p14:creationId xmlns:p14="http://schemas.microsoft.com/office/powerpoint/2010/main" val="2046670710"/>
+      </p:ext>
+    </p:extLst>
+  </p:cSld>
+  <p:clrMapOvr>
+    <a:masterClrMapping/>
+  </p:clrMapOvr>
+  <mc:AlternateContent xmlns:mc="http://schemas.openxmlformats.org/markup-compatibility/2006" xmlns:p14="http://schemas.microsoft.com/office/powerpoint/2010/main">
+    <mc:Choice Requires="p14">
+      <p:transition spd="slow" p14:dur="2000" advClick="0" advTm="5000"/>
+    </mc:Choice>
+    <mc:Fallback xmlns="">
+      <p:transition spd="slow" advClick="0" advTm="5000"/>
+    </mc:Fallback>
+  </mc:AlternateContent>
+  <p:timing>
+    <p:tnLst>
+      <p:par>
+        <p:cTn id="1" dur="indefinite" restart="never" nodeType="tmRoot">
+          <p:childTnLst>
+            <p:seq concurrent="1" nextAc="seek">
+              <p:cTn id="2" dur="indefinite" nodeType="mainSeq">
+                <p:childTnLst>
+                  <p:par>
+                    <p:cTn id="3" fill="hold">
+                      <p:stCondLst>
+                        <p:cond delay="indefinite"/>
+                      </p:stCondLst>
+                      <p:childTnLst>
+                        <p:par>
+                          <p:cTn id="4" fill="hold">
+                            <p:stCondLst>
+                              <p:cond delay="0"/>
+                            </p:stCondLst>
+                            <p:childTnLst>
+                              <p:par>
+                                <p:cTn id="5" presetID="1" presetClass="entr" presetSubtype="0" fill="hold" nodeType="clickEffect">
+                                  <p:stCondLst>
+                                    <p:cond delay="0"/>
+                                  </p:stCondLst>
+                                  <p:childTnLst>
+                                    <p:set>
+                                      <p:cBhvr>
+                                        <p:cTn id="6" dur="1" fill="hold">
+                                          <p:stCondLst>
+                                            <p:cond delay="0"/>
+                                          </p:stCondLst>
+                                        </p:cTn>
+                                        <p:tgtEl>
+                                          <p:spTgt spid="3">
+                                            <p:txEl>
+                                              <p:pRg st="1" end="1"/>
+                                            </p:txEl>
+                                          </p:spTgt>
+                                        </p:tgtEl>
+                                        <p:attrNameLst>
+                                          <p:attrName>style.visibility</p:attrName>
+                                        </p:attrNameLst>
+                                      </p:cBhvr>
+                                      <p:to>
+                                        <p:strVal val="visible"/>
+                                      </p:to>
+                                    </p:set>
+                                  </p:childTnLst>
+                                </p:cTn>
+                              </p:par>
+                              <p:par>
+                                <p:cTn id="7" presetID="1" presetClass="entr" presetSubtype="0" fill="hold" nodeType="withEffect">
+                                  <p:stCondLst>
+                                    <p:cond delay="0"/>
+                                  </p:stCondLst>
+                                  <p:childTnLst>
+                                    <p:set>
+                                      <p:cBhvr>
+                                        <p:cTn id="8" dur="1" fill="hold">
+                                          <p:stCondLst>
+                                            <p:cond delay="0"/>
+                                          </p:stCondLst>
+                                        </p:cTn>
+                                        <p:tgtEl>
+                                          <p:spTgt spid="6"/>
+                                        </p:tgtEl>
+                                        <p:attrNameLst>
+                                          <p:attrName>style.visibility</p:attrName>
+                                        </p:attrNameLst>
+                                      </p:cBhvr>
+                                      <p:to>
+                                        <p:strVal val="visible"/>
+                                      </p:to>
+                                    </p:set>
+                                  </p:childTnLst>
+                                </p:cTn>
+                              </p:par>
+                            </p:childTnLst>
+                          </p:cTn>
+                        </p:par>
+                      </p:childTnLst>
+                    </p:cTn>
+                  </p:par>
+                  <p:par>
+                    <p:cTn id="9" fill="hold">
+                      <p:stCondLst>
+                        <p:cond delay="indefinite"/>
+                      </p:stCondLst>
+                      <p:childTnLst>
+                        <p:par>
+                          <p:cTn id="10" fill="hold">
+                            <p:stCondLst>
+                              <p:cond delay="0"/>
+                            </p:stCondLst>
+                            <p:childTnLst>
+                              <p:par>
+                                <p:cTn id="11" presetID="1" presetClass="entr" presetSubtype="0" fill="hold" nodeType="clickEffect">
+                                  <p:stCondLst>
+                                    <p:cond delay="0"/>
+                                  </p:stCondLst>
+                                  <p:childTnLst>
+                                    <p:set>
+                                      <p:cBhvr>
+                                        <p:cTn id="12" dur="1" fill="hold">
+                                          <p:stCondLst>
+                                            <p:cond delay="0"/>
+                                          </p:stCondLst>
+                                        </p:cTn>
+                                        <p:tgtEl>
+                                          <p:spTgt spid="3">
+                                            <p:txEl>
+                                              <p:pRg st="2" end="2"/>
+                                            </p:txEl>
+                                          </p:spTgt>
+                                        </p:tgtEl>
+                                        <p:attrNameLst>
+                                          <p:attrName>style.visibility</p:attrName>
+                                        </p:attrNameLst>
+                                      </p:cBhvr>
+                                      <p:to>
+                                        <p:strVal val="visible"/>
+                                      </p:to>
+                                    </p:set>
+                                  </p:childTnLst>
+                                </p:cTn>
+                              </p:par>
+                              <p:par>
+                                <p:cTn id="13" presetID="1" presetClass="entr" presetSubtype="0" fill="hold" nodeType="withEffect">
+                                  <p:stCondLst>
+                                    <p:cond delay="0"/>
+                                  </p:stCondLst>
+                                  <p:childTnLst>
+                                    <p:set>
+                                      <p:cBhvr>
+                                        <p:cTn id="14" dur="1" fill="hold">
+                                          <p:stCondLst>
+                                            <p:cond delay="0"/>
+                                          </p:stCondLst>
+                                        </p:cTn>
+                                        <p:tgtEl>
+                                          <p:spTgt spid="7"/>
+                                        </p:tgtEl>
+                                        <p:attrNameLst>
+                                          <p:attrName>style.visibility</p:attrName>
+                                        </p:attrNameLst>
+                                      </p:cBhvr>
+                                      <p:to>
+                                        <p:strVal val="visible"/>
+                                      </p:to>
+                                    </p:set>
+                                  </p:childTnLst>
+                                </p:cTn>
+                              </p:par>
+                            </p:childTnLst>
+                          </p:cTn>
+                        </p:par>
+                      </p:childTnLst>
+                    </p:cTn>
+                  </p:par>
+                  <p:par>
+                    <p:cTn id="15" fill="hold">
+                      <p:stCondLst>
+                        <p:cond delay="indefinite"/>
+                      </p:stCondLst>
+                      <p:childTnLst>
+                        <p:par>
+                          <p:cTn id="16" fill="hold">
+                            <p:stCondLst>
+                              <p:cond delay="0"/>
+                            </p:stCondLst>
+                            <p:childTnLst>
+                              <p:par>
+                                <p:cTn id="17" presetID="1" presetClass="entr" presetSubtype="0" fill="hold" nodeType="clickEffect">
+                                  <p:stCondLst>
+                                    <p:cond delay="0"/>
+                                  </p:stCondLst>
+                                  <p:childTnLst>
+                                    <p:set>
+                                      <p:cBhvr>
+                                        <p:cTn id="18" dur="1" fill="hold">
+                                          <p:stCondLst>
+                                            <p:cond delay="0"/>
+                                          </p:stCondLst>
+                                        </p:cTn>
+                                        <p:tgtEl>
+                                          <p:spTgt spid="3">
+                                            <p:txEl>
+                                              <p:pRg st="3" end="3"/>
+                                            </p:txEl>
+                                          </p:spTgt>
+                                        </p:tgtEl>
+                                        <p:attrNameLst>
+                                          <p:attrName>style.visibility</p:attrName>
+                                        </p:attrNameLst>
+                                      </p:cBhvr>
+                                      <p:to>
+                                        <p:strVal val="visible"/>
+                                      </p:to>
+                                    </p:set>
+                                  </p:childTnLst>
+                                </p:cTn>
+                              </p:par>
+                              <p:par>
+                                <p:cTn id="19" presetID="1" presetClass="entr" presetSubtype="0" fill="hold" nodeType="withEffect">
+                                  <p:stCondLst>
+                                    <p:cond delay="0"/>
+                                  </p:stCondLst>
+                                  <p:childTnLst>
+                                    <p:set>
+                                      <p:cBhvr>
+                                        <p:cTn id="20" dur="1" fill="hold">
+                                          <p:stCondLst>
+                                            <p:cond delay="0"/>
+                                          </p:stCondLst>
+                                        </p:cTn>
+                                        <p:tgtEl>
+                                          <p:spTgt spid="8"/>
+                                        </p:tgtEl>
+                                        <p:attrNameLst>
+                                          <p:attrName>style.visibility</p:attrName>
+                                        </p:attrNameLst>
+                                      </p:cBhvr>
+                                      <p:to>
+                                        <p:strVal val="visible"/>
+                                      </p:to>
+                                    </p:set>
+                                  </p:childTnLst>
+                                </p:cTn>
+                              </p:par>
+                            </p:childTnLst>
+                          </p:cTn>
+                        </p:par>
+                      </p:childTnLst>
+                    </p:cTn>
+                  </p:par>
+                </p:childTnLst>
+              </p:cTn>
+              <p:prevCondLst>
+                <p:cond evt="onPrev" delay="0">
+                  <p:tgtEl>
+                    <p:sldTgt/>
+                  </p:tgtEl>
+                </p:cond>
+              </p:prevCondLst>
+              <p:nextCondLst>
+                <p:cond evt="onNext" delay="0">
+                  <p:tgtEl>
+                    <p:sldTgt/>
+                  </p:tgtEl>
+                </p:cond>
+              </p:nextCondLst>
+            </p:seq>
+          </p:childTnLst>
+        </p:cTn>
+      </p:par>
+    </p:tnLst>
+  </p:timing>
+</p:sld>
+</file>
+
+<file path=ppt/slides/slide22.xml><?xml version="1.0" encoding="utf-8"?>
+<p:sld xmlns:a="http://schemas.openxmlformats.org/drawingml/2006/main" xmlns:r="http://schemas.openxmlformats.org/officeDocument/2006/relationships" xmlns:p="http://schemas.openxmlformats.org/presentationml/2006/main">
+  <p:cSld>
+    <p:spTree>
+      <p:nvGrpSpPr>
+        <p:cNvPr id="1" name=""/>
+        <p:cNvGrpSpPr/>
+        <p:nvPr/>
+      </p:nvGrpSpPr>
+      <p:grpSpPr>
+        <a:xfrm>
+          <a:off x="0" y="0"/>
+          <a:ext cx="0" cy="0"/>
+          <a:chOff x="0" y="0"/>
+          <a:chExt cx="0" cy="0"/>
+        </a:xfrm>
+      </p:grpSpPr>
+      <p:sp>
+        <p:nvSpPr>
+          <p:cNvPr id="2" name="Slide Number Placeholder 1"/>
+          <p:cNvSpPr>
+            <a:spLocks noGrp="1"/>
+          </p:cNvSpPr>
+          <p:nvPr>
+            <p:ph type="sldNum" sz="quarter" idx="5"/>
+          </p:nvPr>
+        </p:nvSpPr>
+        <p:spPr/>
+        <p:txBody>
+          <a:bodyPr/>
+          <a:lstStyle/>
+          <a:p>
+            <a:fld id="{2BF067CD-8E6B-4360-9AA8-C5DF2A48A6D1}" type="slidenum">
+              <a:rPr lang="en-US" noProof="0" smtClean="0"/>
+              <a:pPr/>
+              <a:t>22</a:t>
+            </a:fld>
+            <a:endParaRPr lang="en-US" noProof="0" dirty="0"/>
+          </a:p>
+        </p:txBody>
+      </p:sp>
+      <p:sp>
+        <p:nvSpPr>
+          <p:cNvPr id="3" name="Text Placeholder 2"/>
+          <p:cNvSpPr>
+            <a:spLocks noGrp="1"/>
+          </p:cNvSpPr>
+          <p:nvPr>
+            <p:ph type="body" sz="quarter" idx="10"/>
+          </p:nvPr>
+        </p:nvSpPr>
+        <p:spPr/>
+        <p:txBody>
+          <a:bodyPr/>
+          <a:lstStyle/>
+          <a:p>
+            <a:r>
+              <a:rPr lang="ru-RU" dirty="0"/>
+              <a:t>За да може компютърът да изпълни програма, е нужно тя да бъде </a:t>
+            </a:r>
+            <a:r>
+              <a:rPr lang="ru-RU" b="1" dirty="0"/>
+              <a:t>компилирана</a:t>
+            </a:r>
+            <a:r>
+              <a:rPr lang="ru-RU" dirty="0"/>
+              <a:t> или </a:t>
+            </a:r>
+            <a:r>
+              <a:rPr lang="ru-RU" b="1" dirty="0" smtClean="0"/>
+              <a:t>интерпретирана</a:t>
+            </a:r>
+          </a:p>
+          <a:p>
+            <a:r>
+              <a:rPr lang="ru-RU" dirty="0"/>
+              <a:t>Инструментът, който осигурява това, се нарича </a:t>
+            </a:r>
+            <a:r>
+              <a:rPr lang="ru-RU" b="1" dirty="0">
+                <a:solidFill>
+                  <a:schemeClr val="bg1"/>
+                </a:solidFill>
+              </a:rPr>
+              <a:t>компилатор</a:t>
+            </a:r>
+            <a:r>
+              <a:rPr lang="ru-RU" dirty="0"/>
+              <a:t> или </a:t>
+            </a:r>
+            <a:r>
+              <a:rPr lang="ru-RU" b="1" dirty="0">
+                <a:solidFill>
+                  <a:schemeClr val="bg1"/>
+                </a:solidFill>
+              </a:rPr>
+              <a:t>интерпретатор</a:t>
+            </a:r>
+            <a:endParaRPr lang="en-US" dirty="0">
+              <a:solidFill>
+                <a:schemeClr val="bg1"/>
+              </a:solidFill>
+            </a:endParaRPr>
+          </a:p>
+        </p:txBody>
+      </p:sp>
+      <p:sp>
+        <p:nvSpPr>
+          <p:cNvPr id="4" name="Title 3"/>
+          <p:cNvSpPr>
+            <a:spLocks noGrp="1"/>
+          </p:cNvSpPr>
+          <p:nvPr>
+            <p:ph type="title"/>
+          </p:nvPr>
+        </p:nvSpPr>
+        <p:spPr/>
+        <p:txBody>
+          <a:bodyPr/>
+          <a:lstStyle/>
+          <a:p>
+            <a:r>
+              <a:rPr lang="bg-BG" dirty="0" smtClean="0"/>
+              <a:t>Компилатор/интерпретатор</a:t>
+            </a:r>
+            <a:endParaRPr lang="en-US" dirty="0"/>
+          </a:p>
+        </p:txBody>
+      </p:sp>
+      <p:pic>
+        <p:nvPicPr>
+          <p:cNvPr id="1033" name="Picture 9" descr="Differences Between Compiler and Interpreter"/>
+          <p:cNvPicPr>
+            <a:picLocks noChangeAspect="1" noChangeArrowheads="1"/>
+          </p:cNvPicPr>
+          <p:nvPr/>
+        </p:nvPicPr>
+        <p:blipFill>
+          <a:blip r:embed="rId2">
+            <a:extLst>
+              <a:ext uri="{28A0092B-C50C-407E-A947-70E740481C1C}">
+                <a14:useLocalDpi xmlns:a14="http://schemas.microsoft.com/office/drawing/2010/main" val="0"/>
+              </a:ext>
+            </a:extLst>
+          </a:blip>
+          <a:srcRect/>
+          <a:stretch>
+            <a:fillRect/>
+          </a:stretch>
+        </p:blipFill>
+        <p:spPr bwMode="auto">
+          <a:xfrm>
+            <a:off x="2703825" y="3674516"/>
+            <a:ext cx="6791250" cy="2949484"/>
+          </a:xfrm>
+          <a:prstGeom prst="rect">
+            <a:avLst/>
+          </a:prstGeom>
+          <a:noFill/>
+          <a:extLst>
+            <a:ext uri="{909E8E84-426E-40DD-AFC4-6F175D3DCCD1}">
+              <a14:hiddenFill xmlns:a14="http://schemas.microsoft.com/office/drawing/2010/main">
+                <a:solidFill>
+                  <a:srgbClr val="FFFFFF"/>
+                </a:solidFill>
+              </a14:hiddenFill>
+            </a:ext>
+          </a:extLst>
+        </p:spPr>
+      </p:pic>
+    </p:spTree>
+    <p:extLst>
+      <p:ext uri="{BB962C8B-B14F-4D97-AF65-F5344CB8AC3E}">
+        <p14:creationId xmlns:p14="http://schemas.microsoft.com/office/powerpoint/2010/main" val="2622335406"/>
+      </p:ext>
+    </p:extLst>
+  </p:cSld>
+  <p:clrMapOvr>
+    <a:masterClrMapping/>
+  </p:clrMapOvr>
+  <mc:AlternateContent xmlns:mc="http://schemas.openxmlformats.org/markup-compatibility/2006" xmlns:p14="http://schemas.microsoft.com/office/powerpoint/2010/main">
+    <mc:Choice Requires="p14">
+      <p:transition spd="slow" p14:dur="2000" advClick="0" advTm="5000"/>
+    </mc:Choice>
+    <mc:Fallback xmlns="">
+      <p:transition spd="slow" advClick="0" advTm="5000"/>
+    </mc:Fallback>
+  </mc:AlternateContent>
+  <p:timing>
+    <p:tnLst>
+      <p:par>
+        <p:cTn id="1" dur="indefinite" restart="never" nodeType="tmRoot">
+          <p:childTnLst>
+            <p:seq concurrent="1" nextAc="seek">
+              <p:cTn id="2" dur="indefinite" nodeType="mainSeq">
+                <p:childTnLst>
+                  <p:par>
+                    <p:cTn id="3" fill="hold">
+                      <p:stCondLst>
+                        <p:cond delay="indefinite"/>
+                      </p:stCondLst>
+                      <p:childTnLst>
+                        <p:par>
+                          <p:cTn id="4" fill="hold">
+                            <p:stCondLst>
+                              <p:cond delay="0"/>
+                            </p:stCondLst>
+                            <p:childTnLst>
+                              <p:par>
+                                <p:cTn id="5" presetID="1" presetClass="entr" presetSubtype="0" fill="hold" nodeType="clickEffect">
+                                  <p:stCondLst>
+                                    <p:cond delay="0"/>
+                                  </p:stCondLst>
+                                  <p:childTnLst>
+                                    <p:set>
+                                      <p:cBhvr>
+                                        <p:cTn id="6" dur="1" fill="hold">
+                                          <p:stCondLst>
+                                            <p:cond delay="0"/>
+                                          </p:stCondLst>
+                                        </p:cTn>
+                                        <p:tgtEl>
+                                          <p:spTgt spid="3">
+                                            <p:txEl>
+                                              <p:pRg st="1" end="1"/>
+                                            </p:txEl>
+                                          </p:spTgt>
+                                        </p:tgtEl>
+                                        <p:attrNameLst>
+                                          <p:attrName>style.visibility</p:attrName>
+                                        </p:attrNameLst>
+                                      </p:cBhvr>
+                                      <p:to>
+                                        <p:strVal val="visible"/>
+                                      </p:to>
+                                    </p:set>
+                                  </p:childTnLst>
+                                </p:cTn>
+                              </p:par>
+                            </p:childTnLst>
+                          </p:cTn>
+                        </p:par>
+                      </p:childTnLst>
+                    </p:cTn>
+                  </p:par>
+                  <p:par>
+                    <p:cTn id="7" fill="hold">
+                      <p:stCondLst>
+                        <p:cond delay="indefinite"/>
+                      </p:stCondLst>
+                      <p:childTnLst>
+                        <p:par>
+                          <p:cTn id="8" fill="hold">
+                            <p:stCondLst>
+                              <p:cond delay="0"/>
+                            </p:stCondLst>
+                            <p:childTnLst>
+                              <p:par>
+                                <p:cTn id="9" presetID="1" presetClass="entr" presetSubtype="0" fill="hold" nodeType="clickEffect">
+                                  <p:stCondLst>
+                                    <p:cond delay="0"/>
+                                  </p:stCondLst>
+                                  <p:childTnLst>
+                                    <p:set>
+                                      <p:cBhvr>
+                                        <p:cTn id="10" dur="1" fill="hold">
+                                          <p:stCondLst>
+                                            <p:cond delay="0"/>
+                                          </p:stCondLst>
+                                        </p:cTn>
+                                        <p:tgtEl>
+                                          <p:spTgt spid="1033"/>
+                                        </p:tgtEl>
+                                        <p:attrNameLst>
+                                          <p:attrName>style.visibility</p:attrName>
+                                        </p:attrNameLst>
+                                      </p:cBhvr>
+                                      <p:to>
+                                        <p:strVal val="visible"/>
+                                      </p:to>
+                                    </p:set>
+                                  </p:childTnLst>
+                                </p:cTn>
+                              </p:par>
+                            </p:childTnLst>
+                          </p:cTn>
+                        </p:par>
+                      </p:childTnLst>
+                    </p:cTn>
+                  </p:par>
+                </p:childTnLst>
+              </p:cTn>
+              <p:prevCondLst>
+                <p:cond evt="onPrev" delay="0">
+                  <p:tgtEl>
+                    <p:sldTgt/>
+                  </p:tgtEl>
+                </p:cond>
+              </p:prevCondLst>
+              <p:nextCondLst>
+                <p:cond evt="onNext" delay="0">
+                  <p:tgtEl>
+                    <p:sldTgt/>
+                  </p:tgtEl>
+                </p:cond>
+              </p:nextCondLst>
+            </p:seq>
+          </p:childTnLst>
+        </p:cTn>
+      </p:par>
+    </p:tnLst>
+  </p:timing>
+</p:sld>
+</file>
+
+<file path=ppt/slides/slide23.xml><?xml version="1.0" encoding="utf-8"?>
+<p:sld xmlns:a="http://schemas.openxmlformats.org/drawingml/2006/main" xmlns:r="http://schemas.openxmlformats.org/officeDocument/2006/relationships" xmlns:p="http://schemas.openxmlformats.org/presentationml/2006/main">
+  <p:cSld>
+    <p:spTree>
+      <p:nvGrpSpPr>
+        <p:cNvPr id="1" name=""/>
+        <p:cNvGrpSpPr/>
+        <p:nvPr/>
+      </p:nvGrpSpPr>
+      <p:grpSpPr>
+        <a:xfrm>
+          <a:off x="0" y="0"/>
+          <a:ext cx="0" cy="0"/>
+          <a:chOff x="0" y="0"/>
+          <a:chExt cx="0" cy="0"/>
+        </a:xfrm>
+      </p:grpSpPr>
+      <p:sp>
+        <p:nvSpPr>
+          <p:cNvPr id="2" name="Slide Number Placeholder 1"/>
+          <p:cNvSpPr>
+            <a:spLocks noGrp="1"/>
+          </p:cNvSpPr>
+          <p:nvPr>
+            <p:ph type="sldNum" sz="quarter" idx="5"/>
+          </p:nvPr>
+        </p:nvSpPr>
+        <p:spPr/>
+        <p:txBody>
+          <a:bodyPr/>
+          <a:lstStyle/>
+          <a:p>
+            <a:fld id="{2BF067CD-8E6B-4360-9AA8-C5DF2A48A6D1}" type="slidenum">
+              <a:rPr lang="en-US" noProof="0" smtClean="0"/>
+              <a:pPr/>
+              <a:t>23</a:t>
+            </a:fld>
+            <a:endParaRPr lang="en-US" noProof="0" dirty="0"/>
+          </a:p>
+        </p:txBody>
+      </p:sp>
+      <p:sp>
+        <p:nvSpPr>
+          <p:cNvPr id="3" name="Text Placeholder 2"/>
+          <p:cNvSpPr>
+            <a:spLocks noGrp="1"/>
+          </p:cNvSpPr>
+          <p:nvPr>
+            <p:ph type="body" sz="quarter" idx="10"/>
+          </p:nvPr>
+        </p:nvSpPr>
+        <p:spPr/>
+        <p:txBody>
+          <a:bodyPr/>
+          <a:lstStyle/>
+          <a:p>
+            <a:r>
+              <a:rPr lang="ru-RU" b="1" dirty="0" smtClean="0"/>
+              <a:t>͏</a:t>
+            </a:r>
+            <a:r>
+              <a:rPr lang="ru-RU" b="1" dirty="0" smtClean="0">
+                <a:solidFill>
+                  <a:schemeClr val="bg1"/>
+                </a:solidFill>
+              </a:rPr>
+              <a:t>Debugger</a:t>
+            </a:r>
+            <a:r>
+              <a:rPr lang="ru-RU" dirty="0" smtClean="0"/>
+              <a:t> </a:t>
+            </a:r>
+            <a:r>
+              <a:rPr lang="en-US" dirty="0" smtClean="0"/>
+              <a:t>–</a:t>
+            </a:r>
+            <a:r>
+              <a:rPr lang="ru-RU" dirty="0" smtClean="0"/>
+              <a:t> </a:t>
+            </a:r>
+            <a:r>
+              <a:rPr lang="ru-RU" dirty="0"/>
+              <a:t>инструмент за </a:t>
+            </a:r>
+            <a:r>
+              <a:rPr lang="ru-RU" b="1" dirty="0"/>
+              <a:t>откриване</a:t>
+            </a:r>
+            <a:r>
+              <a:rPr lang="ru-RU" dirty="0"/>
+              <a:t> и </a:t>
+            </a:r>
+            <a:r>
+              <a:rPr lang="ru-RU" b="1" dirty="0"/>
+              <a:t>поправяне</a:t>
+            </a:r>
+            <a:r>
+              <a:rPr lang="ru-RU" dirty="0"/>
+              <a:t> на </a:t>
+            </a:r>
+            <a:r>
+              <a:rPr lang="ru-RU" b="1" dirty="0"/>
+              <a:t>грешки</a:t>
+            </a:r>
+            <a:r>
+              <a:rPr lang="ru-RU" dirty="0"/>
+              <a:t> в </a:t>
+            </a:r>
+            <a:r>
+              <a:rPr lang="ru-RU" dirty="0" smtClean="0"/>
+              <a:t>кода</a:t>
+            </a:r>
+            <a:endParaRPr lang="en-US" dirty="0" smtClean="0"/>
+          </a:p>
+          <a:p>
+            <a:pPr lvl="1"/>
+            <a:r>
+              <a:rPr lang="ru-RU" dirty="0"/>
+              <a:t>Позволява изпълнение на програмата </a:t>
+            </a:r>
+            <a:r>
+              <a:rPr lang="ru-RU" b="1" dirty="0"/>
+              <a:t>стъпка по </a:t>
+            </a:r>
+            <a:r>
+              <a:rPr lang="ru-RU" b="1" dirty="0" smtClean="0"/>
+              <a:t>стъпка</a:t>
+            </a:r>
+            <a:endParaRPr lang="en-US" b="1" dirty="0" smtClean="0"/>
+          </a:p>
+          <a:p>
+            <a:pPr lvl="1"/>
+            <a:r>
+              <a:rPr lang="ru-RU" dirty="0" smtClean="0"/>
+              <a:t>Показва </a:t>
+            </a:r>
+            <a:r>
+              <a:rPr lang="ru-RU" dirty="0"/>
+              <a:t>стойностите на променливите за </a:t>
+            </a:r>
+            <a:r>
+              <a:rPr lang="ru-RU" b="1" dirty="0"/>
+              <a:t>анализ на програмата</a:t>
+            </a:r>
+            <a:endParaRPr lang="en-US" dirty="0"/>
+          </a:p>
+        </p:txBody>
+      </p:sp>
+      <p:sp>
+        <p:nvSpPr>
+          <p:cNvPr id="4" name="Title 3"/>
+          <p:cNvSpPr>
+            <a:spLocks noGrp="1"/>
+          </p:cNvSpPr>
+          <p:nvPr>
+            <p:ph type="title"/>
+          </p:nvPr>
+        </p:nvSpPr>
+        <p:spPr/>
+        <p:txBody>
+          <a:bodyPr/>
+          <a:lstStyle/>
+          <a:p>
+            <a:r>
+              <a:rPr lang="en-US" dirty="0" smtClean="0"/>
+              <a:t>Debugger</a:t>
+            </a:r>
+            <a:endParaRPr lang="en-US" dirty="0"/>
+          </a:p>
+        </p:txBody>
+      </p:sp>
+      <p:pic>
+        <p:nvPicPr>
+          <p:cNvPr id="2050" name="Picture 2" descr="First look at the debugger - Visual Studio (Windows) | Microsoft Learn"/>
+          <p:cNvPicPr>
+            <a:picLocks noChangeAspect="1" noChangeArrowheads="1"/>
+          </p:cNvPicPr>
+          <p:nvPr/>
+        </p:nvPicPr>
+        <p:blipFill rotWithShape="1">
+          <a:blip r:embed="rId2">
+            <a:extLst>
+              <a:ext uri="{28A0092B-C50C-407E-A947-70E740481C1C}">
+                <a14:useLocalDpi xmlns:a14="http://schemas.microsoft.com/office/drawing/2010/main" val="0"/>
+              </a:ext>
+            </a:extLst>
+          </a:blip>
+          <a:srcRect l="17665" r="19956" b="22061"/>
+          <a:stretch/>
+        </p:blipFill>
+        <p:spPr bwMode="auto">
+          <a:xfrm>
+            <a:off x="291000" y="4681350"/>
+            <a:ext cx="5335304" cy="1805400"/>
+          </a:xfrm>
+          <a:prstGeom prst="rect">
+            <a:avLst/>
+          </a:prstGeom>
+          <a:noFill/>
+          <a:ln>
+            <a:solidFill>
+              <a:schemeClr val="bg2">
+                <a:lumMod val="75000"/>
+              </a:schemeClr>
+            </a:solidFill>
+          </a:ln>
+          <a:extLst>
+            <a:ext uri="{909E8E84-426E-40DD-AFC4-6F175D3DCCD1}">
+              <a14:hiddenFill xmlns:a14="http://schemas.microsoft.com/office/drawing/2010/main">
+                <a:solidFill>
+                  <a:srgbClr val="FFFFFF"/>
+                </a:solidFill>
+              </a14:hiddenFill>
+            </a:ext>
+          </a:extLst>
+        </p:spPr>
+      </p:pic>
+      <p:pic>
+        <p:nvPicPr>
+          <p:cNvPr id="2052" name="Picture 4" descr="Tips and tricks in the debugger - Visual Studio (Windows) | Microsoft Learn"/>
+          <p:cNvPicPr>
+            <a:picLocks noChangeAspect="1" noChangeArrowheads="1"/>
+          </p:cNvPicPr>
+          <p:nvPr/>
+        </p:nvPicPr>
+        <p:blipFill rotWithShape="1">
+          <a:blip r:embed="rId3">
+            <a:extLst>
+              <a:ext uri="{28A0092B-C50C-407E-A947-70E740481C1C}">
+                <a14:useLocalDpi xmlns:a14="http://schemas.microsoft.com/office/drawing/2010/main" val="0"/>
+              </a:ext>
+            </a:extLst>
+          </a:blip>
+          <a:srcRect l="13676" r="2752"/>
+          <a:stretch/>
+        </p:blipFill>
+        <p:spPr bwMode="auto">
+          <a:xfrm>
+            <a:off x="5916000" y="4676999"/>
+            <a:ext cx="5922390" cy="1809751"/>
+          </a:xfrm>
+          <a:prstGeom prst="rect">
+            <a:avLst/>
+          </a:prstGeom>
+          <a:noFill/>
+          <a:ln>
+            <a:solidFill>
+              <a:schemeClr val="bg2">
+                <a:lumMod val="75000"/>
+              </a:schemeClr>
+            </a:solidFill>
+          </a:ln>
+          <a:extLst>
+            <a:ext uri="{909E8E84-426E-40DD-AFC4-6F175D3DCCD1}">
+              <a14:hiddenFill xmlns:a14="http://schemas.microsoft.com/office/drawing/2010/main">
+                <a:solidFill>
+                  <a:srgbClr val="FFFFFF"/>
+                </a:solidFill>
+              </a14:hiddenFill>
+            </a:ext>
+          </a:extLst>
+        </p:spPr>
+      </p:pic>
+      <p:cxnSp>
+        <p:nvCxnSpPr>
+          <p:cNvPr id="6" name="Straight Arrow Connector 5"/>
+          <p:cNvCxnSpPr/>
+          <p:nvPr/>
+        </p:nvCxnSpPr>
+        <p:spPr>
+          <a:xfrm>
+            <a:off x="381000" y="5299952"/>
+            <a:ext cx="360000" cy="0"/>
+          </a:xfrm>
+          <a:prstGeom prst="straightConnector1">
+            <a:avLst/>
+          </a:prstGeom>
+          <a:ln w="76200">
+            <a:solidFill>
+              <a:srgbClr val="FFFF00"/>
+            </a:solidFill>
+            <a:tailEnd type="triangle"/>
+          </a:ln>
+        </p:spPr>
+        <p:style>
+          <a:lnRef idx="1">
+            <a:schemeClr val="accent1"/>
+          </a:lnRef>
+          <a:fillRef idx="0">
+            <a:schemeClr val="accent1"/>
+          </a:fillRef>
+          <a:effectRef idx="0">
+            <a:schemeClr val="accent1"/>
+          </a:effectRef>
+          <a:fontRef idx="minor">
+            <a:schemeClr val="tx1"/>
+          </a:fontRef>
+        </p:style>
+      </p:cxnSp>
+    </p:spTree>
+    <p:extLst>
+      <p:ext uri="{BB962C8B-B14F-4D97-AF65-F5344CB8AC3E}">
+        <p14:creationId xmlns:p14="http://schemas.microsoft.com/office/powerpoint/2010/main" val="2974253567"/>
+      </p:ext>
+    </p:extLst>
+  </p:cSld>
+  <p:clrMapOvr>
+    <a:masterClrMapping/>
+  </p:clrMapOvr>
+  <mc:AlternateContent xmlns:mc="http://schemas.openxmlformats.org/markup-compatibility/2006" xmlns:p14="http://schemas.microsoft.com/office/powerpoint/2010/main">
+    <mc:Choice Requires="p14">
+      <p:transition spd="slow" p14:dur="2000" advClick="0" advTm="5000"/>
+    </mc:Choice>
+    <mc:Fallback xmlns="">
+      <p:transition spd="slow" advClick="0" advTm="5000"/>
+    </mc:Fallback>
+  </mc:AlternateContent>
+  <p:timing>
+    <p:tnLst>
+      <p:par>
+        <p:cTn id="1" dur="indefinite" restart="never" nodeType="tmRoot">
+          <p:childTnLst>
+            <p:seq concurrent="1" nextAc="seek">
+              <p:cTn id="2" dur="indefinite" nodeType="mainSeq">
+                <p:childTnLst>
+                  <p:par>
+                    <p:cTn id="3" fill="hold">
+                      <p:stCondLst>
+                        <p:cond delay="indefinite"/>
+                      </p:stCondLst>
+                      <p:childTnLst>
+                        <p:par>
+                          <p:cTn id="4" fill="hold">
+                            <p:stCondLst>
+                              <p:cond delay="0"/>
+                            </p:stCondLst>
+                            <p:childTnLst>
+                              <p:par>
+                                <p:cTn id="5" presetID="1" presetClass="entr" presetSubtype="0" fill="hold" nodeType="clickEffect">
+                                  <p:stCondLst>
+                                    <p:cond delay="0"/>
+                                  </p:stCondLst>
+                                  <p:childTnLst>
+                                    <p:set>
+                                      <p:cBhvr>
+                                        <p:cTn id="6" dur="1" fill="hold">
+                                          <p:stCondLst>
+                                            <p:cond delay="0"/>
+                                          </p:stCondLst>
+                                        </p:cTn>
+                                        <p:tgtEl>
+                                          <p:spTgt spid="3">
+                                            <p:txEl>
+                                              <p:pRg st="1" end="1"/>
+                                            </p:txEl>
+                                          </p:spTgt>
+                                        </p:tgtEl>
+                                        <p:attrNameLst>
+                                          <p:attrName>style.visibility</p:attrName>
+                                        </p:attrNameLst>
+                                      </p:cBhvr>
+                                      <p:to>
+                                        <p:strVal val="visible"/>
+                                      </p:to>
+                                    </p:set>
+                                  </p:childTnLst>
+                                </p:cTn>
+                              </p:par>
+                              <p:par>
+                                <p:cTn id="7" presetID="1" presetClass="entr" presetSubtype="0" fill="hold" nodeType="withEffect">
+                                  <p:stCondLst>
+                                    <p:cond delay="0"/>
+                                  </p:stCondLst>
+                                  <p:childTnLst>
+                                    <p:set>
+                                      <p:cBhvr>
+                                        <p:cTn id="8" dur="1" fill="hold">
+                                          <p:stCondLst>
+                                            <p:cond delay="0"/>
+                                          </p:stCondLst>
+                                        </p:cTn>
+                                        <p:tgtEl>
+                                          <p:spTgt spid="2050"/>
+                                        </p:tgtEl>
+                                        <p:attrNameLst>
+                                          <p:attrName>style.visibility</p:attrName>
+                                        </p:attrNameLst>
+                                      </p:cBhvr>
+                                      <p:to>
+                                        <p:strVal val="visible"/>
+                                      </p:to>
+                                    </p:set>
+                                  </p:childTnLst>
+                                </p:cTn>
+                              </p:par>
+                              <p:par>
+                                <p:cTn id="9" presetID="1" presetClass="entr" presetSubtype="0" fill="hold" nodeType="withEffect">
+                                  <p:stCondLst>
+                                    <p:cond delay="0"/>
+                                  </p:stCondLst>
+                                  <p:childTnLst>
+                                    <p:set>
+                                      <p:cBhvr>
+                                        <p:cTn id="10" dur="1" fill="hold">
+                                          <p:stCondLst>
+                                            <p:cond delay="0"/>
+                                          </p:stCondLst>
+                                        </p:cTn>
+                                        <p:tgtEl>
+                                          <p:spTgt spid="6"/>
+                                        </p:tgtEl>
+                                        <p:attrNameLst>
+                                          <p:attrName>style.visibility</p:attrName>
+                                        </p:attrNameLst>
+                                      </p:cBhvr>
+                                      <p:to>
+                                        <p:strVal val="visible"/>
+                                      </p:to>
+                                    </p:set>
+                                  </p:childTnLst>
+                                </p:cTn>
+                              </p:par>
+                            </p:childTnLst>
+                          </p:cTn>
+                        </p:par>
+                      </p:childTnLst>
+                    </p:cTn>
+                  </p:par>
+                  <p:par>
+                    <p:cTn id="11" fill="hold">
+                      <p:stCondLst>
+                        <p:cond delay="indefinite"/>
+                      </p:stCondLst>
+                      <p:childTnLst>
+                        <p:par>
+                          <p:cTn id="12" fill="hold">
+                            <p:stCondLst>
+                              <p:cond delay="0"/>
+                            </p:stCondLst>
+                            <p:childTnLst>
+                              <p:par>
+                                <p:cTn id="13" presetID="1" presetClass="entr" presetSubtype="0" fill="hold" nodeType="clickEffect">
+                                  <p:stCondLst>
+                                    <p:cond delay="0"/>
+                                  </p:stCondLst>
+                                  <p:childTnLst>
+                                    <p:set>
+                                      <p:cBhvr>
+                                        <p:cTn id="14" dur="1" fill="hold">
+                                          <p:stCondLst>
+                                            <p:cond delay="0"/>
+                                          </p:stCondLst>
+                                        </p:cTn>
+                                        <p:tgtEl>
+                                          <p:spTgt spid="3">
+                                            <p:txEl>
+                                              <p:pRg st="2" end="2"/>
+                                            </p:txEl>
+                                          </p:spTgt>
+                                        </p:tgtEl>
+                                        <p:attrNameLst>
+                                          <p:attrName>style.visibility</p:attrName>
+                                        </p:attrNameLst>
+                                      </p:cBhvr>
+                                      <p:to>
+                                        <p:strVal val="visible"/>
+                                      </p:to>
+                                    </p:set>
+                                  </p:childTnLst>
+                                </p:cTn>
+                              </p:par>
+                              <p:par>
+                                <p:cTn id="15" presetID="1" presetClass="entr" presetSubtype="0" fill="hold" nodeType="withEffect">
+                                  <p:stCondLst>
+                                    <p:cond delay="0"/>
+                                  </p:stCondLst>
+                                  <p:childTnLst>
+                                    <p:set>
+                                      <p:cBhvr>
+                                        <p:cTn id="16" dur="1" fill="hold">
+                                          <p:stCondLst>
+                                            <p:cond delay="0"/>
+                                          </p:stCondLst>
+                                        </p:cTn>
+                                        <p:tgtEl>
+                                          <p:spTgt spid="2052"/>
+                                        </p:tgtEl>
+                                        <p:attrNameLst>
+                                          <p:attrName>style.visibility</p:attrName>
+                                        </p:attrNameLst>
+                                      </p:cBhvr>
+                                      <p:to>
+                                        <p:strVal val="visible"/>
+                                      </p:to>
+                                    </p:set>
+                                  </p:childTnLst>
+                                </p:cTn>
+                              </p:par>
+                            </p:childTnLst>
+                          </p:cTn>
+                        </p:par>
+                      </p:childTnLst>
+                    </p:cTn>
+                  </p:par>
+                </p:childTnLst>
+              </p:cTn>
+              <p:prevCondLst>
+                <p:cond evt="onPrev" delay="0">
+                  <p:tgtEl>
+                    <p:sldTgt/>
+                  </p:tgtEl>
+                </p:cond>
+              </p:prevCondLst>
+              <p:nextCondLst>
+                <p:cond evt="onNext" delay="0">
+                  <p:tgtEl>
+                    <p:sldTgt/>
+                  </p:tgtEl>
+                </p:cond>
+              </p:nextCondLst>
+            </p:seq>
+          </p:childTnLst>
+        </p:cTn>
+      </p:par>
+    </p:tnLst>
+  </p:timing>
+</p:sld>
+</file>
+
+<file path=ppt/slides/slide24.xml><?xml version="1.0" encoding="utf-8"?>
 <p:sld xmlns:a="http://schemas.openxmlformats.org/drawingml/2006/main" xmlns:r="http://schemas.openxmlformats.org/officeDocument/2006/relationships" xmlns:p="http://schemas.openxmlformats.org/presentationml/2006/main">
   <p:cSld>
     <p:spTree>
@@ -12463,7 +14420,7 @@
             <a:fld id="{C014DD1E-5D91-48A3-AD6D-45FBA980D106}" type="slidenum">
               <a:rPr lang="en-US" smtClean="0"/>
               <a:pPr/>
-              <a:t>21</a:t>
+              <a:t>24</a:t>
             </a:fld>
             <a:endParaRPr lang="en-US" dirty="0"/>
           </a:p>
@@ -12869,18 +14826,460 @@
               </a:buClr>
             </a:pPr>
             <a:r>
-              <a:rPr lang="en-US" sz="2800" dirty="0" smtClean="0">
+              <a:rPr lang="ru-RU" sz="2400" b="1" dirty="0">
+                <a:solidFill>
+                  <a:schemeClr val="accent1">
+                    <a:lumMod val="60000"/>
+                    <a:lumOff val="40000"/>
+                  </a:schemeClr>
+                </a:solidFill>
+              </a:rPr>
+              <a:t>Език за програмиране </a:t>
+            </a:r>
+            <a:r>
+              <a:rPr lang="ru-RU" sz="2400" dirty="0">
                 <a:solidFill>
                   <a:schemeClr val="bg2"/>
                 </a:solidFill>
               </a:rPr>
-              <a:t>TODO</a:t>
-            </a:r>
-            <a:endParaRPr lang="ru-RU" sz="2800" b="1" dirty="0" smtClean="0">
+              <a:t>– система от </a:t>
+            </a:r>
+            <a:r>
+              <a:rPr lang="ru-RU" sz="2400" b="1" dirty="0">
+                <a:solidFill>
+                  <a:schemeClr val="bg2"/>
+                </a:solidFill>
+              </a:rPr>
+              <a:t>символи</a:t>
+            </a:r>
+            <a:r>
+              <a:rPr lang="ru-RU" sz="2400" dirty="0">
+                <a:solidFill>
+                  <a:schemeClr val="bg2"/>
+                </a:solidFill>
+              </a:rPr>
+              <a:t>, </a:t>
+            </a:r>
+            <a:r>
+              <a:rPr lang="ru-RU" sz="2400" b="1" dirty="0">
+                <a:solidFill>
+                  <a:schemeClr val="bg2"/>
+                </a:solidFill>
+              </a:rPr>
+              <a:t>команди</a:t>
+            </a:r>
+            <a:r>
+              <a:rPr lang="ru-RU" sz="2400" dirty="0">
+                <a:solidFill>
+                  <a:schemeClr val="bg2"/>
+                </a:solidFill>
+              </a:rPr>
+              <a:t> и </a:t>
+            </a:r>
+            <a:r>
+              <a:rPr lang="ru-RU" sz="2400" b="1" dirty="0">
+                <a:solidFill>
+                  <a:schemeClr val="bg2"/>
+                </a:solidFill>
+              </a:rPr>
+              <a:t>правила</a:t>
+            </a:r>
+            <a:r>
+              <a:rPr lang="ru-RU" sz="2400" dirty="0">
+                <a:solidFill>
+                  <a:schemeClr val="bg2"/>
+                </a:solidFill>
+              </a:rPr>
+              <a:t> за инструктиране на </a:t>
+            </a:r>
+            <a:r>
+              <a:rPr lang="ru-RU" sz="2400" b="1" dirty="0">
+                <a:solidFill>
+                  <a:schemeClr val="bg2"/>
+                </a:solidFill>
+              </a:rPr>
+              <a:t>компютъра</a:t>
+            </a:r>
+            <a:r>
+              <a:rPr lang="ru-RU" sz="2400" dirty="0">
+                <a:solidFill>
+                  <a:schemeClr val="bg2"/>
+                </a:solidFill>
+              </a:rPr>
+              <a:t> да </a:t>
+            </a:r>
+            <a:r>
+              <a:rPr lang="ru-RU" sz="2400" b="1" dirty="0">
+                <a:solidFill>
+                  <a:schemeClr val="bg2"/>
+                </a:solidFill>
+              </a:rPr>
+              <a:t>изпълнява </a:t>
+            </a:r>
+            <a:r>
+              <a:rPr lang="ru-RU" sz="2400" b="1" dirty="0" smtClean="0">
+                <a:solidFill>
+                  <a:schemeClr val="bg2"/>
+                </a:solidFill>
+              </a:rPr>
+              <a:t>задачи</a:t>
+            </a:r>
+          </a:p>
+          <a:p>
+            <a:pPr marL="355600" indent="-355600">
+              <a:lnSpc>
+                <a:spcPct val="100000"/>
+              </a:lnSpc>
+              <a:buClr>
+                <a:schemeClr val="bg2"/>
+              </a:buClr>
+            </a:pPr>
+            <a:r>
+              <a:rPr lang="ru-RU" sz="2400" b="1" dirty="0" smtClean="0">
+                <a:solidFill>
+                  <a:schemeClr val="bg2"/>
+                </a:solidFill>
+              </a:rPr>
+              <a:t>Основни</a:t>
+            </a:r>
+            <a:r>
+              <a:rPr lang="ru-RU" sz="2400" dirty="0" smtClean="0">
+                <a:solidFill>
+                  <a:schemeClr val="bg2"/>
+                </a:solidFill>
+              </a:rPr>
+              <a:t> </a:t>
+            </a:r>
+            <a:r>
+              <a:rPr lang="ru-RU" sz="2400" b="1" dirty="0" smtClean="0">
+                <a:solidFill>
+                  <a:schemeClr val="bg2"/>
+                </a:solidFill>
+              </a:rPr>
+              <a:t>видове</a:t>
+            </a:r>
+            <a:r>
+              <a:rPr lang="ru-RU" sz="2400" dirty="0" smtClean="0">
+                <a:solidFill>
+                  <a:schemeClr val="bg2"/>
+                </a:solidFill>
+              </a:rPr>
+              <a:t> езици:</a:t>
+            </a:r>
+          </a:p>
+          <a:p>
+            <a:pPr marL="888666" lvl="1" indent="-355600">
+              <a:lnSpc>
+                <a:spcPct val="100000"/>
+              </a:lnSpc>
+              <a:buClr>
+                <a:schemeClr val="bg2"/>
+              </a:buClr>
+            </a:pPr>
+            <a:r>
+              <a:rPr lang="ru-RU" sz="2400" dirty="0" smtClean="0">
+                <a:solidFill>
+                  <a:schemeClr val="bg2"/>
+                </a:solidFill>
+              </a:rPr>
+              <a:t>Машинни езици</a:t>
+            </a:r>
+          </a:p>
+          <a:p>
+            <a:pPr marL="888666" lvl="1" indent="-355600">
+              <a:lnSpc>
+                <a:spcPct val="100000"/>
+              </a:lnSpc>
+              <a:buClr>
+                <a:schemeClr val="bg2"/>
+              </a:buClr>
+            </a:pPr>
+            <a:r>
+              <a:rPr lang="ru-RU" sz="2400" dirty="0" smtClean="0">
+                <a:solidFill>
+                  <a:schemeClr val="bg2"/>
+                </a:solidFill>
+              </a:rPr>
+              <a:t>Езици </a:t>
+            </a:r>
+            <a:r>
+              <a:rPr lang="ru-RU" sz="2400" dirty="0">
+                <a:solidFill>
+                  <a:schemeClr val="bg2"/>
+                </a:solidFill>
+              </a:rPr>
+              <a:t>от ниско ниво</a:t>
+            </a:r>
+            <a:endParaRPr lang="ru-RU" sz="2400" dirty="0" smtClean="0">
               <a:solidFill>
                 <a:schemeClr val="bg2"/>
               </a:solidFill>
             </a:endParaRPr>
+          </a:p>
+          <a:p>
+            <a:pPr marL="888666" lvl="1" indent="-355600">
+              <a:lnSpc>
+                <a:spcPct val="100000"/>
+              </a:lnSpc>
+              <a:buClr>
+                <a:schemeClr val="bg2"/>
+              </a:buClr>
+            </a:pPr>
+            <a:r>
+              <a:rPr lang="ru-RU" sz="2400" dirty="0" smtClean="0">
+                <a:solidFill>
+                  <a:schemeClr val="bg2"/>
+                </a:solidFill>
+              </a:rPr>
+              <a:t>Езици от високо ниво</a:t>
+            </a:r>
+          </a:p>
+          <a:p>
+            <a:pPr marL="355600" indent="-355600">
+              <a:lnSpc>
+                <a:spcPct val="100000"/>
+              </a:lnSpc>
+              <a:buClr>
+                <a:schemeClr val="bg2"/>
+              </a:buClr>
+            </a:pPr>
+            <a:r>
+              <a:rPr lang="ru-RU" sz="2400" b="1" dirty="0">
+                <a:solidFill>
+                  <a:schemeClr val="accent1">
+                    <a:lumMod val="60000"/>
+                    <a:lumOff val="40000"/>
+                  </a:schemeClr>
+                </a:solidFill>
+              </a:rPr>
+              <a:t>Компилиране</a:t>
+            </a:r>
+            <a:r>
+              <a:rPr lang="ru-RU" sz="2400" dirty="0">
+                <a:solidFill>
+                  <a:schemeClr val="bg2"/>
+                </a:solidFill>
+              </a:rPr>
+              <a:t> </a:t>
+            </a:r>
+            <a:r>
+              <a:rPr lang="ru-RU" sz="2400" dirty="0" smtClean="0">
+                <a:solidFill>
+                  <a:schemeClr val="bg2"/>
+                </a:solidFill>
+              </a:rPr>
+              <a:t>– </a:t>
+            </a:r>
+            <a:r>
+              <a:rPr lang="ru-RU" sz="2400" b="1" dirty="0" smtClean="0">
+                <a:solidFill>
+                  <a:schemeClr val="bg2"/>
+                </a:solidFill>
+              </a:rPr>
+              <a:t>превежда</a:t>
+            </a:r>
+            <a:r>
+              <a:rPr lang="ru-RU" sz="2400" dirty="0" smtClean="0">
+                <a:solidFill>
+                  <a:schemeClr val="bg2"/>
+                </a:solidFill>
+              </a:rPr>
+              <a:t> </a:t>
+            </a:r>
+            <a:r>
+              <a:rPr lang="ru-RU" sz="2400" dirty="0">
+                <a:solidFill>
+                  <a:schemeClr val="bg2"/>
+                </a:solidFill>
+              </a:rPr>
+              <a:t>се</a:t>
+            </a:r>
+            <a:r>
+              <a:rPr lang="ru-RU" sz="2400" dirty="0" smtClean="0">
+                <a:solidFill>
+                  <a:schemeClr val="bg2"/>
+                </a:solidFill>
+              </a:rPr>
+              <a:t> </a:t>
+            </a:r>
+            <a:r>
+              <a:rPr lang="ru-RU" sz="2400" b="1" dirty="0">
+                <a:solidFill>
+                  <a:schemeClr val="bg2"/>
+                </a:solidFill>
+              </a:rPr>
+              <a:t>цялата програма </a:t>
+            </a:r>
+            <a:r>
+              <a:rPr lang="ru-RU" sz="2400" dirty="0">
+                <a:solidFill>
+                  <a:schemeClr val="bg2"/>
+                </a:solidFill>
+              </a:rPr>
+              <a:t>и се </a:t>
+            </a:r>
+            <a:r>
+              <a:rPr lang="ru-RU" sz="2400" b="1" dirty="0">
+                <a:solidFill>
+                  <a:schemeClr val="bg2"/>
+                </a:solidFill>
+              </a:rPr>
+              <a:t>генерира изпълним </a:t>
+            </a:r>
+            <a:r>
+              <a:rPr lang="ru-RU" sz="2400" b="1" dirty="0" smtClean="0">
+                <a:solidFill>
+                  <a:schemeClr val="bg2"/>
+                </a:solidFill>
+              </a:rPr>
+              <a:t>файл</a:t>
+            </a:r>
+          </a:p>
+          <a:p>
+            <a:pPr marL="355600" indent="-355600">
+              <a:lnSpc>
+                <a:spcPct val="100000"/>
+              </a:lnSpc>
+              <a:buClr>
+                <a:schemeClr val="bg2"/>
+              </a:buClr>
+            </a:pPr>
+            <a:r>
+              <a:rPr lang="ru-RU" sz="2400" b="1" dirty="0" smtClean="0">
+                <a:solidFill>
+                  <a:schemeClr val="accent1">
+                    <a:lumMod val="60000"/>
+                    <a:lumOff val="40000"/>
+                  </a:schemeClr>
+                </a:solidFill>
+              </a:rPr>
+              <a:t>Интерпретиране</a:t>
+            </a:r>
+            <a:r>
+              <a:rPr lang="ru-RU" sz="2400" dirty="0" smtClean="0">
+                <a:solidFill>
+                  <a:schemeClr val="bg2"/>
+                </a:solidFill>
+              </a:rPr>
+              <a:t> – </a:t>
+            </a:r>
+            <a:r>
+              <a:rPr lang="ru-RU" sz="2400" b="1" dirty="0" smtClean="0">
+                <a:solidFill>
+                  <a:schemeClr val="bg2"/>
+                </a:solidFill>
+              </a:rPr>
+              <a:t>превеждане</a:t>
+            </a:r>
+            <a:r>
+              <a:rPr lang="ru-RU" sz="2400" dirty="0" smtClean="0">
+                <a:solidFill>
+                  <a:schemeClr val="bg2"/>
+                </a:solidFill>
+              </a:rPr>
+              <a:t> </a:t>
+            </a:r>
+            <a:r>
+              <a:rPr lang="ru-RU" sz="2400" dirty="0">
+                <a:solidFill>
+                  <a:schemeClr val="bg2"/>
+                </a:solidFill>
+              </a:rPr>
+              <a:t>и </a:t>
+            </a:r>
+            <a:r>
+              <a:rPr lang="ru-RU" sz="2400" b="1" dirty="0" smtClean="0">
+                <a:solidFill>
+                  <a:schemeClr val="bg2"/>
+                </a:solidFill>
+              </a:rPr>
+              <a:t>изпълнение</a:t>
+            </a:r>
+            <a:r>
+              <a:rPr lang="ru-RU" sz="2400" dirty="0" smtClean="0">
+                <a:solidFill>
+                  <a:schemeClr val="bg2"/>
+                </a:solidFill>
+              </a:rPr>
+              <a:t> на </a:t>
+            </a:r>
+            <a:r>
+              <a:rPr lang="ru-RU" sz="2400" b="1" dirty="0" smtClean="0">
+                <a:solidFill>
+                  <a:schemeClr val="bg2"/>
+                </a:solidFill>
+              </a:rPr>
+              <a:t>команда</a:t>
+            </a:r>
+            <a:r>
+              <a:rPr lang="ru-RU" sz="2400" dirty="0" smtClean="0">
+                <a:solidFill>
+                  <a:schemeClr val="bg2"/>
+                </a:solidFill>
+              </a:rPr>
+              <a:t> </a:t>
+            </a:r>
+            <a:r>
+              <a:rPr lang="ru-RU" sz="2400" b="1" dirty="0">
+                <a:solidFill>
+                  <a:schemeClr val="bg2"/>
+                </a:solidFill>
+              </a:rPr>
+              <a:t>по </a:t>
+            </a:r>
+            <a:r>
+              <a:rPr lang="ru-RU" sz="2400" b="1" dirty="0" smtClean="0">
+                <a:solidFill>
+                  <a:schemeClr val="bg2"/>
+                </a:solidFill>
+              </a:rPr>
+              <a:t>команда</a:t>
+            </a:r>
+          </a:p>
+          <a:p>
+            <a:pPr marL="355600" indent="-355600">
+              <a:lnSpc>
+                <a:spcPct val="100000"/>
+              </a:lnSpc>
+              <a:buClr>
+                <a:schemeClr val="bg2"/>
+              </a:buClr>
+            </a:pPr>
+            <a:r>
+              <a:rPr lang="ru-RU" sz="2400" b="1" dirty="0">
+                <a:solidFill>
+                  <a:schemeClr val="accent1">
+                    <a:lumMod val="60000"/>
+                    <a:lumOff val="40000"/>
+                  </a:schemeClr>
+                </a:solidFill>
+              </a:rPr>
+              <a:t>Интегрирана среда за разработка</a:t>
+            </a:r>
+            <a:r>
+              <a:rPr lang="ru-RU" sz="2400" dirty="0">
+                <a:solidFill>
+                  <a:schemeClr val="bg2"/>
+                </a:solidFill>
+              </a:rPr>
+              <a:t> (</a:t>
+            </a:r>
+            <a:r>
+              <a:rPr lang="ru-RU" sz="2400" b="1" dirty="0">
+                <a:solidFill>
+                  <a:schemeClr val="bg2"/>
+                </a:solidFill>
+              </a:rPr>
+              <a:t>IDE</a:t>
+            </a:r>
+            <a:r>
+              <a:rPr lang="ru-RU" sz="2400" dirty="0">
+                <a:solidFill>
+                  <a:schemeClr val="bg2"/>
+                </a:solidFill>
+              </a:rPr>
+              <a:t>) – софтуер, който осигурява пълна среда за създаване на софтуер</a:t>
+            </a:r>
           </a:p>
         </p:txBody>
       </p:sp>
@@ -12905,14 +15304,380 @@
   <p:timing>
     <p:tnLst>
       <p:par>
-        <p:cTn id="1" dur="indefinite" restart="never" nodeType="tmRoot"/>
+        <p:cTn id="1" dur="indefinite" restart="never" nodeType="tmRoot">
+          <p:childTnLst>
+            <p:seq concurrent="1" nextAc="seek">
+              <p:cTn id="2" dur="indefinite" nodeType="mainSeq">
+                <p:childTnLst>
+                  <p:par>
+                    <p:cTn id="3" fill="hold">
+                      <p:stCondLst>
+                        <p:cond delay="indefinite"/>
+                      </p:stCondLst>
+                      <p:childTnLst>
+                        <p:par>
+                          <p:cTn id="4" fill="hold">
+                            <p:stCondLst>
+                              <p:cond delay="0"/>
+                            </p:stCondLst>
+                            <p:childTnLst>
+                              <p:par>
+                                <p:cTn id="5" presetID="1" presetClass="entr" presetSubtype="0" fill="hold" nodeType="clickEffect">
+                                  <p:stCondLst>
+                                    <p:cond delay="0"/>
+                                  </p:stCondLst>
+                                  <p:childTnLst>
+                                    <p:set>
+                                      <p:cBhvr>
+                                        <p:cTn id="6" dur="1" fill="hold">
+                                          <p:stCondLst>
+                                            <p:cond delay="0"/>
+                                          </p:stCondLst>
+                                        </p:cTn>
+                                        <p:tgtEl>
+                                          <p:spTgt spid="15">
+                                            <p:txEl>
+                                              <p:pRg st="1" end="1"/>
+                                            </p:txEl>
+                                          </p:spTgt>
+                                        </p:tgtEl>
+                                        <p:attrNameLst>
+                                          <p:attrName>style.visibility</p:attrName>
+                                        </p:attrNameLst>
+                                      </p:cBhvr>
+                                      <p:to>
+                                        <p:strVal val="visible"/>
+                                      </p:to>
+                                    </p:set>
+                                  </p:childTnLst>
+                                </p:cTn>
+                              </p:par>
+                            </p:childTnLst>
+                          </p:cTn>
+                        </p:par>
+                      </p:childTnLst>
+                    </p:cTn>
+                  </p:par>
+                  <p:par>
+                    <p:cTn id="7" fill="hold">
+                      <p:stCondLst>
+                        <p:cond delay="indefinite"/>
+                      </p:stCondLst>
+                      <p:childTnLst>
+                        <p:par>
+                          <p:cTn id="8" fill="hold">
+                            <p:stCondLst>
+                              <p:cond delay="0"/>
+                            </p:stCondLst>
+                            <p:childTnLst>
+                              <p:par>
+                                <p:cTn id="9" presetID="1" presetClass="entr" presetSubtype="0" fill="hold" nodeType="clickEffect">
+                                  <p:stCondLst>
+                                    <p:cond delay="0"/>
+                                  </p:stCondLst>
+                                  <p:childTnLst>
+                                    <p:set>
+                                      <p:cBhvr>
+                                        <p:cTn id="10" dur="1" fill="hold">
+                                          <p:stCondLst>
+                                            <p:cond delay="0"/>
+                                          </p:stCondLst>
+                                        </p:cTn>
+                                        <p:tgtEl>
+                                          <p:spTgt spid="15">
+                                            <p:txEl>
+                                              <p:pRg st="2" end="2"/>
+                                            </p:txEl>
+                                          </p:spTgt>
+                                        </p:tgtEl>
+                                        <p:attrNameLst>
+                                          <p:attrName>style.visibility</p:attrName>
+                                        </p:attrNameLst>
+                                      </p:cBhvr>
+                                      <p:to>
+                                        <p:strVal val="visible"/>
+                                      </p:to>
+                                    </p:set>
+                                  </p:childTnLst>
+                                </p:cTn>
+                              </p:par>
+                            </p:childTnLst>
+                          </p:cTn>
+                        </p:par>
+                      </p:childTnLst>
+                    </p:cTn>
+                  </p:par>
+                  <p:par>
+                    <p:cTn id="11" fill="hold">
+                      <p:stCondLst>
+                        <p:cond delay="indefinite"/>
+                      </p:stCondLst>
+                      <p:childTnLst>
+                        <p:par>
+                          <p:cTn id="12" fill="hold">
+                            <p:stCondLst>
+                              <p:cond delay="0"/>
+                            </p:stCondLst>
+                            <p:childTnLst>
+                              <p:par>
+                                <p:cTn id="13" presetID="1" presetClass="entr" presetSubtype="0" fill="hold" nodeType="clickEffect">
+                                  <p:stCondLst>
+                                    <p:cond delay="0"/>
+                                  </p:stCondLst>
+                                  <p:childTnLst>
+                                    <p:set>
+                                      <p:cBhvr>
+                                        <p:cTn id="14" dur="1" fill="hold">
+                                          <p:stCondLst>
+                                            <p:cond delay="0"/>
+                                          </p:stCondLst>
+                                        </p:cTn>
+                                        <p:tgtEl>
+                                          <p:spTgt spid="15">
+                                            <p:txEl>
+                                              <p:pRg st="3" end="3"/>
+                                            </p:txEl>
+                                          </p:spTgt>
+                                        </p:tgtEl>
+                                        <p:attrNameLst>
+                                          <p:attrName>style.visibility</p:attrName>
+                                        </p:attrNameLst>
+                                      </p:cBhvr>
+                                      <p:to>
+                                        <p:strVal val="visible"/>
+                                      </p:to>
+                                    </p:set>
+                                  </p:childTnLst>
+                                </p:cTn>
+                              </p:par>
+                            </p:childTnLst>
+                          </p:cTn>
+                        </p:par>
+                      </p:childTnLst>
+                    </p:cTn>
+                  </p:par>
+                  <p:par>
+                    <p:cTn id="15" fill="hold">
+                      <p:stCondLst>
+                        <p:cond delay="indefinite"/>
+                      </p:stCondLst>
+                      <p:childTnLst>
+                        <p:par>
+                          <p:cTn id="16" fill="hold">
+                            <p:stCondLst>
+                              <p:cond delay="0"/>
+                            </p:stCondLst>
+                            <p:childTnLst>
+                              <p:par>
+                                <p:cTn id="17" presetID="1" presetClass="entr" presetSubtype="0" fill="hold" nodeType="clickEffect">
+                                  <p:stCondLst>
+                                    <p:cond delay="0"/>
+                                  </p:stCondLst>
+                                  <p:childTnLst>
+                                    <p:set>
+                                      <p:cBhvr>
+                                        <p:cTn id="18" dur="1" fill="hold">
+                                          <p:stCondLst>
+                                            <p:cond delay="0"/>
+                                          </p:stCondLst>
+                                        </p:cTn>
+                                        <p:tgtEl>
+                                          <p:spTgt spid="15">
+                                            <p:txEl>
+                                              <p:pRg st="4" end="4"/>
+                                            </p:txEl>
+                                          </p:spTgt>
+                                        </p:tgtEl>
+                                        <p:attrNameLst>
+                                          <p:attrName>style.visibility</p:attrName>
+                                        </p:attrNameLst>
+                                      </p:cBhvr>
+                                      <p:to>
+                                        <p:strVal val="visible"/>
+                                      </p:to>
+                                    </p:set>
+                                  </p:childTnLst>
+                                </p:cTn>
+                              </p:par>
+                            </p:childTnLst>
+                          </p:cTn>
+                        </p:par>
+                      </p:childTnLst>
+                    </p:cTn>
+                  </p:par>
+                  <p:par>
+                    <p:cTn id="19" fill="hold">
+                      <p:stCondLst>
+                        <p:cond delay="indefinite"/>
+                      </p:stCondLst>
+                      <p:childTnLst>
+                        <p:par>
+                          <p:cTn id="20" fill="hold">
+                            <p:stCondLst>
+                              <p:cond delay="0"/>
+                            </p:stCondLst>
+                            <p:childTnLst>
+                              <p:par>
+                                <p:cTn id="21" presetID="1" presetClass="entr" presetSubtype="0" fill="hold" nodeType="clickEffect">
+                                  <p:stCondLst>
+                                    <p:cond delay="0"/>
+                                  </p:stCondLst>
+                                  <p:childTnLst>
+                                    <p:set>
+                                      <p:cBhvr>
+                                        <p:cTn id="22" dur="1" fill="hold">
+                                          <p:stCondLst>
+                                            <p:cond delay="0"/>
+                                          </p:stCondLst>
+                                        </p:cTn>
+                                        <p:tgtEl>
+                                          <p:spTgt spid="15">
+                                            <p:txEl>
+                                              <p:pRg st="5" end="5"/>
+                                            </p:txEl>
+                                          </p:spTgt>
+                                        </p:tgtEl>
+                                        <p:attrNameLst>
+                                          <p:attrName>style.visibility</p:attrName>
+                                        </p:attrNameLst>
+                                      </p:cBhvr>
+                                      <p:to>
+                                        <p:strVal val="visible"/>
+                                      </p:to>
+                                    </p:set>
+                                  </p:childTnLst>
+                                </p:cTn>
+                              </p:par>
+                            </p:childTnLst>
+                          </p:cTn>
+                        </p:par>
+                      </p:childTnLst>
+                    </p:cTn>
+                  </p:par>
+                  <p:par>
+                    <p:cTn id="23" fill="hold">
+                      <p:stCondLst>
+                        <p:cond delay="indefinite"/>
+                      </p:stCondLst>
+                      <p:childTnLst>
+                        <p:par>
+                          <p:cTn id="24" fill="hold">
+                            <p:stCondLst>
+                              <p:cond delay="0"/>
+                            </p:stCondLst>
+                            <p:childTnLst>
+                              <p:par>
+                                <p:cTn id="25" presetID="1" presetClass="entr" presetSubtype="0" fill="hold" nodeType="clickEffect">
+                                  <p:stCondLst>
+                                    <p:cond delay="0"/>
+                                  </p:stCondLst>
+                                  <p:childTnLst>
+                                    <p:set>
+                                      <p:cBhvr>
+                                        <p:cTn id="26" dur="1" fill="hold">
+                                          <p:stCondLst>
+                                            <p:cond delay="0"/>
+                                          </p:stCondLst>
+                                        </p:cTn>
+                                        <p:tgtEl>
+                                          <p:spTgt spid="15">
+                                            <p:txEl>
+                                              <p:pRg st="6" end="6"/>
+                                            </p:txEl>
+                                          </p:spTgt>
+                                        </p:tgtEl>
+                                        <p:attrNameLst>
+                                          <p:attrName>style.visibility</p:attrName>
+                                        </p:attrNameLst>
+                                      </p:cBhvr>
+                                      <p:to>
+                                        <p:strVal val="visible"/>
+                                      </p:to>
+                                    </p:set>
+                                  </p:childTnLst>
+                                </p:cTn>
+                              </p:par>
+                            </p:childTnLst>
+                          </p:cTn>
+                        </p:par>
+                      </p:childTnLst>
+                    </p:cTn>
+                  </p:par>
+                  <p:par>
+                    <p:cTn id="27" fill="hold">
+                      <p:stCondLst>
+                        <p:cond delay="indefinite"/>
+                      </p:stCondLst>
+                      <p:childTnLst>
+                        <p:par>
+                          <p:cTn id="28" fill="hold">
+                            <p:stCondLst>
+                              <p:cond delay="0"/>
+                            </p:stCondLst>
+                            <p:childTnLst>
+                              <p:par>
+                                <p:cTn id="29" presetID="1" presetClass="entr" presetSubtype="0" fill="hold" nodeType="clickEffect">
+                                  <p:stCondLst>
+                                    <p:cond delay="0"/>
+                                  </p:stCondLst>
+                                  <p:childTnLst>
+                                    <p:set>
+                                      <p:cBhvr>
+                                        <p:cTn id="30" dur="1" fill="hold">
+                                          <p:stCondLst>
+                                            <p:cond delay="0"/>
+                                          </p:stCondLst>
+                                        </p:cTn>
+                                        <p:tgtEl>
+                                          <p:spTgt spid="15">
+                                            <p:txEl>
+                                              <p:pRg st="7" end="7"/>
+                                            </p:txEl>
+                                          </p:spTgt>
+                                        </p:tgtEl>
+                                        <p:attrNameLst>
+                                          <p:attrName>style.visibility</p:attrName>
+                                        </p:attrNameLst>
+                                      </p:cBhvr>
+                                      <p:to>
+                                        <p:strVal val="visible"/>
+                                      </p:to>
+                                    </p:set>
+                                  </p:childTnLst>
+                                </p:cTn>
+                              </p:par>
+                            </p:childTnLst>
+                          </p:cTn>
+                        </p:par>
+                      </p:childTnLst>
+                    </p:cTn>
+                  </p:par>
+                </p:childTnLst>
+              </p:cTn>
+              <p:prevCondLst>
+                <p:cond evt="onPrev" delay="0">
+                  <p:tgtEl>
+                    <p:sldTgt/>
+                  </p:tgtEl>
+                </p:cond>
+              </p:prevCondLst>
+              <p:nextCondLst>
+                <p:cond evt="onNext" delay="0">
+                  <p:tgtEl>
+                    <p:sldTgt/>
+                  </p:tgtEl>
+                </p:cond>
+              </p:nextCondLst>
+            </p:seq>
+          </p:childTnLst>
+        </p:cTn>
       </p:par>
     </p:tnLst>
   </p:timing>
 </p:sld>
 </file>
 
-<file path=ppt/slides/slide22.xml><?xml version="1.0" encoding="utf-8"?>
+<file path=ppt/slides/slide25.xml><?xml version="1.0" encoding="utf-8"?>
 <p:sld xmlns:a="http://schemas.openxmlformats.org/drawingml/2006/main" xmlns:r="http://schemas.openxmlformats.org/officeDocument/2006/relationships" xmlns:p="http://schemas.openxmlformats.org/presentationml/2006/main">
   <p:cSld>
     <p:spTree>
@@ -13026,7 +15791,7 @@
                 <a:hlinkClick r:id="rId3">
                   <a:extLst>
                     <a:ext uri="{A12FA001-AC4F-418D-AE19-62706E023703}">
-                      <ahyp:hlinkClr xmlns:ahyp="http://schemas.microsoft.com/office/drawing/2018/hyperlinkcolor" xmlns="" val="tx"/>
+                      <ahyp:hlinkClr xmlns="" xmlns:ahyp="http://schemas.microsoft.com/office/drawing/2018/hyperlinkcolor" val="tx"/>
                     </a:ext>
                   </a:extLst>
                 </a:hlinkClick>
@@ -13109,7 +15874,7 @@
 </p:sld>
 </file>
 
-<file path=ppt/slides/slide23.xml><?xml version="1.0" encoding="utf-8"?>
+<file path=ppt/slides/slide26.xml><?xml version="1.0" encoding="utf-8"?>
 <p:sld xmlns:a="http://schemas.openxmlformats.org/drawingml/2006/main" xmlns:r="http://schemas.openxmlformats.org/officeDocument/2006/relationships" xmlns:p="http://schemas.openxmlformats.org/presentationml/2006/main" show="0">
   <p:cSld>
     <p:spTree>
@@ -13162,7 +15927,7 @@
             <a:fld id="{2BF067CD-8E6B-4360-9AA8-C5DF2A48A6D1}" type="slidenum">
               <a:rPr lang="en-US" smtClean="0"/>
               <a:pPr/>
-              <a:t>23</a:t>
+              <a:t>26</a:t>
             </a:fld>
             <a:endParaRPr lang="en-US" dirty="0"/>
           </a:p>

--- a/Courses/Computer-Modeling-and-IT/Computer-Modeling-and-IT-6-Class/26-Transitioning-from-Block-to-Scripting-Languages/26-Transitioning-from-Block-to-Scripting-Languages.pptx
+++ b/Courses/Computer-Modeling-and-IT/Computer-Modeling-and-IT-6-Class/26-Transitioning-from-Block-to-Scripting-Languages/26-Transitioning-from-Block-to-Scripting-Languages.pptx
@@ -301,7 +301,7 @@
           <a:p>
             <a:fld id="{4E087215-0C8F-4762-A664-737A353EC9A4}" type="datetimeFigureOut">
               <a:rPr lang="bg-BG" smtClean="0"/>
-              <a:t>20.10.2024 г.</a:t>
+              <a:t>21.1.2025 г.</a:t>
             </a:fld>
             <a:endParaRPr lang="bg-BG"/>
           </a:p>
@@ -497,7 +497,7 @@
           <a:p>
             <a:fld id="{72D84649-876A-46C9-8472-14CB09C070D8}" type="datetimeFigureOut">
               <a:rPr lang="en-US" smtClean="0"/>
-              <a:t>10/20/2024</a:t>
+              <a:t>1/21/2025</a:t>
             </a:fld>
             <a:endParaRPr lang="en-US"/>
           </a:p>
@@ -7061,13 +7061,6 @@
       <p:transition spd="slow" advClick="0" advTm="5000"/>
     </mc:Fallback>
   </mc:AlternateContent>
-  <p:timing>
-    <p:tnLst>
-      <p:par>
-        <p:cTn id="1" dur="indefinite" restart="never" nodeType="tmRoot"/>
-      </p:par>
-    </p:tnLst>
-  </p:timing>
 </p:sld>
 </file>
 
@@ -7128,23 +7121,19 @@
           <a:lstStyle/>
           <a:p>
             <a:r>
-              <a:rPr lang="bg-BG" dirty="0" smtClean="0"/>
+              <a:rPr lang="bg-BG" dirty="0"/>
               <a:t>Недостатъци:</a:t>
             </a:r>
           </a:p>
           <a:p>
             <a:pPr lvl="1"/>
             <a:r>
-              <a:rPr lang="bg-BG" dirty="0" smtClean="0"/>
+              <a:rPr lang="bg-BG" dirty="0"/>
               <a:t>П</a:t>
             </a:r>
             <a:r>
-              <a:rPr lang="ru-RU" dirty="0" smtClean="0"/>
-              <a:t>риложенията </a:t>
-            </a:r>
-            <a:r>
               <a:rPr lang="ru-RU" dirty="0"/>
-              <a:t>често </a:t>
+              <a:t>риложенията често </a:t>
             </a:r>
             <a:r>
               <a:rPr lang="ru-RU" b="1" dirty="0">
@@ -7200,11 +7189,7 @@
             </a:r>
             <a:r>
               <a:rPr lang="ru-RU" b="1" dirty="0"/>
-              <a:t>C</a:t>
-            </a:r>
-            <a:r>
-              <a:rPr lang="ru-RU" b="1" dirty="0" smtClean="0"/>
-              <a:t>++</a:t>
+              <a:t>C++</a:t>
             </a:r>
             <a:endParaRPr lang="en-US" b="1" dirty="0"/>
           </a:p>
@@ -7226,18 +7211,18 @@
           <a:lstStyle/>
           <a:p>
             <a:r>
-              <a:rPr lang="bg-BG" dirty="0" smtClean="0"/>
+              <a:rPr lang="bg-BG" dirty="0"/>
               <a:t>Предимства:</a:t>
             </a:r>
           </a:p>
           <a:p>
             <a:pPr lvl="1"/>
             <a:r>
-              <a:rPr lang="ru-RU" b="1" dirty="0" smtClean="0"/>
+              <a:rPr lang="ru-RU" b="1" dirty="0"/>
               <a:t>͏</a:t>
             </a:r>
             <a:r>
-              <a:rPr lang="ru-RU" b="1" dirty="0" smtClean="0">
+              <a:rPr lang="ru-RU" b="1" dirty="0">
                 <a:solidFill>
                   <a:schemeClr val="bg1"/>
                 </a:solidFill>
@@ -7245,12 +7230,8 @@
               <a:t>Гъвкав</a:t>
             </a:r>
             <a:r>
-              <a:rPr lang="ru-RU" dirty="0" smtClean="0"/>
-              <a:t> </a:t>
-            </a:r>
-            <a:r>
               <a:rPr lang="ru-RU" dirty="0"/>
-              <a:t>и </a:t>
+              <a:t> и </a:t>
             </a:r>
             <a:r>
               <a:rPr lang="ru-RU" b="1" dirty="0">
@@ -7262,22 +7243,10 @@
             </a:r>
             <a:r>
               <a:rPr lang="ru-RU" dirty="0"/>
-              <a:t>, подходящ за малки</a:t>
-            </a:r>
-            <a:r>
-              <a:rPr lang="ru-RU" dirty="0" smtClean="0"/>
-              <a:t> </a:t>
-            </a:r>
-            <a:r>
-              <a:rPr lang="ru-RU" dirty="0"/>
-              <a:t>и </a:t>
-            </a:r>
-            <a:r>
-              <a:rPr lang="ru-RU" dirty="0" smtClean="0"/>
-              <a:t>големи </a:t>
-            </a:r>
-            <a:r>
-              <a:rPr lang="ru-RU" b="1" dirty="0" smtClean="0"/>
+              <a:t>, подходящ за малки и големи </a:t>
+            </a:r>
+            <a:r>
+              <a:rPr lang="ru-RU" b="1" dirty="0"/>
               <a:t>уеб</a:t>
             </a:r>
             <a:r>
@@ -7290,18 +7259,14 @@
             </a:r>
             <a:r>
               <a:rPr lang="ru-RU" dirty="0"/>
-              <a:t> </a:t>
-            </a:r>
-            <a:r>
-              <a:rPr lang="ru-RU" dirty="0" smtClean="0"/>
-              <a:t>или </a:t>
-            </a:r>
-            <a:r>
-              <a:rPr lang="ru-RU" b="1" dirty="0" smtClean="0"/>
+              <a:t> или </a:t>
+            </a:r>
+            <a:r>
+              <a:rPr lang="ru-RU" b="1" dirty="0"/>
               <a:t>мобилни </a:t>
             </a:r>
             <a:r>
-              <a:rPr lang="ru-RU" dirty="0" smtClean="0"/>
+              <a:rPr lang="ru-RU" dirty="0"/>
               <a:t>приложения</a:t>
             </a:r>
             <a:endParaRPr lang="en-US" b="1" dirty="0"/>
@@ -7324,14 +7289,13 @@
           <a:lstStyle/>
           <a:p>
             <a:r>
-              <a:rPr lang="bg-BG" dirty="0" smtClean="0"/>
+              <a:rPr lang="bg-BG" dirty="0"/>
               <a:t>Предимства и недостатъци на </a:t>
             </a:r>
             <a:r>
-              <a:rPr lang="en-US" dirty="0" smtClean="0"/>
+              <a:rPr lang="en-US" dirty="0"/>
               <a:t>C#</a:t>
             </a:r>
-            <a:endParaRPr lang="en-US" dirty="0"/>
           </a:p>
         </p:txBody>
       </p:sp>
@@ -7541,7 +7505,7 @@
           <a:lstStyle/>
           <a:p>
             <a:r>
-              <a:rPr lang="bg-BG" dirty="0" smtClean="0"/>
+              <a:rPr lang="bg-BG" dirty="0"/>
               <a:t>Недостатъци:</a:t>
             </a:r>
           </a:p>
@@ -7549,19 +7513,11 @@
             <a:pPr lvl="1"/>
             <a:r>
               <a:rPr lang="ru-RU" b="1" dirty="0"/>
-              <a:t>Динамичната </a:t>
-            </a:r>
-            <a:r>
-              <a:rPr lang="ru-RU" b="1" dirty="0" smtClean="0"/>
-              <a:t>типизация </a:t>
-            </a:r>
-            <a:r>
-              <a:rPr lang="ru-RU" dirty="0" smtClean="0"/>
-              <a:t>може </a:t>
+              <a:t>Динамичната типизация </a:t>
             </a:r>
             <a:r>
               <a:rPr lang="ru-RU" dirty="0"/>
-              <a:t>да </a:t>
+              <a:t>може да </a:t>
             </a:r>
             <a:r>
               <a:rPr lang="ru-RU" b="1" dirty="0"/>
@@ -7584,19 +7540,19 @@
               <a:t>, откривани едва по време на </a:t>
             </a:r>
             <a:r>
-              <a:rPr lang="ru-RU" b="1" dirty="0" smtClean="0"/>
+              <a:rPr lang="ru-RU" b="1" dirty="0"/>
               <a:t>изпълнение</a:t>
             </a:r>
             <a:r>
-              <a:rPr lang="en-US" dirty="0" smtClean="0"/>
+              <a:rPr lang="en-US" dirty="0"/>
               <a:t> </a:t>
             </a:r>
             <a:r>
-              <a:rPr lang="bg-BG" dirty="0" smtClean="0"/>
+              <a:rPr lang="bg-BG" dirty="0"/>
               <a:t>на </a:t>
             </a:r>
             <a:r>
-              <a:rPr lang="bg-BG" b="1" dirty="0" smtClean="0"/>
+              <a:rPr lang="bg-BG" b="1" dirty="0"/>
               <a:t>кода</a:t>
             </a:r>
             <a:endParaRPr lang="en-US" b="1" dirty="0"/>
@@ -7619,23 +7575,19 @@
           <a:lstStyle/>
           <a:p>
             <a:r>
-              <a:rPr lang="bg-BG" dirty="0" smtClean="0"/>
+              <a:rPr lang="bg-BG" dirty="0"/>
               <a:t>Предимства:</a:t>
             </a:r>
           </a:p>
           <a:p>
             <a:pPr lvl="1"/>
             <a:r>
-              <a:rPr lang="ru-RU" b="1" dirty="0" smtClean="0"/>
+              <a:rPr lang="ru-RU" b="1" dirty="0"/>
               <a:t>Лесен</a:t>
             </a:r>
             <a:r>
-              <a:rPr lang="ru-RU" dirty="0" smtClean="0"/>
-              <a:t> </a:t>
-            </a:r>
-            <a:r>
               <a:rPr lang="ru-RU" dirty="0"/>
-              <a:t>за </a:t>
+              <a:t> за </a:t>
             </a:r>
             <a:r>
               <a:rPr lang="ru-RU" b="1" dirty="0"/>
@@ -7678,7 +7630,7 @@
               <a:t> за </a:t>
             </a:r>
             <a:r>
-              <a:rPr lang="ru-RU" b="1" dirty="0" smtClean="0"/>
+              <a:rPr lang="ru-RU" b="1" dirty="0"/>
               <a:t>начинаещи</a:t>
             </a:r>
             <a:endParaRPr lang="en-US" b="1" dirty="0"/>
@@ -7701,14 +7653,13 @@
           <a:lstStyle/>
           <a:p>
             <a:r>
-              <a:rPr lang="bg-BG" dirty="0" smtClean="0"/>
+              <a:rPr lang="bg-BG" dirty="0"/>
               <a:t>Предимства и недостатъци на </a:t>
             </a:r>
             <a:r>
-              <a:rPr lang="en-US" dirty="0" smtClean="0"/>
+              <a:rPr lang="en-US" dirty="0"/>
               <a:t>Python</a:t>
             </a:r>
-            <a:endParaRPr lang="en-US" dirty="0"/>
           </a:p>
         </p:txBody>
       </p:sp>
@@ -7918,18 +7869,18 @@
           <a:lstStyle/>
           <a:p>
             <a:r>
-              <a:rPr lang="bg-BG" dirty="0" smtClean="0"/>
+              <a:rPr lang="bg-BG" dirty="0"/>
               <a:t>Недостатъци:</a:t>
             </a:r>
           </a:p>
           <a:p>
             <a:pPr lvl="1"/>
             <a:r>
-              <a:rPr lang="ru-RU" b="1" dirty="0" smtClean="0"/>
+              <a:rPr lang="ru-RU" b="1" dirty="0"/>
               <a:t>Проектите</a:t>
             </a:r>
             <a:r>
-              <a:rPr lang="ru-RU" dirty="0" smtClean="0"/>
+              <a:rPr lang="ru-RU" dirty="0"/>
               <a:t> масово </a:t>
             </a:r>
             <a:r>
@@ -7961,7 +7912,7 @@
               <a:t> </a:t>
             </a:r>
             <a:r>
-              <a:rPr lang="ru-RU" b="1" dirty="0" smtClean="0">
+              <a:rPr lang="ru-RU" b="1" dirty="0">
                 <a:solidFill>
                   <a:schemeClr val="bg1"/>
                 </a:solidFill>
@@ -7969,22 +7920,14 @@
               <a:t>библиотеки</a:t>
             </a:r>
             <a:r>
-              <a:rPr lang="ru-RU" dirty="0" smtClean="0"/>
-              <a:t>, </a:t>
-            </a:r>
-            <a:r>
               <a:rPr lang="ru-RU" dirty="0"/>
-              <a:t>което може да </a:t>
-            </a:r>
-            <a:r>
-              <a:rPr lang="ru-RU" dirty="0" smtClean="0"/>
-              <a:t>доведе до </a:t>
-            </a:r>
-            <a:r>
-              <a:rPr lang="ru-RU" b="1" dirty="0" smtClean="0"/>
+              <a:t>, което може да доведе до </a:t>
+            </a:r>
+            <a:r>
+              <a:rPr lang="ru-RU" b="1" dirty="0"/>
               <a:t>проблеми</a:t>
             </a:r>
-            <a:endParaRPr lang="bg-BG" b="1" dirty="0" smtClean="0"/>
+            <a:endParaRPr lang="bg-BG" b="1" dirty="0"/>
           </a:p>
         </p:txBody>
       </p:sp>
@@ -8004,19 +7947,15 @@
           <a:lstStyle/>
           <a:p>
             <a:r>
-              <a:rPr lang="bg-BG" dirty="0" smtClean="0"/>
+              <a:rPr lang="bg-BG" dirty="0"/>
               <a:t>Предимства:</a:t>
             </a:r>
           </a:p>
           <a:p>
             <a:pPr lvl="1"/>
             <a:r>
-              <a:rPr lang="ru-RU" dirty="0" smtClean="0"/>
-              <a:t>Един </a:t>
-            </a:r>
-            <a:r>
               <a:rPr lang="ru-RU" dirty="0"/>
-              <a:t>от </a:t>
+              <a:t>Един от </a:t>
             </a:r>
             <a:r>
               <a:rPr lang="ru-RU" b="1" dirty="0">
@@ -8035,12 +7974,8 @@
               <a:t>за програмиране, с </a:t>
             </a:r>
             <a:r>
-              <a:rPr lang="ru-RU" b="1" dirty="0" smtClean="0"/>
-              <a:t>голяма </a:t>
-            </a:r>
-            <a:r>
               <a:rPr lang="ru-RU" b="1" dirty="0"/>
-              <a:t>общност </a:t>
+              <a:t>голяма общност </a:t>
             </a:r>
             <a:r>
               <a:rPr lang="ru-RU" dirty="0"/>
@@ -8050,7 +7985,7 @@
               <a:rPr lang="ru-RU" b="1" dirty="0"/>
               <a:t>много ресурси</a:t>
             </a:r>
-            <a:endParaRPr lang="bg-BG" b="1" dirty="0" smtClean="0"/>
+            <a:endParaRPr lang="bg-BG" b="1" dirty="0"/>
           </a:p>
         </p:txBody>
       </p:sp>
@@ -8070,7 +8005,7 @@
           <a:lstStyle/>
           <a:p>
             <a:r>
-              <a:rPr lang="bg-BG" dirty="0" smtClean="0"/>
+              <a:rPr lang="bg-BG" dirty="0"/>
               <a:t>Предимства и недостатъци на </a:t>
             </a:r>
             <a:r>
@@ -8262,7 +8197,7 @@
           <a:lstStyle/>
           <a:p>
             <a:r>
-              <a:rPr lang="bg-BG" dirty="0" smtClean="0"/>
+              <a:rPr lang="bg-BG" dirty="0"/>
               <a:t>"Превеждане" на машинен език</a:t>
             </a:r>
             <a:endParaRPr lang="en-US" dirty="0"/>
@@ -8286,11 +8221,7 @@
           <a:p>
             <a:r>
               <a:rPr lang="bg-BG" dirty="0"/>
-              <a:t>Компилиране и </a:t>
-            </a:r>
-            <a:r>
-              <a:rPr lang="bg-BG" dirty="0" smtClean="0"/>
-              <a:t>интерпретиране</a:t>
+              <a:t>Компилиране и интерпретиране</a:t>
             </a:r>
             <a:endParaRPr lang="en-US" dirty="0"/>
           </a:p>
@@ -8355,13 +8286,6 @@
       <p:transition spd="slow" advClick="0" advTm="5000"/>
     </mc:Fallback>
   </mc:AlternateContent>
-  <p:timing>
-    <p:tnLst>
-      <p:par>
-        <p:cTn id="1" dur="indefinite" restart="never" nodeType="tmRoot"/>
-      </p:par>
-    </p:tnLst>
-  </p:timing>
 </p:sld>
 </file>
 
@@ -8398,12 +8322,8 @@
           <a:lstStyle/>
           <a:p>
             <a:r>
-              <a:rPr lang="ru-RU" dirty="0" smtClean="0"/>
-              <a:t>За </a:t>
-            </a:r>
-            <a:r>
               <a:rPr lang="ru-RU" dirty="0"/>
-              <a:t>да изпълни програма, </a:t>
+              <a:t>За да изпълни програма, </a:t>
             </a:r>
             <a:r>
               <a:rPr lang="ru-RU" b="1" dirty="0"/>
@@ -8411,14 +8331,10 @@
             </a:r>
             <a:r>
               <a:rPr lang="ru-RU" dirty="0"/>
-              <a:t> трябва </a:t>
-            </a:r>
-            <a:r>
-              <a:rPr lang="ru-RU" dirty="0" smtClean="0"/>
-              <a:t>да "</a:t>
-            </a:r>
-            <a:r>
-              <a:rPr lang="ru-RU" b="1" dirty="0" smtClean="0">
+              <a:t> трябва да "</a:t>
+            </a:r>
+            <a:r>
+              <a:rPr lang="ru-RU" b="1" dirty="0">
                 <a:solidFill>
                   <a:schemeClr val="bg1"/>
                 </a:solidFill>
@@ -8426,60 +8342,40 @@
               <a:t>преведе</a:t>
             </a:r>
             <a:r>
-              <a:rPr lang="ru-RU" dirty="0" smtClean="0"/>
+              <a:rPr lang="ru-RU" dirty="0"/>
               <a:t>" </a:t>
             </a:r>
             <a:r>
-              <a:rPr lang="ru-RU" b="1" dirty="0" smtClean="0"/>
+              <a:rPr lang="ru-RU" b="1" dirty="0"/>
               <a:t>кода</a:t>
             </a:r>
             <a:r>
-              <a:rPr lang="ru-RU" dirty="0" smtClean="0"/>
-              <a:t> </a:t>
-            </a:r>
-            <a:r>
               <a:rPr lang="ru-RU" dirty="0"/>
-              <a:t>на </a:t>
+              <a:t> на </a:t>
             </a:r>
             <a:r>
               <a:rPr lang="ru-RU" b="1" dirty="0"/>
-              <a:t>машинен </a:t>
-            </a:r>
-            <a:r>
-              <a:rPr lang="ru-RU" b="1" dirty="0" smtClean="0"/>
-              <a:t>език</a:t>
+              <a:t>машинен език</a:t>
             </a:r>
           </a:p>
           <a:p>
             <a:r>
               <a:rPr lang="ru-RU" dirty="0"/>
-              <a:t>Основните </a:t>
-            </a:r>
-            <a:r>
-              <a:rPr lang="ru-RU" dirty="0" smtClean="0"/>
-              <a:t>начини </a:t>
+              <a:t>Основните начини за "</a:t>
+            </a:r>
+            <a:r>
+              <a:rPr lang="ru-RU" b="1" dirty="0"/>
+              <a:t>превод</a:t>
             </a:r>
             <a:r>
               <a:rPr lang="ru-RU" dirty="0"/>
-              <a:t>за </a:t>
-            </a:r>
-            <a:r>
-              <a:rPr lang="ru-RU" dirty="0" smtClean="0"/>
-              <a:t>"</a:t>
-            </a:r>
-            <a:r>
-              <a:rPr lang="ru-RU" b="1" dirty="0" smtClean="0"/>
-              <a:t>превод</a:t>
-            </a:r>
-            <a:r>
-              <a:rPr lang="ru-RU" dirty="0" smtClean="0"/>
               <a:t>" са:</a:t>
             </a:r>
           </a:p>
           <a:p>
             <a:pPr lvl="1"/>
             <a:r>
-              <a:rPr lang="bg-BG" dirty="0" smtClean="0"/>
+              <a:rPr lang="bg-BG" dirty="0"/>
               <a:t>Компилиране</a:t>
             </a:r>
           </a:p>
@@ -8509,7 +8405,7 @@
           <a:lstStyle/>
           <a:p>
             <a:r>
-              <a:rPr lang="bg-BG" dirty="0" smtClean="0"/>
+              <a:rPr lang="bg-BG" dirty="0"/>
               <a:t>Превеждане на машинен език</a:t>
             </a:r>
             <a:endParaRPr lang="en-US" dirty="0"/>
@@ -8890,43 +8786,35 @@
             </a:r>
             <a:r>
               <a:rPr lang="ru-RU" b="1" dirty="0"/>
-              <a:t>изпълним </a:t>
-            </a:r>
-            <a:r>
-              <a:rPr lang="ru-RU" b="1" dirty="0" smtClean="0"/>
-              <a:t>файл</a:t>
-            </a:r>
-            <a:endParaRPr lang="bg-BG" b="1" dirty="0" smtClean="0"/>
+              <a:t>изпълним файл</a:t>
+            </a:r>
+            <a:endParaRPr lang="bg-BG" b="1" dirty="0"/>
           </a:p>
           <a:p>
             <a:r>
               <a:rPr lang="bg-BG" dirty="0"/>
-              <a:t>Примери за </a:t>
-            </a:r>
-            <a:r>
-              <a:rPr lang="bg-BG" dirty="0" smtClean="0"/>
-              <a:t>езици, които се </a:t>
-            </a:r>
-            <a:r>
-              <a:rPr lang="bg-BG" b="1" dirty="0" smtClean="0"/>
+              <a:t>Примери за езици, които се </a:t>
+            </a:r>
+            <a:r>
+              <a:rPr lang="bg-BG" b="1" dirty="0"/>
               <a:t>компилират</a:t>
             </a:r>
             <a:r>
-              <a:rPr lang="bg-BG" dirty="0" smtClean="0"/>
+              <a:rPr lang="bg-BG" dirty="0"/>
               <a:t>, са:</a:t>
             </a:r>
           </a:p>
           <a:p>
             <a:pPr lvl="1"/>
             <a:r>
-              <a:rPr lang="en-US" dirty="0" smtClean="0"/>
+              <a:rPr lang="en-US" dirty="0"/>
               <a:t>Java, C#, Go, Rust </a:t>
             </a:r>
             <a:r>
-              <a:rPr lang="bg-BG" dirty="0" smtClean="0"/>
+              <a:rPr lang="bg-BG" dirty="0"/>
               <a:t>и др.</a:t>
             </a:r>
-            <a:endParaRPr lang="ru-RU" dirty="0" smtClean="0"/>
+            <a:endParaRPr lang="ru-RU" dirty="0"/>
           </a:p>
         </p:txBody>
       </p:sp>
@@ -8946,7 +8834,7 @@
           <a:lstStyle/>
           <a:p>
             <a:r>
-              <a:rPr lang="bg-BG" dirty="0" smtClean="0"/>
+              <a:rPr lang="bg-BG" dirty="0"/>
               <a:t>Компилиране</a:t>
             </a:r>
             <a:endParaRPr lang="en-US" dirty="0"/>
@@ -8998,10 +8886,10 @@
         </p:nvGrpSpPr>
         <p:grpSpPr>
           <a:xfrm>
-            <a:off x="3441000" y="4196954"/>
-            <a:ext cx="2337762" cy="2202046"/>
-            <a:chOff x="5299116" y="4122420"/>
-            <a:chExt cx="2337762" cy="2202046"/>
+            <a:off x="3371914" y="4196954"/>
+            <a:ext cx="2475933" cy="2221449"/>
+            <a:chOff x="5230030" y="4122420"/>
+            <a:chExt cx="2475933" cy="2221449"/>
           </a:xfrm>
         </p:grpSpPr>
         <p:pic>
@@ -9053,8 +8941,8 @@
           </p:nvSpPr>
           <p:spPr>
             <a:xfrm>
-              <a:off x="5299116" y="5632381"/>
-              <a:ext cx="2337762" cy="692085"/>
+              <a:off x="5230030" y="5651784"/>
+              <a:ext cx="2475933" cy="692085"/>
             </a:xfrm>
             <a:prstGeom prst="rect">
               <a:avLst/>
@@ -9083,7 +8971,7 @@
                 <a:buSzPct val="70000"/>
               </a:pPr>
               <a:r>
-                <a:rPr lang="bg-BG" sz="2800" b="1" i="1" dirty="0" smtClean="0"/>
+                <a:rPr lang="bg-BG" sz="2800" b="1" i="1" dirty="0"/>
                 <a:t>Компилатор</a:t>
               </a:r>
               <a:endParaRPr lang="en-US" sz="3200" b="1" i="1" dirty="0"/>
@@ -9812,11 +9700,7 @@
             </a:r>
             <a:r>
               <a:rPr lang="ru-RU" b="1" dirty="0"/>
-              <a:t>команда по </a:t>
-            </a:r>
-            <a:r>
-              <a:rPr lang="ru-RU" b="1" dirty="0" smtClean="0"/>
-              <a:t>команда</a:t>
+              <a:t>команда по команда</a:t>
             </a:r>
           </a:p>
           <a:p>
@@ -9842,7 +9726,7 @@
               <a:t> </a:t>
             </a:r>
             <a:r>
-              <a:rPr lang="ru-RU" b="1" dirty="0" smtClean="0"/>
+              <a:rPr lang="ru-RU" b="1" dirty="0"/>
               <a:t>поотделно</a:t>
             </a:r>
           </a:p>
@@ -9867,14 +9751,13 @@
           <a:lstStyle/>
           <a:p>
             <a:r>
-              <a:rPr lang="bg-BG" dirty="0" smtClean="0"/>
+              <a:rPr lang="bg-BG" dirty="0"/>
               <a:t>Интерпретиране</a:t>
             </a:r>
             <a:r>
-              <a:rPr lang="en-US" dirty="0" smtClean="0"/>
+              <a:rPr lang="en-US" dirty="0"/>
               <a:t> (1)</a:t>
             </a:r>
-            <a:endParaRPr lang="en-US" dirty="0"/>
           </a:p>
         </p:txBody>
       </p:sp>
@@ -10008,7 +9891,7 @@
                 <a:buSzPct val="70000"/>
               </a:pPr>
               <a:r>
-                <a:rPr lang="bg-BG" sz="2800" b="1" i="1" dirty="0" smtClean="0"/>
+                <a:rPr lang="bg-BG" sz="2800" b="1" i="1" dirty="0"/>
                 <a:t>Интерпретатор</a:t>
               </a:r>
               <a:endParaRPr lang="en-US" sz="3200" b="1" i="1" dirty="0"/>
@@ -10645,35 +10528,30 @@
             </a:r>
             <a:r>
               <a:rPr lang="bg-BG" dirty="0"/>
-              <a:t>, са</a:t>
-            </a:r>
-            <a:r>
-              <a:rPr lang="bg-BG" dirty="0" smtClean="0"/>
-              <a:t>:</a:t>
-            </a:r>
-            <a:endParaRPr lang="en-US" dirty="0" smtClean="0"/>
+              <a:t>, са:</a:t>
+            </a:r>
+            <a:endParaRPr lang="en-US" dirty="0"/>
           </a:p>
           <a:p>
             <a:pPr lvl="1"/>
             <a:r>
-              <a:rPr lang="en-US" dirty="0" smtClean="0"/>
+              <a:rPr lang="en-US" dirty="0"/>
               <a:t>JavaScript</a:t>
             </a:r>
           </a:p>
           <a:p>
             <a:pPr lvl="1"/>
             <a:r>
-              <a:rPr lang="en-US" dirty="0" smtClean="0"/>
+              <a:rPr lang="en-US" dirty="0"/>
               <a:t>Python</a:t>
             </a:r>
           </a:p>
           <a:p>
             <a:pPr lvl="1"/>
             <a:r>
-              <a:rPr lang="en-US" dirty="0" smtClean="0"/>
+              <a:rPr lang="en-US" dirty="0"/>
               <a:t>PHP</a:t>
             </a:r>
-            <a:endParaRPr lang="en-US" dirty="0"/>
           </a:p>
           <a:p>
             <a:endParaRPr lang="en-US" dirty="0"/>
@@ -10701,13 +10579,8 @@
             </a:r>
             <a:r>
               <a:rPr lang="en-US" dirty="0"/>
-              <a:t> </a:t>
-            </a:r>
-            <a:r>
-              <a:rPr lang="en-US" dirty="0" smtClean="0"/>
-              <a:t>(2)</a:t>
-            </a:r>
-            <a:endParaRPr lang="en-US" dirty="0"/>
+              <a:t> (2)</a:t>
+            </a:r>
           </a:p>
         </p:txBody>
       </p:sp>
@@ -11287,13 +11160,6 @@
       <p:transition spd="slow" advClick="0" advTm="5000"/>
     </mc:Fallback>
   </mc:AlternateContent>
-  <p:timing>
-    <p:tnLst>
-      <p:par>
-        <p:cTn id="1" dur="indefinite" restart="never" nodeType="tmRoot"/>
-      </p:par>
-    </p:tnLst>
-  </p:timing>
 </p:sld>
 </file>
 
@@ -11330,11 +11196,11 @@
           <a:lstStyle/>
           <a:p>
             <a:r>
-              <a:rPr lang="ru-RU" dirty="0" smtClean="0"/>
+              <a:rPr lang="ru-RU" dirty="0"/>
               <a:t>͏</a:t>
             </a:r>
             <a:r>
-              <a:rPr lang="ru-RU" b="1" dirty="0" smtClean="0">
+              <a:rPr lang="ru-RU" b="1" dirty="0">
                 <a:solidFill>
                   <a:schemeClr val="bg1"/>
                 </a:solidFill>
@@ -11342,11 +11208,11 @@
               <a:t>Интегрираната среда за разработка </a:t>
             </a:r>
             <a:r>
-              <a:rPr lang="ru-RU" dirty="0" smtClean="0"/>
+              <a:rPr lang="ru-RU" dirty="0"/>
               <a:t>(</a:t>
             </a:r>
             <a:r>
-              <a:rPr lang="en-US" b="1" dirty="0" smtClean="0">
+              <a:rPr lang="en-US" b="1" dirty="0">
                 <a:solidFill>
                   <a:schemeClr val="bg1"/>
                 </a:solidFill>
@@ -11354,11 +11220,11 @@
               <a:t>I</a:t>
             </a:r>
             <a:r>
-              <a:rPr lang="ru-RU" dirty="0" smtClean="0"/>
+              <a:rPr lang="ru-RU" dirty="0"/>
               <a:t>ntegrated </a:t>
             </a:r>
             <a:r>
-              <a:rPr lang="en-US" b="1" dirty="0" smtClean="0">
+              <a:rPr lang="en-US" b="1" dirty="0">
                 <a:solidFill>
                   <a:schemeClr val="bg1"/>
                 </a:solidFill>
@@ -11366,11 +11232,11 @@
               <a:t>D</a:t>
             </a:r>
             <a:r>
-              <a:rPr lang="ru-RU" dirty="0" smtClean="0"/>
+              <a:rPr lang="ru-RU" dirty="0"/>
               <a:t>evelopment </a:t>
             </a:r>
             <a:r>
-              <a:rPr lang="en-US" b="1" dirty="0" smtClean="0">
+              <a:rPr lang="en-US" b="1" dirty="0">
                 <a:solidFill>
                   <a:schemeClr val="bg1"/>
                 </a:solidFill>
@@ -11378,43 +11244,43 @@
               <a:t>E</a:t>
             </a:r>
             <a:r>
-              <a:rPr lang="ru-RU" dirty="0" smtClean="0"/>
+              <a:rPr lang="ru-RU" dirty="0"/>
               <a:t>nvironment) </a:t>
             </a:r>
             <a:r>
-              <a:rPr lang="en-US" dirty="0" smtClean="0"/>
+              <a:rPr lang="en-US" dirty="0"/>
               <a:t>–</a:t>
             </a:r>
             <a:r>
-              <a:rPr lang="ru-RU" dirty="0" smtClean="0"/>
+              <a:rPr lang="ru-RU" dirty="0"/>
               <a:t> </a:t>
             </a:r>
             <a:r>
-              <a:rPr lang="ru-RU" b="1" dirty="0" smtClean="0"/>
+              <a:rPr lang="ru-RU" b="1" dirty="0"/>
               <a:t>софтуерно приложение</a:t>
             </a:r>
             <a:r>
-              <a:rPr lang="ru-RU" dirty="0" smtClean="0"/>
+              <a:rPr lang="ru-RU" dirty="0"/>
               <a:t>, което предоставя цялостна </a:t>
             </a:r>
             <a:r>
-              <a:rPr lang="ru-RU" b="1" dirty="0" smtClean="0"/>
+              <a:rPr lang="ru-RU" b="1" dirty="0"/>
               <a:t>среда</a:t>
             </a:r>
             <a:r>
-              <a:rPr lang="ru-RU" dirty="0" smtClean="0"/>
+              <a:rPr lang="ru-RU" dirty="0"/>
               <a:t> за </a:t>
             </a:r>
             <a:r>
-              <a:rPr lang="ru-RU" b="1" dirty="0" smtClean="0"/>
+              <a:rPr lang="ru-RU" b="1" dirty="0"/>
               <a:t>разработване</a:t>
             </a:r>
             <a:r>
-              <a:rPr lang="ru-RU" dirty="0" smtClean="0"/>
+              <a:rPr lang="ru-RU" dirty="0"/>
               <a:t> на </a:t>
             </a:r>
             <a:r>
-              <a:rPr lang="ru-RU" b="1" dirty="0" smtClean="0"/>
+              <a:rPr lang="ru-RU" b="1" dirty="0"/>
               <a:t>софтуер</a:t>
             </a:r>
             <a:endParaRPr lang="en-US" dirty="0"/>
@@ -11439,7 +11305,7 @@
           <a:lstStyle/>
           <a:p>
             <a:r>
-              <a:rPr lang="bg-BG" dirty="0" smtClean="0"/>
+              <a:rPr lang="bg-BG" dirty="0"/>
               <a:t>Какво е интегрирана среда за разработка?</a:t>
             </a:r>
             <a:endParaRPr lang="en-US" dirty="0"/>
@@ -11546,10 +11412,9 @@
           <a:lstStyle/>
           <a:p>
             <a:r>
-              <a:rPr lang="en-US" noProof="0" dirty="0" smtClean="0"/>
+              <a:rPr lang="en-US" noProof="0" dirty="0"/>
               <a:t>19</a:t>
             </a:r>
-            <a:endParaRPr lang="en-US" noProof="0" dirty="0"/>
           </a:p>
         </p:txBody>
       </p:sp>
@@ -11862,21 +11727,21 @@
           <a:lstStyle/>
           <a:p>
             <a:r>
-              <a:rPr lang="bg-BG" dirty="0" smtClean="0"/>
+              <a:rPr lang="bg-BG" dirty="0"/>
               <a:t>͏</a:t>
             </a:r>
             <a:r>
-              <a:rPr lang="bg-BG" b="1" dirty="0" smtClean="0"/>
+              <a:rPr lang="bg-BG" b="1" dirty="0"/>
               <a:t>Език за програмиране</a:t>
             </a:r>
           </a:p>
           <a:p>
             <a:r>
-              <a:rPr lang="bg-BG" dirty="0" smtClean="0"/>
+              <a:rPr lang="bg-BG" dirty="0"/>
               <a:t>͏</a:t>
             </a:r>
             <a:r>
-              <a:rPr lang="bg-BG" b="1" dirty="0" smtClean="0">
+              <a:rPr lang="bg-BG" b="1" dirty="0">
                 <a:solidFill>
                   <a:schemeClr val="bg1"/>
                 </a:solidFill>
@@ -11884,15 +11749,11 @@
               <a:t>Компилиране</a:t>
             </a:r>
             <a:r>
-              <a:rPr lang="bg-BG" dirty="0" smtClean="0"/>
-              <a:t> </a:t>
-            </a:r>
-            <a:r>
-              <a:rPr lang="bg-BG" dirty="0" smtClean="0"/>
-              <a:t>и </a:t>
-            </a:r>
-            <a:r>
-              <a:rPr lang="bg-BG" b="1" dirty="0" smtClean="0">
+              <a:rPr lang="bg-BG" dirty="0"/>
+              <a:t> и </a:t>
+            </a:r>
+            <a:r>
+              <a:rPr lang="bg-BG" b="1" dirty="0">
                 <a:solidFill>
                   <a:schemeClr val="bg1"/>
                 </a:solidFill>
@@ -11902,26 +11763,22 @@
           </a:p>
           <a:p>
             <a:r>
-              <a:rPr lang="bg-BG" dirty="0" smtClean="0"/>
-              <a:t>Интегрирана среда за </a:t>
-            </a:r>
-            <a:r>
-              <a:rPr lang="bg-BG" dirty="0" smtClean="0"/>
-              <a:t>програмиране</a:t>
-            </a:r>
-            <a:r>
-              <a:rPr lang="en-US" dirty="0" smtClean="0"/>
+              <a:rPr lang="bg-BG" dirty="0"/>
+              <a:t>Интегрирана среда за програмиране</a:t>
+            </a:r>
+            <a:r>
+              <a:rPr lang="en-US" dirty="0"/>
               <a:t> (</a:t>
             </a:r>
             <a:r>
-              <a:rPr lang="en-US" b="1" dirty="0" smtClean="0"/>
+              <a:rPr lang="en-US" b="1" dirty="0"/>
               <a:t>IDE</a:t>
             </a:r>
             <a:r>
-              <a:rPr lang="en-US" dirty="0" smtClean="0"/>
+              <a:rPr lang="en-US" dirty="0"/>
               <a:t>)</a:t>
             </a:r>
-            <a:endParaRPr lang="bg-BG" dirty="0" smtClean="0"/>
+            <a:endParaRPr lang="bg-BG" dirty="0"/>
           </a:p>
         </p:txBody>
       </p:sp>
@@ -12208,11 +12065,11 @@
           <a:lstStyle/>
           <a:p>
             <a:r>
-              <a:rPr lang="en-US" dirty="0" smtClean="0"/>
+              <a:rPr lang="en-US" dirty="0"/>
               <a:t>͏</a:t>
             </a:r>
             <a:r>
-              <a:rPr lang="en-US" b="1" dirty="0" smtClean="0">
+              <a:rPr lang="en-US" b="1" dirty="0">
                 <a:solidFill>
                   <a:schemeClr val="bg1"/>
                 </a:solidFill>
@@ -12260,11 +12117,11 @@
               <a:t> </a:t>
             </a:r>
             <a:r>
-              <a:rPr lang="en-US" dirty="0" smtClean="0"/>
+              <a:rPr lang="en-US" dirty="0"/>
               <a:t>(</a:t>
             </a:r>
             <a:r>
-              <a:rPr lang="en-US" b="1" dirty="0" smtClean="0">
+              <a:rPr lang="en-US" b="1" dirty="0">
                 <a:solidFill>
                   <a:schemeClr val="bg1"/>
                 </a:solidFill>
@@ -12272,54 +12129,44 @@
               <a:t>IDE</a:t>
             </a:r>
             <a:r>
-              <a:rPr lang="en-US" dirty="0" smtClean="0"/>
+              <a:rPr lang="en-US" dirty="0"/>
               <a:t>) </a:t>
             </a:r>
             <a:r>
-              <a:rPr lang="ru-RU" dirty="0" smtClean="0"/>
-              <a:t>обикновено </a:t>
-            </a:r>
-            <a:r>
               <a:rPr lang="ru-RU" dirty="0"/>
-              <a:t>се състои </a:t>
-            </a:r>
-            <a:r>
-              <a:rPr lang="ru-RU" dirty="0" smtClean="0"/>
-              <a:t>от</a:t>
-            </a:r>
-            <a:r>
-              <a:rPr lang="en-US" dirty="0" smtClean="0"/>
+              <a:t>обикновено се състои от</a:t>
+            </a:r>
+            <a:r>
+              <a:rPr lang="en-US" dirty="0"/>
               <a:t>:</a:t>
             </a:r>
-            <a:endParaRPr lang="en-US" dirty="0" smtClean="0"/>
           </a:p>
           <a:p>
             <a:pPr lvl="1"/>
             <a:r>
-              <a:rPr lang="bg-BG" dirty="0" smtClean="0"/>
+              <a:rPr lang="bg-BG" dirty="0"/>
               <a:t>Р</a:t>
             </a:r>
             <a:r>
-              <a:rPr lang="ru-RU" dirty="0" smtClean="0"/>
+              <a:rPr lang="ru-RU" dirty="0"/>
               <a:t>едактор на код</a:t>
             </a:r>
-            <a:endParaRPr lang="en-US" dirty="0" smtClean="0"/>
+            <a:endParaRPr lang="en-US" dirty="0"/>
           </a:p>
           <a:p>
             <a:pPr lvl="1"/>
             <a:r>
-              <a:rPr lang="bg-BG" dirty="0" smtClean="0"/>
+              <a:rPr lang="bg-BG" dirty="0"/>
               <a:t>Компилатор/Интерпретатор</a:t>
             </a:r>
-            <a:endParaRPr lang="en-US" dirty="0" smtClean="0"/>
+            <a:endParaRPr lang="en-US" dirty="0"/>
           </a:p>
           <a:p>
             <a:pPr lvl="1"/>
             <a:r>
-              <a:rPr lang="en-US" dirty="0" smtClean="0"/>
+              <a:rPr lang="en-US" dirty="0"/>
               <a:t>Debugger</a:t>
             </a:r>
-            <a:endParaRPr lang="en-US" dirty="0"/>
           </a:p>
         </p:txBody>
       </p:sp>
@@ -12339,14 +12186,13 @@
           <a:lstStyle/>
           <a:p>
             <a:r>
-              <a:rPr lang="bg-BG" dirty="0" smtClean="0"/>
+              <a:rPr lang="bg-BG" dirty="0"/>
               <a:t>Какво съдържа </a:t>
             </a:r>
             <a:r>
-              <a:rPr lang="en-US" dirty="0" smtClean="0"/>
+              <a:rPr lang="en-US" dirty="0"/>
               <a:t>IDE?</a:t>
             </a:r>
-            <a:endParaRPr lang="en-US" dirty="0"/>
           </a:p>
         </p:txBody>
       </p:sp>
@@ -12821,11 +12667,11 @@
           <a:lstStyle/>
           <a:p>
             <a:r>
-              <a:rPr lang="ru-RU" b="1" dirty="0" smtClean="0"/>
+              <a:rPr lang="ru-RU" b="1" dirty="0"/>
               <a:t>͏</a:t>
             </a:r>
             <a:r>
-              <a:rPr lang="ru-RU" b="1" dirty="0" smtClean="0">
+              <a:rPr lang="ru-RU" b="1" dirty="0">
                 <a:solidFill>
                   <a:schemeClr val="bg1"/>
                 </a:solidFill>
@@ -12833,7 +12679,7 @@
               <a:t>Редакторът</a:t>
             </a:r>
             <a:r>
-              <a:rPr lang="en-US" b="1" dirty="0" smtClean="0">
+              <a:rPr lang="en-US" b="1" dirty="0">
                 <a:solidFill>
                   <a:schemeClr val="bg1"/>
                 </a:solidFill>
@@ -12841,12 +12687,8 @@
               <a:t> </a:t>
             </a:r>
             <a:r>
-              <a:rPr lang="ru-RU" dirty="0" smtClean="0"/>
-              <a:t>– </a:t>
-            </a:r>
-            <a:r>
               <a:rPr lang="ru-RU" dirty="0"/>
-              <a:t>програма за </a:t>
+              <a:t>– програма за </a:t>
             </a:r>
             <a:r>
               <a:rPr lang="ru-RU" b="1" dirty="0"/>
@@ -12865,10 +12707,10 @@
               <a:t> на </a:t>
             </a:r>
             <a:r>
-              <a:rPr lang="bg-BG" b="1" dirty="0" smtClean="0"/>
+              <a:rPr lang="bg-BG" b="1" dirty="0"/>
               <a:t>програмен код</a:t>
             </a:r>
-            <a:endParaRPr lang="ru-RU" b="1" dirty="0" smtClean="0"/>
+            <a:endParaRPr lang="ru-RU" b="1" dirty="0"/>
           </a:p>
           <a:p>
             <a:pPr lvl="1"/>
@@ -12878,30 +12720,18 @@
             </a:r>
             <a:r>
               <a:rPr lang="ru-RU" dirty="0"/>
-              <a:t> различните части на </a:t>
-            </a:r>
-            <a:r>
-              <a:rPr lang="ru-RU" dirty="0" smtClean="0"/>
-              <a:t>кода</a:t>
+              <a:t> различните части на кода</a:t>
             </a:r>
           </a:p>
           <a:p>
             <a:pPr lvl="1"/>
             <a:r>
-              <a:rPr lang="ru-RU" b="1" dirty="0" smtClean="0"/>
-              <a:t>Показва </a:t>
-            </a:r>
-            <a:r>
               <a:rPr lang="ru-RU" b="1" dirty="0"/>
-              <a:t>грешки</a:t>
+              <a:t>Показва грешки</a:t>
             </a:r>
             <a:r>
               <a:rPr lang="ru-RU" dirty="0"/>
-              <a:t>, когато кодът не е написан </a:t>
-            </a:r>
-            <a:r>
-              <a:rPr lang="ru-RU" dirty="0" smtClean="0"/>
-              <a:t>правилно</a:t>
+              <a:t>, когато кодът не е написан правилно</a:t>
             </a:r>
           </a:p>
           <a:p>
@@ -12912,11 +12742,7 @@
             </a:r>
             <a:r>
               <a:rPr lang="ru-RU" b="1" dirty="0"/>
-              <a:t>автоматично допълване на </a:t>
-            </a:r>
-            <a:r>
-              <a:rPr lang="ru-RU" b="1" dirty="0" smtClean="0"/>
-              <a:t>команди</a:t>
+              <a:t>автоматично допълване на команди</a:t>
             </a:r>
             <a:endParaRPr lang="en-US" dirty="0"/>
           </a:p>
@@ -12938,7 +12764,7 @@
           <a:lstStyle/>
           <a:p>
             <a:r>
-              <a:rPr lang="bg-BG" dirty="0" smtClean="0"/>
+              <a:rPr lang="bg-BG" dirty="0"/>
               <a:t>Редактор</a:t>
             </a:r>
             <a:endParaRPr lang="en-US" dirty="0"/>
@@ -13383,7 +13209,7 @@
               <a:t> или </a:t>
             </a:r>
             <a:r>
-              <a:rPr lang="ru-RU" b="1" dirty="0" smtClean="0"/>
+              <a:rPr lang="ru-RU" b="1" dirty="0"/>
               <a:t>интерпретирана</a:t>
             </a:r>
           </a:p>
@@ -13436,7 +13262,7 @@
           <a:lstStyle/>
           <a:p>
             <a:r>
-              <a:rPr lang="bg-BG" dirty="0" smtClean="0"/>
+              <a:rPr lang="bg-BG" dirty="0"/>
               <a:t>Компилатор/интерпретатор</a:t>
             </a:r>
             <a:endParaRPr lang="en-US" dirty="0"/>
@@ -13686,11 +13512,11 @@
           <a:lstStyle/>
           <a:p>
             <a:r>
-              <a:rPr lang="ru-RU" b="1" dirty="0" smtClean="0"/>
+              <a:rPr lang="ru-RU" b="1" dirty="0"/>
               <a:t>͏</a:t>
             </a:r>
             <a:r>
-              <a:rPr lang="ru-RU" b="1" dirty="0" smtClean="0">
+              <a:rPr lang="ru-RU" b="1" dirty="0">
                 <a:solidFill>
                   <a:schemeClr val="bg1"/>
                 </a:solidFill>
@@ -13698,20 +13524,16 @@
               <a:t>Debugger</a:t>
             </a:r>
             <a:r>
-              <a:rPr lang="ru-RU" dirty="0" smtClean="0"/>
+              <a:rPr lang="ru-RU" dirty="0"/>
               <a:t> </a:t>
             </a:r>
             <a:r>
-              <a:rPr lang="en-US" dirty="0" smtClean="0"/>
+              <a:rPr lang="en-US" dirty="0"/>
               <a:t>–</a:t>
             </a:r>
             <a:r>
-              <a:rPr lang="ru-RU" dirty="0" smtClean="0"/>
-              <a:t> </a:t>
-            </a:r>
-            <a:r>
               <a:rPr lang="ru-RU" dirty="0"/>
-              <a:t>инструмент за </a:t>
+              <a:t> инструмент за </a:t>
             </a:r>
             <a:r>
               <a:rPr lang="ru-RU" b="1" dirty="0"/>
@@ -13735,13 +13557,9 @@
             </a:r>
             <a:r>
               <a:rPr lang="ru-RU" dirty="0"/>
-              <a:t> в </a:t>
-            </a:r>
-            <a:r>
-              <a:rPr lang="ru-RU" dirty="0" smtClean="0"/>
-              <a:t>кода</a:t>
-            </a:r>
-            <a:endParaRPr lang="en-US" dirty="0" smtClean="0"/>
+              <a:t> в кода</a:t>
+            </a:r>
+            <a:endParaRPr lang="en-US" dirty="0"/>
           </a:p>
           <a:p>
             <a:pPr lvl="1"/>
@@ -13751,23 +13569,15 @@
             </a:r>
             <a:r>
               <a:rPr lang="ru-RU" b="1" dirty="0"/>
-              <a:t>стъпка по </a:t>
-            </a:r>
-            <a:r>
-              <a:rPr lang="ru-RU" b="1" dirty="0" smtClean="0"/>
-              <a:t>стъпка</a:t>
-            </a:r>
-            <a:endParaRPr lang="en-US" b="1" dirty="0" smtClean="0"/>
+              <a:t>стъпка по стъпка</a:t>
+            </a:r>
+            <a:endParaRPr lang="en-US" b="1" dirty="0"/>
           </a:p>
           <a:p>
             <a:pPr lvl="1"/>
             <a:r>
-              <a:rPr lang="ru-RU" dirty="0" smtClean="0"/>
-              <a:t>Показва </a:t>
-            </a:r>
-            <a:r>
               <a:rPr lang="ru-RU" dirty="0"/>
-              <a:t>стойностите на променливите за </a:t>
+              <a:t>Показва стойностите на променливите за </a:t>
             </a:r>
             <a:r>
               <a:rPr lang="ru-RU" b="1" dirty="0"/>
@@ -13793,10 +13603,9 @@
           <a:lstStyle/>
           <a:p>
             <a:r>
-              <a:rPr lang="en-US" dirty="0" smtClean="0"/>
+              <a:rPr lang="en-US" dirty="0"/>
               <a:t>Debugger</a:t>
             </a:r>
-            <a:endParaRPr lang="en-US" dirty="0"/>
           </a:p>
         </p:txBody>
       </p:sp>
@@ -14914,15 +14723,7 @@
                   <a:schemeClr val="bg2"/>
                 </a:solidFill>
               </a:rPr>
-              <a:t>изпълнява </a:t>
-            </a:r>
-            <a:r>
-              <a:rPr lang="ru-RU" sz="2400" b="1" dirty="0" smtClean="0">
-                <a:solidFill>
-                  <a:schemeClr val="bg2"/>
-                </a:solidFill>
-              </a:rPr>
-              <a:t>задачи</a:t>
+              <a:t>изпълнява задачи</a:t>
             </a:r>
           </a:p>
           <a:p>
@@ -14935,7 +14736,7 @@
               </a:buClr>
             </a:pPr>
             <a:r>
-              <a:rPr lang="ru-RU" sz="2400" b="1" dirty="0" smtClean="0">
+              <a:rPr lang="ru-RU" sz="2400" b="1" dirty="0">
                 <a:solidFill>
                   <a:schemeClr val="bg2"/>
                 </a:solidFill>
@@ -14943,7 +14744,7 @@
               <a:t>Основни</a:t>
             </a:r>
             <a:r>
-              <a:rPr lang="ru-RU" sz="2400" dirty="0" smtClean="0">
+              <a:rPr lang="ru-RU" sz="2400" dirty="0">
                 <a:solidFill>
                   <a:schemeClr val="bg2"/>
                 </a:solidFill>
@@ -14951,7 +14752,7 @@
               <a:t> </a:t>
             </a:r>
             <a:r>
-              <a:rPr lang="ru-RU" sz="2400" b="1" dirty="0" smtClean="0">
+              <a:rPr lang="ru-RU" sz="2400" b="1" dirty="0">
                 <a:solidFill>
                   <a:schemeClr val="bg2"/>
                 </a:solidFill>
@@ -14959,7 +14760,7 @@
               <a:t>видове</a:t>
             </a:r>
             <a:r>
-              <a:rPr lang="ru-RU" sz="2400" dirty="0" smtClean="0">
+              <a:rPr lang="ru-RU" sz="2400" dirty="0">
                 <a:solidFill>
                   <a:schemeClr val="bg2"/>
                 </a:solidFill>
@@ -14977,7 +14778,7 @@
               </a:buClr>
             </a:pPr>
             <a:r>
-              <a:rPr lang="ru-RU" sz="2400" dirty="0" smtClean="0">
+              <a:rPr lang="ru-RU" sz="2400" dirty="0">
                 <a:solidFill>
                   <a:schemeClr val="bg2"/>
                 </a:solidFill>
@@ -14995,26 +14796,13 @@
               </a:buClr>
             </a:pPr>
             <a:r>
-              <a:rPr lang="ru-RU" sz="2400" dirty="0" smtClean="0">
+              <a:rPr lang="ru-RU" sz="2400" dirty="0">
                 <a:solidFill>
                   <a:schemeClr val="bg2"/>
                 </a:solidFill>
               </a:rPr>
-              <a:t>Езици </a:t>
-            </a:r>
-            <a:r>
-              <a:rPr lang="ru-RU" sz="2400" dirty="0">
-                <a:solidFill>
-                  <a:schemeClr val="bg2"/>
-                </a:solidFill>
-              </a:rPr>
-              <a:t>от ниско ниво</a:t>
-            </a:r>
-            <a:endParaRPr lang="ru-RU" sz="2400" dirty="0" smtClean="0">
-              <a:solidFill>
-                <a:schemeClr val="bg2"/>
-              </a:solidFill>
-            </a:endParaRPr>
+              <a:t>Езици от ниско ниво</a:t>
+            </a:r>
           </a:p>
           <a:p>
             <a:pPr marL="888666" lvl="1" indent="-355600">
@@ -15026,7 +14814,7 @@
               </a:buClr>
             </a:pPr>
             <a:r>
-              <a:rPr lang="ru-RU" sz="2400" dirty="0" smtClean="0">
+              <a:rPr lang="ru-RU" sz="2400" dirty="0">
                 <a:solidFill>
                   <a:schemeClr val="bg2"/>
                 </a:solidFill>
@@ -15060,18 +14848,10 @@
                   <a:schemeClr val="bg2"/>
                 </a:solidFill>
               </a:rPr>
-              <a:t> </a:t>
-            </a:r>
-            <a:r>
-              <a:rPr lang="ru-RU" sz="2400" dirty="0" smtClean="0">
-                <a:solidFill>
-                  <a:schemeClr val="bg2"/>
-                </a:solidFill>
-              </a:rPr>
-              <a:t>– </a:t>
-            </a:r>
-            <a:r>
-              <a:rPr lang="ru-RU" sz="2400" b="1" dirty="0" smtClean="0">
+              <a:t> – </a:t>
+            </a:r>
+            <a:r>
+              <a:rPr lang="ru-RU" sz="2400" b="1" dirty="0">
                 <a:solidFill>
                   <a:schemeClr val="bg2"/>
                 </a:solidFill>
@@ -15079,28 +14859,12 @@
               <a:t>превежда</a:t>
             </a:r>
             <a:r>
-              <a:rPr lang="ru-RU" sz="2400" dirty="0" smtClean="0">
+              <a:rPr lang="ru-RU" sz="2400" dirty="0">
                 <a:solidFill>
                   <a:schemeClr val="bg2"/>
                 </a:solidFill>
               </a:rPr>
-              <a:t> </a:t>
-            </a:r>
-            <a:r>
-              <a:rPr lang="ru-RU" sz="2400" dirty="0">
-                <a:solidFill>
-                  <a:schemeClr val="bg2"/>
-                </a:solidFill>
-              </a:rPr>
-              <a:t>се</a:t>
-            </a:r>
-            <a:r>
-              <a:rPr lang="ru-RU" sz="2400" dirty="0" smtClean="0">
-                <a:solidFill>
-                  <a:schemeClr val="bg2"/>
-                </a:solidFill>
-              </a:rPr>
-              <a:t> </a:t>
+              <a:t> се </a:t>
             </a:r>
             <a:r>
               <a:rPr lang="ru-RU" sz="2400" b="1" dirty="0">
@@ -15124,15 +14888,7 @@
                   <a:schemeClr val="bg2"/>
                 </a:solidFill>
               </a:rPr>
-              <a:t>генерира изпълним </a:t>
-            </a:r>
-            <a:r>
-              <a:rPr lang="ru-RU" sz="2400" b="1" dirty="0" smtClean="0">
-                <a:solidFill>
-                  <a:schemeClr val="bg2"/>
-                </a:solidFill>
-              </a:rPr>
-              <a:t>файл</a:t>
+              <a:t>генерира изпълним файл</a:t>
             </a:r>
           </a:p>
           <a:p>
@@ -15145,7 +14901,7 @@
               </a:buClr>
             </a:pPr>
             <a:r>
-              <a:rPr lang="ru-RU" sz="2400" b="1" dirty="0" smtClean="0">
+              <a:rPr lang="ru-RU" sz="2400" b="1" dirty="0">
                 <a:solidFill>
                   <a:schemeClr val="accent1">
                     <a:lumMod val="60000"/>
@@ -15156,7 +14912,7 @@
               <a:t>Интерпретиране</a:t>
             </a:r>
             <a:r>
-              <a:rPr lang="ru-RU" sz="2400" dirty="0" smtClean="0">
+              <a:rPr lang="ru-RU" sz="2400" dirty="0">
                 <a:solidFill>
                   <a:schemeClr val="bg2"/>
                 </a:solidFill>
@@ -15164,7 +14920,7 @@
               <a:t> – </a:t>
             </a:r>
             <a:r>
-              <a:rPr lang="ru-RU" sz="2400" b="1" dirty="0" smtClean="0">
+              <a:rPr lang="ru-RU" sz="2400" b="1" dirty="0">
                 <a:solidFill>
                   <a:schemeClr val="bg2"/>
                 </a:solidFill>
@@ -15172,7 +14928,39 @@
               <a:t>превеждане</a:t>
             </a:r>
             <a:r>
-              <a:rPr lang="ru-RU" sz="2400" dirty="0" smtClean="0">
+              <a:rPr lang="ru-RU" sz="2400" dirty="0">
+                <a:solidFill>
+                  <a:schemeClr val="bg2"/>
+                </a:solidFill>
+              </a:rPr>
+              <a:t> и </a:t>
+            </a:r>
+            <a:r>
+              <a:rPr lang="ru-RU" sz="2400" b="1" dirty="0">
+                <a:solidFill>
+                  <a:schemeClr val="bg2"/>
+                </a:solidFill>
+              </a:rPr>
+              <a:t>изпълнение</a:t>
+            </a:r>
+            <a:r>
+              <a:rPr lang="ru-RU" sz="2400" dirty="0">
+                <a:solidFill>
+                  <a:schemeClr val="bg2"/>
+                </a:solidFill>
+              </a:rPr>
+              <a:t> на </a:t>
+            </a:r>
+            <a:r>
+              <a:rPr lang="ru-RU" sz="2400" b="1" dirty="0">
+                <a:solidFill>
+                  <a:schemeClr val="bg2"/>
+                </a:solidFill>
+              </a:rPr>
+              <a:t>команда</a:t>
+            </a:r>
+            <a:r>
+              <a:rPr lang="ru-RU" sz="2400" dirty="0">
                 <a:solidFill>
                   <a:schemeClr val="bg2"/>
                 </a:solidFill>
@@ -15180,60 +14968,12 @@
               <a:t> </a:t>
             </a:r>
             <a:r>
-              <a:rPr lang="ru-RU" sz="2400" dirty="0">
+              <a:rPr lang="ru-RU" sz="2400" b="1" dirty="0">
                 <a:solidFill>
                   <a:schemeClr val="bg2"/>
                 </a:solidFill>
               </a:rPr>
-              <a:t>и </a:t>
-            </a:r>
-            <a:r>
-              <a:rPr lang="ru-RU" sz="2400" b="1" dirty="0" smtClean="0">
-                <a:solidFill>
-                  <a:schemeClr val="bg2"/>
-                </a:solidFill>
-              </a:rPr>
-              <a:t>изпълнение</a:t>
-            </a:r>
-            <a:r>
-              <a:rPr lang="ru-RU" sz="2400" dirty="0" smtClean="0">
-                <a:solidFill>
-                  <a:schemeClr val="bg2"/>
-                </a:solidFill>
-              </a:rPr>
-              <a:t> на </a:t>
-            </a:r>
-            <a:r>
-              <a:rPr lang="ru-RU" sz="2400" b="1" dirty="0" smtClean="0">
-                <a:solidFill>
-                  <a:schemeClr val="bg2"/>
-                </a:solidFill>
-              </a:rPr>
-              <a:t>команда</a:t>
-            </a:r>
-            <a:r>
-              <a:rPr lang="ru-RU" sz="2400" dirty="0" smtClean="0">
-                <a:solidFill>
-                  <a:schemeClr val="bg2"/>
-                </a:solidFill>
-              </a:rPr>
-              <a:t> </a:t>
-            </a:r>
-            <a:r>
-              <a:rPr lang="ru-RU" sz="2400" b="1" dirty="0">
-                <a:solidFill>
-                  <a:schemeClr val="bg2"/>
-                </a:solidFill>
-              </a:rPr>
-              <a:t>по </a:t>
-            </a:r>
-            <a:r>
-              <a:rPr lang="ru-RU" sz="2400" b="1" dirty="0" smtClean="0">
-                <a:solidFill>
-                  <a:schemeClr val="bg2"/>
-                </a:solidFill>
-              </a:rPr>
-              <a:t>команда</a:t>
+              <a:t>по команда</a:t>
             </a:r>
           </a:p>
           <a:p>
@@ -15791,7 +15531,7 @@
                 <a:hlinkClick r:id="rId3">
                   <a:extLst>
                     <a:ext uri="{A12FA001-AC4F-418D-AE19-62706E023703}">
-                      <ahyp:hlinkClr xmlns="" xmlns:ahyp="http://schemas.microsoft.com/office/drawing/2018/hyperlinkcolor" val="tx"/>
+                      <ahyp:hlinkClr xmlns:ahyp="http://schemas.microsoft.com/office/drawing/2018/hyperlinkcolor" val="tx"/>
                     </a:ext>
                   </a:extLst>
                 </a:hlinkClick>
@@ -15864,13 +15604,6 @@
       <p:transition spd="slow" advClick="0" advTm="5000"/>
     </mc:Fallback>
   </mc:AlternateContent>
-  <p:timing>
-    <p:tnLst>
-      <p:par>
-        <p:cTn id="1" dur="indefinite" restart="never" nodeType="tmRoot"/>
-      </p:par>
-    </p:tnLst>
-  </p:timing>
 </p:sld>
 </file>
 
@@ -16254,13 +15987,6 @@
       <p:transition spd="slow" advClick="0" advTm="5000"/>
     </mc:Fallback>
   </mc:AlternateContent>
-  <p:timing>
-    <p:tnLst>
-      <p:par>
-        <p:cTn id="1" dur="indefinite" restart="never" nodeType="tmRoot"/>
-      </p:par>
-    </p:tnLst>
-  </p:timing>
 </p:sld>
 </file>
 
@@ -16393,13 +16119,6 @@
       <p:transition spd="slow" advClick="0" advTm="5000"/>
     </mc:Fallback>
   </mc:AlternateContent>
-  <p:timing>
-    <p:tnLst>
-      <p:par>
-        <p:cTn id="1" dur="indefinite" restart="never" nodeType="tmRoot"/>
-      </p:par>
-    </p:tnLst>
-  </p:timing>
 </p:sld>
 </file>
 
@@ -16436,11 +16155,11 @@
           <a:lstStyle/>
           <a:p>
             <a:r>
-              <a:rPr lang="bg-BG" dirty="0" smtClean="0"/>
+              <a:rPr lang="bg-BG" dirty="0"/>
               <a:t>͏͏</a:t>
             </a:r>
             <a:r>
-              <a:rPr lang="bg-BG" b="1" dirty="0" smtClean="0">
+              <a:rPr lang="bg-BG" b="1" dirty="0">
                 <a:solidFill>
                   <a:schemeClr val="bg1"/>
                 </a:solidFill>
@@ -16448,7 +16167,7 @@
               <a:t>Език за програмиране </a:t>
             </a:r>
             <a:r>
-              <a:rPr lang="bg-BG" dirty="0" smtClean="0"/>
+              <a:rPr lang="bg-BG" dirty="0"/>
               <a:t>– </a:t>
             </a:r>
             <a:r>
@@ -16501,11 +16220,7 @@
             </a:r>
             <a:r>
               <a:rPr lang="ru-RU" b="1" dirty="0"/>
-              <a:t>изпълнява </a:t>
-            </a:r>
-            <a:r>
-              <a:rPr lang="ru-RU" b="1" dirty="0" smtClean="0"/>
-              <a:t>задачи</a:t>
+              <a:t>изпълнява задачи</a:t>
             </a:r>
           </a:p>
           <a:p>
@@ -16562,7 +16277,7 @@
           <a:lstStyle/>
           <a:p>
             <a:r>
-              <a:rPr lang="bg-BG" dirty="0" smtClean="0"/>
+              <a:rPr lang="bg-BG" dirty="0"/>
               <a:t>Какво е език за програмиране?</a:t>
             </a:r>
             <a:endParaRPr lang="en-US" dirty="0"/>
@@ -16807,16 +16522,12 @@
           <a:lstStyle/>
           <a:p>
             <a:r>
-              <a:rPr lang="ru-RU" b="1" dirty="0" smtClean="0"/>
+              <a:rPr lang="ru-RU" b="1" dirty="0"/>
               <a:t>Езиците</a:t>
             </a:r>
             <a:r>
-              <a:rPr lang="ru-RU" dirty="0" smtClean="0"/>
-              <a:t> </a:t>
-            </a:r>
-            <a:r>
               <a:rPr lang="ru-RU" dirty="0"/>
-              <a:t>за </a:t>
+              <a:t> за </a:t>
             </a:r>
             <a:r>
               <a:rPr lang="ru-RU" b="1" dirty="0"/>
@@ -16839,18 +16550,18 @@
               <a:t>основни групи</a:t>
             </a:r>
             <a:r>
-              <a:rPr lang="bg-BG" dirty="0" smtClean="0"/>
+              <a:rPr lang="bg-BG" dirty="0"/>
               <a:t>:</a:t>
             </a:r>
           </a:p>
           <a:p>
             <a:pPr lvl="1"/>
             <a:r>
-              <a:rPr lang="bg-BG" b="1" dirty="0" smtClean="0"/>
+              <a:rPr lang="bg-BG" b="1" dirty="0"/>
               <a:t>͏</a:t>
             </a:r>
             <a:r>
-              <a:rPr lang="bg-BG" b="1" dirty="0" smtClean="0">
+              <a:rPr lang="bg-BG" b="1" dirty="0">
                 <a:solidFill>
                   <a:schemeClr val="bg1"/>
                 </a:solidFill>
@@ -16858,22 +16569,22 @@
               <a:t>Машинни</a:t>
             </a:r>
             <a:r>
-              <a:rPr lang="bg-BG" b="1" dirty="0" smtClean="0"/>
+              <a:rPr lang="bg-BG" b="1" dirty="0"/>
               <a:t> </a:t>
             </a:r>
             <a:r>
-              <a:rPr lang="bg-BG" dirty="0" smtClean="0"/>
+              <a:rPr lang="bg-BG" dirty="0"/>
               <a:t>езици</a:t>
             </a:r>
           </a:p>
           <a:p>
             <a:pPr lvl="1"/>
             <a:r>
-              <a:rPr lang="bg-BG" dirty="0" smtClean="0"/>
+              <a:rPr lang="bg-BG" dirty="0"/>
               <a:t>Езици от </a:t>
             </a:r>
             <a:r>
-              <a:rPr lang="bg-BG" b="1" dirty="0" smtClean="0">
+              <a:rPr lang="bg-BG" b="1" dirty="0">
                 <a:solidFill>
                   <a:schemeClr val="bg1"/>
                 </a:solidFill>
@@ -16884,11 +16595,11 @@
           <a:p>
             <a:pPr lvl="1"/>
             <a:r>
-              <a:rPr lang="bg-BG" dirty="0" smtClean="0"/>
+              <a:rPr lang="bg-BG" dirty="0"/>
               <a:t>Езици от </a:t>
             </a:r>
             <a:r>
-              <a:rPr lang="bg-BG" b="1" dirty="0" smtClean="0">
+              <a:rPr lang="bg-BG" b="1" dirty="0">
                 <a:solidFill>
                   <a:schemeClr val="bg1"/>
                 </a:solidFill>
@@ -16917,7 +16628,7 @@
           <a:lstStyle/>
           <a:p>
             <a:r>
-              <a:rPr lang="bg-BG" dirty="0" smtClean="0"/>
+              <a:rPr lang="bg-BG" dirty="0"/>
               <a:t>Основни видове езици</a:t>
             </a:r>
             <a:endParaRPr lang="en-US" dirty="0"/>
@@ -17376,19 +17087,19 @@
           <a:lstStyle/>
           <a:p>
             <a:r>
-              <a:rPr lang="ru-RU" dirty="0" smtClean="0"/>
+              <a:rPr lang="ru-RU" dirty="0"/>
               <a:t>Компютърът "</a:t>
             </a:r>
             <a:r>
-              <a:rPr lang="ru-RU" b="1" dirty="0" smtClean="0"/>
+              <a:rPr lang="ru-RU" b="1" dirty="0"/>
               <a:t>разбира</a:t>
             </a:r>
             <a:r>
-              <a:rPr lang="ru-RU" dirty="0" smtClean="0"/>
+              <a:rPr lang="ru-RU" dirty="0"/>
               <a:t>" само </a:t>
             </a:r>
             <a:r>
-              <a:rPr lang="ru-RU" b="1" dirty="0" smtClean="0">
+              <a:rPr lang="ru-RU" b="1" dirty="0">
                 <a:solidFill>
                   <a:schemeClr val="bg1"/>
                 </a:solidFill>
@@ -17396,41 +17107,37 @@
               <a:t>машинните езици</a:t>
             </a:r>
             <a:r>
-              <a:rPr lang="ru-RU" dirty="0" smtClean="0"/>
+              <a:rPr lang="ru-RU" dirty="0"/>
               <a:t> </a:t>
             </a:r>
           </a:p>
           <a:p>
             <a:r>
-              <a:rPr lang="bg-BG" dirty="0" smtClean="0"/>
+              <a:rPr lang="bg-BG" dirty="0"/>
               <a:t>Тези езици представляват</a:t>
             </a:r>
             <a:r>
-              <a:rPr lang="ru-RU" dirty="0" smtClean="0"/>
+              <a:rPr lang="ru-RU" dirty="0"/>
               <a:t> </a:t>
             </a:r>
             <a:r>
-              <a:rPr lang="ru-RU" b="1" dirty="0" smtClean="0"/>
+              <a:rPr lang="ru-RU" b="1" dirty="0"/>
               <a:t>поредица</a:t>
             </a:r>
             <a:r>
-              <a:rPr lang="ru-RU" dirty="0" smtClean="0"/>
+              <a:rPr lang="ru-RU" dirty="0"/>
               <a:t> от </a:t>
             </a:r>
             <a:r>
-              <a:rPr lang="ru-RU" b="1" dirty="0" smtClean="0"/>
+              <a:rPr lang="ru-RU" b="1" dirty="0"/>
               <a:t>числа</a:t>
             </a:r>
           </a:p>
           <a:p>
             <a:pPr lvl="1"/>
             <a:r>
-              <a:rPr lang="ru-RU" dirty="0" smtClean="0"/>
-              <a:t>Това </a:t>
-            </a:r>
-            <a:r>
               <a:rPr lang="ru-RU" dirty="0"/>
-              <a:t>ги прави </a:t>
+              <a:t>Това ги прави </a:t>
             </a:r>
             <a:r>
               <a:rPr lang="ru-RU" b="1" dirty="0"/>
@@ -17444,7 +17151,6 @@
               <a:rPr lang="ru-RU" b="1" dirty="0"/>
               <a:t>използване</a:t>
             </a:r>
-            <a:endParaRPr lang="ru-RU" b="1" dirty="0" smtClean="0"/>
           </a:p>
         </p:txBody>
       </p:sp>
@@ -17464,7 +17170,7 @@
           <a:lstStyle/>
           <a:p>
             <a:r>
-              <a:rPr lang="ru-RU" dirty="0" smtClean="0"/>
+              <a:rPr lang="ru-RU" dirty="0"/>
               <a:t>Машинни езици</a:t>
             </a:r>
             <a:endParaRPr lang="en-US" dirty="0"/>
@@ -18100,24 +17806,16 @@
           <a:lstStyle/>
           <a:p>
             <a:r>
-              <a:rPr lang="ru-RU" b="1" dirty="0" smtClean="0"/>
+              <a:rPr lang="ru-RU" b="1" dirty="0"/>
               <a:t>͏</a:t>
             </a:r>
             <a:r>
-              <a:rPr lang="ru-RU" b="1" dirty="0" smtClean="0">
+              <a:rPr lang="ru-RU" b="1" dirty="0">
                 <a:solidFill>
                   <a:schemeClr val="bg1"/>
                 </a:solidFill>
               </a:rPr>
-              <a:t>Асемблерните </a:t>
-            </a:r>
-            <a:r>
-              <a:rPr lang="ru-RU" b="1" dirty="0">
-                <a:solidFill>
-                  <a:schemeClr val="bg1"/>
-                </a:solidFill>
-              </a:rPr>
-              <a:t>езици </a:t>
+              <a:t>Асемблерните езици </a:t>
             </a:r>
             <a:r>
               <a:rPr lang="ru-RU" dirty="0"/>
@@ -18188,13 +17886,8 @@
             </a:r>
             <a:r>
               <a:rPr lang="ru-RU" dirty="0"/>
-              <a:t> </a:t>
-            </a:r>
-            <a:r>
-              <a:rPr lang="ru-RU" dirty="0" smtClean="0"/>
-              <a:t>на програми</a:t>
-            </a:r>
-            <a:endParaRPr lang="ru-RU" dirty="0"/>
+              <a:t> на програми</a:t>
+            </a:r>
           </a:p>
         </p:txBody>
       </p:sp>
@@ -18217,11 +17910,7 @@
           <a:p>
             <a:r>
               <a:rPr lang="bg-BG" dirty="0"/>
-              <a:t>Езици от ниско </a:t>
-            </a:r>
-            <a:r>
-              <a:rPr lang="bg-BG" dirty="0" smtClean="0"/>
-              <a:t>ниво</a:t>
+              <a:t>Езици от ниско ниво</a:t>
             </a:r>
             <a:endParaRPr lang="en-US" dirty="0"/>
           </a:p>
@@ -18555,11 +18244,11 @@
           <a:lstStyle/>
           <a:p>
             <a:r>
-              <a:rPr lang="ru-RU" b="1" dirty="0" smtClean="0"/>
+              <a:rPr lang="ru-RU" b="1" dirty="0"/>
               <a:t>͏</a:t>
             </a:r>
             <a:r>
-              <a:rPr lang="ru-RU" b="1" dirty="0" smtClean="0">
+              <a:rPr lang="ru-RU" b="1" dirty="0">
                 <a:solidFill>
                   <a:schemeClr val="bg1"/>
                 </a:solidFill>
@@ -18567,7 +18256,7 @@
               <a:t>Езиците</a:t>
             </a:r>
             <a:r>
-              <a:rPr lang="ru-RU" dirty="0" smtClean="0">
+              <a:rPr lang="ru-RU" dirty="0">
                 <a:solidFill>
                   <a:schemeClr val="bg1"/>
                 </a:solidFill>
@@ -18592,85 +18281,73 @@
             </a:r>
             <a:r>
               <a:rPr lang="ru-RU" dirty="0"/>
-              <a:t>, които са </a:t>
-            </a:r>
-            <a:r>
-              <a:rPr lang="ru-RU" dirty="0" smtClean="0"/>
-              <a:t>	  </a:t>
-            </a:r>
-            <a:r>
-              <a:rPr lang="ru-RU" b="1" dirty="0" smtClean="0"/>
+              <a:t>, които са 	  </a:t>
+            </a:r>
+            <a:r>
+              <a:rPr lang="ru-RU" b="1" dirty="0"/>
               <a:t>по-близки</a:t>
             </a:r>
             <a:r>
-              <a:rPr lang="ru-RU" dirty="0" smtClean="0"/>
-              <a:t> </a:t>
-            </a:r>
-            <a:r>
               <a:rPr lang="ru-RU" dirty="0"/>
-              <a:t>до </a:t>
+              <a:t> до </a:t>
             </a:r>
             <a:r>
               <a:rPr lang="ru-RU" b="1" dirty="0"/>
-              <a:t>човешкия </a:t>
-            </a:r>
-            <a:r>
-              <a:rPr lang="ru-RU" b="1" dirty="0" smtClean="0"/>
-              <a:t>език</a:t>
-            </a:r>
-            <a:r>
-              <a:rPr lang="ru-RU" dirty="0" smtClean="0"/>
+              <a:t>човешкия език</a:t>
+            </a:r>
+            <a:r>
+              <a:rPr lang="ru-RU" dirty="0"/>
               <a:t>, което </a:t>
             </a:r>
             <a:r>
-              <a:rPr lang="ru-RU" b="1" dirty="0" smtClean="0"/>
+              <a:rPr lang="ru-RU" b="1" dirty="0"/>
               <a:t>улеснява писането </a:t>
             </a:r>
             <a:r>
-              <a:rPr lang="ru-RU" dirty="0" smtClean="0"/>
+              <a:rPr lang="ru-RU" dirty="0"/>
               <a:t>на програми</a:t>
             </a:r>
           </a:p>
           <a:p>
             <a:pPr lvl="1"/>
             <a:r>
-              <a:rPr lang="ru-RU" dirty="0" smtClean="0"/>
+              <a:rPr lang="ru-RU" dirty="0"/>
               <a:t>Те </a:t>
             </a:r>
             <a:r>
-              <a:rPr lang="ru-RU" b="1" dirty="0" smtClean="0"/>
+              <a:rPr lang="ru-RU" b="1" dirty="0"/>
               <a:t>абстрахират детайлите </a:t>
             </a:r>
             <a:r>
-              <a:rPr lang="ru-RU" dirty="0" smtClean="0"/>
+              <a:rPr lang="ru-RU" dirty="0"/>
               <a:t>на </a:t>
             </a:r>
             <a:r>
-              <a:rPr lang="ru-RU" b="1" dirty="0" smtClean="0"/>
+              <a:rPr lang="ru-RU" b="1" dirty="0"/>
               <a:t>хардуера</a:t>
             </a:r>
             <a:r>
-              <a:rPr lang="ru-RU" dirty="0" smtClean="0"/>
+              <a:rPr lang="ru-RU" dirty="0"/>
               <a:t>, позволявайки на програмистите да се </a:t>
             </a:r>
             <a:r>
-              <a:rPr lang="ru-RU" b="1" dirty="0" smtClean="0"/>
+              <a:rPr lang="ru-RU" b="1" dirty="0"/>
               <a:t>фокусират</a:t>
             </a:r>
             <a:r>
-              <a:rPr lang="ru-RU" dirty="0" smtClean="0"/>
+              <a:rPr lang="ru-RU" dirty="0"/>
               <a:t> върху </a:t>
             </a:r>
             <a:r>
-              <a:rPr lang="ru-RU" b="1" dirty="0" smtClean="0"/>
+              <a:rPr lang="ru-RU" b="1" dirty="0"/>
               <a:t>логиката</a:t>
             </a:r>
             <a:r>
-              <a:rPr lang="ru-RU" dirty="0" smtClean="0"/>
+              <a:rPr lang="ru-RU" dirty="0"/>
               <a:t> на </a:t>
             </a:r>
             <a:r>
-              <a:rPr lang="ru-RU" b="1" dirty="0" smtClean="0"/>
+              <a:rPr lang="ru-RU" b="1" dirty="0"/>
               <a:t>програмата</a:t>
             </a:r>
             <a:endParaRPr lang="en-US" b="1" dirty="0"/>
@@ -18696,11 +18373,7 @@
           <a:p>
             <a:r>
               <a:rPr lang="bg-BG" dirty="0"/>
-              <a:t>Езици от високо </a:t>
-            </a:r>
-            <a:r>
-              <a:rPr lang="bg-BG" dirty="0" smtClean="0"/>
-              <a:t>ниво</a:t>
+              <a:t>Езици от високо ниво</a:t>
             </a:r>
             <a:endParaRPr lang="en-US" dirty="0"/>
           </a:p>
@@ -18945,11 +18618,11 @@
           <a:lstStyle/>
           <a:p>
             <a:r>
-              <a:rPr lang="bg-BG" dirty="0" smtClean="0"/>
+              <a:rPr lang="bg-BG" dirty="0"/>
               <a:t>Едни от </a:t>
             </a:r>
             <a:r>
-              <a:rPr lang="bg-BG" b="1" dirty="0" smtClean="0">
+              <a:rPr lang="bg-BG" b="1" dirty="0">
                 <a:solidFill>
                   <a:schemeClr val="bg1"/>
                 </a:solidFill>
@@ -18957,65 +18630,65 @@
               <a:t>най-популярните</a:t>
             </a:r>
             <a:r>
-              <a:rPr lang="bg-BG" dirty="0" smtClean="0"/>
+              <a:rPr lang="bg-BG" dirty="0"/>
               <a:t> </a:t>
             </a:r>
             <a:r>
-              <a:rPr lang="bg-BG" b="1" dirty="0" smtClean="0"/>
+              <a:rPr lang="bg-BG" b="1" dirty="0"/>
               <a:t>езици</a:t>
             </a:r>
             <a:r>
-              <a:rPr lang="bg-BG" dirty="0" smtClean="0"/>
+              <a:rPr lang="bg-BG" dirty="0"/>
               <a:t> от </a:t>
             </a:r>
             <a:r>
-              <a:rPr lang="bg-BG" b="1" dirty="0" smtClean="0"/>
+              <a:rPr lang="bg-BG" b="1" dirty="0"/>
               <a:t>високо ниво </a:t>
             </a:r>
             <a:r>
-              <a:rPr lang="bg-BG" dirty="0" smtClean="0"/>
+              <a:rPr lang="bg-BG" dirty="0"/>
               <a:t>са:</a:t>
             </a:r>
           </a:p>
           <a:p>
             <a:pPr lvl="1"/>
             <a:r>
-              <a:rPr lang="en-US" dirty="0" smtClean="0"/>
+              <a:rPr lang="en-US" dirty="0"/>
               <a:t>C#</a:t>
             </a:r>
           </a:p>
           <a:p>
             <a:pPr lvl="1"/>
             <a:r>
-              <a:rPr lang="en-US" dirty="0" smtClean="0"/>
+              <a:rPr lang="en-US" dirty="0"/>
               <a:t>C++</a:t>
             </a:r>
           </a:p>
           <a:p>
             <a:pPr lvl="1"/>
             <a:r>
-              <a:rPr lang="en-US" dirty="0" smtClean="0"/>
+              <a:rPr lang="en-US" dirty="0"/>
               <a:t>Python</a:t>
             </a:r>
           </a:p>
           <a:p>
             <a:pPr lvl="1"/>
             <a:r>
-              <a:rPr lang="en-US" dirty="0" smtClean="0"/>
+              <a:rPr lang="en-US" dirty="0"/>
               <a:t>JavaScript</a:t>
             </a:r>
           </a:p>
           <a:p>
             <a:pPr lvl="1"/>
             <a:r>
-              <a:rPr lang="en-US" dirty="0" smtClean="0"/>
+              <a:rPr lang="en-US" dirty="0"/>
               <a:t>Java</a:t>
             </a:r>
           </a:p>
           <a:p>
             <a:pPr lvl="1"/>
             <a:r>
-              <a:rPr lang="en-US" dirty="0" smtClean="0"/>
+              <a:rPr lang="en-US" dirty="0"/>
               <a:t>PHP</a:t>
             </a:r>
           </a:p>
@@ -19037,7 +18710,7 @@
           <a:lstStyle/>
           <a:p>
             <a:r>
-              <a:rPr lang="bg-BG" dirty="0" smtClean="0"/>
+              <a:rPr lang="bg-BG" dirty="0"/>
               <a:t>Примери за езици от високо ниво</a:t>
             </a:r>
             <a:endParaRPr lang="en-US" dirty="0"/>

--- a/Courses/Computer-Modeling-and-IT/Computer-Modeling-and-IT-6-Class/26-Transitioning-from-Block-to-Scripting-Languages/26-Transitioning-from-Block-to-Scripting-Languages.pptx
+++ b/Courses/Computer-Modeling-and-IT/Computer-Modeling-and-IT-6-Class/26-Transitioning-from-Block-to-Scripting-Languages/26-Transitioning-from-Block-to-Scripting-Languages.pptx
@@ -301,7 +301,7 @@
           <a:p>
             <a:fld id="{4E087215-0C8F-4762-A664-737A353EC9A4}" type="datetimeFigureOut">
               <a:rPr lang="bg-BG" smtClean="0"/>
-              <a:t>21.1.2025 г.</a:t>
+              <a:t>3.9.2025 г.</a:t>
             </a:fld>
             <a:endParaRPr lang="bg-BG"/>
           </a:p>
@@ -497,7 +497,7 @@
           <a:p>
             <a:fld id="{72D84649-876A-46C9-8472-14CB09C070D8}" type="datetimeFigureOut">
               <a:rPr lang="en-US" smtClean="0"/>
-              <a:t>1/21/2025</a:t>
+              <a:t>3-Sep-25</a:t>
             </a:fld>
             <a:endParaRPr lang="en-US"/>
           </a:p>
@@ -8808,7 +8808,7 @@
             <a:pPr lvl="1"/>
             <a:r>
               <a:rPr lang="en-US" dirty="0"/>
-              <a:t>Java, C#, Go, Rust </a:t>
+              <a:t>C#, C++, Go, Rust </a:t>
             </a:r>
             <a:r>
               <a:rPr lang="bg-BG" dirty="0"/>
